--- a/Documents/Earth Alone.pptx
+++ b/Documents/Earth Alone.pptx
@@ -255,7 +255,7 @@
           <a:p>
             <a:fld id="{478E4554-8682-0047-81B3-23DF92292DA4}" type="datetimeFigureOut">
               <a:rPr lang="fr-FR" smtClean="0"/>
-              <a:t>17-07-29</a:t>
+              <a:t>17-07-31</a:t>
             </a:fld>
             <a:endParaRPr lang="en-CA"/>
           </a:p>
@@ -421,7 +421,7 @@
           <a:p>
             <a:fld id="{4AA04B09-B6F6-1B43-9949-81D455400551}" type="datetimeFigureOut">
               <a:rPr lang="fr-FR" smtClean="0"/>
-              <a:t>17-07-29</a:t>
+              <a:t>17-07-31</a:t>
             </a:fld>
             <a:endParaRPr lang="en-CA"/>
           </a:p>
@@ -2204,6 +2204,44 @@
           <a:bodyPr/>
           <a:lstStyle/>
           <a:p>
+            <a:r>
+              <a:rPr lang="en-CA" dirty="0" err="1" smtClean="0"/>
+              <a:t>Headhunter</a:t>
+            </a:r>
+            <a:r>
+              <a:rPr lang="en-CA" dirty="0" smtClean="0"/>
+              <a:t> red crosshair on ground, 0.5</a:t>
+            </a:r>
+            <a:r>
+              <a:rPr lang="en-CA" baseline="0" dirty="0" smtClean="0"/>
+              <a:t> sec to counter with cloak or EMP, always targets 1</a:t>
+            </a:r>
+            <a:r>
+              <a:rPr lang="en-CA" baseline="30000" dirty="0" smtClean="0"/>
+              <a:t>st</a:t>
+            </a:r>
+            <a:r>
+              <a:rPr lang="en-CA" baseline="0" dirty="0" smtClean="0"/>
+              <a:t> person, always works.</a:t>
+            </a:r>
+          </a:p>
+          <a:p>
+            <a:r>
+              <a:rPr lang="en-CA" dirty="0" smtClean="0"/>
+              <a:t>Hell storm large scale meteor</a:t>
+            </a:r>
+            <a:r>
+              <a:rPr lang="en-CA" baseline="0" dirty="0" smtClean="0"/>
+              <a:t> strike Legendary 10 second 10 mana</a:t>
+            </a:r>
+          </a:p>
+          <a:p>
+            <a:r>
+              <a:rPr lang="en-CA" baseline="0" dirty="0" smtClean="0"/>
+              <a:t>Tar slows you down</a:t>
+            </a:r>
+          </a:p>
+          <a:p>
             <a:endParaRPr lang="en-CA" dirty="0"/>
           </a:p>
         </p:txBody>
@@ -2596,7 +2634,7 @@
           <a:p>
             <a:fld id="{7839A6EA-F7B1-0B44-BC35-AD132267A4DC}" type="datetime1">
               <a:rPr lang="fr-CA" smtClean="0"/>
-              <a:t>17-07-29</a:t>
+              <a:t>17-07-31</a:t>
             </a:fld>
             <a:endParaRPr lang="en-US" dirty="0"/>
           </a:p>
@@ -2929,7 +2967,7 @@
           <a:p>
             <a:fld id="{BF3955A8-2797-EA4A-9E2A-2F8CFD12BF6E}" type="datetime1">
               <a:rPr lang="fr-CA" smtClean="0"/>
-              <a:t>17-07-29</a:t>
+              <a:t>17-07-31</a:t>
             </a:fld>
             <a:endParaRPr lang="en-CA"/>
           </a:p>
@@ -3355,7 +3393,7 @@
           <a:p>
             <a:fld id="{2623DA68-7C09-344D-94FD-BCCBFF8A9C92}" type="datetime1">
               <a:rPr lang="fr-CA" smtClean="0"/>
-              <a:t>17-07-29</a:t>
+              <a:t>17-07-31</a:t>
             </a:fld>
             <a:endParaRPr lang="en-CA"/>
           </a:p>
@@ -3776,7 +3814,7 @@
           <a:p>
             <a:fld id="{C96802C1-E6A5-A943-B158-E2ED5B1D1748}" type="datetime1">
               <a:rPr lang="fr-CA" smtClean="0"/>
-              <a:t>17-07-29</a:t>
+              <a:t>17-07-31</a:t>
             </a:fld>
             <a:endParaRPr lang="en-CA"/>
           </a:p>
@@ -3913,7 +3951,7 @@
           <a:p>
             <a:fld id="{771726DE-45DE-4B43-ACEE-C75C9862EB06}" type="datetime1">
               <a:rPr lang="fr-CA" smtClean="0"/>
-              <a:t>17-07-29</a:t>
+              <a:t>17-07-31</a:t>
             </a:fld>
             <a:endParaRPr lang="en-CA"/>
           </a:p>
@@ -4239,7 +4277,7 @@
           <a:p>
             <a:fld id="{5658D407-638E-3641-B9A7-D19475F928FE}" type="datetime1">
               <a:rPr lang="fr-CA" smtClean="0"/>
-              <a:t>17-07-29</a:t>
+              <a:t>17-07-31</a:t>
             </a:fld>
             <a:endParaRPr lang="en-CA"/>
           </a:p>
@@ -4487,7 +4525,7 @@
           <a:p>
             <a:fld id="{BB923671-466F-9240-AE09-4C886CE207AA}" type="datetime1">
               <a:rPr lang="fr-CA" smtClean="0"/>
-              <a:t>17-07-29</a:t>
+              <a:t>17-07-31</a:t>
             </a:fld>
             <a:endParaRPr lang="en-CA"/>
           </a:p>
@@ -4829,7 +4867,7 @@
           <a:p>
             <a:fld id="{677FF192-833E-5349-A041-ABA1A9340DDE}" type="datetime1">
               <a:rPr lang="fr-CA" smtClean="0"/>
-              <a:t>17-07-29</a:t>
+              <a:t>17-07-31</a:t>
             </a:fld>
             <a:endParaRPr lang="en-CA"/>
           </a:p>
@@ -5133,7 +5171,7 @@
           <a:p>
             <a:fld id="{09C4B9B5-7EFC-9244-9761-B7BDBB0AA012}" type="datetime1">
               <a:rPr lang="fr-CA" smtClean="0"/>
-              <a:t>17-07-29</a:t>
+              <a:t>17-07-31</a:t>
             </a:fld>
             <a:endParaRPr lang="en-CA"/>
           </a:p>
@@ -5544,7 +5582,7 @@
           <a:p>
             <a:fld id="{F801F428-AE77-E045-9480-3FE3AAF71E65}" type="datetime1">
               <a:rPr lang="fr-CA" smtClean="0"/>
-              <a:t>17-07-29</a:t>
+              <a:t>17-07-31</a:t>
             </a:fld>
             <a:endParaRPr lang="en-CA"/>
           </a:p>
@@ -5770,7 +5808,7 @@
           <a:p>
             <a:fld id="{ADAA07CA-59E0-A243-97BC-43C9F51FD9FF}" type="datetime1">
               <a:rPr lang="fr-CA" smtClean="0"/>
-              <a:t>17-07-29</a:t>
+              <a:t>17-07-31</a:t>
             </a:fld>
             <a:endParaRPr lang="en-CA"/>
           </a:p>
@@ -5991,7 +6029,7 @@
           <a:p>
             <a:fld id="{826A6692-799A-0F4B-A22C-2D282DEB7CD5}" type="datetime1">
               <a:rPr lang="fr-CA" smtClean="0"/>
-              <a:t>17-07-29</a:t>
+              <a:t>17-07-31</a:t>
             </a:fld>
             <a:endParaRPr lang="en-CA"/>
           </a:p>
@@ -6300,7 +6338,7 @@
           <a:p>
             <a:fld id="{DBB7E5EE-521F-EC4A-A5C3-A2A1536DAA8C}" type="datetime1">
               <a:rPr lang="fr-CA" smtClean="0"/>
-              <a:t>17-07-29</a:t>
+              <a:t>17-07-31</a:t>
             </a:fld>
             <a:endParaRPr lang="en-CA"/>
           </a:p>
@@ -6631,7 +6669,7 @@
           <a:p>
             <a:fld id="{3E6BCE1D-B433-BC48-8038-626206E41CB0}" type="datetime1">
               <a:rPr lang="fr-CA" smtClean="0"/>
-              <a:t>17-07-29</a:t>
+              <a:t>17-07-31</a:t>
             </a:fld>
             <a:endParaRPr lang="en-CA"/>
           </a:p>
@@ -6970,7 +7008,7 @@
           <a:p>
             <a:fld id="{4B73CBE7-00BA-814D-A6E3-B3D5A65032CA}" type="datetime1">
               <a:rPr lang="fr-CA" smtClean="0"/>
-              <a:t>17-07-29</a:t>
+              <a:t>17-07-31</a:t>
             </a:fld>
             <a:endParaRPr lang="en-US"/>
           </a:p>
@@ -7597,7 +7635,7 @@
           <a:p>
             <a:fld id="{1DC03657-A2BB-3242-BF25-3D72B79B6372}" type="datetime1">
               <a:rPr lang="fr-CA" smtClean="0"/>
-              <a:t>17-07-29</a:t>
+              <a:t>17-07-31</a:t>
             </a:fld>
             <a:endParaRPr lang="en-CA"/>
           </a:p>
@@ -8088,7 +8126,7 @@
           <a:p>
             <a:fld id="{A36AC3A7-7839-B545-A9B3-950A645AC025}" type="datetime1">
               <a:rPr lang="fr-CA" smtClean="0"/>
-              <a:t>17-07-29</a:t>
+              <a:t>17-07-31</a:t>
             </a:fld>
             <a:endParaRPr lang="en-CA"/>
           </a:p>
@@ -8340,7 +8378,7 @@
           <a:p>
             <a:fld id="{FB43067C-42C1-1C43-B902-066143DC70F1}" type="datetime1">
               <a:rPr lang="fr-CA" smtClean="0"/>
-              <a:t>17-07-29</a:t>
+              <a:t>17-07-31</a:t>
             </a:fld>
             <a:endParaRPr lang="en-CA"/>
           </a:p>
@@ -8640,7 +8678,7 @@
           <a:p>
             <a:fld id="{E0F2C6FF-FE77-EB42-A8D7-C92EEE9F8CA5}" type="datetime1">
               <a:rPr lang="fr-CA" smtClean="0"/>
-              <a:t>17-07-29</a:t>
+              <a:t>17-07-31</a:t>
             </a:fld>
             <a:endParaRPr lang="en-CA"/>
           </a:p>
@@ -15513,14 +15551,14 @@
             <p:ph idx="1"/>
             <p:extLst>
               <p:ext uri="{D42A27DB-BD31-4B8C-83A1-F6EECF244321}">
-                <p14:modId xmlns:p14="http://schemas.microsoft.com/office/powerpoint/2010/main" val="1760374599"/>
+                <p14:modId xmlns:p14="http://schemas.microsoft.com/office/powerpoint/2010/main" val="973709541"/>
               </p:ext>
             </p:extLst>
           </p:nvPr>
         </p:nvGraphicFramePr>
         <p:xfrm>
           <a:off x="774700" y="2197100"/>
-          <a:ext cx="7637772" cy="3606800"/>
+          <a:ext cx="7637772" cy="3337560"/>
         </p:xfrm>
         <a:graphic>
           <a:graphicData uri="http://schemas.openxmlformats.org/drawingml/2006/table">
@@ -16174,8 +16212,8 @@
                     <a:lstStyle/>
                     <a:p>
                       <a:r>
-                        <a:rPr lang="en-CA" dirty="0" smtClean="0"/>
-                        <a:t>Seek &amp; destroy</a:t>
+                        <a:rPr lang="en-CA" dirty="0" err="1" smtClean="0"/>
+                        <a:t>Headhunter</a:t>
                       </a:r>
                       <a:endParaRPr lang="en-CA" dirty="0"/>
                     </a:p>

--- a/Documents/Earth Alone.pptx
+++ b/Documents/Earth Alone.pptx
@@ -255,7 +255,7 @@
           <a:p>
             <a:fld id="{478E4554-8682-0047-81B3-23DF92292DA4}" type="datetimeFigureOut">
               <a:rPr lang="fr-FR" smtClean="0"/>
-              <a:t>17-07-31</a:t>
+              <a:t>17-08-01</a:t>
             </a:fld>
             <a:endParaRPr lang="en-CA"/>
           </a:p>
@@ -421,7 +421,7 @@
           <a:p>
             <a:fld id="{4AA04B09-B6F6-1B43-9949-81D455400551}" type="datetimeFigureOut">
               <a:rPr lang="fr-FR" smtClean="0"/>
-              <a:t>17-07-31</a:t>
+              <a:t>17-08-01</a:t>
             </a:fld>
             <a:endParaRPr lang="en-CA"/>
           </a:p>
@@ -2634,7 +2634,7 @@
           <a:p>
             <a:fld id="{7839A6EA-F7B1-0B44-BC35-AD132267A4DC}" type="datetime1">
               <a:rPr lang="fr-CA" smtClean="0"/>
-              <a:t>17-07-31</a:t>
+              <a:t>17-08-01</a:t>
             </a:fld>
             <a:endParaRPr lang="en-US" dirty="0"/>
           </a:p>
@@ -2967,7 +2967,7 @@
           <a:p>
             <a:fld id="{BF3955A8-2797-EA4A-9E2A-2F8CFD12BF6E}" type="datetime1">
               <a:rPr lang="fr-CA" smtClean="0"/>
-              <a:t>17-07-31</a:t>
+              <a:t>17-08-01</a:t>
             </a:fld>
             <a:endParaRPr lang="en-CA"/>
           </a:p>
@@ -3393,7 +3393,7 @@
           <a:p>
             <a:fld id="{2623DA68-7C09-344D-94FD-BCCBFF8A9C92}" type="datetime1">
               <a:rPr lang="fr-CA" smtClean="0"/>
-              <a:t>17-07-31</a:t>
+              <a:t>17-08-01</a:t>
             </a:fld>
             <a:endParaRPr lang="en-CA"/>
           </a:p>
@@ -3814,7 +3814,7 @@
           <a:p>
             <a:fld id="{C96802C1-E6A5-A943-B158-E2ED5B1D1748}" type="datetime1">
               <a:rPr lang="fr-CA" smtClean="0"/>
-              <a:t>17-07-31</a:t>
+              <a:t>17-08-01</a:t>
             </a:fld>
             <a:endParaRPr lang="en-CA"/>
           </a:p>
@@ -3951,7 +3951,7 @@
           <a:p>
             <a:fld id="{771726DE-45DE-4B43-ACEE-C75C9862EB06}" type="datetime1">
               <a:rPr lang="fr-CA" smtClean="0"/>
-              <a:t>17-07-31</a:t>
+              <a:t>17-08-01</a:t>
             </a:fld>
             <a:endParaRPr lang="en-CA"/>
           </a:p>
@@ -4277,7 +4277,7 @@
           <a:p>
             <a:fld id="{5658D407-638E-3641-B9A7-D19475F928FE}" type="datetime1">
               <a:rPr lang="fr-CA" smtClean="0"/>
-              <a:t>17-07-31</a:t>
+              <a:t>17-08-01</a:t>
             </a:fld>
             <a:endParaRPr lang="en-CA"/>
           </a:p>
@@ -4525,7 +4525,7 @@
           <a:p>
             <a:fld id="{BB923671-466F-9240-AE09-4C886CE207AA}" type="datetime1">
               <a:rPr lang="fr-CA" smtClean="0"/>
-              <a:t>17-07-31</a:t>
+              <a:t>17-08-01</a:t>
             </a:fld>
             <a:endParaRPr lang="en-CA"/>
           </a:p>
@@ -4867,7 +4867,7 @@
           <a:p>
             <a:fld id="{677FF192-833E-5349-A041-ABA1A9340DDE}" type="datetime1">
               <a:rPr lang="fr-CA" smtClean="0"/>
-              <a:t>17-07-31</a:t>
+              <a:t>17-08-01</a:t>
             </a:fld>
             <a:endParaRPr lang="en-CA"/>
           </a:p>
@@ -5171,7 +5171,7 @@
           <a:p>
             <a:fld id="{09C4B9B5-7EFC-9244-9761-B7BDBB0AA012}" type="datetime1">
               <a:rPr lang="fr-CA" smtClean="0"/>
-              <a:t>17-07-31</a:t>
+              <a:t>17-08-01</a:t>
             </a:fld>
             <a:endParaRPr lang="en-CA"/>
           </a:p>
@@ -5582,7 +5582,7 @@
           <a:p>
             <a:fld id="{F801F428-AE77-E045-9480-3FE3AAF71E65}" type="datetime1">
               <a:rPr lang="fr-CA" smtClean="0"/>
-              <a:t>17-07-31</a:t>
+              <a:t>17-08-01</a:t>
             </a:fld>
             <a:endParaRPr lang="en-CA"/>
           </a:p>
@@ -5808,7 +5808,7 @@
           <a:p>
             <a:fld id="{ADAA07CA-59E0-A243-97BC-43C9F51FD9FF}" type="datetime1">
               <a:rPr lang="fr-CA" smtClean="0"/>
-              <a:t>17-07-31</a:t>
+              <a:t>17-08-01</a:t>
             </a:fld>
             <a:endParaRPr lang="en-CA"/>
           </a:p>
@@ -6029,7 +6029,7 @@
           <a:p>
             <a:fld id="{826A6692-799A-0F4B-A22C-2D282DEB7CD5}" type="datetime1">
               <a:rPr lang="fr-CA" smtClean="0"/>
-              <a:t>17-07-31</a:t>
+              <a:t>17-08-01</a:t>
             </a:fld>
             <a:endParaRPr lang="en-CA"/>
           </a:p>
@@ -6338,7 +6338,7 @@
           <a:p>
             <a:fld id="{DBB7E5EE-521F-EC4A-A5C3-A2A1536DAA8C}" type="datetime1">
               <a:rPr lang="fr-CA" smtClean="0"/>
-              <a:t>17-07-31</a:t>
+              <a:t>17-08-01</a:t>
             </a:fld>
             <a:endParaRPr lang="en-CA"/>
           </a:p>
@@ -6669,7 +6669,7 @@
           <a:p>
             <a:fld id="{3E6BCE1D-B433-BC48-8038-626206E41CB0}" type="datetime1">
               <a:rPr lang="fr-CA" smtClean="0"/>
-              <a:t>17-07-31</a:t>
+              <a:t>17-08-01</a:t>
             </a:fld>
             <a:endParaRPr lang="en-CA"/>
           </a:p>
@@ -7008,7 +7008,7 @@
           <a:p>
             <a:fld id="{4B73CBE7-00BA-814D-A6E3-B3D5A65032CA}" type="datetime1">
               <a:rPr lang="fr-CA" smtClean="0"/>
-              <a:t>17-07-31</a:t>
+              <a:t>17-08-01</a:t>
             </a:fld>
             <a:endParaRPr lang="en-US"/>
           </a:p>
@@ -7635,7 +7635,7 @@
           <a:p>
             <a:fld id="{1DC03657-A2BB-3242-BF25-3D72B79B6372}" type="datetime1">
               <a:rPr lang="fr-CA" smtClean="0"/>
-              <a:t>17-07-31</a:t>
+              <a:t>17-08-01</a:t>
             </a:fld>
             <a:endParaRPr lang="en-CA"/>
           </a:p>
@@ -8126,7 +8126,7 @@
           <a:p>
             <a:fld id="{A36AC3A7-7839-B545-A9B3-950A645AC025}" type="datetime1">
               <a:rPr lang="fr-CA" smtClean="0"/>
-              <a:t>17-07-31</a:t>
+              <a:t>17-08-01</a:t>
             </a:fld>
             <a:endParaRPr lang="en-CA"/>
           </a:p>
@@ -8378,7 +8378,7 @@
           <a:p>
             <a:fld id="{FB43067C-42C1-1C43-B902-066143DC70F1}" type="datetime1">
               <a:rPr lang="fr-CA" smtClean="0"/>
-              <a:t>17-07-31</a:t>
+              <a:t>17-08-01</a:t>
             </a:fld>
             <a:endParaRPr lang="en-CA"/>
           </a:p>
@@ -8678,7 +8678,7 @@
           <a:p>
             <a:fld id="{E0F2C6FF-FE77-EB42-A8D7-C92EEE9F8CA5}" type="datetime1">
               <a:rPr lang="fr-CA" smtClean="0"/>
-              <a:t>17-07-31</a:t>
+              <a:t>17-08-01</a:t>
             </a:fld>
             <a:endParaRPr lang="en-CA"/>
           </a:p>
@@ -9899,7 +9899,7 @@
           <a:p>
             <a:r>
               <a:rPr lang="en-CA" dirty="0" smtClean="0"/>
-              <a:t>Heroes – Unique Power</a:t>
+              <a:t>Heroes – Unique Card</a:t>
             </a:r>
             <a:endParaRPr lang="en-CA" dirty="0"/>
           </a:p>
@@ -9918,15 +9918,31 @@
         <p:spPr/>
         <p:txBody>
           <a:bodyPr>
-            <a:normAutofit/>
+            <a:normAutofit lnSpcReduction="10000"/>
           </a:bodyPr>
           <a:lstStyle/>
           <a:p>
             <a:r>
               <a:rPr lang="en-CA" dirty="0" smtClean="0"/>
-              <a:t>Each hero has a unique power which reflects their personality</a:t>
-            </a:r>
-            <a:endParaRPr lang="en-CA" b="1" dirty="0" smtClean="0"/>
+              <a:t>Each hero has a unique card which reflects their personality</a:t>
+            </a:r>
+          </a:p>
+          <a:p>
+            <a:r>
+              <a:rPr lang="en-CA" dirty="0" smtClean="0"/>
+              <a:t>The card associated to your currently selected hero is always in your player </a:t>
+            </a:r>
+            <a:r>
+              <a:rPr lang="en-CA" dirty="0" smtClean="0"/>
+              <a:t>deck</a:t>
+            </a:r>
+          </a:p>
+          <a:p>
+            <a:r>
+              <a:rPr lang="en-CA" dirty="0" smtClean="0"/>
+              <a:t>You can only use the card if you play with the associated hero</a:t>
+            </a:r>
+            <a:endParaRPr lang="en-CA" dirty="0" smtClean="0"/>
           </a:p>
           <a:p>
             <a:r>
@@ -9957,34 +9973,19 @@
               <a:rPr lang="en-CA" dirty="0" smtClean="0"/>
               <a:t>, etc.</a:t>
             </a:r>
-          </a:p>
-          <a:p>
-            <a:r>
-              <a:rPr lang="en-CA" dirty="0" smtClean="0"/>
-              <a:t>Each unique power has cool-down period of 30 seconds or so</a:t>
-            </a:r>
-          </a:p>
-          <a:p>
-            <a:r>
-              <a:rPr lang="en-CA" dirty="0"/>
-              <a:t>Powers cannot be </a:t>
-            </a:r>
-            <a:r>
-              <a:rPr lang="en-CA" dirty="0" smtClean="0"/>
-              <a:t>upgraded</a:t>
-            </a:r>
-          </a:p>
-          <a:p>
-            <a:r>
-              <a:rPr lang="en-CA" dirty="0" smtClean="0"/>
-              <a:t>Tap on the power icon below the turn-ribbon to activate the power</a:t>
-            </a:r>
-          </a:p>
-          <a:p>
-            <a:pPr marL="0" indent="0">
-              <a:buNone/>
-            </a:pPr>
             <a:endParaRPr lang="en-CA" dirty="0"/>
+          </a:p>
+          <a:p>
+            <a:r>
+              <a:rPr lang="en-CA" dirty="0" smtClean="0"/>
+              <a:t>The card can be upgraded normally just like any other card</a:t>
+            </a:r>
+          </a:p>
+          <a:p>
+            <a:endParaRPr lang="en-CA" dirty="0"/>
+          </a:p>
+          <a:p>
+            <a:endParaRPr lang="en-CA" dirty="0" smtClean="0"/>
           </a:p>
         </p:txBody>
       </p:sp>

--- a/Documents/Earth Alone.pptx
+++ b/Documents/Earth Alone.pptx
@@ -25,41 +25,41 @@
     <p:sldId id="354" r:id="rId13"/>
     <p:sldId id="296" r:id="rId14"/>
     <p:sldId id="312" r:id="rId15"/>
-    <p:sldId id="362" r:id="rId16"/>
-    <p:sldId id="313" r:id="rId17"/>
-    <p:sldId id="314" r:id="rId18"/>
-    <p:sldId id="334" r:id="rId19"/>
-    <p:sldId id="280" r:id="rId20"/>
-    <p:sldId id="323" r:id="rId21"/>
-    <p:sldId id="344" r:id="rId22"/>
-    <p:sldId id="345" r:id="rId23"/>
-    <p:sldId id="346" r:id="rId24"/>
-    <p:sldId id="348" r:id="rId25"/>
-    <p:sldId id="349" r:id="rId26"/>
-    <p:sldId id="351" r:id="rId27"/>
-    <p:sldId id="352" r:id="rId28"/>
-    <p:sldId id="353" r:id="rId29"/>
-    <p:sldId id="343" r:id="rId30"/>
-    <p:sldId id="324" r:id="rId31"/>
-    <p:sldId id="258" r:id="rId32"/>
-    <p:sldId id="288" r:id="rId33"/>
-    <p:sldId id="259" r:id="rId34"/>
-    <p:sldId id="325" r:id="rId35"/>
-    <p:sldId id="332" r:id="rId36"/>
-    <p:sldId id="260" r:id="rId37"/>
-    <p:sldId id="333" r:id="rId38"/>
-    <p:sldId id="356" r:id="rId39"/>
-    <p:sldId id="261" r:id="rId40"/>
-    <p:sldId id="275" r:id="rId41"/>
-    <p:sldId id="277" r:id="rId42"/>
-    <p:sldId id="262" r:id="rId43"/>
-    <p:sldId id="272" r:id="rId44"/>
-    <p:sldId id="331" r:id="rId45"/>
+    <p:sldId id="364" r:id="rId16"/>
+    <p:sldId id="362" r:id="rId17"/>
+    <p:sldId id="313" r:id="rId18"/>
+    <p:sldId id="314" r:id="rId19"/>
+    <p:sldId id="334" r:id="rId20"/>
+    <p:sldId id="280" r:id="rId21"/>
+    <p:sldId id="323" r:id="rId22"/>
+    <p:sldId id="344" r:id="rId23"/>
+    <p:sldId id="345" r:id="rId24"/>
+    <p:sldId id="346" r:id="rId25"/>
+    <p:sldId id="348" r:id="rId26"/>
+    <p:sldId id="349" r:id="rId27"/>
+    <p:sldId id="351" r:id="rId28"/>
+    <p:sldId id="352" r:id="rId29"/>
+    <p:sldId id="353" r:id="rId30"/>
+    <p:sldId id="343" r:id="rId31"/>
+    <p:sldId id="324" r:id="rId32"/>
+    <p:sldId id="258" r:id="rId33"/>
+    <p:sldId id="288" r:id="rId34"/>
+    <p:sldId id="259" r:id="rId35"/>
+    <p:sldId id="325" r:id="rId36"/>
+    <p:sldId id="332" r:id="rId37"/>
+    <p:sldId id="260" r:id="rId38"/>
+    <p:sldId id="333" r:id="rId39"/>
+    <p:sldId id="356" r:id="rId40"/>
+    <p:sldId id="261" r:id="rId41"/>
+    <p:sldId id="275" r:id="rId42"/>
+    <p:sldId id="277" r:id="rId43"/>
+    <p:sldId id="262" r:id="rId44"/>
+    <p:sldId id="272" r:id="rId45"/>
     <p:sldId id="328" r:id="rId46"/>
-    <p:sldId id="326" r:id="rId47"/>
-    <p:sldId id="270" r:id="rId48"/>
-    <p:sldId id="336" r:id="rId49"/>
-    <p:sldId id="269" r:id="rId50"/>
+    <p:sldId id="270" r:id="rId47"/>
+    <p:sldId id="336" r:id="rId48"/>
+    <p:sldId id="269" r:id="rId49"/>
+    <p:sldId id="365" r:id="rId50"/>
     <p:sldId id="268" r:id="rId51"/>
     <p:sldId id="271" r:id="rId52"/>
     <p:sldId id="276" r:id="rId53"/>
@@ -841,7 +841,7 @@
           <a:p>
             <a:fld id="{7407C48C-E2B9-DC4B-A655-BDF08DF81560}" type="slidenum">
               <a:rPr lang="en-CA" smtClean="0"/>
-              <a:t>38</a:t>
+              <a:t>39</a:t>
             </a:fld>
             <a:endParaRPr lang="en-CA"/>
           </a:p>
@@ -925,7 +925,7 @@
           <a:p>
             <a:fld id="{7407C48C-E2B9-DC4B-A655-BDF08DF81560}" type="slidenum">
               <a:rPr lang="en-CA" smtClean="0"/>
-              <a:t>40</a:t>
+              <a:t>41</a:t>
             </a:fld>
             <a:endParaRPr lang="en-CA"/>
           </a:p>
@@ -1009,7 +1009,7 @@
           <a:p>
             <a:fld id="{7407C48C-E2B9-DC4B-A655-BDF08DF81560}" type="slidenum">
               <a:rPr lang="en-CA" smtClean="0"/>
-              <a:t>42</a:t>
+              <a:t>43</a:t>
             </a:fld>
             <a:endParaRPr lang="en-CA"/>
           </a:p>
@@ -1186,7 +1186,7 @@
     </p:spTree>
     <p:extLst>
       <p:ext uri="{BB962C8B-B14F-4D97-AF65-F5344CB8AC3E}">
-        <p14:creationId xmlns:p14="http://schemas.microsoft.com/office/powerpoint/2010/main" val="321983407"/>
+        <p14:creationId xmlns:p14="http://schemas.microsoft.com/office/powerpoint/2010/main" val="1340468305"/>
       </p:ext>
     </p:extLst>
   </p:cSld>
@@ -1354,7 +1354,7 @@
     </p:spTree>
     <p:extLst>
       <p:ext uri="{BB962C8B-B14F-4D97-AF65-F5344CB8AC3E}">
-        <p14:creationId xmlns:p14="http://schemas.microsoft.com/office/powerpoint/2010/main" val="1340468305"/>
+        <p14:creationId xmlns:p14="http://schemas.microsoft.com/office/powerpoint/2010/main" val="21169268"/>
       </p:ext>
     </p:extLst>
   </p:cSld>
@@ -1408,6 +1408,10 @@
           <a:bodyPr/>
           <a:lstStyle/>
           <a:p>
+            <a:r>
+              <a:rPr lang="en-CA" dirty="0" smtClean="0"/>
+              <a:t>Need to replace the word crown</a:t>
+            </a:r>
             <a:endParaRPr lang="en-CA" dirty="0"/>
           </a:p>
         </p:txBody>
@@ -1429,7 +1433,7 @@
           <a:p>
             <a:fld id="{7407C48C-E2B9-DC4B-A655-BDF08DF81560}" type="slidenum">
               <a:rPr lang="en-CA" smtClean="0"/>
-              <a:t>49</a:t>
+              <a:t>50</a:t>
             </a:fld>
             <a:endParaRPr lang="en-CA"/>
           </a:p>
@@ -1438,7 +1442,7 @@
     </p:spTree>
     <p:extLst>
       <p:ext uri="{BB962C8B-B14F-4D97-AF65-F5344CB8AC3E}">
-        <p14:creationId xmlns:p14="http://schemas.microsoft.com/office/powerpoint/2010/main" val="21169268"/>
+        <p14:creationId xmlns:p14="http://schemas.microsoft.com/office/powerpoint/2010/main" val="2512255543"/>
       </p:ext>
     </p:extLst>
   </p:cSld>
@@ -1494,7 +1498,7 @@
           <a:p>
             <a:r>
               <a:rPr lang="en-CA" dirty="0" smtClean="0"/>
-              <a:t>Need to replace the word crown</a:t>
+              <a:t>Need to replace Gems</a:t>
             </a:r>
             <a:endParaRPr lang="en-CA" dirty="0"/>
           </a:p>
@@ -1517,7 +1521,7 @@
           <a:p>
             <a:fld id="{7407C48C-E2B9-DC4B-A655-BDF08DF81560}" type="slidenum">
               <a:rPr lang="en-CA" smtClean="0"/>
-              <a:t>50</a:t>
+              <a:t>51</a:t>
             </a:fld>
             <a:endParaRPr lang="en-CA"/>
           </a:p>
@@ -1526,7 +1530,7 @@
     </p:spTree>
     <p:extLst>
       <p:ext uri="{BB962C8B-B14F-4D97-AF65-F5344CB8AC3E}">
-        <p14:creationId xmlns:p14="http://schemas.microsoft.com/office/powerpoint/2010/main" val="2512255543"/>
+        <p14:creationId xmlns:p14="http://schemas.microsoft.com/office/powerpoint/2010/main" val="3933971223"/>
       </p:ext>
     </p:extLst>
   </p:cSld>
@@ -1582,7 +1586,11 @@
           <a:p>
             <a:r>
               <a:rPr lang="en-CA" dirty="0" smtClean="0"/>
-              <a:t>Need to replace Gems</a:t>
+              <a:t>Replace</a:t>
+            </a:r>
+            <a:r>
+              <a:rPr lang="en-CA" baseline="0" dirty="0" smtClean="0"/>
+              <a:t> gem </a:t>
             </a:r>
             <a:endParaRPr lang="en-CA" dirty="0"/>
           </a:p>
@@ -1605,7 +1613,7 @@
           <a:p>
             <a:fld id="{7407C48C-E2B9-DC4B-A655-BDF08DF81560}" type="slidenum">
               <a:rPr lang="en-CA" smtClean="0"/>
-              <a:t>51</a:t>
+              <a:t>52</a:t>
             </a:fld>
             <a:endParaRPr lang="en-CA"/>
           </a:p>
@@ -1614,7 +1622,7 @@
     </p:spTree>
     <p:extLst>
       <p:ext uri="{BB962C8B-B14F-4D97-AF65-F5344CB8AC3E}">
-        <p14:creationId xmlns:p14="http://schemas.microsoft.com/office/powerpoint/2010/main" val="3933971223"/>
+        <p14:creationId xmlns:p14="http://schemas.microsoft.com/office/powerpoint/2010/main" val="2144136723"/>
       </p:ext>
     </p:extLst>
   </p:cSld>
@@ -1777,11 +1785,7 @@
           <a:p>
             <a:r>
               <a:rPr lang="en-CA" dirty="0" smtClean="0"/>
-              <a:t>Replace</a:t>
-            </a:r>
-            <a:r>
-              <a:rPr lang="en-CA" baseline="0" dirty="0" smtClean="0"/>
-              <a:t> gem </a:t>
+              <a:t>Keep game center?</a:t>
             </a:r>
             <a:endParaRPr lang="en-CA" dirty="0"/>
           </a:p>
@@ -1804,7 +1808,7 @@
           <a:p>
             <a:fld id="{7407C48C-E2B9-DC4B-A655-BDF08DF81560}" type="slidenum">
               <a:rPr lang="en-CA" smtClean="0"/>
-              <a:t>52</a:t>
+              <a:t>55</a:t>
             </a:fld>
             <a:endParaRPr lang="en-CA"/>
           </a:p>
@@ -1813,7 +1817,7 @@
     </p:spTree>
     <p:extLst>
       <p:ext uri="{BB962C8B-B14F-4D97-AF65-F5344CB8AC3E}">
-        <p14:creationId xmlns:p14="http://schemas.microsoft.com/office/powerpoint/2010/main" val="2144136723"/>
+        <p14:creationId xmlns:p14="http://schemas.microsoft.com/office/powerpoint/2010/main" val="70108183"/>
       </p:ext>
     </p:extLst>
   </p:cSld>
@@ -2056,7 +2060,7 @@
           <a:p>
             <a:fld id="{7407C48C-E2B9-DC4B-A655-BDF08DF81560}" type="slidenum">
               <a:rPr lang="en-CA" smtClean="0"/>
-              <a:t>23</a:t>
+              <a:t>24</a:t>
             </a:fld>
             <a:endParaRPr lang="en-CA"/>
           </a:p>
@@ -2140,7 +2144,7 @@
           <a:p>
             <a:fld id="{7407C48C-E2B9-DC4B-A655-BDF08DF81560}" type="slidenum">
               <a:rPr lang="en-CA" smtClean="0"/>
-              <a:t>28</a:t>
+              <a:t>29</a:t>
             </a:fld>
             <a:endParaRPr lang="en-CA"/>
           </a:p>
@@ -2224,7 +2228,7 @@
           <a:p>
             <a:fld id="{7407C48C-E2B9-DC4B-A655-BDF08DF81560}" type="slidenum">
               <a:rPr lang="en-CA" smtClean="0"/>
-              <a:t>31</a:t>
+              <a:t>32</a:t>
             </a:fld>
             <a:endParaRPr lang="en-CA"/>
           </a:p>
@@ -2319,7 +2323,7 @@
           <a:p>
             <a:fld id="{7407C48C-E2B9-DC4B-A655-BDF08DF81560}" type="slidenum">
               <a:rPr lang="en-CA" smtClean="0"/>
-              <a:t>32</a:t>
+              <a:t>33</a:t>
             </a:fld>
             <a:endParaRPr lang="en-CA"/>
           </a:p>
@@ -2407,7 +2411,7 @@
           <a:p>
             <a:fld id="{7407C48C-E2B9-DC4B-A655-BDF08DF81560}" type="slidenum">
               <a:rPr lang="en-CA" smtClean="0"/>
-              <a:t>36</a:t>
+              <a:t>37</a:t>
             </a:fld>
             <a:endParaRPr lang="en-CA"/>
           </a:p>
@@ -2523,7 +2527,7 @@
           <a:p>
             <a:fld id="{7407C48C-E2B9-DC4B-A655-BDF08DF81560}" type="slidenum">
               <a:rPr lang="en-CA" smtClean="0"/>
-              <a:t>37</a:t>
+              <a:t>38</a:t>
             </a:fld>
             <a:endParaRPr lang="en-CA"/>
           </a:p>
@@ -9392,7 +9396,7 @@
                   <a:schemeClr val="bg2"/>
                 </a:solidFill>
               </a:rPr>
-              <a:t>V1.2</a:t>
+              <a:t>V1.3</a:t>
             </a:r>
             <a:endParaRPr lang="en-CA" sz="1200" i="1" dirty="0">
               <a:solidFill>
@@ -9587,7 +9591,11 @@
             </a:r>
             <a:r>
               <a:rPr lang="en-CA" dirty="0" smtClean="0"/>
-              <a:t>It is full of humour </a:t>
+              <a:t>It’s </a:t>
+            </a:r>
+            <a:r>
+              <a:rPr lang="en-CA" dirty="0" smtClean="0"/>
+              <a:t>full of humour </a:t>
             </a:r>
             <a:r>
               <a:rPr lang="en-CA" dirty="0"/>
@@ -9863,7 +9871,7 @@
         <p:spPr/>
         <p:txBody>
           <a:bodyPr>
-            <a:normAutofit fontScale="92500" lnSpcReduction="20000"/>
+            <a:normAutofit/>
           </a:bodyPr>
           <a:lstStyle/>
           <a:p>
@@ -9887,13 +9895,11 @@
           <a:p>
             <a:r>
               <a:rPr lang="en-CA" dirty="0" smtClean="0"/>
-              <a:t>When your clan hangout gets upgraded, there is a comic book cut-scene where you see the heroes build the upgrade in a quirky, fun way. For example Gin adding a satellite dish on the roof, Rug holding heavy 2 by 4s, heroes having a house warming party, etc.</a:t>
-            </a:r>
-          </a:p>
-          <a:p>
-            <a:r>
-              <a:rPr lang="en-CA" dirty="0" smtClean="0"/>
-              <a:t>You lose clan members if you lose too many missions in a row</a:t>
+              <a:t>You </a:t>
+            </a:r>
+            <a:r>
+              <a:rPr lang="en-CA" dirty="0" smtClean="0"/>
+              <a:t>lose clan members if you lose too many missions in a row</a:t>
             </a:r>
           </a:p>
           <a:p>
@@ -10008,37 +10014,68 @@
         </p:nvSpPr>
         <p:spPr/>
         <p:txBody>
-          <a:bodyPr/>
-          <a:lstStyle/>
-          <a:p>
-            <a:r>
-              <a:rPr lang="en-CA" dirty="0" smtClean="0"/>
-              <a:t>Your clan lives in an abandoned offshore oil rig</a:t>
-            </a:r>
-          </a:p>
-          <a:p>
-            <a:r>
-              <a:rPr lang="en-CA" dirty="0" smtClean="0"/>
-              <a:t>Every time you increase significantly your clan membership, your hangout looks nicer</a:t>
-            </a:r>
-          </a:p>
-          <a:p>
-            <a:r>
-              <a:rPr lang="en-CA" dirty="0" smtClean="0"/>
-              <a:t>Each hangout upgrade unlocks new cards</a:t>
-            </a:r>
-          </a:p>
-          <a:p>
-            <a:r>
-              <a:rPr lang="en-CA" dirty="0" smtClean="0"/>
-              <a:t>You can see the interior of your hangout in the background of the Main Menu</a:t>
-            </a:r>
-          </a:p>
-          <a:p>
-            <a:r>
-              <a:rPr lang="en-CA" dirty="0" smtClean="0"/>
-              <a:t>You can see the exterior of your hangout in the background of the Hero Selection menu</a:t>
-            </a:r>
+          <a:bodyPr>
+            <a:normAutofit/>
+          </a:bodyPr>
+          <a:lstStyle/>
+          <a:p>
+            <a:r>
+              <a:rPr lang="en-CA" dirty="0" smtClean="0"/>
+              <a:t>Every </a:t>
+            </a:r>
+            <a:r>
+              <a:rPr lang="en-CA" dirty="0" smtClean="0"/>
+              <a:t>time you increase significantly your clan membership, your hangout looks </a:t>
+            </a:r>
+            <a:r>
+              <a:rPr lang="en-CA" dirty="0" smtClean="0"/>
+              <a:t>nicer</a:t>
+            </a:r>
+          </a:p>
+          <a:p>
+            <a:pPr lvl="1"/>
+            <a:r>
+              <a:rPr lang="en-CA" dirty="0"/>
+              <a:t>When your clan hangout gets upgraded, there is a comic book cut-</a:t>
+            </a:r>
+            <a:r>
+              <a:rPr lang="en-CA" dirty="0" smtClean="0"/>
+              <a:t>scene (think Kingdom Rush)  </a:t>
+            </a:r>
+            <a:r>
+              <a:rPr lang="en-CA" dirty="0"/>
+              <a:t>where you see the heroes build the upgrade in a quirky, fun way. For example Gin adding a satellite dish on the roof, Rug holding heavy 2 by 4s, heroes having a house warming party, etc</a:t>
+            </a:r>
+            <a:r>
+              <a:rPr lang="en-CA" dirty="0" smtClean="0"/>
+              <a:t>.</a:t>
+            </a:r>
+          </a:p>
+          <a:p>
+            <a:pPr lvl="1"/>
+            <a:r>
+              <a:rPr lang="en-CA" dirty="0" smtClean="0"/>
+              <a:t>You </a:t>
+            </a:r>
+            <a:r>
+              <a:rPr lang="en-CA" dirty="0"/>
+              <a:t>can see the interior of your hangout in the background of the Main Menu</a:t>
+            </a:r>
+          </a:p>
+          <a:p>
+            <a:pPr lvl="1"/>
+            <a:r>
+              <a:rPr lang="en-CA" dirty="0"/>
+              <a:t>You can see the exterior of your hangout in the background of the Hero Selection </a:t>
+            </a:r>
+            <a:r>
+              <a:rPr lang="en-CA" dirty="0" smtClean="0"/>
+              <a:t>menu</a:t>
+            </a:r>
+            <a:endParaRPr lang="en-CA" dirty="0" smtClean="0"/>
+          </a:p>
+          <a:p>
+            <a:endParaRPr lang="en-CA" dirty="0" smtClean="0"/>
           </a:p>
           <a:p>
             <a:endParaRPr lang="en-CA" dirty="0"/>
@@ -10121,35 +10158,77 @@
           <a:lstStyle/>
           <a:p>
             <a:r>
-              <a:rPr lang="en-CA" dirty="0" smtClean="0"/>
-              <a:t>Heroes</a:t>
-            </a:r>
-            <a:endParaRPr lang="en-CA" dirty="0"/>
-          </a:p>
-        </p:txBody>
-      </p:sp>
-      <p:sp>
-        <p:nvSpPr>
-          <p:cNvPr id="6" name="Espace réservé du texte 5"/>
-          <p:cNvSpPr>
-            <a:spLocks noGrp="1"/>
-          </p:cNvSpPr>
-          <p:nvPr>
-            <p:ph type="body" idx="1"/>
-          </p:nvPr>
-        </p:nvSpPr>
-        <p:spPr/>
-        <p:txBody>
-          <a:bodyPr/>
-          <a:lstStyle/>
-          <a:p>
+              <a:rPr lang="en-CA" smtClean="0"/>
+              <a:t>Hangout</a:t>
+            </a:r>
             <a:endParaRPr lang="en-CA"/>
           </a:p>
         </p:txBody>
       </p:sp>
       <p:sp>
         <p:nvSpPr>
-          <p:cNvPr id="4" name="Espace réservé du pied de page 3"/>
+          <p:cNvPr id="6" name="Espace réservé du contenu 5"/>
+          <p:cNvSpPr>
+            <a:spLocks noGrp="1"/>
+          </p:cNvSpPr>
+          <p:nvPr>
+            <p:ph idx="1"/>
+          </p:nvPr>
+        </p:nvSpPr>
+        <p:spPr/>
+        <p:txBody>
+          <a:bodyPr>
+            <a:normAutofit/>
+          </a:bodyPr>
+          <a:lstStyle/>
+          <a:p>
+            <a:r>
+              <a:rPr lang="en-CA" dirty="0"/>
+              <a:t>You are matched against players who are at the same </a:t>
+            </a:r>
+            <a:r>
+              <a:rPr lang="en-CA" dirty="0" smtClean="0"/>
+              <a:t>Hangout </a:t>
+            </a:r>
+            <a:r>
+              <a:rPr lang="en-CA" dirty="0"/>
+              <a:t>level (</a:t>
+            </a:r>
+            <a:r>
+              <a:rPr lang="en-CA" dirty="0" smtClean="0"/>
+              <a:t>think </a:t>
+            </a:r>
+            <a:r>
+              <a:rPr lang="en-CA" dirty="0"/>
+              <a:t>Arenas in Clash Royale)</a:t>
+            </a:r>
+          </a:p>
+          <a:p>
+            <a:r>
+              <a:rPr lang="en-CA" dirty="0" smtClean="0"/>
+              <a:t>Each </a:t>
+            </a:r>
+            <a:r>
+              <a:rPr lang="en-CA" dirty="0" smtClean="0"/>
+              <a:t>hangout upgrade unlocks </a:t>
+            </a:r>
+            <a:r>
+              <a:rPr lang="en-CA" dirty="0" smtClean="0"/>
+              <a:t>3 new cards</a:t>
+            </a:r>
+          </a:p>
+          <a:p>
+            <a:r>
+              <a:rPr lang="en-CA" dirty="0" smtClean="0"/>
+              <a:t>At launch, there will be 4 hangout levels. More will be added post-launch</a:t>
+            </a:r>
+            <a:endParaRPr lang="en-CA" dirty="0" smtClean="0"/>
+          </a:p>
+        </p:txBody>
+      </p:sp>
+      <p:sp>
+        <p:nvSpPr>
+          <p:cNvPr id="3" name="Espace réservé du pied de page 2"/>
           <p:cNvSpPr>
             <a:spLocks noGrp="1"/>
           </p:cNvSpPr>
@@ -10173,7 +10252,7 @@
     </p:spTree>
     <p:extLst>
       <p:ext uri="{BB962C8B-B14F-4D97-AF65-F5344CB8AC3E}">
-        <p14:creationId xmlns:p14="http://schemas.microsoft.com/office/powerpoint/2010/main" val="2984553230"/>
+        <p14:creationId xmlns:p14="http://schemas.microsoft.com/office/powerpoint/2010/main" val="778773817"/>
       </p:ext>
     </p:extLst>
   </p:cSld>
@@ -10209,7 +10288,7 @@
       </p:grpSpPr>
       <p:sp>
         <p:nvSpPr>
-          <p:cNvPr id="2" name="Titre 1"/>
+          <p:cNvPr id="5" name="Titre 4"/>
           <p:cNvSpPr>
             <a:spLocks noGrp="1"/>
           </p:cNvSpPr>
@@ -10223,58 +10302,29 @@
           <a:lstStyle/>
           <a:p>
             <a:r>
-              <a:rPr lang="en-CA" smtClean="0"/>
+              <a:rPr lang="en-CA" dirty="0" smtClean="0"/>
               <a:t>Heroes</a:t>
             </a:r>
+            <a:endParaRPr lang="en-CA" dirty="0"/>
+          </a:p>
+        </p:txBody>
+      </p:sp>
+      <p:sp>
+        <p:nvSpPr>
+          <p:cNvPr id="6" name="Espace réservé du texte 5"/>
+          <p:cNvSpPr>
+            <a:spLocks noGrp="1"/>
+          </p:cNvSpPr>
+          <p:nvPr>
+            <p:ph type="body" idx="1"/>
+          </p:nvPr>
+        </p:nvSpPr>
+        <p:spPr/>
+        <p:txBody>
+          <a:bodyPr/>
+          <a:lstStyle/>
+          <a:p>
             <a:endParaRPr lang="en-CA"/>
-          </a:p>
-        </p:txBody>
-      </p:sp>
-      <p:sp>
-        <p:nvSpPr>
-          <p:cNvPr id="3" name="Espace réservé du contenu 2"/>
-          <p:cNvSpPr>
-            <a:spLocks noGrp="1"/>
-          </p:cNvSpPr>
-          <p:nvPr>
-            <p:ph idx="1"/>
-          </p:nvPr>
-        </p:nvSpPr>
-        <p:spPr/>
-        <p:txBody>
-          <a:bodyPr>
-            <a:normAutofit/>
-          </a:bodyPr>
-          <a:lstStyle/>
-          <a:p>
-            <a:r>
-              <a:rPr lang="en-CA" dirty="0" smtClean="0"/>
-              <a:t>Characters are heroic and have super-hero skills </a:t>
-            </a:r>
-          </a:p>
-          <a:p>
-            <a:r>
-              <a:rPr lang="en-CA" dirty="0" smtClean="0"/>
-              <a:t>They are over-the-top </a:t>
-            </a:r>
-          </a:p>
-          <a:p>
-            <a:r>
-              <a:rPr lang="en-CA" dirty="0" smtClean="0"/>
-              <a:t>They can be partially but not completely robots </a:t>
-            </a:r>
-          </a:p>
-          <a:p>
-            <a:r>
-              <a:rPr lang="en-CA" dirty="0" smtClean="0"/>
-              <a:t>They have their own unique personality, which is apparent in the model, animations, and voice overs</a:t>
-            </a:r>
-          </a:p>
-          <a:p>
-            <a:r>
-              <a:rPr lang="en-CA" dirty="0" smtClean="0"/>
-              <a:t>They have different ethnic backgrounds, body sizes and sexual orientation to show diversity</a:t>
-            </a:r>
           </a:p>
         </p:txBody>
       </p:sp>
@@ -10304,7 +10354,7 @@
     </p:spTree>
     <p:extLst>
       <p:ext uri="{BB962C8B-B14F-4D97-AF65-F5344CB8AC3E}">
-        <p14:creationId xmlns:p14="http://schemas.microsoft.com/office/powerpoint/2010/main" val="720162524"/>
+        <p14:creationId xmlns:p14="http://schemas.microsoft.com/office/powerpoint/2010/main" val="2984553230"/>
       </p:ext>
     </p:extLst>
   </p:cSld>
@@ -10354,10 +10404,10 @@
           <a:lstStyle/>
           <a:p>
             <a:r>
-              <a:rPr lang="en-CA" dirty="0" smtClean="0"/>
-              <a:t>Heroes – Unique Card</a:t>
-            </a:r>
-            <a:endParaRPr lang="en-CA" dirty="0"/>
+              <a:rPr lang="en-CA" smtClean="0"/>
+              <a:t>Heroes</a:t>
+            </a:r>
+            <a:endParaRPr lang="en-CA"/>
           </a:p>
         </p:txBody>
       </p:sp>
@@ -10374,69 +10424,38 @@
         <p:spPr/>
         <p:txBody>
           <a:bodyPr>
-            <a:normAutofit lnSpcReduction="10000"/>
+            <a:normAutofit/>
           </a:bodyPr>
           <a:lstStyle/>
           <a:p>
             <a:r>
               <a:rPr lang="en-CA" dirty="0" smtClean="0"/>
-              <a:t>Each hero has a unique card which reflects their personality</a:t>
-            </a:r>
-          </a:p>
-          <a:p>
-            <a:r>
-              <a:rPr lang="en-CA" dirty="0" smtClean="0"/>
-              <a:t>The card associated to your currently selected hero is always in your player deck</a:t>
-            </a:r>
-          </a:p>
-          <a:p>
-            <a:r>
-              <a:rPr lang="en-CA" dirty="0" smtClean="0"/>
-              <a:t>You can only use the card if you play with the associated hero</a:t>
-            </a:r>
-          </a:p>
-          <a:p>
-            <a:r>
-              <a:rPr lang="en-CA" dirty="0" smtClean="0"/>
-              <a:t>For example, Rug has </a:t>
-            </a:r>
-            <a:r>
-              <a:rPr lang="en-CA" dirty="0" smtClean="0">
-                <a:solidFill>
-                  <a:srgbClr val="FF6600"/>
-                </a:solidFill>
-              </a:rPr>
-              <a:t>Shockwave</a:t>
-            </a:r>
-            <a:r>
-              <a:rPr lang="en-CA" dirty="0" smtClean="0"/>
-              <a:t>, Gin has </a:t>
-            </a:r>
-            <a:r>
-              <a:rPr lang="en-CA" dirty="0" smtClean="0">
-                <a:solidFill>
-                  <a:srgbClr val="FF6600"/>
-                </a:solidFill>
-              </a:rPr>
-              <a:t>Sentry</a:t>
-            </a:r>
-            <a:r>
-              <a:rPr lang="en-CA" dirty="0" smtClean="0"/>
-              <a:t>, etc.</a:t>
-            </a:r>
-            <a:endParaRPr lang="en-CA" dirty="0"/>
-          </a:p>
-          <a:p>
-            <a:r>
-              <a:rPr lang="en-CA" dirty="0" smtClean="0"/>
-              <a:t>The card can be upgraded normally just like any other card</a:t>
-            </a:r>
-          </a:p>
-          <a:p>
-            <a:endParaRPr lang="en-CA" dirty="0"/>
-          </a:p>
-          <a:p>
-            <a:endParaRPr lang="en-CA" dirty="0" smtClean="0"/>
+              <a:t>Characters are heroic and have super-hero skills </a:t>
+            </a:r>
+          </a:p>
+          <a:p>
+            <a:r>
+              <a:rPr lang="en-CA" dirty="0" smtClean="0"/>
+              <a:t>They are over-the-top </a:t>
+            </a:r>
+          </a:p>
+          <a:p>
+            <a:r>
+              <a:rPr lang="en-CA" dirty="0" smtClean="0"/>
+              <a:t>They can be partially but not completely robots </a:t>
+            </a:r>
+          </a:p>
+          <a:p>
+            <a:r>
+              <a:rPr lang="en-CA" dirty="0" smtClean="0"/>
+              <a:t>They have their own unique personality, which is apparent in the model, animations, and voice overs</a:t>
+            </a:r>
+          </a:p>
+          <a:p>
+            <a:r>
+              <a:rPr lang="en-CA" dirty="0" smtClean="0"/>
+              <a:t>They have different ethnic backgrounds, body sizes and sexual orientation to show diversity</a:t>
+            </a:r>
           </a:p>
         </p:txBody>
       </p:sp>
@@ -10466,7 +10485,7 @@
     </p:spTree>
     <p:extLst>
       <p:ext uri="{BB962C8B-B14F-4D97-AF65-F5344CB8AC3E}">
-        <p14:creationId xmlns:p14="http://schemas.microsoft.com/office/powerpoint/2010/main" val="3719942358"/>
+        <p14:creationId xmlns:p14="http://schemas.microsoft.com/office/powerpoint/2010/main" val="720162524"/>
       </p:ext>
     </p:extLst>
   </p:cSld>
@@ -10516,12 +10535,8 @@
           <a:lstStyle/>
           <a:p>
             <a:r>
-              <a:rPr lang="en-CA" dirty="0"/>
-              <a:t>Heroes </a:t>
-            </a:r>
-            <a:r>
-              <a:rPr lang="en-CA" dirty="0" smtClean="0"/>
-              <a:t>– Overview</a:t>
+              <a:rPr lang="en-CA" dirty="0" smtClean="0"/>
+              <a:t>Heroes – Unique Card</a:t>
             </a:r>
             <a:endParaRPr lang="en-CA" dirty="0"/>
           </a:p>
@@ -10540,32 +10555,69 @@
         <p:spPr/>
         <p:txBody>
           <a:bodyPr>
-            <a:normAutofit/>
+            <a:normAutofit lnSpcReduction="10000"/>
           </a:bodyPr>
           <a:lstStyle/>
           <a:p>
             <a:r>
               <a:rPr lang="en-CA" dirty="0" smtClean="0"/>
-              <a:t>There are initially 6 heroes to chose from. More will be added in updates</a:t>
-            </a:r>
-          </a:p>
-          <a:p>
-            <a:r>
-              <a:rPr lang="en-CA" dirty="0" smtClean="0"/>
-              <a:t>Heroes are balanced so that none of them are overpowered</a:t>
-            </a:r>
-          </a:p>
-          <a:p>
-            <a:r>
-              <a:rPr lang="en-CA" dirty="0" smtClean="0"/>
-              <a:t>There are no RPG mechanics for Heroes</a:t>
-            </a:r>
-          </a:p>
-          <a:p>
-            <a:r>
-              <a:rPr lang="en-CA" dirty="0" smtClean="0"/>
-              <a:t>You can select any hero before a mission in the Hero Selection menu</a:t>
-            </a:r>
+              <a:t>Each hero has a unique card which reflects their personality</a:t>
+            </a:r>
+          </a:p>
+          <a:p>
+            <a:r>
+              <a:rPr lang="en-CA" dirty="0" smtClean="0"/>
+              <a:t>The card associated to your currently selected hero is always in your player deck</a:t>
+            </a:r>
+          </a:p>
+          <a:p>
+            <a:r>
+              <a:rPr lang="en-CA" dirty="0" smtClean="0"/>
+              <a:t>You can only use the card if you play with the associated hero</a:t>
+            </a:r>
+          </a:p>
+          <a:p>
+            <a:r>
+              <a:rPr lang="en-CA" dirty="0" smtClean="0"/>
+              <a:t>For example, Rug has </a:t>
+            </a:r>
+            <a:r>
+              <a:rPr lang="en-CA" dirty="0" smtClean="0">
+                <a:solidFill>
+                  <a:srgbClr val="FF6600"/>
+                </a:solidFill>
+              </a:rPr>
+              <a:t>Shockwave</a:t>
+            </a:r>
+            <a:r>
+              <a:rPr lang="en-CA" dirty="0" smtClean="0"/>
+              <a:t>, Gin has </a:t>
+            </a:r>
+            <a:r>
+              <a:rPr lang="en-CA" dirty="0" smtClean="0">
+                <a:solidFill>
+                  <a:srgbClr val="FF6600"/>
+                </a:solidFill>
+              </a:rPr>
+              <a:t>Sentry</a:t>
+            </a:r>
+            <a:r>
+              <a:rPr lang="en-CA" dirty="0" smtClean="0"/>
+              <a:t>, etc.</a:t>
+            </a:r>
+            <a:endParaRPr lang="en-CA" dirty="0"/>
+          </a:p>
+          <a:p>
+            <a:r>
+              <a:rPr lang="en-CA" dirty="0" smtClean="0"/>
+              <a:t>The card can be upgraded normally just like any other card</a:t>
+            </a:r>
+          </a:p>
+          <a:p>
+            <a:endParaRPr lang="en-CA" dirty="0"/>
+          </a:p>
+          <a:p>
+            <a:endParaRPr lang="en-CA" dirty="0" smtClean="0"/>
           </a:p>
         </p:txBody>
       </p:sp>
@@ -10595,7 +10647,7 @@
     </p:spTree>
     <p:extLst>
       <p:ext uri="{BB962C8B-B14F-4D97-AF65-F5344CB8AC3E}">
-        <p14:creationId xmlns:p14="http://schemas.microsoft.com/office/powerpoint/2010/main" val="2467444175"/>
+        <p14:creationId xmlns:p14="http://schemas.microsoft.com/office/powerpoint/2010/main" val="3719942358"/>
       </p:ext>
     </p:extLst>
   </p:cSld>
@@ -10675,19 +10727,33 @@
           <a:p>
             <a:r>
               <a:rPr lang="en-CA" dirty="0" smtClean="0"/>
-              <a:t>All heroes are unlocked from the start</a:t>
-            </a:r>
-          </a:p>
-          <a:p>
-            <a:r>
-              <a:rPr lang="en-CA" dirty="0" smtClean="0"/>
-              <a:t>Heroes have voice lines</a:t>
-            </a:r>
-          </a:p>
-          <a:p>
-            <a:r>
-              <a:rPr lang="en-CA" dirty="0" smtClean="0"/>
-              <a:t>Heroes have strong personalities. They are either funny, quirky or snarky. Listening to their voice lines is entertaining</a:t>
+              <a:t>There are initially 6 heroes to chose from. More will be added in </a:t>
+            </a:r>
+            <a:r>
+              <a:rPr lang="en-CA" dirty="0" smtClean="0"/>
+              <a:t>updates</a:t>
+            </a:r>
+          </a:p>
+          <a:p>
+            <a:r>
+              <a:rPr lang="en-CA" dirty="0" smtClean="0"/>
+              <a:t>Heroes </a:t>
+            </a:r>
+            <a:r>
+              <a:rPr lang="en-CA" dirty="0" smtClean="0"/>
+              <a:t>are balanced so that none of them are overpowered</a:t>
+            </a:r>
+          </a:p>
+          <a:p>
+            <a:r>
+              <a:rPr lang="en-CA" dirty="0" smtClean="0"/>
+              <a:t>There are no RPG mechanics for Heroes</a:t>
+            </a:r>
+          </a:p>
+          <a:p>
+            <a:r>
+              <a:rPr lang="en-CA" dirty="0" smtClean="0"/>
+              <a:t>You can select any hero before a mission in the Hero Selection menu</a:t>
             </a:r>
           </a:p>
         </p:txBody>
@@ -10718,7 +10784,7 @@
     </p:spTree>
     <p:extLst>
       <p:ext uri="{BB962C8B-B14F-4D97-AF65-F5344CB8AC3E}">
-        <p14:creationId xmlns:p14="http://schemas.microsoft.com/office/powerpoint/2010/main" val="3176517352"/>
+        <p14:creationId xmlns:p14="http://schemas.microsoft.com/office/powerpoint/2010/main" val="2467444175"/>
       </p:ext>
     </p:extLst>
   </p:cSld>
@@ -10794,22 +10860,46 @@
           <a:p>
             <a:r>
               <a:rPr lang="en-CA" dirty="0" smtClean="0"/>
-              <a:t>In 2086, the evacuation of the Earth was completed and the last spaceship carrying earth’s inhabitants left for </a:t>
-            </a:r>
-            <a:r>
-              <a:rPr lang="en-CA" dirty="0" err="1" smtClean="0"/>
-              <a:t>Kepler</a:t>
-            </a:r>
-            <a:r>
-              <a:rPr lang="en-CA" dirty="0" smtClean="0"/>
-              <a:t> 780, its destination, and Earth’s new home</a:t>
+              <a:t>In 2086, the evacuation of the Earth was </a:t>
+            </a:r>
+            <a:r>
+              <a:rPr lang="en-CA" dirty="0" smtClean="0"/>
+              <a:t>completed, </a:t>
+            </a:r>
+            <a:r>
+              <a:rPr lang="en-CA" dirty="0" smtClean="0"/>
+              <a:t>and the last spaceship carrying </a:t>
+            </a:r>
+            <a:r>
+              <a:rPr lang="en-CA" dirty="0" smtClean="0"/>
+              <a:t>Earth’s </a:t>
+            </a:r>
+            <a:r>
+              <a:rPr lang="en-CA" dirty="0" smtClean="0"/>
+              <a:t>inhabitants left for Kepler 780, its destination, and </a:t>
+            </a:r>
+            <a:r>
+              <a:rPr lang="en-CA" dirty="0" smtClean="0"/>
+              <a:t>new </a:t>
+            </a:r>
+            <a:r>
+              <a:rPr lang="en-CA" dirty="0" smtClean="0"/>
+              <a:t>home</a:t>
             </a:r>
             <a:endParaRPr lang="en-CA" dirty="0"/>
           </a:p>
           <a:p>
             <a:r>
               <a:rPr lang="en-CA" dirty="0" smtClean="0"/>
-              <a:t>The meteor that was to strike the Earth was partially deflected at the eleventh hour by a salvo of nuclear missiles, and in the end only a chunk of the meteor hit the earth, avoiding its obliteration</a:t>
+              <a:t>The meteor that was to strike the Earth was partially deflected at the eleventh hour by a salvo of nuclear missiles, and in the end only a chunk of the meteor hit the </a:t>
+            </a:r>
+            <a:r>
+              <a:rPr lang="en-CA" dirty="0" smtClean="0"/>
+              <a:t>Earth</a:t>
+            </a:r>
+            <a:r>
+              <a:rPr lang="en-CA" dirty="0" smtClean="0"/>
+              <a:t>, avoiding its obliteration</a:t>
             </a:r>
           </a:p>
           <a:p>
@@ -10902,37 +10992,53 @@
           <a:lstStyle/>
           <a:p>
             <a:r>
-              <a:rPr lang="en-CA" dirty="0" smtClean="0"/>
-              <a:t>Omni-tool</a:t>
+              <a:rPr lang="en-CA" dirty="0"/>
+              <a:t>Heroes </a:t>
+            </a:r>
+            <a:r>
+              <a:rPr lang="en-CA" dirty="0" smtClean="0"/>
+              <a:t>– Overview</a:t>
             </a:r>
             <a:endParaRPr lang="en-CA" dirty="0"/>
           </a:p>
         </p:txBody>
       </p:sp>
-      <p:pic>
-        <p:nvPicPr>
-          <p:cNvPr id="5" name="Espace réservé du contenu 4"/>
-          <p:cNvPicPr>
-            <a:picLocks noGrp="1" noChangeAspect="1"/>
-          </p:cNvPicPr>
+      <p:sp>
+        <p:nvSpPr>
+          <p:cNvPr id="3" name="Espace réservé du contenu 2"/>
+          <p:cNvSpPr>
+            <a:spLocks noGrp="1"/>
+          </p:cNvSpPr>
           <p:nvPr>
             <p:ph idx="1"/>
           </p:nvPr>
-        </p:nvPicPr>
-        <p:blipFill>
-          <a:blip r:embed="rId2"/>
-          <a:srcRect l="-43418" r="-43418"/>
-          <a:stretch>
-            <a:fillRect/>
-          </a:stretch>
-        </p:blipFill>
-        <p:spPr>
-          <a:xfrm>
-            <a:off x="965200" y="2070100"/>
-            <a:ext cx="3172987" cy="3289300"/>
-          </a:xfrm>
-        </p:spPr>
-      </p:pic>
+        </p:nvSpPr>
+        <p:spPr/>
+        <p:txBody>
+          <a:bodyPr>
+            <a:normAutofit/>
+          </a:bodyPr>
+          <a:lstStyle/>
+          <a:p>
+            <a:r>
+              <a:rPr lang="en-CA" dirty="0" smtClean="0"/>
+              <a:t>All heroes are unlocked from the start</a:t>
+            </a:r>
+          </a:p>
+          <a:p>
+            <a:r>
+              <a:rPr lang="en-CA" dirty="0" smtClean="0"/>
+              <a:t>Heroes have voice lines</a:t>
+            </a:r>
+          </a:p>
+          <a:p>
+            <a:r>
+              <a:rPr lang="en-CA" dirty="0" smtClean="0"/>
+              <a:t>Heroes have strong personalities. They are either funny, quirky or snarky. Listening to their voice lines is entertaining</a:t>
+            </a:r>
+          </a:p>
+        </p:txBody>
+      </p:sp>
       <p:sp>
         <p:nvSpPr>
           <p:cNvPr id="4" name="Espace réservé du pied de page 3"/>
@@ -10953,43 +11059,13 @@
               <a:t>Copyright 2017 Regis Geoffrion</a:t>
             </a:r>
             <a:endParaRPr lang="en-CA"/>
-          </a:p>
-        </p:txBody>
-      </p:sp>
-      <p:sp>
-        <p:nvSpPr>
-          <p:cNvPr id="6" name="ZoneTexte 5"/>
-          <p:cNvSpPr txBox="1"/>
-          <p:nvPr/>
-        </p:nvSpPr>
-        <p:spPr>
-          <a:xfrm>
-            <a:off x="4762500" y="2070100"/>
-            <a:ext cx="3060700" cy="2308324"/>
-          </a:xfrm>
-          <a:prstGeom prst="rect">
-            <a:avLst/>
-          </a:prstGeom>
-          <a:noFill/>
-        </p:spPr>
-        <p:txBody>
-          <a:bodyPr wrap="square" rtlCol="0">
-            <a:spAutoFit/>
-          </a:bodyPr>
-          <a:lstStyle/>
-          <a:p>
-            <a:r>
-              <a:rPr lang="en-CA" sz="2400" dirty="0" smtClean="0"/>
-              <a:t>Each hero wears an arm-computer which is used to trigger defenses or attacks while they are racing</a:t>
-            </a:r>
-            <a:endParaRPr lang="en-CA" sz="2400" dirty="0"/>
           </a:p>
         </p:txBody>
       </p:sp>
     </p:spTree>
     <p:extLst>
       <p:ext uri="{BB962C8B-B14F-4D97-AF65-F5344CB8AC3E}">
-        <p14:creationId xmlns:p14="http://schemas.microsoft.com/office/powerpoint/2010/main" val="1281094417"/>
+        <p14:creationId xmlns:p14="http://schemas.microsoft.com/office/powerpoint/2010/main" val="3176517352"/>
       </p:ext>
     </p:extLst>
   </p:cSld>
@@ -11025,7 +11101,7 @@
       </p:grpSpPr>
       <p:sp>
         <p:nvSpPr>
-          <p:cNvPr id="5" name="Titre 4"/>
+          <p:cNvPr id="2" name="Titre 1"/>
           <p:cNvSpPr>
             <a:spLocks noGrp="1"/>
           </p:cNvSpPr>
@@ -11040,31 +11116,36 @@
           <a:p>
             <a:r>
               <a:rPr lang="en-CA" dirty="0" smtClean="0"/>
-              <a:t>Hero bios</a:t>
+              <a:t>Omni-tool</a:t>
             </a:r>
             <a:endParaRPr lang="en-CA" dirty="0"/>
           </a:p>
         </p:txBody>
       </p:sp>
-      <p:sp>
-        <p:nvSpPr>
-          <p:cNvPr id="2" name="Espace réservé du texte 1"/>
-          <p:cNvSpPr>
-            <a:spLocks noGrp="1"/>
-          </p:cNvSpPr>
-          <p:nvPr>
-            <p:ph type="body" idx="1"/>
-          </p:nvPr>
-        </p:nvSpPr>
-        <p:spPr/>
-        <p:txBody>
-          <a:bodyPr/>
-          <a:lstStyle/>
-          <a:p>
-            <a:endParaRPr lang="en-CA"/>
-          </a:p>
-        </p:txBody>
-      </p:sp>
+      <p:pic>
+        <p:nvPicPr>
+          <p:cNvPr id="5" name="Espace réservé du contenu 4"/>
+          <p:cNvPicPr>
+            <a:picLocks noGrp="1" noChangeAspect="1"/>
+          </p:cNvPicPr>
+          <p:nvPr>
+            <p:ph idx="1"/>
+          </p:nvPr>
+        </p:nvPicPr>
+        <p:blipFill>
+          <a:blip r:embed="rId2"/>
+          <a:srcRect l="-43418" r="-43418"/>
+          <a:stretch>
+            <a:fillRect/>
+          </a:stretch>
+        </p:blipFill>
+        <p:spPr>
+          <a:xfrm>
+            <a:off x="965200" y="2070100"/>
+            <a:ext cx="3172987" cy="3289300"/>
+          </a:xfrm>
+        </p:spPr>
+      </p:pic>
       <p:sp>
         <p:nvSpPr>
           <p:cNvPr id="4" name="Espace réservé du pied de page 3"/>
@@ -11085,13 +11166,43 @@
               <a:t>Copyright 2017 Regis Geoffrion</a:t>
             </a:r>
             <a:endParaRPr lang="en-CA"/>
+          </a:p>
+        </p:txBody>
+      </p:sp>
+      <p:sp>
+        <p:nvSpPr>
+          <p:cNvPr id="6" name="ZoneTexte 5"/>
+          <p:cNvSpPr txBox="1"/>
+          <p:nvPr/>
+        </p:nvSpPr>
+        <p:spPr>
+          <a:xfrm>
+            <a:off x="4762500" y="2070100"/>
+            <a:ext cx="3060700" cy="2308324"/>
+          </a:xfrm>
+          <a:prstGeom prst="rect">
+            <a:avLst/>
+          </a:prstGeom>
+          <a:noFill/>
+        </p:spPr>
+        <p:txBody>
+          <a:bodyPr wrap="square" rtlCol="0">
+            <a:spAutoFit/>
+          </a:bodyPr>
+          <a:lstStyle/>
+          <a:p>
+            <a:r>
+              <a:rPr lang="en-CA" sz="2400" dirty="0" smtClean="0"/>
+              <a:t>Each hero wears an arm-computer which is used to trigger defenses or attacks while they are racing</a:t>
+            </a:r>
+            <a:endParaRPr lang="en-CA" sz="2400" dirty="0"/>
           </a:p>
         </p:txBody>
       </p:sp>
     </p:spTree>
     <p:extLst>
       <p:ext uri="{BB962C8B-B14F-4D97-AF65-F5344CB8AC3E}">
-        <p14:creationId xmlns:p14="http://schemas.microsoft.com/office/powerpoint/2010/main" val="4256924779"/>
+        <p14:creationId xmlns:p14="http://schemas.microsoft.com/office/powerpoint/2010/main" val="1281094417"/>
       </p:ext>
     </p:extLst>
   </p:cSld>
@@ -11127,7 +11238,7 @@
       </p:grpSpPr>
       <p:sp>
         <p:nvSpPr>
-          <p:cNvPr id="2" name="Titre 1"/>
+          <p:cNvPr id="5" name="Titre 4"/>
           <p:cNvSpPr>
             <a:spLocks noGrp="1"/>
           </p:cNvSpPr>
@@ -11142,7 +11253,7 @@
           <a:p>
             <a:r>
               <a:rPr lang="en-CA" dirty="0" smtClean="0"/>
-              <a:t>Bit</a:t>
+              <a:t>Hero bios</a:t>
             </a:r>
             <a:endParaRPr lang="en-CA" dirty="0"/>
           </a:p>
@@ -11150,95 +11261,20 @@
       </p:sp>
       <p:sp>
         <p:nvSpPr>
-          <p:cNvPr id="3" name="Espace réservé du contenu 2"/>
-          <p:cNvSpPr>
-            <a:spLocks noGrp="1"/>
-          </p:cNvSpPr>
-          <p:nvPr>
-            <p:ph idx="1"/>
-          </p:nvPr>
-        </p:nvSpPr>
-        <p:spPr>
-          <a:xfrm>
-            <a:off x="457200" y="1765300"/>
-            <a:ext cx="7675564" cy="4483100"/>
-          </a:xfrm>
-        </p:spPr>
-        <p:txBody>
-          <a:bodyPr>
-            <a:noAutofit/>
-          </a:bodyPr>
-          <a:lstStyle/>
-          <a:p>
-            <a:r>
-              <a:rPr lang="en-CA" sz="1800" dirty="0" smtClean="0"/>
-              <a:t>Origin: French</a:t>
-            </a:r>
-          </a:p>
-          <a:p>
-            <a:r>
-              <a:rPr lang="en-CA" sz="1800" dirty="0" smtClean="0"/>
-              <a:t>Age: 18</a:t>
-            </a:r>
-          </a:p>
-          <a:p>
-            <a:r>
-              <a:rPr lang="en-CA" sz="1800" dirty="0" smtClean="0"/>
-              <a:t>Sex: female</a:t>
-            </a:r>
-          </a:p>
-          <a:p>
-            <a:r>
-              <a:rPr lang="en-CA" sz="1800" dirty="0" smtClean="0"/>
-              <a:t>Skill: Genius hacker. Can do anything with a computer</a:t>
-            </a:r>
-          </a:p>
-          <a:p>
-            <a:r>
-              <a:rPr lang="en-CA" sz="1800" dirty="0" smtClean="0"/>
-              <a:t>Power: </a:t>
-            </a:r>
-            <a:r>
-              <a:rPr lang="en-CA" sz="1800" b="1" dirty="0" smtClean="0"/>
-              <a:t>Hack</a:t>
-            </a:r>
-          </a:p>
-          <a:p>
-            <a:r>
-              <a:rPr lang="en-CA" sz="1800" dirty="0" smtClean="0"/>
-              <a:t>Bit is </a:t>
-            </a:r>
-            <a:r>
-              <a:rPr lang="en-CA" sz="1800" dirty="0"/>
-              <a:t>famous for having hacked into </a:t>
-            </a:r>
-            <a:r>
-              <a:rPr lang="en-CA" sz="1800" dirty="0" err="1"/>
-              <a:t>Tetracorp</a:t>
-            </a:r>
-            <a:r>
-              <a:rPr lang="en-CA" sz="1800" dirty="0"/>
-              <a:t> and exposed the company for the environmental disaster they caused. She has quite the reputation among the Dark Internet community. She </a:t>
-            </a:r>
-            <a:r>
-              <a:rPr lang="en-CA" sz="1800" dirty="0" smtClean="0"/>
-              <a:t>enjoys reading graphic novels. </a:t>
-            </a:r>
-            <a:r>
-              <a:rPr lang="en-CA" sz="1800" dirty="0"/>
-              <a:t>She never went to school. She is petite. She loves wearing fashion from the late 60s and </a:t>
-            </a:r>
-            <a:r>
-              <a:rPr lang="en-CA" sz="1800" dirty="0" smtClean="0"/>
-              <a:t>early </a:t>
-            </a:r>
-            <a:r>
-              <a:rPr lang="en-CA" sz="1800" dirty="0"/>
-              <a:t>70s.</a:t>
-            </a:r>
-          </a:p>
-          <a:p>
-            <a:endParaRPr lang="en-CA" sz="1600" dirty="0" smtClean="0"/>
+          <p:cNvPr id="2" name="Espace réservé du texte 1"/>
+          <p:cNvSpPr>
+            <a:spLocks noGrp="1"/>
+          </p:cNvSpPr>
+          <p:nvPr>
+            <p:ph type="body" idx="1"/>
+          </p:nvPr>
+        </p:nvSpPr>
+        <p:spPr/>
+        <p:txBody>
+          <a:bodyPr/>
+          <a:lstStyle/>
+          <a:p>
+            <a:endParaRPr lang="en-CA"/>
           </a:p>
         </p:txBody>
       </p:sp>
@@ -11268,7 +11304,7 @@
     </p:spTree>
     <p:extLst>
       <p:ext uri="{BB962C8B-B14F-4D97-AF65-F5344CB8AC3E}">
-        <p14:creationId xmlns:p14="http://schemas.microsoft.com/office/powerpoint/2010/main" val="2010722700"/>
+        <p14:creationId xmlns:p14="http://schemas.microsoft.com/office/powerpoint/2010/main" val="4256924779"/>
       </p:ext>
     </p:extLst>
   </p:cSld>
@@ -11318,10 +11354,10 @@
           <a:lstStyle/>
           <a:p>
             <a:r>
-              <a:rPr lang="en-CA" smtClean="0"/>
-              <a:t>Rug</a:t>
-            </a:r>
-            <a:endParaRPr lang="en-CA"/>
+              <a:rPr lang="en-CA" dirty="0" smtClean="0"/>
+              <a:t>Bit</a:t>
+            </a:r>
+            <a:endParaRPr lang="en-CA" dirty="0"/>
           </a:p>
         </p:txBody>
       </p:sp>
@@ -11337,73 +11373,85 @@
         </p:nvSpPr>
         <p:spPr>
           <a:xfrm>
-            <a:off x="457199" y="1765300"/>
-            <a:ext cx="7675564" cy="3916363"/>
+            <a:off x="457200" y="1765300"/>
+            <a:ext cx="7675564" cy="4483100"/>
           </a:xfrm>
         </p:spPr>
         <p:txBody>
           <a:bodyPr>
-            <a:normAutofit fontScale="92500" lnSpcReduction="10000"/>
+            <a:noAutofit/>
           </a:bodyPr>
           <a:lstStyle/>
           <a:p>
             <a:r>
-              <a:rPr lang="en-CA" sz="1900" dirty="0" smtClean="0"/>
-              <a:t>Origin: American</a:t>
-            </a:r>
-          </a:p>
-          <a:p>
-            <a:r>
-              <a:rPr lang="en-CA" sz="1900" dirty="0" smtClean="0"/>
-              <a:t>Age: 26 </a:t>
-            </a:r>
-          </a:p>
-          <a:p>
-            <a:r>
-              <a:rPr lang="en-CA" sz="1900" dirty="0" smtClean="0"/>
-              <a:t>Sex: Male </a:t>
-            </a:r>
-          </a:p>
-          <a:p>
-            <a:r>
-              <a:rPr lang="en-CA" sz="1900" dirty="0" smtClean="0"/>
-              <a:t>Skill: Strength</a:t>
-            </a:r>
-          </a:p>
-          <a:p>
-            <a:r>
-              <a:rPr lang="en-CA" sz="1900" dirty="0" smtClean="0"/>
+              <a:rPr lang="en-CA" sz="1800" dirty="0" smtClean="0"/>
+              <a:t>Origin: French</a:t>
+            </a:r>
+          </a:p>
+          <a:p>
+            <a:r>
+              <a:rPr lang="en-CA" sz="1800" dirty="0" smtClean="0"/>
+              <a:t>Age: 18</a:t>
+            </a:r>
+          </a:p>
+          <a:p>
+            <a:r>
+              <a:rPr lang="en-CA" sz="1800" dirty="0" smtClean="0"/>
+              <a:t>Sex: female</a:t>
+            </a:r>
+          </a:p>
+          <a:p>
+            <a:r>
+              <a:rPr lang="en-CA" sz="1800" dirty="0" smtClean="0"/>
+              <a:t>Skill: Genius hacker. Can do anything with a computer</a:t>
+            </a:r>
+          </a:p>
+          <a:p>
+            <a:r>
+              <a:rPr lang="en-CA" sz="1800" dirty="0" smtClean="0"/>
               <a:t>Power: </a:t>
             </a:r>
             <a:r>
-              <a:rPr lang="en-CA" sz="1900" b="1" dirty="0" smtClean="0"/>
-              <a:t>Shockwave</a:t>
-            </a:r>
-          </a:p>
-          <a:p>
-            <a:r>
-              <a:rPr lang="en-CA" sz="1900" dirty="0" smtClean="0"/>
-              <a:t>He </a:t>
-            </a:r>
-            <a:r>
-              <a:rPr lang="en-CA" sz="1900" dirty="0"/>
-              <a:t>used to work as a docker. He is unbelievably powerful and strong. </a:t>
-            </a:r>
-            <a:r>
-              <a:rPr lang="en-CA" sz="1900" dirty="0" smtClean="0"/>
-              <a:t>He’s </a:t>
-            </a:r>
-            <a:r>
-              <a:rPr lang="en-CA" sz="1900" dirty="0"/>
-              <a:t>addicted to tattoos. He has a number of piercings and </a:t>
-            </a:r>
-            <a:r>
-              <a:rPr lang="en-CA" sz="1900" dirty="0" smtClean="0"/>
-              <a:t>chains as well. He’s as sweet as a Teddy Bear and wouldn't hurt a fly. He’s vegetarian. His mother passed away just before the last spaceship left.</a:t>
-            </a:r>
-          </a:p>
-          <a:p>
-            <a:endParaRPr lang="en-CA" dirty="0"/>
+              <a:rPr lang="en-CA" sz="1800" b="1" dirty="0" smtClean="0"/>
+              <a:t>Hack</a:t>
+            </a:r>
+          </a:p>
+          <a:p>
+            <a:r>
+              <a:rPr lang="en-CA" sz="1800" dirty="0" smtClean="0"/>
+              <a:t>Bit is </a:t>
+            </a:r>
+            <a:r>
+              <a:rPr lang="en-CA" sz="1800" dirty="0"/>
+              <a:t>famous for having hacked into </a:t>
+            </a:r>
+            <a:r>
+              <a:rPr lang="en-CA" sz="1800" dirty="0" err="1"/>
+              <a:t>Tetracorp</a:t>
+            </a:r>
+            <a:r>
+              <a:rPr lang="en-CA" sz="1800" dirty="0"/>
+              <a:t> and exposed the company for the environmental disaster they caused. She has quite the reputation among the Dark Internet community. She </a:t>
+            </a:r>
+            <a:r>
+              <a:rPr lang="en-CA" sz="1800" dirty="0" smtClean="0"/>
+              <a:t>enjoys reading graphic novels. </a:t>
+            </a:r>
+            <a:r>
+              <a:rPr lang="en-CA" sz="1800" dirty="0"/>
+              <a:t>She never went to school. She is petite. She loves wearing fashion from the late 60s and </a:t>
+            </a:r>
+            <a:r>
+              <a:rPr lang="en-CA" sz="1800" dirty="0" smtClean="0"/>
+              <a:t>early </a:t>
+            </a:r>
+            <a:r>
+              <a:rPr lang="en-CA" sz="1800" dirty="0"/>
+              <a:t>70s.</a:t>
+            </a:r>
+          </a:p>
+          <a:p>
+            <a:endParaRPr lang="en-CA" sz="1600" dirty="0" smtClean="0"/>
           </a:p>
         </p:txBody>
       </p:sp>
@@ -11433,7 +11481,7 @@
     </p:spTree>
     <p:extLst>
       <p:ext uri="{BB962C8B-B14F-4D97-AF65-F5344CB8AC3E}">
-        <p14:creationId xmlns:p14="http://schemas.microsoft.com/office/powerpoint/2010/main" val="3655461154"/>
+        <p14:creationId xmlns:p14="http://schemas.microsoft.com/office/powerpoint/2010/main" val="2010722700"/>
       </p:ext>
     </p:extLst>
   </p:cSld>
@@ -11484,7 +11532,7 @@
           <a:p>
             <a:r>
               <a:rPr lang="en-CA" smtClean="0"/>
-              <a:t>Gin</a:t>
+              <a:t>Rug</a:t>
             </a:r>
             <a:endParaRPr lang="en-CA"/>
           </a:p>
@@ -11502,81 +11550,73 @@
         </p:nvSpPr>
         <p:spPr>
           <a:xfrm>
-            <a:off x="457199" y="1722438"/>
+            <a:off x="457199" y="1765300"/>
             <a:ext cx="7675564" cy="3916363"/>
           </a:xfrm>
         </p:spPr>
         <p:txBody>
           <a:bodyPr>
-            <a:normAutofit lnSpcReduction="10000"/>
+            <a:normAutofit fontScale="92500" lnSpcReduction="10000"/>
           </a:bodyPr>
           <a:lstStyle/>
           <a:p>
             <a:r>
-              <a:rPr lang="en-CA" sz="1800" dirty="0" smtClean="0"/>
-              <a:t>Origin: Mexican</a:t>
-            </a:r>
-          </a:p>
-          <a:p>
-            <a:r>
-              <a:rPr lang="en-CA" sz="1800" dirty="0" smtClean="0"/>
-              <a:t>Age: 24</a:t>
-            </a:r>
-          </a:p>
-          <a:p>
-            <a:r>
-              <a:rPr lang="en-CA" sz="1800" dirty="0" smtClean="0"/>
-              <a:t>Sex: male</a:t>
-            </a:r>
-          </a:p>
-          <a:p>
-            <a:r>
-              <a:rPr lang="en-CA" sz="1800" dirty="0" smtClean="0"/>
-              <a:t>Skill: Robotics engineer</a:t>
-            </a:r>
-          </a:p>
-          <a:p>
-            <a:r>
-              <a:rPr lang="en-CA" sz="1800" dirty="0" smtClean="0"/>
+              <a:rPr lang="en-CA" sz="1900" dirty="0" smtClean="0"/>
+              <a:t>Origin: American</a:t>
+            </a:r>
+          </a:p>
+          <a:p>
+            <a:r>
+              <a:rPr lang="en-CA" sz="1900" dirty="0" smtClean="0"/>
+              <a:t>Age: 26 </a:t>
+            </a:r>
+          </a:p>
+          <a:p>
+            <a:r>
+              <a:rPr lang="en-CA" sz="1900" dirty="0" smtClean="0"/>
+              <a:t>Sex: Male </a:t>
+            </a:r>
+          </a:p>
+          <a:p>
+            <a:r>
+              <a:rPr lang="en-CA" sz="1900" dirty="0" smtClean="0"/>
+              <a:t>Skill: Strength</a:t>
+            </a:r>
+          </a:p>
+          <a:p>
+            <a:r>
+              <a:rPr lang="en-CA" sz="1900" dirty="0" smtClean="0"/>
               <a:t>Power: </a:t>
             </a:r>
             <a:r>
-              <a:rPr lang="en-CA" sz="1800" b="1" dirty="0" smtClean="0"/>
-              <a:t>Sentry</a:t>
-            </a:r>
-          </a:p>
-          <a:p>
-            <a:r>
-              <a:rPr lang="en-CA" sz="1800" dirty="0" smtClean="0"/>
-              <a:t>Gin is very shy and socially awkward. </a:t>
-            </a:r>
-            <a:r>
-              <a:rPr lang="en-CA" sz="1800" dirty="0"/>
-              <a:t>He has a crush on Bit. Feeling </a:t>
-            </a:r>
-            <a:r>
-              <a:rPr lang="en-CA" sz="1800" dirty="0" smtClean="0"/>
-              <a:t>lonely, he created his first sentry so it would become his friend. Gin’s sentry is an </a:t>
-            </a:r>
-            <a:r>
-              <a:rPr lang="en-CA" sz="1800" dirty="0"/>
-              <a:t>expressive (think Wall-E</a:t>
-            </a:r>
-            <a:r>
-              <a:rPr lang="en-CA" sz="1800" dirty="0" smtClean="0"/>
-              <a:t>) hovering robot </a:t>
-            </a:r>
-            <a:r>
-              <a:rPr lang="en-CA" sz="1800" dirty="0"/>
-              <a:t>that </a:t>
-            </a:r>
-            <a:r>
-              <a:rPr lang="en-CA" sz="1800" dirty="0" smtClean="0"/>
-              <a:t>follows him around. Gin’s sentry can also fire missiles to protect him.</a:t>
-            </a:r>
-          </a:p>
-          <a:p>
-            <a:endParaRPr lang="en-CA" sz="1800" dirty="0"/>
+              <a:rPr lang="en-CA" sz="1900" b="1" dirty="0" smtClean="0"/>
+              <a:t>Shockwave</a:t>
+            </a:r>
+          </a:p>
+          <a:p>
+            <a:r>
+              <a:rPr lang="en-CA" sz="1900" dirty="0" smtClean="0"/>
+              <a:t>He </a:t>
+            </a:r>
+            <a:r>
+              <a:rPr lang="en-CA" sz="1900" dirty="0"/>
+              <a:t>used to work as a docker. He is unbelievably powerful and strong. </a:t>
+            </a:r>
+            <a:r>
+              <a:rPr lang="en-CA" sz="1900" dirty="0" smtClean="0"/>
+              <a:t>He’s </a:t>
+            </a:r>
+            <a:r>
+              <a:rPr lang="en-CA" sz="1900" dirty="0"/>
+              <a:t>addicted to tattoos. He has a number of piercings and </a:t>
+            </a:r>
+            <a:r>
+              <a:rPr lang="en-CA" sz="1900" dirty="0" smtClean="0"/>
+              <a:t>chains as well. He’s as sweet as a Teddy Bear and wouldn't hurt a fly. He’s vegetarian. His mother passed away just before the last spaceship left.</a:t>
+            </a:r>
+          </a:p>
+          <a:p>
+            <a:endParaRPr lang="en-CA" dirty="0"/>
           </a:p>
         </p:txBody>
       </p:sp>
@@ -11606,7 +11646,7 @@
     </p:spTree>
     <p:extLst>
       <p:ext uri="{BB962C8B-B14F-4D97-AF65-F5344CB8AC3E}">
-        <p14:creationId xmlns:p14="http://schemas.microsoft.com/office/powerpoint/2010/main" val="2252386259"/>
+        <p14:creationId xmlns:p14="http://schemas.microsoft.com/office/powerpoint/2010/main" val="3655461154"/>
       </p:ext>
     </p:extLst>
   </p:cSld>
@@ -11657,7 +11697,7 @@
           <a:p>
             <a:r>
               <a:rPr lang="en-CA" smtClean="0"/>
-              <a:t>Hex</a:t>
+              <a:t>Gin</a:t>
             </a:r>
             <a:endParaRPr lang="en-CA"/>
           </a:p>
@@ -11675,37 +11715,37 @@
         </p:nvSpPr>
         <p:spPr>
           <a:xfrm>
-            <a:off x="457199" y="1747838"/>
+            <a:off x="457199" y="1722438"/>
             <a:ext cx="7675564" cy="3916363"/>
           </a:xfrm>
         </p:spPr>
         <p:txBody>
           <a:bodyPr>
-            <a:normAutofit/>
+            <a:normAutofit lnSpcReduction="10000"/>
           </a:bodyPr>
           <a:lstStyle/>
           <a:p>
             <a:r>
               <a:rPr lang="en-CA" sz="1800" dirty="0" smtClean="0"/>
-              <a:t>Origin: Afro-American</a:t>
+              <a:t>Origin: Mexican</a:t>
             </a:r>
           </a:p>
           <a:p>
             <a:r>
               <a:rPr lang="en-CA" sz="1800" dirty="0" smtClean="0"/>
-              <a:t>Age: 29</a:t>
+              <a:t>Age: 24</a:t>
             </a:r>
           </a:p>
           <a:p>
             <a:r>
               <a:rPr lang="en-CA" sz="1800" dirty="0" smtClean="0"/>
-              <a:t>Sex: Male</a:t>
+              <a:t>Sex: male</a:t>
             </a:r>
           </a:p>
           <a:p>
             <a:r>
               <a:rPr lang="en-CA" sz="1800" dirty="0" smtClean="0"/>
-              <a:t>Skill: Molecular engineer</a:t>
+              <a:t>Skill: Robotics engineer</a:t>
             </a:r>
           </a:p>
           <a:p>
@@ -11715,14 +11755,37 @@
             </a:r>
             <a:r>
               <a:rPr lang="en-CA" sz="1800" b="1" dirty="0" smtClean="0"/>
-              <a:t>Shrink</a:t>
-            </a:r>
-            <a:endParaRPr lang="en-CA" sz="1800" dirty="0" smtClean="0"/>
+              <a:t>Sentry</a:t>
+            </a:r>
           </a:p>
           <a:p>
             <a:r>
               <a:rPr lang="en-CA" sz="1800" dirty="0" smtClean="0"/>
-              <a:t>Hex is a molecular engineer. He graduated with top honours. He’s into rap and loves to break dance. He wears a beanie hat. His shoes have fluorescent lights on them.</a:t>
+              <a:t>Gin is very shy and socially awkward. </a:t>
+            </a:r>
+            <a:r>
+              <a:rPr lang="en-CA" sz="1800" dirty="0"/>
+              <a:t>He has a crush on Bit. Feeling </a:t>
+            </a:r>
+            <a:r>
+              <a:rPr lang="en-CA" sz="1800" dirty="0" smtClean="0"/>
+              <a:t>lonely, he created his first sentry so it would become his friend. Gin’s sentry is an </a:t>
+            </a:r>
+            <a:r>
+              <a:rPr lang="en-CA" sz="1800" dirty="0"/>
+              <a:t>expressive (think Wall-E</a:t>
+            </a:r>
+            <a:r>
+              <a:rPr lang="en-CA" sz="1800" dirty="0" smtClean="0"/>
+              <a:t>) hovering robot </a:t>
+            </a:r>
+            <a:r>
+              <a:rPr lang="en-CA" sz="1800" dirty="0"/>
+              <a:t>that </a:t>
+            </a:r>
+            <a:r>
+              <a:rPr lang="en-CA" sz="1800" dirty="0" smtClean="0"/>
+              <a:t>follows him around. Gin’s sentry can also fire missiles to protect him.</a:t>
             </a:r>
           </a:p>
           <a:p>
@@ -11756,7 +11819,7 @@
     </p:spTree>
     <p:extLst>
       <p:ext uri="{BB962C8B-B14F-4D97-AF65-F5344CB8AC3E}">
-        <p14:creationId xmlns:p14="http://schemas.microsoft.com/office/powerpoint/2010/main" val="4100526575"/>
+        <p14:creationId xmlns:p14="http://schemas.microsoft.com/office/powerpoint/2010/main" val="2252386259"/>
       </p:ext>
     </p:extLst>
   </p:cSld>
@@ -11807,7 +11870,7 @@
           <a:p>
             <a:r>
               <a:rPr lang="en-CA" smtClean="0"/>
-              <a:t>Sophia</a:t>
+              <a:t>Hex</a:t>
             </a:r>
             <a:endParaRPr lang="en-CA"/>
           </a:p>
@@ -11825,37 +11888,37 @@
         </p:nvSpPr>
         <p:spPr>
           <a:xfrm>
-            <a:off x="457199" y="1722438"/>
-            <a:ext cx="7675564" cy="4403725"/>
+            <a:off x="457199" y="1747838"/>
+            <a:ext cx="7675564" cy="3916363"/>
           </a:xfrm>
         </p:spPr>
         <p:txBody>
           <a:bodyPr>
-            <a:noAutofit/>
+            <a:normAutofit/>
           </a:bodyPr>
           <a:lstStyle/>
           <a:p>
             <a:r>
               <a:rPr lang="en-CA" sz="1800" dirty="0" smtClean="0"/>
-              <a:t>Origin: Swedish</a:t>
+              <a:t>Origin: Afro-American</a:t>
             </a:r>
           </a:p>
           <a:p>
             <a:r>
               <a:rPr lang="en-CA" sz="1800" dirty="0" smtClean="0"/>
-              <a:t>Age: 25</a:t>
+              <a:t>Age: 29</a:t>
             </a:r>
           </a:p>
           <a:p>
             <a:r>
               <a:rPr lang="en-CA" sz="1800" dirty="0" smtClean="0"/>
-              <a:t>Sex: Female</a:t>
+              <a:t>Sex: Male</a:t>
             </a:r>
           </a:p>
           <a:p>
             <a:r>
               <a:rPr lang="en-CA" sz="1800" dirty="0" smtClean="0"/>
-              <a:t>Skill: Quantum physicist</a:t>
+              <a:t>Skill: Molecular engineer</a:t>
             </a:r>
           </a:p>
           <a:p>
@@ -11865,13 +11928,14 @@
             </a:r>
             <a:r>
               <a:rPr lang="en-CA" sz="1800" b="1" dirty="0" smtClean="0"/>
-              <a:t>Lightning</a:t>
-            </a:r>
-          </a:p>
-          <a:p>
-            <a:r>
-              <a:rPr lang="en-CA" sz="1600" dirty="0" smtClean="0"/>
-              <a:t>She is a beautiful pagan hippie. She loves wearing flowers in her hair. She craves new age stuff and holding hands naked around a bonfire. Some call her wacky, but when you see her conjure fire out of thin air you are more likely to call her a witch. Others say that she can see the future and has visions of dark things to come. Because of this, she refuses to engage in any serious long-term relationship although she has many suitors. She likes Rug and they hang out a lot.</a:t>
+              <a:t>Shrink</a:t>
+            </a:r>
+            <a:endParaRPr lang="en-CA" sz="1800" dirty="0" smtClean="0"/>
+          </a:p>
+          <a:p>
+            <a:r>
+              <a:rPr lang="en-CA" sz="1800" dirty="0" smtClean="0"/>
+              <a:t>Hex is a molecular engineer. He graduated with top honours. He’s into rap and loves to break dance. He wears a beanie hat. His shoes have fluorescent lights on them.</a:t>
             </a:r>
           </a:p>
           <a:p>
@@ -11905,7 +11969,7 @@
     </p:spTree>
     <p:extLst>
       <p:ext uri="{BB962C8B-B14F-4D97-AF65-F5344CB8AC3E}">
-        <p14:creationId xmlns:p14="http://schemas.microsoft.com/office/powerpoint/2010/main" val="553760779"/>
+        <p14:creationId xmlns:p14="http://schemas.microsoft.com/office/powerpoint/2010/main" val="4100526575"/>
       </p:ext>
     </p:extLst>
   </p:cSld>
@@ -11956,6 +12020,155 @@
           <a:p>
             <a:r>
               <a:rPr lang="en-CA" smtClean="0"/>
+              <a:t>Sophia</a:t>
+            </a:r>
+            <a:endParaRPr lang="en-CA"/>
+          </a:p>
+        </p:txBody>
+      </p:sp>
+      <p:sp>
+        <p:nvSpPr>
+          <p:cNvPr id="3" name="Espace réservé du contenu 2"/>
+          <p:cNvSpPr>
+            <a:spLocks noGrp="1"/>
+          </p:cNvSpPr>
+          <p:nvPr>
+            <p:ph idx="1"/>
+          </p:nvPr>
+        </p:nvSpPr>
+        <p:spPr>
+          <a:xfrm>
+            <a:off x="457199" y="1722438"/>
+            <a:ext cx="7675564" cy="4403725"/>
+          </a:xfrm>
+        </p:spPr>
+        <p:txBody>
+          <a:bodyPr>
+            <a:noAutofit/>
+          </a:bodyPr>
+          <a:lstStyle/>
+          <a:p>
+            <a:r>
+              <a:rPr lang="en-CA" sz="1800" dirty="0" smtClean="0"/>
+              <a:t>Origin: Swedish</a:t>
+            </a:r>
+          </a:p>
+          <a:p>
+            <a:r>
+              <a:rPr lang="en-CA" sz="1800" dirty="0" smtClean="0"/>
+              <a:t>Age: 25</a:t>
+            </a:r>
+          </a:p>
+          <a:p>
+            <a:r>
+              <a:rPr lang="en-CA" sz="1800" dirty="0" smtClean="0"/>
+              <a:t>Sex: Female</a:t>
+            </a:r>
+          </a:p>
+          <a:p>
+            <a:r>
+              <a:rPr lang="en-CA" sz="1800" dirty="0" smtClean="0"/>
+              <a:t>Skill: Quantum physicist</a:t>
+            </a:r>
+          </a:p>
+          <a:p>
+            <a:r>
+              <a:rPr lang="en-CA" sz="1800" dirty="0" smtClean="0"/>
+              <a:t>Power: </a:t>
+            </a:r>
+            <a:r>
+              <a:rPr lang="en-CA" sz="1800" b="1" dirty="0" smtClean="0"/>
+              <a:t>Lightning</a:t>
+            </a:r>
+          </a:p>
+          <a:p>
+            <a:r>
+              <a:rPr lang="en-CA" sz="1600" dirty="0" smtClean="0"/>
+              <a:t>She is a beautiful pagan hippie. She loves wearing flowers in her hair. She craves new age stuff and holding hands naked around a bonfire. Some call her wacky, but when you see her conjure fire out of thin air you are more likely to call her a witch. Others say that she can see the future and has visions of dark things to come. Because of this, she refuses to engage in any serious long-term relationship although she has many suitors. She likes Rug and they hang out a lot.</a:t>
+            </a:r>
+          </a:p>
+          <a:p>
+            <a:endParaRPr lang="en-CA" sz="1800" dirty="0"/>
+          </a:p>
+        </p:txBody>
+      </p:sp>
+      <p:sp>
+        <p:nvSpPr>
+          <p:cNvPr id="4" name="Espace réservé du pied de page 3"/>
+          <p:cNvSpPr>
+            <a:spLocks noGrp="1"/>
+          </p:cNvSpPr>
+          <p:nvPr>
+            <p:ph type="ftr" sz="quarter" idx="11"/>
+          </p:nvPr>
+        </p:nvSpPr>
+        <p:spPr/>
+        <p:txBody>
+          <a:bodyPr/>
+          <a:lstStyle/>
+          <a:p>
+            <a:r>
+              <a:rPr lang="en-CA" smtClean="0"/>
+              <a:t>Copyright 2017 Regis Geoffrion</a:t>
+            </a:r>
+            <a:endParaRPr lang="en-CA"/>
+          </a:p>
+        </p:txBody>
+      </p:sp>
+    </p:spTree>
+    <p:extLst>
+      <p:ext uri="{BB962C8B-B14F-4D97-AF65-F5344CB8AC3E}">
+        <p14:creationId xmlns:p14="http://schemas.microsoft.com/office/powerpoint/2010/main" val="553760779"/>
+      </p:ext>
+    </p:extLst>
+  </p:cSld>
+  <p:clrMapOvr>
+    <a:masterClrMapping/>
+  </p:clrMapOvr>
+  <p:timing>
+    <p:tnLst>
+      <p:par>
+        <p:cTn xmlns:p14="http://schemas.microsoft.com/office/powerpoint/2010/main" id="1" dur="indefinite" restart="never" nodeType="tmRoot"/>
+      </p:par>
+    </p:tnLst>
+  </p:timing>
+</p:sld>
+</file>
+
+<file path=ppt/slides/slide28.xml><?xml version="1.0" encoding="utf-8"?>
+<p:sld xmlns:a="http://schemas.openxmlformats.org/drawingml/2006/main" xmlns:r="http://schemas.openxmlformats.org/officeDocument/2006/relationships" xmlns:p="http://schemas.openxmlformats.org/presentationml/2006/main">
+  <p:cSld>
+    <p:spTree>
+      <p:nvGrpSpPr>
+        <p:cNvPr id="1" name=""/>
+        <p:cNvGrpSpPr/>
+        <p:nvPr/>
+      </p:nvGrpSpPr>
+      <p:grpSpPr>
+        <a:xfrm>
+          <a:off x="0" y="0"/>
+          <a:ext cx="0" cy="0"/>
+          <a:chOff x="0" y="0"/>
+          <a:chExt cx="0" cy="0"/>
+        </a:xfrm>
+      </p:grpSpPr>
+      <p:sp>
+        <p:nvSpPr>
+          <p:cNvPr id="2" name="Titre 1"/>
+          <p:cNvSpPr>
+            <a:spLocks noGrp="1"/>
+          </p:cNvSpPr>
+          <p:nvPr>
+            <p:ph type="title"/>
+          </p:nvPr>
+        </p:nvSpPr>
+        <p:spPr/>
+        <p:txBody>
+          <a:bodyPr/>
+          <a:lstStyle/>
+          <a:p>
+            <a:r>
+              <a:rPr lang="en-CA" smtClean="0"/>
               <a:t>Brooke</a:t>
             </a:r>
             <a:endParaRPr lang="en-CA"/>
@@ -12069,7 +12282,7 @@
 </p:sld>
 </file>
 
-<file path=ppt/slides/slide28.xml><?xml version="1.0" encoding="utf-8"?>
+<file path=ppt/slides/slide29.xml><?xml version="1.0" encoding="utf-8"?>
 <p:sld xmlns:a="http://schemas.openxmlformats.org/drawingml/2006/main" xmlns:r="http://schemas.openxmlformats.org/officeDocument/2006/relationships" xmlns:p="http://schemas.openxmlformats.org/presentationml/2006/main">
   <p:cSld>
     <p:spTree>
@@ -12811,108 +13024,6 @@
 </p:sld>
 </file>
 
-<file path=ppt/slides/slide29.xml><?xml version="1.0" encoding="utf-8"?>
-<p:sld xmlns:a="http://schemas.openxmlformats.org/drawingml/2006/main" xmlns:r="http://schemas.openxmlformats.org/officeDocument/2006/relationships" xmlns:p="http://schemas.openxmlformats.org/presentationml/2006/main">
-  <p:cSld>
-    <p:spTree>
-      <p:nvGrpSpPr>
-        <p:cNvPr id="1" name=""/>
-        <p:cNvGrpSpPr/>
-        <p:nvPr/>
-      </p:nvGrpSpPr>
-      <p:grpSpPr>
-        <a:xfrm>
-          <a:off x="0" y="0"/>
-          <a:ext cx="0" cy="0"/>
-          <a:chOff x="0" y="0"/>
-          <a:chExt cx="0" cy="0"/>
-        </a:xfrm>
-      </p:grpSpPr>
-      <p:sp>
-        <p:nvSpPr>
-          <p:cNvPr id="5" name="Titre 4"/>
-          <p:cNvSpPr>
-            <a:spLocks noGrp="1"/>
-          </p:cNvSpPr>
-          <p:nvPr>
-            <p:ph type="title"/>
-          </p:nvPr>
-        </p:nvSpPr>
-        <p:spPr/>
-        <p:txBody>
-          <a:bodyPr/>
-          <a:lstStyle/>
-          <a:p>
-            <a:r>
-              <a:rPr lang="en-CA" dirty="0" smtClean="0"/>
-              <a:t>Cards</a:t>
-            </a:r>
-            <a:endParaRPr lang="en-CA" dirty="0"/>
-          </a:p>
-        </p:txBody>
-      </p:sp>
-      <p:sp>
-        <p:nvSpPr>
-          <p:cNvPr id="6" name="Espace réservé du texte 5"/>
-          <p:cNvSpPr>
-            <a:spLocks noGrp="1"/>
-          </p:cNvSpPr>
-          <p:nvPr>
-            <p:ph type="body" idx="1"/>
-          </p:nvPr>
-        </p:nvSpPr>
-        <p:spPr/>
-        <p:txBody>
-          <a:bodyPr/>
-          <a:lstStyle/>
-          <a:p>
-            <a:endParaRPr lang="en-CA"/>
-          </a:p>
-        </p:txBody>
-      </p:sp>
-      <p:sp>
-        <p:nvSpPr>
-          <p:cNvPr id="4" name="Espace réservé du pied de page 3"/>
-          <p:cNvSpPr>
-            <a:spLocks noGrp="1"/>
-          </p:cNvSpPr>
-          <p:nvPr>
-            <p:ph type="ftr" sz="quarter" idx="11"/>
-          </p:nvPr>
-        </p:nvSpPr>
-        <p:spPr/>
-        <p:txBody>
-          <a:bodyPr/>
-          <a:lstStyle/>
-          <a:p>
-            <a:r>
-              <a:rPr lang="en-CA" smtClean="0"/>
-              <a:t>Copyright 2017 Regis Geoffrion</a:t>
-            </a:r>
-            <a:endParaRPr lang="en-CA"/>
-          </a:p>
-        </p:txBody>
-      </p:sp>
-    </p:spTree>
-    <p:extLst>
-      <p:ext uri="{BB962C8B-B14F-4D97-AF65-F5344CB8AC3E}">
-        <p14:creationId xmlns:p14="http://schemas.microsoft.com/office/powerpoint/2010/main" val="1633604268"/>
-      </p:ext>
-    </p:extLst>
-  </p:cSld>
-  <p:clrMapOvr>
-    <a:masterClrMapping/>
-  </p:clrMapOvr>
-  <p:timing>
-    <p:tnLst>
-      <p:par>
-        <p:cTn xmlns:p14="http://schemas.microsoft.com/office/powerpoint/2010/main" id="1" dur="indefinite" restart="never" nodeType="tmRoot"/>
-      </p:par>
-    </p:tnLst>
-  </p:timing>
-</p:sld>
-</file>
-
 <file path=ppt/slides/slide3.xml><?xml version="1.0" encoding="utf-8"?>
 <p:sld xmlns:a="http://schemas.openxmlformats.org/drawingml/2006/main" xmlns:r="http://schemas.openxmlformats.org/officeDocument/2006/relationships" xmlns:p="http://schemas.openxmlformats.org/presentationml/2006/main">
   <p:cSld>
@@ -13083,7 +13194,7 @@
       </p:grpSpPr>
       <p:sp>
         <p:nvSpPr>
-          <p:cNvPr id="2" name="Titre 1"/>
+          <p:cNvPr id="5" name="Titre 4"/>
           <p:cNvSpPr>
             <a:spLocks noGrp="1"/>
           </p:cNvSpPr>
@@ -13098,7 +13209,7 @@
           <a:p>
             <a:r>
               <a:rPr lang="en-CA" dirty="0" smtClean="0"/>
-              <a:t>Blueprints</a:t>
+              <a:t>Cards</a:t>
             </a:r>
             <a:endParaRPr lang="en-CA" dirty="0"/>
           </a:p>
@@ -13106,41 +13217,20 @@
       </p:sp>
       <p:sp>
         <p:nvSpPr>
-          <p:cNvPr id="3" name="Espace réservé du contenu 2"/>
-          <p:cNvSpPr>
-            <a:spLocks noGrp="1"/>
-          </p:cNvSpPr>
-          <p:nvPr>
-            <p:ph idx="1"/>
-          </p:nvPr>
-        </p:nvSpPr>
-        <p:spPr/>
-        <p:txBody>
-          <a:bodyPr/>
-          <a:lstStyle/>
-          <a:p>
-            <a:r>
-              <a:rPr lang="en-CA" dirty="0" smtClean="0"/>
-              <a:t>Each player has a collection of cards</a:t>
-            </a:r>
-          </a:p>
-          <a:p>
-            <a:r>
-              <a:rPr lang="en-CA" dirty="0" smtClean="0"/>
-              <a:t>A card can be activated during a mission by tapping on it in the turn-ribbon</a:t>
-            </a:r>
-          </a:p>
-          <a:p>
-            <a:r>
-              <a:rPr lang="en-CA" dirty="0" smtClean="0"/>
-              <a:t>Cards can be upgraded by collecting blueprints</a:t>
-            </a:r>
-          </a:p>
-          <a:p>
-            <a:endParaRPr lang="en-CA" dirty="0" smtClean="0"/>
-          </a:p>
-          <a:p>
-            <a:endParaRPr lang="en-CA" dirty="0"/>
+          <p:cNvPr id="6" name="Espace réservé du texte 5"/>
+          <p:cNvSpPr>
+            <a:spLocks noGrp="1"/>
+          </p:cNvSpPr>
+          <p:nvPr>
+            <p:ph type="body" idx="1"/>
+          </p:nvPr>
+        </p:nvSpPr>
+        <p:spPr/>
+        <p:txBody>
+          <a:bodyPr/>
+          <a:lstStyle/>
+          <a:p>
+            <a:endParaRPr lang="en-CA"/>
           </a:p>
         </p:txBody>
       </p:sp>
@@ -13170,7 +13260,7 @@
     </p:spTree>
     <p:extLst>
       <p:ext uri="{BB962C8B-B14F-4D97-AF65-F5344CB8AC3E}">
-        <p14:creationId xmlns:p14="http://schemas.microsoft.com/office/powerpoint/2010/main" val="2642129173"/>
+        <p14:creationId xmlns:p14="http://schemas.microsoft.com/office/powerpoint/2010/main" val="1633604268"/>
       </p:ext>
     </p:extLst>
   </p:cSld>
@@ -13221,7 +13311,7 @@
           <a:p>
             <a:r>
               <a:rPr lang="en-CA" dirty="0" smtClean="0"/>
-              <a:t>Card Deck – Overview</a:t>
+              <a:t>Blueprints</a:t>
             </a:r>
             <a:endParaRPr lang="en-CA" dirty="0"/>
           </a:p>
@@ -13237,46 +13327,33 @@
             <p:ph idx="1"/>
           </p:nvPr>
         </p:nvSpPr>
-        <p:spPr>
-          <a:xfrm>
-            <a:off x="457200" y="2209800"/>
-            <a:ext cx="4052436" cy="3916363"/>
-          </a:xfrm>
-        </p:spPr>
-        <p:txBody>
-          <a:bodyPr>
-            <a:normAutofit/>
-          </a:bodyPr>
-          <a:lstStyle/>
-          <a:p>
-            <a:r>
-              <a:rPr lang="en-CA" dirty="0" smtClean="0"/>
-              <a:t>New players start with a deck of 8 cards</a:t>
-            </a:r>
-          </a:p>
-          <a:p>
-            <a:r>
-              <a:rPr lang="en-CA" dirty="0" smtClean="0"/>
-              <a:t>New cards can be purchased when on sale or found in loot boxes</a:t>
-            </a:r>
-          </a:p>
-          <a:p>
-            <a:r>
-              <a:rPr lang="en-CA" dirty="0" smtClean="0"/>
-              <a:t>A menu allows you to assemble your battle deck</a:t>
-            </a:r>
-          </a:p>
-          <a:p>
-            <a:r>
-              <a:rPr lang="en-CA" dirty="0" smtClean="0"/>
-              <a:t>It also displays your entire card collection including cards you haven’t found yet</a:t>
-            </a:r>
-          </a:p>
-          <a:p>
-            <a:pPr marL="0" indent="0">
-              <a:buNone/>
-            </a:pPr>
+        <p:spPr/>
+        <p:txBody>
+          <a:bodyPr/>
+          <a:lstStyle/>
+          <a:p>
+            <a:r>
+              <a:rPr lang="en-CA" dirty="0" smtClean="0"/>
+              <a:t>Each player has a collection of cards</a:t>
+            </a:r>
+          </a:p>
+          <a:p>
+            <a:r>
+              <a:rPr lang="en-CA" dirty="0" smtClean="0"/>
+              <a:t>A card can be activated during a mission by tapping on it in the turn-ribbon</a:t>
+            </a:r>
+          </a:p>
+          <a:p>
+            <a:r>
+              <a:rPr lang="en-CA" dirty="0" smtClean="0"/>
+              <a:t>Cards can be upgraded by collecting blueprints</a:t>
+            </a:r>
+          </a:p>
+          <a:p>
             <a:endParaRPr lang="en-CA" dirty="0" smtClean="0"/>
+          </a:p>
+          <a:p>
+            <a:endParaRPr lang="en-CA" dirty="0"/>
           </a:p>
         </p:txBody>
       </p:sp>
@@ -13303,34 +13380,10 @@
           </a:p>
         </p:txBody>
       </p:sp>
-      <p:pic>
-        <p:nvPicPr>
-          <p:cNvPr id="6" name="Image 5"/>
-          <p:cNvPicPr>
-            <a:picLocks noChangeAspect="1"/>
-          </p:cNvPicPr>
-          <p:nvPr/>
-        </p:nvPicPr>
-        <p:blipFill>
-          <a:blip r:embed="rId3"/>
-          <a:stretch>
-            <a:fillRect/>
-          </a:stretch>
-        </p:blipFill>
-        <p:spPr>
-          <a:xfrm>
-            <a:off x="4921886" y="2209800"/>
-            <a:ext cx="3693736" cy="2968585"/>
-          </a:xfrm>
-          <a:prstGeom prst="rect">
-            <a:avLst/>
-          </a:prstGeom>
-        </p:spPr>
-      </p:pic>
     </p:spTree>
     <p:extLst>
       <p:ext uri="{BB962C8B-B14F-4D97-AF65-F5344CB8AC3E}">
-        <p14:creationId xmlns:p14="http://schemas.microsoft.com/office/powerpoint/2010/main" val="3381262833"/>
+        <p14:creationId xmlns:p14="http://schemas.microsoft.com/office/powerpoint/2010/main" val="2642129173"/>
       </p:ext>
     </p:extLst>
   </p:cSld>
@@ -13380,12 +13433,8 @@
           <a:lstStyle/>
           <a:p>
             <a:r>
-              <a:rPr lang="en-CA" dirty="0"/>
-              <a:t>Cards </a:t>
-            </a:r>
-            <a:r>
-              <a:rPr lang="en-CA" dirty="0" smtClean="0"/>
-              <a:t>– Turn ribbon</a:t>
+              <a:rPr lang="en-CA" dirty="0" smtClean="0"/>
+              <a:t>Card Deck – Overview</a:t>
             </a:r>
             <a:endParaRPr lang="en-CA" dirty="0"/>
           </a:p>
@@ -13404,42 +13453,36 @@
         <p:spPr>
           <a:xfrm>
             <a:off x="457200" y="2209800"/>
-            <a:ext cx="4956070" cy="3916363"/>
+            <a:ext cx="5119688" cy="3916363"/>
           </a:xfrm>
         </p:spPr>
         <p:txBody>
           <a:bodyPr>
-            <a:normAutofit lnSpcReduction="10000"/>
+            <a:normAutofit/>
           </a:bodyPr>
           <a:lstStyle/>
           <a:p>
             <a:r>
               <a:rPr lang="en-CA" dirty="0" smtClean="0"/>
-              <a:t>4 cards appear in a turn-ribbon on the side of the screen while on a mission</a:t>
-            </a:r>
-          </a:p>
-          <a:p>
-            <a:r>
-              <a:rPr lang="en-CA" dirty="0" smtClean="0"/>
-              <a:t>The next card to become available appears at the bottom of the turn-ribbon. It is smaller</a:t>
-            </a:r>
-          </a:p>
-          <a:p>
-            <a:r>
-              <a:rPr lang="en-CA" dirty="0" smtClean="0"/>
-              <a:t>Tap on a card to activate it </a:t>
-            </a:r>
-          </a:p>
-          <a:p>
-            <a:r>
-              <a:rPr lang="en-CA" dirty="0" smtClean="0"/>
-              <a:t>Each card cost power</a:t>
-            </a:r>
-          </a:p>
-          <a:p>
-            <a:r>
-              <a:rPr lang="en-CA" dirty="0" smtClean="0"/>
-              <a:t>Cards grey out if you don’t have enough power to activate them</a:t>
+              <a:t>New players start with a deck of 8 cards</a:t>
+            </a:r>
+          </a:p>
+          <a:p>
+            <a:r>
+              <a:rPr lang="en-CA" dirty="0" smtClean="0"/>
+              <a:t>New cards can be purchased when on sale or found in loot boxes</a:t>
+            </a:r>
+          </a:p>
+          <a:p>
+            <a:r>
+              <a:rPr lang="en-CA" dirty="0" smtClean="0"/>
+              <a:t>A menu allows you to assemble your battle deck</a:t>
+            </a:r>
+          </a:p>
+          <a:p>
+            <a:r>
+              <a:rPr lang="en-CA" dirty="0" smtClean="0"/>
+              <a:t>It also displays your entire card collection including cards you haven’t found yet</a:t>
             </a:r>
           </a:p>
           <a:p>
@@ -13473,40 +13516,10 @@
           </a:p>
         </p:txBody>
       </p:sp>
-      <p:pic>
-        <p:nvPicPr>
-          <p:cNvPr id="5" name="Image 4" descr="clash-royale-5.jpg"/>
-          <p:cNvPicPr>
-            <a:picLocks noChangeAspect="1"/>
-          </p:cNvPicPr>
-          <p:nvPr/>
-        </p:nvPicPr>
-        <p:blipFill>
-          <a:blip r:embed="rId3">
-            <a:extLst>
-              <a:ext uri="{28A0092B-C50C-407E-A947-70E740481C1C}">
-                <a14:useLocalDpi xmlns:a14="http://schemas.microsoft.com/office/drawing/2010/main" val="0"/>
-              </a:ext>
-            </a:extLst>
-          </a:blip>
-          <a:stretch>
-            <a:fillRect/>
-          </a:stretch>
-        </p:blipFill>
-        <p:spPr>
-          <a:xfrm>
-            <a:off x="5655006" y="1113925"/>
-            <a:ext cx="3061212" cy="5442155"/>
-          </a:xfrm>
-          <a:prstGeom prst="rect">
-            <a:avLst/>
-          </a:prstGeom>
-        </p:spPr>
-      </p:pic>
     </p:spTree>
     <p:extLst>
       <p:ext uri="{BB962C8B-B14F-4D97-AF65-F5344CB8AC3E}">
-        <p14:creationId xmlns:p14="http://schemas.microsoft.com/office/powerpoint/2010/main" val="3308943768"/>
+        <p14:creationId xmlns:p14="http://schemas.microsoft.com/office/powerpoint/2010/main" val="3381262833"/>
       </p:ext>
     </p:extLst>
   </p:cSld>
@@ -13556,8 +13569,12 @@
           <a:lstStyle/>
           <a:p>
             <a:r>
-              <a:rPr lang="en-CA" dirty="0" smtClean="0"/>
-              <a:t>Cards – Power bar</a:t>
+              <a:rPr lang="en-CA" dirty="0"/>
+              <a:t>Cards </a:t>
+            </a:r>
+            <a:r>
+              <a:rPr lang="en-CA" dirty="0" smtClean="0"/>
+              <a:t>– Turn ribbon</a:t>
             </a:r>
             <a:endParaRPr lang="en-CA" dirty="0"/>
           </a:p>
@@ -13573,27 +13590,52 @@
             <p:ph idx="1"/>
           </p:nvPr>
         </p:nvSpPr>
-        <p:spPr/>
-        <p:txBody>
-          <a:bodyPr/>
-          <a:lstStyle/>
-          <a:p>
-            <a:r>
-              <a:rPr lang="en-CA" dirty="0" smtClean="0"/>
-              <a:t>The power bar tells you how much power you have available to spend</a:t>
-            </a:r>
-          </a:p>
-          <a:p>
-            <a:r>
-              <a:rPr lang="en-CA" dirty="0" smtClean="0"/>
-              <a:t>Power replenishes over time</a:t>
-            </a:r>
-          </a:p>
-          <a:p>
-            <a:r>
-              <a:rPr lang="en-CA" dirty="0" smtClean="0"/>
-              <a:t>A mission starts with zero power to avoid having cards played in the first few seconds of gameplay</a:t>
-            </a:r>
+        <p:spPr>
+          <a:xfrm>
+            <a:off x="457200" y="2209800"/>
+            <a:ext cx="5119688" cy="3916363"/>
+          </a:xfrm>
+        </p:spPr>
+        <p:txBody>
+          <a:bodyPr>
+            <a:normAutofit lnSpcReduction="10000"/>
+          </a:bodyPr>
+          <a:lstStyle/>
+          <a:p>
+            <a:r>
+              <a:rPr lang="en-CA" dirty="0" smtClean="0"/>
+              <a:t>4 cards appear in a turn-ribbon on the side of the screen while on a mission</a:t>
+            </a:r>
+          </a:p>
+          <a:p>
+            <a:r>
+              <a:rPr lang="en-CA" dirty="0" smtClean="0"/>
+              <a:t>The next card to become available appears at the bottom of the turn-ribbon. It is smaller</a:t>
+            </a:r>
+          </a:p>
+          <a:p>
+            <a:r>
+              <a:rPr lang="en-CA" dirty="0" smtClean="0"/>
+              <a:t>Tap on a card to activate it </a:t>
+            </a:r>
+          </a:p>
+          <a:p>
+            <a:r>
+              <a:rPr lang="en-CA" dirty="0" smtClean="0"/>
+              <a:t>Each card cost power</a:t>
+            </a:r>
+          </a:p>
+          <a:p>
+            <a:r>
+              <a:rPr lang="en-CA" dirty="0" smtClean="0"/>
+              <a:t>Cards grey out if you don’t have enough power to activate them</a:t>
+            </a:r>
+          </a:p>
+          <a:p>
+            <a:pPr marL="0" indent="0">
+              <a:buNone/>
+            </a:pPr>
+            <a:endParaRPr lang="en-CA" dirty="0" smtClean="0"/>
           </a:p>
         </p:txBody>
       </p:sp>
@@ -13623,7 +13665,7 @@
     </p:spTree>
     <p:extLst>
       <p:ext uri="{BB962C8B-B14F-4D97-AF65-F5344CB8AC3E}">
-        <p14:creationId xmlns:p14="http://schemas.microsoft.com/office/powerpoint/2010/main" val="328926843"/>
+        <p14:creationId xmlns:p14="http://schemas.microsoft.com/office/powerpoint/2010/main" val="3308943768"/>
       </p:ext>
     </p:extLst>
   </p:cSld>
@@ -13674,6 +13716,123 @@
           <a:p>
             <a:r>
               <a:rPr lang="en-CA" dirty="0" smtClean="0"/>
+              <a:t>Cards – Power bar</a:t>
+            </a:r>
+            <a:endParaRPr lang="en-CA" dirty="0"/>
+          </a:p>
+        </p:txBody>
+      </p:sp>
+      <p:sp>
+        <p:nvSpPr>
+          <p:cNvPr id="3" name="Espace réservé du contenu 2"/>
+          <p:cNvSpPr>
+            <a:spLocks noGrp="1"/>
+          </p:cNvSpPr>
+          <p:nvPr>
+            <p:ph idx="1"/>
+          </p:nvPr>
+        </p:nvSpPr>
+        <p:spPr/>
+        <p:txBody>
+          <a:bodyPr/>
+          <a:lstStyle/>
+          <a:p>
+            <a:r>
+              <a:rPr lang="en-CA" dirty="0" smtClean="0"/>
+              <a:t>The power bar tells you how much power you have available to spend</a:t>
+            </a:r>
+          </a:p>
+          <a:p>
+            <a:r>
+              <a:rPr lang="en-CA" dirty="0" smtClean="0"/>
+              <a:t>Power replenishes over time</a:t>
+            </a:r>
+          </a:p>
+          <a:p>
+            <a:r>
+              <a:rPr lang="en-CA" dirty="0" smtClean="0"/>
+              <a:t>A mission starts with zero power to avoid having cards played in the first few seconds of gameplay</a:t>
+            </a:r>
+          </a:p>
+        </p:txBody>
+      </p:sp>
+      <p:sp>
+        <p:nvSpPr>
+          <p:cNvPr id="4" name="Espace réservé du pied de page 3"/>
+          <p:cNvSpPr>
+            <a:spLocks noGrp="1"/>
+          </p:cNvSpPr>
+          <p:nvPr>
+            <p:ph type="ftr" sz="quarter" idx="11"/>
+          </p:nvPr>
+        </p:nvSpPr>
+        <p:spPr/>
+        <p:txBody>
+          <a:bodyPr/>
+          <a:lstStyle/>
+          <a:p>
+            <a:r>
+              <a:rPr lang="en-CA" smtClean="0"/>
+              <a:t>Copyright 2017 Regis Geoffrion</a:t>
+            </a:r>
+            <a:endParaRPr lang="en-CA"/>
+          </a:p>
+        </p:txBody>
+      </p:sp>
+    </p:spTree>
+    <p:extLst>
+      <p:ext uri="{BB962C8B-B14F-4D97-AF65-F5344CB8AC3E}">
+        <p14:creationId xmlns:p14="http://schemas.microsoft.com/office/powerpoint/2010/main" val="328926843"/>
+      </p:ext>
+    </p:extLst>
+  </p:cSld>
+  <p:clrMapOvr>
+    <a:masterClrMapping/>
+  </p:clrMapOvr>
+  <p:timing>
+    <p:tnLst>
+      <p:par>
+        <p:cTn xmlns:p14="http://schemas.microsoft.com/office/powerpoint/2010/main" id="1" dur="indefinite" restart="never" nodeType="tmRoot"/>
+      </p:par>
+    </p:tnLst>
+  </p:timing>
+</p:sld>
+</file>
+
+<file path=ppt/slides/slide35.xml><?xml version="1.0" encoding="utf-8"?>
+<p:sld xmlns:a="http://schemas.openxmlformats.org/drawingml/2006/main" xmlns:r="http://schemas.openxmlformats.org/officeDocument/2006/relationships" xmlns:p="http://schemas.openxmlformats.org/presentationml/2006/main">
+  <p:cSld>
+    <p:spTree>
+      <p:nvGrpSpPr>
+        <p:cNvPr id="1" name=""/>
+        <p:cNvGrpSpPr/>
+        <p:nvPr/>
+      </p:nvGrpSpPr>
+      <p:grpSpPr>
+        <a:xfrm>
+          <a:off x="0" y="0"/>
+          <a:ext cx="0" cy="0"/>
+          <a:chOff x="0" y="0"/>
+          <a:chExt cx="0" cy="0"/>
+        </a:xfrm>
+      </p:grpSpPr>
+      <p:sp>
+        <p:nvSpPr>
+          <p:cNvPr id="2" name="Titre 1"/>
+          <p:cNvSpPr>
+            <a:spLocks noGrp="1"/>
+          </p:cNvSpPr>
+          <p:nvPr>
+            <p:ph type="title"/>
+          </p:nvPr>
+        </p:nvSpPr>
+        <p:spPr/>
+        <p:txBody>
+          <a:bodyPr/>
+          <a:lstStyle/>
+          <a:p>
+            <a:r>
+              <a:rPr lang="en-CA" dirty="0" smtClean="0"/>
               <a:t>Cards at launch</a:t>
             </a:r>
             <a:endParaRPr lang="en-CA" dirty="0"/>
@@ -13697,14 +13856,31 @@
           <a:p>
             <a:r>
               <a:rPr lang="en-CA" dirty="0" smtClean="0"/>
-              <a:t>24 cards will be available at launch. More will be added later</a:t>
-            </a:r>
-          </a:p>
-          <a:p>
-            <a:r>
-              <a:rPr lang="en-CA" dirty="0" smtClean="0"/>
-              <a:t>6 cards of these are Hero cards</a:t>
-            </a:r>
+              <a:t>26 </a:t>
+            </a:r>
+            <a:r>
+              <a:rPr lang="en-CA" dirty="0" smtClean="0"/>
+              <a:t>cards will be available at launch. More will be added later</a:t>
+            </a:r>
+          </a:p>
+          <a:p>
+            <a:r>
+              <a:rPr lang="en-CA" dirty="0" smtClean="0"/>
+              <a:t>6 </a:t>
+            </a:r>
+            <a:r>
+              <a:rPr lang="en-CA" dirty="0" smtClean="0"/>
+              <a:t>of </a:t>
+            </a:r>
+            <a:r>
+              <a:rPr lang="en-CA" dirty="0" smtClean="0"/>
+              <a:t>these are Hero </a:t>
+            </a:r>
+            <a:r>
+              <a:rPr lang="en-CA" dirty="0" smtClean="0"/>
+              <a:t>cards</a:t>
+            </a:r>
+            <a:endParaRPr lang="en-CA" dirty="0" smtClean="0"/>
           </a:p>
           <a:p>
             <a:r>
@@ -13715,7 +13891,11 @@
           <a:p>
             <a:r>
               <a:rPr lang="en-CA" dirty="0" smtClean="0"/>
-              <a:t>New cards get unlocked every time the player hits a milestone in terms of clan size</a:t>
+              <a:t>3 </a:t>
+            </a:r>
+            <a:r>
+              <a:rPr lang="en-CA" dirty="0" smtClean="0"/>
+              <a:t>cards get unlocked every time the player hits a milestone in terms of clan size</a:t>
             </a:r>
           </a:p>
         </p:txBody>
@@ -13763,7 +13943,7 @@
 </p:sld>
 </file>
 
-<file path=ppt/slides/slide35.xml><?xml version="1.0" encoding="utf-8"?>
+<file path=ppt/slides/slide36.xml><?xml version="1.0" encoding="utf-8"?>
 <p:sld xmlns:a="http://schemas.openxmlformats.org/drawingml/2006/main" xmlns:r="http://schemas.openxmlformats.org/officeDocument/2006/relationships" xmlns:p="http://schemas.openxmlformats.org/presentationml/2006/main">
   <p:cSld>
     <p:spTree>
@@ -14675,7 +14855,7 @@
 </p:sld>
 </file>
 
-<file path=ppt/slides/slide36.xml><?xml version="1.0" encoding="utf-8"?>
+<file path=ppt/slides/slide37.xml><?xml version="1.0" encoding="utf-8"?>
 <p:sld xmlns:a="http://schemas.openxmlformats.org/drawingml/2006/main" xmlns:r="http://schemas.openxmlformats.org/officeDocument/2006/relationships" xmlns:p="http://schemas.openxmlformats.org/presentationml/2006/main">
   <p:cSld>
     <p:spTree>
@@ -15587,7 +15767,7 @@
 </p:sld>
 </file>
 
-<file path=ppt/slides/slide37.xml><?xml version="1.0" encoding="utf-8"?>
+<file path=ppt/slides/slide38.xml><?xml version="1.0" encoding="utf-8"?>
 <p:sld xmlns:a="http://schemas.openxmlformats.org/drawingml/2006/main" xmlns:r="http://schemas.openxmlformats.org/officeDocument/2006/relationships" xmlns:p="http://schemas.openxmlformats.org/presentationml/2006/main">
   <p:cSld>
     <p:spTree>
@@ -16491,7 +16671,7 @@
 </p:sld>
 </file>
 
-<file path=ppt/slides/slide38.xml><?xml version="1.0" encoding="utf-8"?>
+<file path=ppt/slides/slide39.xml><?xml version="1.0" encoding="utf-8"?>
 <p:sld xmlns:a="http://schemas.openxmlformats.org/drawingml/2006/main" xmlns:r="http://schemas.openxmlformats.org/officeDocument/2006/relationships" xmlns:p="http://schemas.openxmlformats.org/presentationml/2006/main">
   <p:cSld>
     <p:spTree>
@@ -16861,208 +17041,6 @@
 </p:sld>
 </file>
 
-<file path=ppt/slides/slide39.xml><?xml version="1.0" encoding="utf-8"?>
-<p:sld xmlns:a="http://schemas.openxmlformats.org/drawingml/2006/main" xmlns:r="http://schemas.openxmlformats.org/officeDocument/2006/relationships" xmlns:p="http://schemas.openxmlformats.org/presentationml/2006/main">
-  <p:cSld>
-    <p:spTree>
-      <p:nvGrpSpPr>
-        <p:cNvPr id="1" name=""/>
-        <p:cNvGrpSpPr/>
-        <p:nvPr/>
-      </p:nvGrpSpPr>
-      <p:grpSpPr>
-        <a:xfrm>
-          <a:off x="0" y="0"/>
-          <a:ext cx="0" cy="0"/>
-          <a:chOff x="0" y="0"/>
-          <a:chExt cx="0" cy="0"/>
-        </a:xfrm>
-      </p:grpSpPr>
-      <p:sp>
-        <p:nvSpPr>
-          <p:cNvPr id="2" name="Titre 1"/>
-          <p:cNvSpPr>
-            <a:spLocks noGrp="1"/>
-          </p:cNvSpPr>
-          <p:nvPr>
-            <p:ph type="title"/>
-          </p:nvPr>
-        </p:nvSpPr>
-        <p:spPr/>
-        <p:txBody>
-          <a:bodyPr/>
-          <a:lstStyle/>
-          <a:p>
-            <a:r>
-              <a:rPr lang="en-CA" dirty="0"/>
-              <a:t>Cards </a:t>
-            </a:r>
-            <a:r>
-              <a:rPr lang="en-CA" dirty="0" smtClean="0"/>
-              <a:t>– Upgrading</a:t>
-            </a:r>
-            <a:endParaRPr lang="en-CA" dirty="0"/>
-          </a:p>
-        </p:txBody>
-      </p:sp>
-      <p:sp>
-        <p:nvSpPr>
-          <p:cNvPr id="3" name="Espace réservé du contenu 2"/>
-          <p:cNvSpPr>
-            <a:spLocks noGrp="1"/>
-          </p:cNvSpPr>
-          <p:nvPr>
-            <p:ph idx="1"/>
-          </p:nvPr>
-        </p:nvSpPr>
-        <p:spPr/>
-        <p:txBody>
-          <a:bodyPr>
-            <a:normAutofit fontScale="92500" lnSpcReduction="10000"/>
-          </a:bodyPr>
-          <a:lstStyle/>
-          <a:p>
-            <a:r>
-              <a:rPr lang="en-CA" dirty="0" smtClean="0"/>
-              <a:t>Cards can be upgraded</a:t>
-            </a:r>
-          </a:p>
-          <a:p>
-            <a:r>
-              <a:rPr lang="en-CA" dirty="0" smtClean="0"/>
-              <a:t>Upgrading a Raging Bull card for example gives you the following benefits: longer duration</a:t>
-            </a:r>
-            <a:r>
-              <a:rPr lang="en-CA" dirty="0"/>
-              <a:t> </a:t>
-            </a:r>
-            <a:r>
-              <a:rPr lang="en-CA" dirty="0" smtClean="0"/>
-              <a:t>and faster speed</a:t>
-            </a:r>
-          </a:p>
-          <a:p>
-            <a:r>
-              <a:rPr lang="en-CA" dirty="0" smtClean="0"/>
-              <a:t>Each upgrade cost coins</a:t>
-            </a:r>
-          </a:p>
-          <a:p>
-            <a:r>
-              <a:rPr lang="en-CA" dirty="0" smtClean="0"/>
-              <a:t>Each upgrade gives you XP</a:t>
-            </a:r>
-          </a:p>
-          <a:p>
-            <a:r>
-              <a:rPr lang="en-CA" dirty="0" smtClean="0"/>
-              <a:t>You need multiple blueprints of the same card to upgrade it. E.g.:</a:t>
-            </a:r>
-          </a:p>
-          <a:p>
-            <a:pPr lvl="1"/>
-            <a:r>
-              <a:rPr lang="en-CA" dirty="0" smtClean="0"/>
-              <a:t>Upgrade </a:t>
-            </a:r>
-            <a:r>
-              <a:rPr lang="en-CA" dirty="0"/>
-              <a:t>Sentry from </a:t>
-            </a:r>
-            <a:r>
-              <a:rPr lang="en-CA" dirty="0" smtClean="0"/>
-              <a:t>level 1 to 2 requires 10 blueprints</a:t>
-            </a:r>
-          </a:p>
-          <a:p>
-            <a:pPr lvl="1"/>
-            <a:r>
-              <a:rPr lang="en-CA" dirty="0"/>
-              <a:t>Upgrade </a:t>
-            </a:r>
-            <a:r>
-              <a:rPr lang="en-CA" dirty="0" smtClean="0"/>
-              <a:t>Sentry from </a:t>
-            </a:r>
-            <a:r>
-              <a:rPr lang="en-CA" dirty="0"/>
-              <a:t>level </a:t>
-            </a:r>
-            <a:r>
-              <a:rPr lang="en-CA" dirty="0" smtClean="0"/>
-              <a:t>2 </a:t>
-            </a:r>
-            <a:r>
-              <a:rPr lang="en-CA" dirty="0"/>
-              <a:t>to </a:t>
-            </a:r>
-            <a:r>
-              <a:rPr lang="en-CA" dirty="0" smtClean="0"/>
-              <a:t>3 requires 25 </a:t>
-            </a:r>
-            <a:r>
-              <a:rPr lang="en-CA" dirty="0"/>
-              <a:t>blueprints</a:t>
-            </a:r>
-          </a:p>
-          <a:p>
-            <a:pPr marL="228600" lvl="1" indent="0">
-              <a:buNone/>
-            </a:pPr>
-            <a:endParaRPr lang="en-CA" dirty="0" smtClean="0"/>
-          </a:p>
-          <a:p>
-            <a:pPr lvl="1"/>
-            <a:endParaRPr lang="en-CA" dirty="0" smtClean="0"/>
-          </a:p>
-          <a:p>
-            <a:endParaRPr lang="en-CA" dirty="0" smtClean="0"/>
-          </a:p>
-        </p:txBody>
-      </p:sp>
-      <p:sp>
-        <p:nvSpPr>
-          <p:cNvPr id="4" name="Espace réservé du pied de page 3"/>
-          <p:cNvSpPr>
-            <a:spLocks noGrp="1"/>
-          </p:cNvSpPr>
-          <p:nvPr>
-            <p:ph type="ftr" sz="quarter" idx="11"/>
-          </p:nvPr>
-        </p:nvSpPr>
-        <p:spPr/>
-        <p:txBody>
-          <a:bodyPr/>
-          <a:lstStyle/>
-          <a:p>
-            <a:r>
-              <a:rPr lang="en-CA" smtClean="0"/>
-              <a:t>Copyright 2017 Regis Geoffrion</a:t>
-            </a:r>
-            <a:endParaRPr lang="en-CA"/>
-          </a:p>
-        </p:txBody>
-      </p:sp>
-    </p:spTree>
-    <p:extLst>
-      <p:ext uri="{BB962C8B-B14F-4D97-AF65-F5344CB8AC3E}">
-        <p14:creationId xmlns:p14="http://schemas.microsoft.com/office/powerpoint/2010/main" val="3790078510"/>
-      </p:ext>
-    </p:extLst>
-  </p:cSld>
-  <p:clrMapOvr>
-    <a:masterClrMapping/>
-  </p:clrMapOvr>
-  <p:timing>
-    <p:tnLst>
-      <p:par>
-        <p:cTn xmlns:p14="http://schemas.microsoft.com/office/powerpoint/2010/main" id="1" dur="indefinite" restart="never" nodeType="tmRoot"/>
-      </p:par>
-    </p:tnLst>
-  </p:timing>
-</p:sld>
-</file>
-
 <file path=ppt/slides/slide4.xml><?xml version="1.0" encoding="utf-8"?>
 <p:sld xmlns:a="http://schemas.openxmlformats.org/drawingml/2006/main" xmlns:r="http://schemas.openxmlformats.org/officeDocument/2006/relationships" xmlns:p="http://schemas.openxmlformats.org/presentationml/2006/main">
   <p:cSld>
@@ -17255,8 +17233,12 @@
           <a:lstStyle/>
           <a:p>
             <a:r>
-              <a:rPr lang="en-CA" dirty="0" smtClean="0"/>
-              <a:t>Cards – Ranking</a:t>
+              <a:rPr lang="en-CA" dirty="0"/>
+              <a:t>Cards </a:t>
+            </a:r>
+            <a:r>
+              <a:rPr lang="en-CA" dirty="0" smtClean="0"/>
+              <a:t>– Upgrading</a:t>
             </a:r>
             <a:endParaRPr lang="en-CA" dirty="0"/>
           </a:p>
@@ -17274,79 +17256,93 @@
         </p:nvSpPr>
         <p:spPr/>
         <p:txBody>
-          <a:bodyPr/>
-          <a:lstStyle/>
-          <a:p>
-            <a:r>
-              <a:rPr lang="en-CA" dirty="0" smtClean="0"/>
-              <a:t>There are 4 types of cards:</a:t>
+          <a:bodyPr>
+            <a:normAutofit fontScale="92500" lnSpcReduction="10000"/>
+          </a:bodyPr>
+          <a:lstStyle/>
+          <a:p>
+            <a:r>
+              <a:rPr lang="en-CA" dirty="0" smtClean="0"/>
+              <a:t>Cards can be upgraded</a:t>
+            </a:r>
+          </a:p>
+          <a:p>
+            <a:r>
+              <a:rPr lang="en-CA" dirty="0" smtClean="0"/>
+              <a:t>Upgrading a Raging Bull card for example gives you the following benefits: longer duration</a:t>
+            </a:r>
+            <a:r>
+              <a:rPr lang="en-CA" dirty="0"/>
+              <a:t> </a:t>
+            </a:r>
+            <a:r>
+              <a:rPr lang="en-CA" dirty="0" smtClean="0"/>
+              <a:t>and faster speed</a:t>
+            </a:r>
+          </a:p>
+          <a:p>
+            <a:r>
+              <a:rPr lang="en-CA" dirty="0" smtClean="0"/>
+              <a:t>Each upgrade cost coins</a:t>
+            </a:r>
+          </a:p>
+          <a:p>
+            <a:r>
+              <a:rPr lang="en-CA" dirty="0" smtClean="0"/>
+              <a:t>Each upgrade gives you XP</a:t>
+            </a:r>
+          </a:p>
+          <a:p>
+            <a:r>
+              <a:rPr lang="en-CA" dirty="0" smtClean="0"/>
+              <a:t>You need multiple blueprints of the same card to upgrade it. E.g.:</a:t>
             </a:r>
           </a:p>
           <a:p>
             <a:pPr lvl="1"/>
             <a:r>
               <a:rPr lang="en-CA" dirty="0" smtClean="0"/>
-              <a:t>Common cards have 13 different levels</a:t>
+              <a:t>Upgrade </a:t>
+            </a:r>
+            <a:r>
+              <a:rPr lang="en-CA" dirty="0"/>
+              <a:t>Sentry from </a:t>
+            </a:r>
+            <a:r>
+              <a:rPr lang="en-CA" dirty="0" smtClean="0"/>
+              <a:t>level 1 to 2 requires 10 blueprints</a:t>
             </a:r>
           </a:p>
           <a:p>
             <a:pPr lvl="1"/>
             <a:r>
-              <a:rPr lang="en-CA" dirty="0" smtClean="0"/>
-              <a:t>Rare cards have 11 different levels</a:t>
-            </a:r>
-          </a:p>
-          <a:p>
-            <a:pPr lvl="1"/>
-            <a:r>
               <a:rPr lang="en-CA" dirty="0"/>
-              <a:t>Epic cards have </a:t>
-            </a:r>
-            <a:r>
-              <a:rPr lang="en-CA" dirty="0" smtClean="0"/>
-              <a:t>8 </a:t>
+              <a:t>Upgrade </a:t>
+            </a:r>
+            <a:r>
+              <a:rPr lang="en-CA" dirty="0" smtClean="0"/>
+              <a:t>Sentry from </a:t>
             </a:r>
             <a:r>
               <a:rPr lang="en-CA" dirty="0"/>
-              <a:t>different levels</a:t>
-            </a:r>
-          </a:p>
-          <a:p>
-            <a:pPr lvl="1"/>
-            <a:r>
-              <a:rPr lang="en-CA" dirty="0" smtClean="0"/>
-              <a:t>Legendary </a:t>
+              <a:t>level </a:t>
+            </a:r>
+            <a:r>
+              <a:rPr lang="en-CA" dirty="0" smtClean="0"/>
+              <a:t>2 </a:t>
             </a:r>
             <a:r>
               <a:rPr lang="en-CA" dirty="0"/>
-              <a:t>cards have </a:t>
-            </a:r>
-            <a:r>
-              <a:rPr lang="en-CA" dirty="0" smtClean="0"/>
-              <a:t>5 </a:t>
+              <a:t>to </a:t>
+            </a:r>
+            <a:r>
+              <a:rPr lang="en-CA" dirty="0" smtClean="0"/>
+              <a:t>3 requires 25 </a:t>
             </a:r>
             <a:r>
               <a:rPr lang="en-CA" dirty="0"/>
-              <a:t>different </a:t>
-            </a:r>
-            <a:r>
-              <a:rPr lang="en-CA" dirty="0" smtClean="0"/>
-              <a:t>levels</a:t>
-            </a:r>
-          </a:p>
-          <a:p>
-            <a:r>
-              <a:rPr lang="en-CA" dirty="0" smtClean="0"/>
-              <a:t>Legendary cards have special animations on them </a:t>
-            </a:r>
-          </a:p>
-          <a:p>
-            <a:pPr lvl="1"/>
-            <a:endParaRPr lang="en-CA" dirty="0" smtClean="0"/>
-          </a:p>
-          <a:p>
-            <a:pPr lvl="1"/>
-            <a:endParaRPr lang="en-CA" dirty="0"/>
+              <a:t>blueprints</a:t>
+            </a:r>
           </a:p>
           <a:p>
             <a:pPr marL="228600" lvl="1" indent="0">
@@ -17389,7 +17385,7 @@
     </p:spTree>
     <p:extLst>
       <p:ext uri="{BB962C8B-B14F-4D97-AF65-F5344CB8AC3E}">
-        <p14:creationId xmlns:p14="http://schemas.microsoft.com/office/powerpoint/2010/main" val="2995235748"/>
+        <p14:creationId xmlns:p14="http://schemas.microsoft.com/office/powerpoint/2010/main" val="3790078510"/>
       </p:ext>
     </p:extLst>
   </p:cSld>
@@ -17440,7 +17436,7 @@
           <a:p>
             <a:r>
               <a:rPr lang="en-CA" dirty="0" smtClean="0"/>
-              <a:t>Duplicate Cards</a:t>
+              <a:t>Cards – Ranking</a:t>
             </a:r>
             <a:endParaRPr lang="en-CA" dirty="0"/>
           </a:p>
@@ -17463,79 +17459,66 @@
           <a:p>
             <a:r>
               <a:rPr lang="en-CA" dirty="0" smtClean="0"/>
-              <a:t>Duplicate cards over the maximum useful number will be converted into coins automatically</a:t>
+              <a:t>There are 4 types of cards:</a:t>
             </a:r>
           </a:p>
           <a:p>
             <a:pPr lvl="1"/>
             <a:r>
               <a:rPr lang="en-CA" dirty="0" smtClean="0"/>
-              <a:t>Every Common over the maximum gives 5 coins</a:t>
+              <a:t>Common cards have 13 different levels</a:t>
             </a:r>
           </a:p>
           <a:p>
             <a:pPr lvl="1"/>
             <a:r>
+              <a:rPr lang="en-CA" dirty="0" smtClean="0"/>
+              <a:t>Rare cards have 11 different levels</a:t>
+            </a:r>
+          </a:p>
+          <a:p>
+            <a:pPr lvl="1"/>
+            <a:r>
               <a:rPr lang="en-CA" dirty="0"/>
-              <a:t>Every </a:t>
-            </a:r>
-            <a:r>
-              <a:rPr lang="en-CA" dirty="0" smtClean="0"/>
-              <a:t>Rare over </a:t>
+              <a:t>Epic cards have </a:t>
+            </a:r>
+            <a:r>
+              <a:rPr lang="en-CA" dirty="0" smtClean="0"/>
+              <a:t>8 </a:t>
             </a:r>
             <a:r>
               <a:rPr lang="en-CA" dirty="0"/>
-              <a:t>the maximum gives </a:t>
-            </a:r>
-            <a:r>
-              <a:rPr lang="en-CA" dirty="0" smtClean="0"/>
-              <a:t>50 </a:t>
+              <a:t>different levels</a:t>
+            </a:r>
+          </a:p>
+          <a:p>
+            <a:pPr lvl="1"/>
+            <a:r>
+              <a:rPr lang="en-CA" dirty="0" smtClean="0"/>
+              <a:t>Legendary </a:t>
             </a:r>
             <a:r>
               <a:rPr lang="en-CA" dirty="0"/>
-              <a:t>coins</a:t>
-            </a:r>
-          </a:p>
-          <a:p>
-            <a:pPr lvl="1"/>
+              <a:t>cards have </a:t>
+            </a:r>
+            <a:r>
+              <a:rPr lang="en-CA" dirty="0" smtClean="0"/>
+              <a:t>5 </a:t>
+            </a:r>
             <a:r>
               <a:rPr lang="en-CA" dirty="0"/>
-              <a:t>Every </a:t>
-            </a:r>
-            <a:r>
-              <a:rPr lang="en-CA" dirty="0" smtClean="0"/>
-              <a:t>Epic over </a:t>
-            </a:r>
-            <a:r>
-              <a:rPr lang="en-CA" dirty="0"/>
-              <a:t>the maximum gives </a:t>
-            </a:r>
-            <a:r>
-              <a:rPr lang="en-CA" dirty="0" smtClean="0"/>
-              <a:t>1000 coins</a:t>
-            </a:r>
-          </a:p>
-          <a:p>
-            <a:pPr lvl="1"/>
-            <a:r>
-              <a:rPr lang="en-CA" dirty="0"/>
-              <a:t>Every </a:t>
-            </a:r>
-            <a:r>
-              <a:rPr lang="en-CA" dirty="0" smtClean="0"/>
-              <a:t>Legendary over </a:t>
-            </a:r>
-            <a:r>
-              <a:rPr lang="en-CA" dirty="0"/>
-              <a:t>the maximum gives </a:t>
-            </a:r>
-            <a:r>
-              <a:rPr lang="en-CA" dirty="0" smtClean="0"/>
-              <a:t>20,000 coins</a:t>
-            </a:r>
-          </a:p>
-          <a:p>
-            <a:endParaRPr lang="en-CA" dirty="0" smtClean="0"/>
+              <a:t>different </a:t>
+            </a:r>
+            <a:r>
+              <a:rPr lang="en-CA" dirty="0" smtClean="0"/>
+              <a:t>levels</a:t>
+            </a:r>
+          </a:p>
+          <a:p>
+            <a:r>
+              <a:rPr lang="en-CA" dirty="0" smtClean="0"/>
+              <a:t>Legendary cards have special animations on them </a:t>
+            </a:r>
           </a:p>
           <a:p>
             <a:pPr lvl="1"/>
@@ -17586,7 +17569,7 @@
     </p:spTree>
     <p:extLst>
       <p:ext uri="{BB962C8B-B14F-4D97-AF65-F5344CB8AC3E}">
-        <p14:creationId xmlns:p14="http://schemas.microsoft.com/office/powerpoint/2010/main" val="3065818348"/>
+        <p14:creationId xmlns:p14="http://schemas.microsoft.com/office/powerpoint/2010/main" val="2995235748"/>
       </p:ext>
     </p:extLst>
   </p:cSld>
@@ -17637,7 +17620,7 @@
           <a:p>
             <a:r>
               <a:rPr lang="en-CA" dirty="0" smtClean="0"/>
-              <a:t>Level Up</a:t>
+              <a:t>Duplicate Cards</a:t>
             </a:r>
             <a:endParaRPr lang="en-CA" dirty="0"/>
           </a:p>
@@ -17655,119 +17638,105 @@
         </p:nvSpPr>
         <p:spPr/>
         <p:txBody>
-          <a:bodyPr>
-            <a:normAutofit fontScale="92500" lnSpcReduction="10000"/>
-          </a:bodyPr>
-          <a:lstStyle/>
-          <a:p>
-            <a:r>
-              <a:rPr lang="en-CA" dirty="0" smtClean="0"/>
-              <a:t>When you earn enough XP, you level up</a:t>
-            </a:r>
-          </a:p>
-          <a:p>
-            <a:r>
-              <a:rPr lang="en-CA" dirty="0" smtClean="0"/>
-              <a:t>There are 100 levels</a:t>
-            </a:r>
-          </a:p>
-          <a:p>
-            <a:r>
-              <a:rPr lang="en-CA" dirty="0" smtClean="0"/>
-              <a:t>Any of these actions grants XP:</a:t>
+          <a:bodyPr/>
+          <a:lstStyle/>
+          <a:p>
+            <a:r>
+              <a:rPr lang="en-CA" dirty="0" smtClean="0"/>
+              <a:t>Duplicate cards over the maximum useful number will be converted into coins automatically</a:t>
             </a:r>
           </a:p>
           <a:p>
             <a:pPr lvl="1"/>
             <a:r>
               <a:rPr lang="en-CA" dirty="0" smtClean="0"/>
-              <a:t>Finishing a mission (250 </a:t>
-            </a:r>
-            <a:r>
-              <a:rPr lang="en-CA" dirty="0" err="1" smtClean="0"/>
-              <a:t>xp</a:t>
-            </a:r>
-            <a:r>
-              <a:rPr lang="en-CA" dirty="0" smtClean="0"/>
-              <a:t>)</a:t>
+              <a:t>Every Common over the maximum gives 5 coins</a:t>
             </a:r>
           </a:p>
           <a:p>
             <a:pPr lvl="1"/>
             <a:r>
-              <a:rPr lang="en-CA" dirty="0" smtClean="0"/>
-              <a:t>Doing a consecutive race (race needs to start within one minute of the last race </a:t>
-            </a:r>
-            <a:r>
               <a:rPr lang="en-CA" dirty="0"/>
-              <a:t>finish) (</a:t>
-            </a:r>
-            <a:r>
-              <a:rPr lang="en-CA" dirty="0" smtClean="0"/>
-              <a:t>200 </a:t>
-            </a:r>
-            <a:r>
-              <a:rPr lang="en-CA" dirty="0" err="1"/>
-              <a:t>xp</a:t>
-            </a:r>
-            <a:r>
-              <a:rPr lang="en-CA" dirty="0" smtClean="0"/>
-              <a:t>)</a:t>
+              <a:t>Every </a:t>
+            </a:r>
+            <a:r>
+              <a:rPr lang="en-CA" dirty="0" smtClean="0"/>
+              <a:t>Rare over </a:t>
+            </a:r>
+            <a:r>
+              <a:rPr lang="en-CA" dirty="0"/>
+              <a:t>the maximum gives </a:t>
+            </a:r>
+            <a:r>
+              <a:rPr lang="en-CA" dirty="0" smtClean="0"/>
+              <a:t>50 </a:t>
+            </a:r>
+            <a:r>
+              <a:rPr lang="en-CA" dirty="0"/>
+              <a:t>coins</a:t>
             </a:r>
           </a:p>
           <a:p>
             <a:pPr lvl="1"/>
             <a:r>
-              <a:rPr lang="en-CA" dirty="0" smtClean="0"/>
-              <a:t>Winning a mission (500xp)</a:t>
+              <a:rPr lang="en-CA" dirty="0"/>
+              <a:t>Every </a:t>
+            </a:r>
+            <a:r>
+              <a:rPr lang="en-CA" dirty="0" smtClean="0"/>
+              <a:t>Epic over </a:t>
+            </a:r>
+            <a:r>
+              <a:rPr lang="en-CA" dirty="0"/>
+              <a:t>the maximum gives </a:t>
+            </a:r>
+            <a:r>
+              <a:rPr lang="en-CA" dirty="0" smtClean="0"/>
+              <a:t>1000 coins</a:t>
             </a:r>
           </a:p>
           <a:p>
             <a:pPr lvl="1"/>
             <a:r>
-              <a:rPr lang="en-CA" dirty="0" smtClean="0"/>
-              <a:t>First win of the day (1500xp)</a:t>
-            </a:r>
+              <a:rPr lang="en-CA" dirty="0"/>
+              <a:t>Every </a:t>
+            </a:r>
+            <a:r>
+              <a:rPr lang="en-CA" dirty="0" smtClean="0"/>
+              <a:t>Legendary over </a:t>
+            </a:r>
+            <a:r>
+              <a:rPr lang="en-CA" dirty="0"/>
+              <a:t>the maximum gives </a:t>
+            </a:r>
+            <a:r>
+              <a:rPr lang="en-CA" dirty="0" smtClean="0"/>
+              <a:t>20,000 coins</a:t>
+            </a:r>
+          </a:p>
+          <a:p>
+            <a:endParaRPr lang="en-CA" dirty="0" smtClean="0"/>
           </a:p>
           <a:p>
             <a:pPr lvl="1"/>
-            <a:r>
-              <a:rPr lang="en-CA" dirty="0" smtClean="0"/>
-              <a:t>Upgrading a card. The XP awarded increases with the card level and rarity. Upgrading a common card from level 2 to 3 gives you 5xp </a:t>
-            </a:r>
-            <a:r>
-              <a:rPr lang="en-CA" dirty="0"/>
-              <a:t>whereas </a:t>
-            </a:r>
-            <a:r>
-              <a:rPr lang="en-CA" dirty="0" smtClean="0"/>
-              <a:t>upgrading </a:t>
-            </a:r>
-            <a:r>
-              <a:rPr lang="en-CA" dirty="0"/>
-              <a:t>a </a:t>
-            </a:r>
-            <a:r>
-              <a:rPr lang="en-CA" dirty="0" smtClean="0"/>
-              <a:t>legendary card </a:t>
-            </a:r>
-            <a:r>
-              <a:rPr lang="en-CA" dirty="0"/>
-              <a:t>from level </a:t>
-            </a:r>
-            <a:r>
-              <a:rPr lang="en-CA" dirty="0" smtClean="0"/>
-              <a:t>4 </a:t>
-            </a:r>
-            <a:r>
-              <a:rPr lang="en-CA" dirty="0"/>
-              <a:t>to </a:t>
-            </a:r>
-            <a:r>
-              <a:rPr lang="en-CA" dirty="0" smtClean="0"/>
-              <a:t>5 gives you 3,200xp</a:t>
-            </a:r>
+            <a:endParaRPr lang="en-CA" dirty="0" smtClean="0"/>
+          </a:p>
+          <a:p>
+            <a:pPr lvl="1"/>
             <a:endParaRPr lang="en-CA" dirty="0"/>
+          </a:p>
+          <a:p>
+            <a:pPr marL="228600" lvl="1" indent="0">
+              <a:buNone/>
+            </a:pPr>
+            <a:endParaRPr lang="en-CA" dirty="0" smtClean="0"/>
+          </a:p>
+          <a:p>
+            <a:pPr lvl="1"/>
+            <a:endParaRPr lang="en-CA" dirty="0" smtClean="0"/>
+          </a:p>
+          <a:p>
+            <a:endParaRPr lang="en-CA" dirty="0" smtClean="0"/>
           </a:p>
         </p:txBody>
       </p:sp>
@@ -17797,7 +17766,7 @@
     </p:spTree>
     <p:extLst>
       <p:ext uri="{BB962C8B-B14F-4D97-AF65-F5344CB8AC3E}">
-        <p14:creationId xmlns:p14="http://schemas.microsoft.com/office/powerpoint/2010/main" val="3166070157"/>
+        <p14:creationId xmlns:p14="http://schemas.microsoft.com/office/powerpoint/2010/main" val="3065818348"/>
       </p:ext>
     </p:extLst>
   </p:cSld>
@@ -17848,7 +17817,7 @@
           <a:p>
             <a:r>
               <a:rPr lang="en-CA" dirty="0" smtClean="0"/>
-              <a:t>Level Up Rewards</a:t>
+              <a:t>Level Up</a:t>
             </a:r>
             <a:endParaRPr lang="en-CA" dirty="0"/>
           </a:p>
@@ -17864,26 +17833,121 @@
             <p:ph idx="1"/>
           </p:nvPr>
         </p:nvSpPr>
-        <p:spPr>
-          <a:xfrm>
-            <a:off x="457200" y="2209800"/>
-            <a:ext cx="4785316" cy="3916363"/>
-          </a:xfrm>
-        </p:spPr>
-        <p:txBody>
-          <a:bodyPr/>
-          <a:lstStyle/>
-          <a:p>
-            <a:r>
-              <a:rPr lang="en-CA" dirty="0" smtClean="0"/>
-              <a:t>One loot box</a:t>
-            </a:r>
-          </a:p>
-          <a:p>
-            <a:r>
-              <a:rPr lang="en-CA" dirty="0" smtClean="0"/>
-              <a:t>A new frame for your hero icon every 10 levels</a:t>
-            </a:r>
+        <p:spPr/>
+        <p:txBody>
+          <a:bodyPr>
+            <a:normAutofit fontScale="92500" lnSpcReduction="10000"/>
+          </a:bodyPr>
+          <a:lstStyle/>
+          <a:p>
+            <a:r>
+              <a:rPr lang="en-CA" dirty="0" smtClean="0"/>
+              <a:t>When you earn enough XP, you level up</a:t>
+            </a:r>
+          </a:p>
+          <a:p>
+            <a:r>
+              <a:rPr lang="en-CA" dirty="0" smtClean="0"/>
+              <a:t>There are 100 levels</a:t>
+            </a:r>
+          </a:p>
+          <a:p>
+            <a:r>
+              <a:rPr lang="en-CA" dirty="0" smtClean="0"/>
+              <a:t>Any of these actions grants XP:</a:t>
+            </a:r>
+          </a:p>
+          <a:p>
+            <a:pPr lvl="1"/>
+            <a:r>
+              <a:rPr lang="en-CA" dirty="0" smtClean="0"/>
+              <a:t>Finishing a mission (250 </a:t>
+            </a:r>
+            <a:r>
+              <a:rPr lang="en-CA" dirty="0" err="1" smtClean="0"/>
+              <a:t>xp</a:t>
+            </a:r>
+            <a:r>
+              <a:rPr lang="en-CA" dirty="0" smtClean="0"/>
+              <a:t>)</a:t>
+            </a:r>
+          </a:p>
+          <a:p>
+            <a:pPr lvl="1"/>
+            <a:r>
+              <a:rPr lang="en-CA" dirty="0" smtClean="0"/>
+              <a:t>Doing a consecutive race (race needs to start within one minute of the last race </a:t>
+            </a:r>
+            <a:r>
+              <a:rPr lang="en-CA" dirty="0"/>
+              <a:t>finish) (</a:t>
+            </a:r>
+            <a:r>
+              <a:rPr lang="en-CA" dirty="0" smtClean="0"/>
+              <a:t>200 </a:t>
+            </a:r>
+            <a:r>
+              <a:rPr lang="en-CA" dirty="0" err="1"/>
+              <a:t>xp</a:t>
+            </a:r>
+            <a:r>
+              <a:rPr lang="en-CA" dirty="0" smtClean="0"/>
+              <a:t>)</a:t>
+            </a:r>
+          </a:p>
+          <a:p>
+            <a:pPr lvl="1"/>
+            <a:r>
+              <a:rPr lang="en-CA" dirty="0" smtClean="0"/>
+              <a:t>Winning a mission (500xp)</a:t>
+            </a:r>
+          </a:p>
+          <a:p>
+            <a:pPr lvl="1"/>
+            <a:r>
+              <a:rPr lang="en-CA" dirty="0" smtClean="0"/>
+              <a:t>First win of the day (1500xp)</a:t>
+            </a:r>
+          </a:p>
+          <a:p>
+            <a:pPr lvl="1"/>
+            <a:r>
+              <a:rPr lang="en-CA" dirty="0" smtClean="0"/>
+              <a:t>Upgrading a card. The XP awarded increases with the card level and rarity. Upgrading a common card from level 2 to 3 gives you 5xp </a:t>
+            </a:r>
+            <a:r>
+              <a:rPr lang="en-CA" dirty="0"/>
+              <a:t>whereas </a:t>
+            </a:r>
+            <a:r>
+              <a:rPr lang="en-CA" dirty="0" smtClean="0"/>
+              <a:t>upgrading </a:t>
+            </a:r>
+            <a:r>
+              <a:rPr lang="en-CA" dirty="0"/>
+              <a:t>a </a:t>
+            </a:r>
+            <a:r>
+              <a:rPr lang="en-CA" dirty="0" smtClean="0"/>
+              <a:t>legendary card </a:t>
+            </a:r>
+            <a:r>
+              <a:rPr lang="en-CA" dirty="0"/>
+              <a:t>from level </a:t>
+            </a:r>
+            <a:r>
+              <a:rPr lang="en-CA" dirty="0" smtClean="0"/>
+              <a:t>4 </a:t>
+            </a:r>
+            <a:r>
+              <a:rPr lang="en-CA" dirty="0"/>
+              <a:t>to </a:t>
+            </a:r>
+            <a:r>
+              <a:rPr lang="en-CA" dirty="0" smtClean="0"/>
+              <a:t>5 gives you 3,200xp</a:t>
+            </a:r>
+            <a:endParaRPr lang="en-CA" dirty="0"/>
           </a:p>
         </p:txBody>
       </p:sp>
@@ -17913,7 +17977,7 @@
     </p:spTree>
     <p:extLst>
       <p:ext uri="{BB962C8B-B14F-4D97-AF65-F5344CB8AC3E}">
-        <p14:creationId xmlns:p14="http://schemas.microsoft.com/office/powerpoint/2010/main" val="1760441282"/>
+        <p14:creationId xmlns:p14="http://schemas.microsoft.com/office/powerpoint/2010/main" val="3166070157"/>
       </p:ext>
     </p:extLst>
   </p:cSld>
@@ -17964,7 +18028,7 @@
           <a:p>
             <a:r>
               <a:rPr lang="en-CA" dirty="0" smtClean="0"/>
-              <a:t>Competitive Seasons</a:t>
+              <a:t>Level Up Rewards</a:t>
             </a:r>
             <a:endParaRPr lang="en-CA" dirty="0"/>
           </a:p>
@@ -17980,16 +18044,26 @@
             <p:ph idx="1"/>
           </p:nvPr>
         </p:nvSpPr>
-        <p:spPr/>
-        <p:txBody>
-          <a:bodyPr/>
-          <a:lstStyle/>
-          <a:p>
-            <a:r>
-              <a:rPr lang="en-CA" dirty="0" smtClean="0"/>
-              <a:t>To be discussed</a:t>
-            </a:r>
-            <a:endParaRPr lang="en-CA" dirty="0"/>
+        <p:spPr>
+          <a:xfrm>
+            <a:off x="457200" y="2209800"/>
+            <a:ext cx="4785316" cy="3916363"/>
+          </a:xfrm>
+        </p:spPr>
+        <p:txBody>
+          <a:bodyPr/>
+          <a:lstStyle/>
+          <a:p>
+            <a:r>
+              <a:rPr lang="en-CA" dirty="0" smtClean="0"/>
+              <a:t>One loot box</a:t>
+            </a:r>
+          </a:p>
+          <a:p>
+            <a:r>
+              <a:rPr lang="en-CA" dirty="0" smtClean="0"/>
+              <a:t>A new frame for your hero icon every 10 levels</a:t>
+            </a:r>
           </a:p>
         </p:txBody>
       </p:sp>
@@ -18019,7 +18093,7 @@
     </p:spTree>
     <p:extLst>
       <p:ext uri="{BB962C8B-B14F-4D97-AF65-F5344CB8AC3E}">
-        <p14:creationId xmlns:p14="http://schemas.microsoft.com/office/powerpoint/2010/main" val="2406696107"/>
+        <p14:creationId xmlns:p14="http://schemas.microsoft.com/office/powerpoint/2010/main" val="1760441282"/>
       </p:ext>
     </p:extLst>
   </p:cSld>
@@ -18086,7 +18160,12 @@
             <p:ph idx="1"/>
           </p:nvPr>
         </p:nvSpPr>
-        <p:spPr/>
+        <p:spPr>
+          <a:xfrm>
+            <a:off x="457199" y="2221345"/>
+            <a:ext cx="6508377" cy="3916363"/>
+          </a:xfrm>
+        </p:spPr>
         <p:txBody>
           <a:bodyPr/>
           <a:lstStyle/>
@@ -18100,7 +18179,18 @@
             <a:pPr lvl="1"/>
             <a:r>
               <a:rPr lang="en-CA" dirty="0" smtClean="0"/>
-              <a:t>Increase your clan size</a:t>
+              <a:t>Increase your clan </a:t>
+            </a:r>
+            <a:r>
+              <a:rPr lang="en-CA" dirty="0" smtClean="0"/>
+              <a:t>size</a:t>
+            </a:r>
+          </a:p>
+          <a:p>
+            <a:pPr lvl="1"/>
+            <a:r>
+              <a:rPr lang="en-CA" dirty="0" smtClean="0"/>
+              <a:t>You are matched with players with the same Hangout level</a:t>
             </a:r>
             <a:endParaRPr lang="en-CA" dirty="0"/>
           </a:p>
@@ -18121,30 +18211,25 @@
             <a:pPr lvl="1"/>
             <a:r>
               <a:rPr lang="en-CA" dirty="0" smtClean="0"/>
-              <a:t>You </a:t>
-            </a:r>
-            <a:r>
-              <a:rPr lang="en-CA" dirty="0" smtClean="0"/>
-              <a:t>need to be level </a:t>
-            </a:r>
-            <a:r>
-              <a:rPr lang="en-CA" dirty="0" smtClean="0"/>
-              <a:t>20 to </a:t>
-            </a:r>
-            <a:r>
-              <a:rPr lang="en-CA" dirty="0" smtClean="0"/>
-              <a:t>join in competitive </a:t>
-            </a:r>
-            <a:r>
-              <a:rPr lang="en-CA" dirty="0" smtClean="0"/>
-              <a:t>play</a:t>
+              <a:t>You need to be level 20 to join in competitive play</a:t>
             </a:r>
           </a:p>
           <a:p>
             <a:pPr lvl="1"/>
             <a:r>
               <a:rPr lang="en-CA" dirty="0" smtClean="0"/>
-              <a:t>There are 6 ranks in all</a:t>
+              <a:t>There are 6 ranks in </a:t>
+            </a:r>
+            <a:r>
+              <a:rPr lang="en-CA" dirty="0" smtClean="0"/>
+              <a:t>all</a:t>
+            </a:r>
+          </a:p>
+          <a:p>
+            <a:pPr lvl="1"/>
+            <a:r>
+              <a:rPr lang="en-CA" dirty="0" smtClean="0"/>
+              <a:t>You are matched with players with the same Rank</a:t>
             </a:r>
             <a:endParaRPr lang="en-CA" dirty="0"/>
           </a:p>
@@ -18227,9 +18312,12 @@
           <a:p>
             <a:r>
               <a:rPr lang="en-CA" dirty="0" smtClean="0"/>
-              <a:t>Player matching</a:t>
-            </a:r>
-            <a:endParaRPr lang="en-CA" dirty="0"/>
+              <a:t>Game </a:t>
+            </a:r>
+            <a:r>
+              <a:rPr lang="en-CA" dirty="0"/>
+              <a:t>modes</a:t>
+            </a:r>
           </a:p>
         </p:txBody>
       </p:sp>
@@ -18245,26 +18333,13 @@
         </p:nvSpPr>
         <p:spPr/>
         <p:txBody>
-          <a:bodyPr>
-            <a:normAutofit/>
-          </a:bodyPr>
-          <a:lstStyle/>
-          <a:p>
-            <a:r>
-              <a:rPr lang="en-CA" dirty="0" smtClean="0"/>
-              <a:t>Players of similar skill and experience are matched together based on their rank and </a:t>
-            </a:r>
-            <a:r>
-              <a:rPr lang="en-CA" dirty="0" err="1" smtClean="0"/>
-              <a:t>Elo</a:t>
-            </a:r>
-            <a:r>
-              <a:rPr lang="en-CA" dirty="0" smtClean="0"/>
-              <a:t> rating</a:t>
-            </a:r>
-          </a:p>
-          <a:p>
-            <a:endParaRPr lang="en-CA" dirty="0"/>
+          <a:bodyPr/>
+          <a:lstStyle/>
+          <a:p>
+            <a:r>
+              <a:rPr lang="en-CA" dirty="0" smtClean="0"/>
+              <a:t>You can play both online and offline</a:t>
+            </a:r>
           </a:p>
         </p:txBody>
       </p:sp>
@@ -18294,7 +18369,7 @@
     </p:spTree>
     <p:extLst>
       <p:ext uri="{BB962C8B-B14F-4D97-AF65-F5344CB8AC3E}">
-        <p14:creationId xmlns:p14="http://schemas.microsoft.com/office/powerpoint/2010/main" val="1653828739"/>
+        <p14:creationId xmlns:p14="http://schemas.microsoft.com/office/powerpoint/2010/main" val="2112995988"/>
       </p:ext>
     </p:extLst>
   </p:cSld>
@@ -18345,7 +18420,7 @@
           <a:p>
             <a:r>
               <a:rPr lang="en-CA" dirty="0" smtClean="0"/>
-              <a:t>Game </a:t>
+              <a:t>Online game </a:t>
             </a:r>
             <a:r>
               <a:rPr lang="en-CA" dirty="0"/>
@@ -18366,13 +18441,108 @@
         </p:nvSpPr>
         <p:spPr/>
         <p:txBody>
-          <a:bodyPr/>
-          <a:lstStyle/>
-          <a:p>
-            <a:r>
-              <a:rPr lang="en-CA" dirty="0" smtClean="0"/>
-              <a:t>You can play both online and offline</a:t>
-            </a:r>
+          <a:bodyPr>
+            <a:normAutofit fontScale="92500" lnSpcReduction="20000"/>
+          </a:bodyPr>
+          <a:lstStyle/>
+          <a:p>
+            <a:pPr lvl="1"/>
+            <a:r>
+              <a:rPr lang="en-CA" dirty="0" smtClean="0"/>
+              <a:t>Quick </a:t>
+            </a:r>
+            <a:r>
+              <a:rPr lang="en-CA" dirty="0" smtClean="0"/>
+              <a:t>Play (non-competitive)</a:t>
+            </a:r>
+            <a:endParaRPr lang="en-CA" dirty="0" smtClean="0"/>
+          </a:p>
+          <a:p>
+            <a:pPr lvl="2"/>
+            <a:r>
+              <a:rPr lang="en-CA" dirty="0" smtClean="0"/>
+              <a:t>Matches </a:t>
+            </a:r>
+            <a:r>
+              <a:rPr lang="en-CA" dirty="0" smtClean="0"/>
+              <a:t>you against 1, 2 or 3 players </a:t>
+            </a:r>
+            <a:r>
+              <a:rPr lang="en-CA" dirty="0" smtClean="0"/>
+              <a:t>with the same hangout level</a:t>
+            </a:r>
+            <a:endParaRPr lang="en-CA" dirty="0" smtClean="0"/>
+          </a:p>
+          <a:p>
+            <a:pPr lvl="2"/>
+            <a:r>
+              <a:rPr lang="en-CA" dirty="0" smtClean="0"/>
+              <a:t>Missions with more players allow you to earn more </a:t>
+            </a:r>
+            <a:r>
+              <a:rPr lang="en-CA" dirty="0" smtClean="0"/>
+              <a:t>coins</a:t>
+            </a:r>
+          </a:p>
+          <a:p>
+            <a:pPr lvl="2"/>
+            <a:r>
+              <a:rPr lang="en-CA" dirty="0" smtClean="0"/>
+              <a:t>Location is random</a:t>
+            </a:r>
+            <a:endParaRPr lang="en-CA" dirty="0" smtClean="0"/>
+          </a:p>
+          <a:p>
+            <a:pPr lvl="1"/>
+            <a:r>
+              <a:rPr lang="en-CA" dirty="0" smtClean="0"/>
+              <a:t>Competitive</a:t>
+            </a:r>
+          </a:p>
+          <a:p>
+            <a:pPr lvl="2"/>
+            <a:r>
+              <a:rPr lang="en-CA" dirty="0" smtClean="0"/>
+              <a:t>Matches </a:t>
+            </a:r>
+            <a:r>
+              <a:rPr lang="en-CA" dirty="0"/>
+              <a:t>you against 1, 2 or 3 players </a:t>
+            </a:r>
+            <a:r>
+              <a:rPr lang="en-CA" dirty="0" smtClean="0"/>
+              <a:t>with the same rank level</a:t>
+            </a:r>
+          </a:p>
+          <a:p>
+            <a:pPr lvl="2"/>
+            <a:r>
+              <a:rPr lang="en-CA" dirty="0" smtClean="0"/>
+              <a:t>Location is random</a:t>
+            </a:r>
+          </a:p>
+          <a:p>
+            <a:pPr lvl="1"/>
+            <a:r>
+              <a:rPr lang="en-CA" dirty="0" smtClean="0"/>
+              <a:t>Play </a:t>
+            </a:r>
+            <a:r>
+              <a:rPr lang="en-CA" dirty="0" smtClean="0"/>
+              <a:t>with friend</a:t>
+            </a:r>
+          </a:p>
+          <a:p>
+            <a:pPr lvl="2"/>
+            <a:r>
+              <a:rPr lang="en-CA" dirty="0" smtClean="0"/>
+              <a:t>Allows you to play with one friend. You need to know the friend’s user name to invite him or </a:t>
+            </a:r>
+            <a:r>
+              <a:rPr lang="en-CA" dirty="0" smtClean="0"/>
+              <a:t>her. The person inviting decides on the location</a:t>
+            </a:r>
+            <a:endParaRPr lang="en-CA" dirty="0" smtClean="0"/>
           </a:p>
         </p:txBody>
       </p:sp>
@@ -18402,7 +18572,7 @@
     </p:spTree>
     <p:extLst>
       <p:ext uri="{BB962C8B-B14F-4D97-AF65-F5344CB8AC3E}">
-        <p14:creationId xmlns:p14="http://schemas.microsoft.com/office/powerpoint/2010/main" val="2112995988"/>
+        <p14:creationId xmlns:p14="http://schemas.microsoft.com/office/powerpoint/2010/main" val="2705557750"/>
       </p:ext>
     </p:extLst>
   </p:cSld>
@@ -18453,12 +18623,9 @@
           <a:p>
             <a:r>
               <a:rPr lang="en-CA" dirty="0" smtClean="0"/>
-              <a:t>Online game </a:t>
-            </a:r>
-            <a:r>
-              <a:rPr lang="en-CA" dirty="0"/>
-              <a:t>modes</a:t>
-            </a:r>
+              <a:t>Offline mode</a:t>
+            </a:r>
+            <a:endParaRPr lang="en-CA" dirty="0"/>
           </a:p>
         </p:txBody>
       </p:sp>
@@ -18477,52 +18644,33 @@
           <a:bodyPr/>
           <a:lstStyle/>
           <a:p>
-            <a:pPr lvl="1"/>
-            <a:r>
-              <a:rPr lang="en-CA" dirty="0" smtClean="0"/>
-              <a:t>Quick Play</a:t>
-            </a:r>
-          </a:p>
-          <a:p>
-            <a:pPr lvl="2"/>
-            <a:r>
-              <a:rPr lang="en-CA" dirty="0" smtClean="0"/>
-              <a:t>matches you against 1, 2 or 3 players of similar  skill level</a:t>
-            </a:r>
-          </a:p>
-          <a:p>
-            <a:pPr lvl="2"/>
-            <a:r>
-              <a:rPr lang="en-CA" dirty="0" smtClean="0"/>
-              <a:t>Missions with more players allow you to earn more coins</a:t>
-            </a:r>
-          </a:p>
-          <a:p>
-            <a:pPr lvl="1"/>
-            <a:r>
-              <a:rPr lang="en-CA" dirty="0" smtClean="0"/>
-              <a:t>Play with friend</a:t>
-            </a:r>
-          </a:p>
-          <a:p>
-            <a:pPr lvl="2"/>
-            <a:r>
-              <a:rPr lang="en-CA" dirty="0" smtClean="0"/>
-              <a:t>Allows you to play with one friend. You need to know the friend’s user name to invite him or her</a:t>
-            </a:r>
-          </a:p>
-          <a:p>
-            <a:pPr lvl="1"/>
-            <a:r>
-              <a:rPr lang="en-CA" dirty="0" smtClean="0"/>
-              <a:t>Weekly Leaderboard Tournament</a:t>
-            </a:r>
-          </a:p>
-          <a:p>
-            <a:pPr lvl="2"/>
-            <a:r>
-              <a:rPr lang="en-CA" dirty="0" smtClean="0"/>
-              <a:t>Accumulate the most wins in a week to win amazing loot boxes</a:t>
+            <a:r>
+              <a:rPr lang="en-CA" dirty="0" smtClean="0"/>
+              <a:t>You can play offline either alone or in PvE against 1 or 2 bots</a:t>
+            </a:r>
+          </a:p>
+          <a:p>
+            <a:r>
+              <a:rPr lang="en-CA" dirty="0" smtClean="0"/>
+              <a:t>You do not earn trophies</a:t>
+            </a:r>
+          </a:p>
+          <a:p>
+            <a:r>
+              <a:rPr lang="en-CA" dirty="0" smtClean="0"/>
+              <a:t>You earn coin, but less than in an online match</a:t>
+            </a:r>
+          </a:p>
+          <a:p>
+            <a:r>
+              <a:rPr lang="en-CA" dirty="0" smtClean="0"/>
+              <a:t>You earn the normal amount of XP</a:t>
+            </a:r>
+          </a:p>
+          <a:p>
+            <a:r>
+              <a:rPr lang="en-CA" dirty="0" smtClean="0"/>
+              <a:t>You choose the mission location</a:t>
             </a:r>
           </a:p>
         </p:txBody>
@@ -18553,7 +18701,7 @@
     </p:spTree>
     <p:extLst>
       <p:ext uri="{BB962C8B-B14F-4D97-AF65-F5344CB8AC3E}">
-        <p14:creationId xmlns:p14="http://schemas.microsoft.com/office/powerpoint/2010/main" val="2705557750"/>
+        <p14:creationId xmlns:p14="http://schemas.microsoft.com/office/powerpoint/2010/main" val="484252277"/>
       </p:ext>
     </p:extLst>
   </p:cSld>
@@ -18589,7 +18737,7 @@
       </p:grpSpPr>
       <p:sp>
         <p:nvSpPr>
-          <p:cNvPr id="2" name="Titre 1"/>
+          <p:cNvPr id="5" name="Titre 4"/>
           <p:cNvSpPr>
             <a:spLocks noGrp="1"/>
           </p:cNvSpPr>
@@ -18604,7 +18752,7 @@
           <a:p>
             <a:r>
               <a:rPr lang="en-CA" dirty="0" smtClean="0"/>
-              <a:t>Offline mode</a:t>
+              <a:t>Loot Boxes</a:t>
             </a:r>
             <a:endParaRPr lang="en-CA" dirty="0"/>
           </a:p>
@@ -18612,63 +18760,20 @@
       </p:sp>
       <p:sp>
         <p:nvSpPr>
-          <p:cNvPr id="3" name="Espace réservé du contenu 2"/>
-          <p:cNvSpPr>
-            <a:spLocks noGrp="1"/>
-          </p:cNvSpPr>
-          <p:nvPr>
-            <p:ph idx="1"/>
-          </p:nvPr>
-        </p:nvSpPr>
-        <p:spPr/>
-        <p:txBody>
-          <a:bodyPr/>
-          <a:lstStyle/>
-          <a:p>
-            <a:r>
-              <a:rPr lang="en-CA" dirty="0" smtClean="0"/>
-              <a:t>You can play offline either alone or in PvE against </a:t>
-            </a:r>
-            <a:r>
-              <a:rPr lang="en-CA" dirty="0" smtClean="0"/>
-              <a:t>1 </a:t>
-            </a:r>
-            <a:r>
-              <a:rPr lang="en-CA" dirty="0" smtClean="0"/>
-              <a:t>or </a:t>
-            </a:r>
-            <a:r>
-              <a:rPr lang="en-CA" dirty="0" smtClean="0"/>
-              <a:t>2 </a:t>
-            </a:r>
-            <a:r>
-              <a:rPr lang="en-CA" dirty="0" smtClean="0"/>
-              <a:t>bots</a:t>
-            </a:r>
-          </a:p>
-          <a:p>
-            <a:r>
-              <a:rPr lang="en-CA" dirty="0" smtClean="0"/>
-              <a:t>You do not earn trophies</a:t>
-            </a:r>
-          </a:p>
-          <a:p>
-            <a:r>
-              <a:rPr lang="en-CA" dirty="0" smtClean="0"/>
-              <a:t>You earn coin, but less than in an online match</a:t>
-            </a:r>
-          </a:p>
-          <a:p>
-            <a:r>
-              <a:rPr lang="en-CA" dirty="0" smtClean="0"/>
-              <a:t>You earn the normal amount of XP</a:t>
-            </a:r>
-          </a:p>
-          <a:p>
-            <a:r>
-              <a:rPr lang="en-CA" dirty="0" smtClean="0"/>
-              <a:t>You choose the mission location</a:t>
-            </a:r>
+          <p:cNvPr id="2" name="Espace réservé du texte 1"/>
+          <p:cNvSpPr>
+            <a:spLocks noGrp="1"/>
+          </p:cNvSpPr>
+          <p:nvPr>
+            <p:ph type="body" idx="1"/>
+          </p:nvPr>
+        </p:nvSpPr>
+        <p:spPr/>
+        <p:txBody>
+          <a:bodyPr/>
+          <a:lstStyle/>
+          <a:p>
+            <a:endParaRPr lang="en-CA"/>
           </a:p>
         </p:txBody>
       </p:sp>
@@ -18698,7 +18803,7 @@
     </p:spTree>
     <p:extLst>
       <p:ext uri="{BB962C8B-B14F-4D97-AF65-F5344CB8AC3E}">
-        <p14:creationId xmlns:p14="http://schemas.microsoft.com/office/powerpoint/2010/main" val="484252277"/>
+        <p14:creationId xmlns:p14="http://schemas.microsoft.com/office/powerpoint/2010/main" val="2940139159"/>
       </p:ext>
     </p:extLst>
   </p:cSld>
@@ -18765,13 +18870,13 @@
             <p:ph idx="1"/>
             <p:extLst>
               <p:ext uri="{D42A27DB-BD31-4B8C-83A1-F6EECF244321}">
-                <p14:modId xmlns:p14="http://schemas.microsoft.com/office/powerpoint/2010/main" val="597792864"/>
+                <p14:modId xmlns:p14="http://schemas.microsoft.com/office/powerpoint/2010/main" val="2256647759"/>
               </p:ext>
             </p:extLst>
           </p:nvPr>
         </p:nvGraphicFramePr>
         <p:xfrm>
-          <a:off x="457200" y="2209800"/>
+          <a:off x="792005" y="2209800"/>
           <a:ext cx="5960923" cy="2966720"/>
         </p:xfrm>
         <a:graphic>
@@ -18869,7 +18974,7 @@
                       <a:pPr algn="ctr"/>
                       <a:r>
                         <a:rPr lang="en-CA" dirty="0" smtClean="0"/>
-                        <a:t>Daytime</a:t>
+                        <a:t>Day</a:t>
                       </a:r>
                       <a:endParaRPr lang="en-CA" dirty="0"/>
                     </a:p>
@@ -18917,6 +19022,10 @@
                     <a:lstStyle/>
                     <a:p>
                       <a:pPr algn="ctr"/>
+                      <a:r>
+                        <a:rPr lang="en-CA" dirty="0" smtClean="0"/>
+                        <a:t>Day</a:t>
+                      </a:r>
                       <a:endParaRPr lang="en-CA" dirty="0"/>
                     </a:p>
                   </a:txBody>
@@ -18959,6 +19068,10 @@
                     <a:lstStyle/>
                     <a:p>
                       <a:pPr algn="ctr"/>
+                      <a:r>
+                        <a:rPr lang="en-CA" dirty="0" smtClean="0"/>
+                        <a:t>Day or night</a:t>
+                      </a:r>
                       <a:endParaRPr lang="en-CA" dirty="0"/>
                     </a:p>
                   </a:txBody>
@@ -18986,6 +19099,10 @@
                     <a:bodyPr/>
                     <a:lstStyle/>
                     <a:p>
+                      <a:r>
+                        <a:rPr lang="en-CA" dirty="0" smtClean="0"/>
+                        <a:t>TBC</a:t>
+                      </a:r>
                       <a:endParaRPr lang="en-CA" dirty="0"/>
                     </a:p>
                   </a:txBody>
@@ -20496,7 +20613,22 @@
           <a:p>
             <a:r>
               <a:rPr lang="en-CA" dirty="0" smtClean="0"/>
-              <a:t>1 - The hyperloop train track</a:t>
+              <a:t>Sample location:</a:t>
+            </a:r>
+            <a:br>
+              <a:rPr lang="en-CA" dirty="0" smtClean="0"/>
+            </a:br>
+            <a:r>
+              <a:rPr lang="en-CA" dirty="0"/>
+              <a:t>H</a:t>
+            </a:r>
+            <a:r>
+              <a:rPr lang="en-CA" dirty="0" smtClean="0"/>
+              <a:t>yperloop </a:t>
+            </a:r>
+            <a:r>
+              <a:rPr lang="en-CA" dirty="0" smtClean="0"/>
+              <a:t>train track</a:t>
             </a:r>
             <a:endParaRPr lang="en-CA" dirty="0"/>
           </a:p>

--- a/Documents/Earth Alone.pptx
+++ b/Documents/Earth Alone.pptx
@@ -9396,7 +9396,7 @@
                   <a:schemeClr val="bg2"/>
                 </a:solidFill>
               </a:rPr>
-              <a:t>V1.3</a:t>
+              <a:t>V1.4</a:t>
             </a:r>
             <a:endParaRPr lang="en-CA" sz="1200" i="1" dirty="0">
               <a:solidFill>
@@ -9591,11 +9591,7 @@
             </a:r>
             <a:r>
               <a:rPr lang="en-CA" dirty="0" smtClean="0"/>
-              <a:t>It’s </a:t>
-            </a:r>
-            <a:r>
-              <a:rPr lang="en-CA" dirty="0" smtClean="0"/>
-              <a:t>full of humour </a:t>
+              <a:t>It’s full of humour </a:t>
             </a:r>
             <a:r>
               <a:rPr lang="en-CA" dirty="0"/>
@@ -9895,11 +9891,7 @@
           <a:p>
             <a:r>
               <a:rPr lang="en-CA" dirty="0" smtClean="0"/>
-              <a:t>You </a:t>
-            </a:r>
-            <a:r>
-              <a:rPr lang="en-CA" dirty="0" smtClean="0"/>
-              <a:t>lose clan members if you lose too many missions in a row</a:t>
+              <a:t>You lose clan members if you lose too many missions in a row</a:t>
             </a:r>
           </a:p>
           <a:p>
@@ -10021,16 +10013,21 @@
           <a:p>
             <a:r>
               <a:rPr lang="en-CA" dirty="0" smtClean="0"/>
-              <a:t>Every </a:t>
-            </a:r>
-            <a:r>
-              <a:rPr lang="en-CA" dirty="0" smtClean="0"/>
-              <a:t>time you increase significantly your clan membership, your hangout looks </a:t>
+              <a:t>Every time you increase significantly your clan </a:t>
+            </a:r>
+            <a:r>
+              <a:rPr lang="en-CA" dirty="0" smtClean="0"/>
+              <a:t>membership*, </a:t>
+            </a:r>
+            <a:r>
+              <a:rPr lang="en-CA" dirty="0" smtClean="0"/>
+              <a:t>your hangout looks </a:t>
             </a:r>
             <a:r>
               <a:rPr lang="en-CA" dirty="0" smtClean="0"/>
               <a:t>nicer</a:t>
             </a:r>
+            <a:endParaRPr lang="en-CA" dirty="0" smtClean="0"/>
           </a:p>
           <a:p>
             <a:pPr lvl="1"/>
@@ -10072,12 +10069,11 @@
               <a:rPr lang="en-CA" dirty="0" smtClean="0"/>
               <a:t>menu</a:t>
             </a:r>
+          </a:p>
+          <a:p>
             <a:endParaRPr lang="en-CA" dirty="0" smtClean="0"/>
           </a:p>
           <a:p>
-            <a:endParaRPr lang="en-CA" dirty="0" smtClean="0"/>
-          </a:p>
-          <a:p>
             <a:endParaRPr lang="en-CA" dirty="0"/>
           </a:p>
         </p:txBody>
@@ -10098,10 +10094,56 @@
           <a:lstStyle/>
           <a:p>
             <a:r>
-              <a:rPr lang="en-CA" smtClean="0"/>
+              <a:rPr lang="en-CA" dirty="0" smtClean="0"/>
               <a:t>Copyright 2017 Regis Geoffrion</a:t>
             </a:r>
-            <a:endParaRPr lang="en-CA"/>
+            <a:endParaRPr lang="en-CA" dirty="0"/>
+          </a:p>
+        </p:txBody>
+      </p:sp>
+      <p:sp>
+        <p:nvSpPr>
+          <p:cNvPr id="2" name="ZoneTexte 1"/>
+          <p:cNvSpPr txBox="1"/>
+          <p:nvPr/>
+        </p:nvSpPr>
+        <p:spPr>
+          <a:xfrm>
+            <a:off x="450850" y="6033171"/>
+            <a:ext cx="5015240" cy="276999"/>
+          </a:xfrm>
+          <a:prstGeom prst="rect">
+            <a:avLst/>
+          </a:prstGeom>
+          <a:noFill/>
+        </p:spPr>
+        <p:txBody>
+          <a:bodyPr wrap="none" rtlCol="0">
+            <a:spAutoFit/>
+          </a:bodyPr>
+          <a:lstStyle/>
+          <a:p>
+            <a:r>
+              <a:rPr lang="en-CA" sz="1200" i="1" dirty="0" smtClean="0"/>
+              <a:t>* # of </a:t>
+            </a:r>
+            <a:r>
+              <a:rPr lang="en-CA" sz="1200" i="1" dirty="0"/>
+              <a:t>clan members is similar to the </a:t>
+            </a:r>
+            <a:r>
+              <a:rPr lang="en-CA" sz="1200" i="1" dirty="0" smtClean="0"/>
+              <a:t># of </a:t>
+            </a:r>
+            <a:r>
+              <a:rPr lang="en-CA" sz="1200" i="1" dirty="0"/>
+              <a:t>trophies in Clash </a:t>
+            </a:r>
+            <a:r>
+              <a:rPr lang="en-CA" sz="1200" i="1" dirty="0" smtClean="0"/>
+              <a:t>Royale.</a:t>
+            </a:r>
+            <a:endParaRPr lang="en-CA" sz="1200" i="1" dirty="0"/>
           </a:p>
         </p:txBody>
       </p:sp>
@@ -10206,15 +10248,7 @@
           <a:p>
             <a:r>
               <a:rPr lang="en-CA" dirty="0" smtClean="0"/>
-              <a:t>Each </a:t>
-            </a:r>
-            <a:r>
-              <a:rPr lang="en-CA" dirty="0" smtClean="0"/>
-              <a:t>hangout upgrade unlocks </a:t>
-            </a:r>
-            <a:r>
-              <a:rPr lang="en-CA" dirty="0" smtClean="0"/>
-              <a:t>3 new cards</a:t>
+              <a:t>Each hangout upgrade unlocks 3 new cards</a:t>
             </a:r>
           </a:p>
           <a:p>
@@ -10222,7 +10256,6 @@
               <a:rPr lang="en-CA" dirty="0" smtClean="0"/>
               <a:t>At launch, there will be 4 hangout levels. More will be added post-launch</a:t>
             </a:r>
-            <a:endParaRPr lang="en-CA" dirty="0" smtClean="0"/>
           </a:p>
         </p:txBody>
       </p:sp>
@@ -10536,7 +10569,11 @@
           <a:p>
             <a:r>
               <a:rPr lang="en-CA" dirty="0" smtClean="0"/>
-              <a:t>Heroes – Unique Card</a:t>
+              <a:t>Heroes – Unique </a:t>
+            </a:r>
+            <a:r>
+              <a:rPr lang="en-CA" dirty="0" smtClean="0"/>
+              <a:t>Ability</a:t>
             </a:r>
             <a:endParaRPr lang="en-CA" dirty="0"/>
           </a:p>
@@ -10727,21 +10764,13 @@
           <a:p>
             <a:r>
               <a:rPr lang="en-CA" dirty="0" smtClean="0"/>
-              <a:t>There are initially 6 heroes to chose from. More will be added in </a:t>
-            </a:r>
-            <a:r>
-              <a:rPr lang="en-CA" dirty="0" smtClean="0"/>
-              <a:t>updates</a:t>
-            </a:r>
-          </a:p>
-          <a:p>
-            <a:r>
-              <a:rPr lang="en-CA" dirty="0" smtClean="0"/>
-              <a:t>Heroes </a:t>
-            </a:r>
-            <a:r>
-              <a:rPr lang="en-CA" dirty="0" smtClean="0"/>
-              <a:t>are balanced so that none of them are overpowered</a:t>
+              <a:t>There are initially 6 heroes to chose from. More will be added in updates</a:t>
+            </a:r>
+          </a:p>
+          <a:p>
+            <a:r>
+              <a:rPr lang="en-CA" dirty="0" smtClean="0"/>
+              <a:t>Heroes are balanced so that none of them are overpowered</a:t>
             </a:r>
           </a:p>
           <a:p>
@@ -10860,46 +10889,14 @@
           <a:p>
             <a:r>
               <a:rPr lang="en-CA" dirty="0" smtClean="0"/>
-              <a:t>In 2086, the evacuation of the Earth was </a:t>
-            </a:r>
-            <a:r>
-              <a:rPr lang="en-CA" dirty="0" smtClean="0"/>
-              <a:t>completed, </a:t>
-            </a:r>
-            <a:r>
-              <a:rPr lang="en-CA" dirty="0" smtClean="0"/>
-              <a:t>and the last spaceship carrying </a:t>
-            </a:r>
-            <a:r>
-              <a:rPr lang="en-CA" dirty="0" smtClean="0"/>
-              <a:t>Earth’s </a:t>
-            </a:r>
-            <a:r>
-              <a:rPr lang="en-CA" dirty="0" smtClean="0"/>
-              <a:t>inhabitants left for Kepler 780, its destination, and </a:t>
-            </a:r>
-            <a:r>
-              <a:rPr lang="en-CA" dirty="0" smtClean="0"/>
-              <a:t>new </a:t>
-            </a:r>
-            <a:r>
-              <a:rPr lang="en-CA" dirty="0" smtClean="0"/>
-              <a:t>home</a:t>
+              <a:t>In 2086, the evacuation of the Earth was completed, and the last spaceship carrying Earth’s inhabitants left for Kepler 780, its destination, and new home</a:t>
             </a:r>
             <a:endParaRPr lang="en-CA" dirty="0"/>
           </a:p>
           <a:p>
             <a:r>
               <a:rPr lang="en-CA" dirty="0" smtClean="0"/>
-              <a:t>The meteor that was to strike the Earth was partially deflected at the eleventh hour by a salvo of nuclear missiles, and in the end only a chunk of the meteor hit the </a:t>
-            </a:r>
-            <a:r>
-              <a:rPr lang="en-CA" dirty="0" smtClean="0"/>
-              <a:t>Earth</a:t>
-            </a:r>
-            <a:r>
-              <a:rPr lang="en-CA" dirty="0" smtClean="0"/>
-              <a:t>, avoiding its obliteration</a:t>
+              <a:t>The meteor that was to strike the Earth was partially deflected at the eleventh hour by a salvo of nuclear missiles, and in the end only a chunk of the meteor hit the Earth, avoiding its obliteration</a:t>
             </a:r>
           </a:p>
           <a:p>
@@ -12316,7 +12313,7 @@
           <a:p>
             <a:r>
               <a:rPr lang="en-CA" dirty="0" smtClean="0"/>
-              <a:t>Hero Powers</a:t>
+              <a:t>Unique Abilities</a:t>
             </a:r>
             <a:endParaRPr lang="en-CA" dirty="0"/>
           </a:p>
@@ -13856,31 +13853,14 @@
           <a:p>
             <a:r>
               <a:rPr lang="en-CA" dirty="0" smtClean="0"/>
-              <a:t>26 </a:t>
-            </a:r>
-            <a:r>
-              <a:rPr lang="en-CA" dirty="0" smtClean="0"/>
-              <a:t>cards will be available at launch. More will be added later</a:t>
-            </a:r>
-          </a:p>
-          <a:p>
-            <a:r>
-              <a:rPr lang="en-CA" dirty="0" smtClean="0"/>
-              <a:t>6 </a:t>
-            </a:r>
-            <a:r>
-              <a:rPr lang="en-CA" dirty="0" smtClean="0"/>
-              <a:t>of </a:t>
-            </a:r>
-            <a:r>
-              <a:rPr lang="en-CA" dirty="0" smtClean="0"/>
-              <a:t>these are Hero </a:t>
-            </a:r>
-            <a:r>
-              <a:rPr lang="en-CA" dirty="0" smtClean="0"/>
-              <a:t>cards</a:t>
-            </a:r>
-            <a:endParaRPr lang="en-CA" dirty="0" smtClean="0"/>
+              <a:t>26 cards will be available at launch. More will be added later</a:t>
+            </a:r>
+          </a:p>
+          <a:p>
+            <a:r>
+              <a:rPr lang="en-CA" dirty="0" smtClean="0"/>
+              <a:t>6 of these are Hero cards</a:t>
+            </a:r>
           </a:p>
           <a:p>
             <a:r>
@@ -13891,11 +13871,7 @@
           <a:p>
             <a:r>
               <a:rPr lang="en-CA" dirty="0" smtClean="0"/>
-              <a:t>3 </a:t>
-            </a:r>
-            <a:r>
-              <a:rPr lang="en-CA" dirty="0" smtClean="0"/>
-              <a:t>cards get unlocked every time the player hits a milestone in terms of clan size</a:t>
+              <a:t>3 cards get unlocked every time the player hits a milestone in terms of clan size</a:t>
             </a:r>
           </a:p>
         </p:txBody>
@@ -18179,11 +18155,7 @@
             <a:pPr lvl="1"/>
             <a:r>
               <a:rPr lang="en-CA" dirty="0" smtClean="0"/>
-              <a:t>Increase your clan </a:t>
-            </a:r>
-            <a:r>
-              <a:rPr lang="en-CA" dirty="0" smtClean="0"/>
-              <a:t>size</a:t>
+              <a:t>Increase your clan size</a:t>
             </a:r>
           </a:p>
           <a:p>
@@ -18218,11 +18190,7 @@
             <a:pPr lvl="1"/>
             <a:r>
               <a:rPr lang="en-CA" dirty="0" smtClean="0"/>
-              <a:t>There are 6 ranks in </a:t>
-            </a:r>
-            <a:r>
-              <a:rPr lang="en-CA" dirty="0" smtClean="0"/>
-              <a:t>all</a:t>
+              <a:t>There are 6 ranks in all</a:t>
             </a:r>
           </a:p>
           <a:p>
@@ -18449,39 +18417,21 @@
             <a:pPr lvl="1"/>
             <a:r>
               <a:rPr lang="en-CA" dirty="0" smtClean="0"/>
-              <a:t>Quick </a:t>
-            </a:r>
-            <a:r>
-              <a:rPr lang="en-CA" dirty="0" smtClean="0"/>
-              <a:t>Play (non-competitive)</a:t>
-            </a:r>
-            <a:endParaRPr lang="en-CA" dirty="0" smtClean="0"/>
+              <a:t>Quick Play (non-competitive)</a:t>
+            </a:r>
           </a:p>
           <a:p>
             <a:pPr lvl="2"/>
             <a:r>
               <a:rPr lang="en-CA" dirty="0" smtClean="0"/>
-              <a:t>Matches </a:t>
-            </a:r>
-            <a:r>
-              <a:rPr lang="en-CA" dirty="0" smtClean="0"/>
-              <a:t>you against 1, 2 or 3 players </a:t>
-            </a:r>
-            <a:r>
-              <a:rPr lang="en-CA" dirty="0" smtClean="0"/>
-              <a:t>with the same hangout level</a:t>
-            </a:r>
-            <a:endParaRPr lang="en-CA" dirty="0" smtClean="0"/>
+              <a:t>Matches you against 1, 2 or 3 players with the same hangout level</a:t>
+            </a:r>
           </a:p>
           <a:p>
             <a:pPr lvl="2"/>
             <a:r>
               <a:rPr lang="en-CA" dirty="0" smtClean="0"/>
-              <a:t>Missions with more players allow you to earn more </a:t>
-            </a:r>
-            <a:r>
-              <a:rPr lang="en-CA" dirty="0" smtClean="0"/>
-              <a:t>coins</a:t>
+              <a:t>Missions with more players allow you to earn more coins</a:t>
             </a:r>
           </a:p>
           <a:p>
@@ -18490,7 +18440,6 @@
               <a:rPr lang="en-CA" dirty="0" smtClean="0"/>
               <a:t>Location is random</a:t>
             </a:r>
-            <a:endParaRPr lang="en-CA" dirty="0" smtClean="0"/>
           </a:p>
           <a:p>
             <a:pPr lvl="1"/>
@@ -18525,24 +18474,15 @@
             <a:pPr lvl="1"/>
             <a:r>
               <a:rPr lang="en-CA" dirty="0" smtClean="0"/>
-              <a:t>Play </a:t>
-            </a:r>
-            <a:r>
-              <a:rPr lang="en-CA" dirty="0" smtClean="0"/>
-              <a:t>with friend</a:t>
+              <a:t>Play with friend</a:t>
             </a:r>
           </a:p>
           <a:p>
             <a:pPr lvl="2"/>
             <a:r>
               <a:rPr lang="en-CA" dirty="0" smtClean="0"/>
-              <a:t>Allows you to play with one friend. You need to know the friend’s user name to invite him or </a:t>
-            </a:r>
-            <a:r>
-              <a:rPr lang="en-CA" dirty="0" smtClean="0"/>
-              <a:t>her. The person inviting decides on the location</a:t>
-            </a:r>
-            <a:endParaRPr lang="en-CA" dirty="0" smtClean="0"/>
+              <a:t>Allows you to play with one friend. You need to know the friend’s user name to invite him or her. The person inviting decides on the location</a:t>
+            </a:r>
           </a:p>
         </p:txBody>
       </p:sp>
@@ -19360,7 +19300,15 @@
             <a:pPr lvl="1"/>
             <a:r>
               <a:rPr lang="en-CA" dirty="0" smtClean="0"/>
-              <a:t>When you have earned 10 crowns through racing</a:t>
+              <a:t>When you have earned </a:t>
+            </a:r>
+            <a:r>
+              <a:rPr lang="en-CA" dirty="0" smtClean="0"/>
+              <a:t>100 supplies through </a:t>
+            </a:r>
+            <a:r>
+              <a:rPr lang="en-CA" dirty="0" smtClean="0"/>
+              <a:t>racing</a:t>
             </a:r>
           </a:p>
           <a:p>
@@ -19473,14 +19421,23 @@
           <a:p>
             <a:r>
               <a:rPr lang="en-CA" dirty="0" smtClean="0"/>
-              <a:t>Coins</a:t>
-            </a:r>
-          </a:p>
-          <a:p>
-            <a:r>
-              <a:rPr lang="en-CA" dirty="0" smtClean="0"/>
-              <a:t>Gems (not all loot boxes gives gems)</a:t>
-            </a:r>
+              <a:t>Credits</a:t>
+            </a:r>
+          </a:p>
+          <a:p>
+            <a:r>
+              <a:rPr lang="en-CA" dirty="0" smtClean="0"/>
+              <a:t>Titanium (not </a:t>
+            </a:r>
+            <a:r>
+              <a:rPr lang="en-CA" dirty="0" smtClean="0"/>
+              <a:t>all loot boxes gives </a:t>
+            </a:r>
+            <a:r>
+              <a:rPr lang="en-CA" dirty="0" smtClean="0"/>
+              <a:t>Titanium)</a:t>
+            </a:r>
+            <a:endParaRPr lang="en-CA" dirty="0" smtClean="0"/>
           </a:p>
           <a:p>
             <a:r>
@@ -19621,29 +19578,41 @@
             <a:pPr lvl="1"/>
             <a:r>
               <a:rPr lang="en-CA" sz="2400" dirty="0" smtClean="0"/>
-              <a:t>Gems using $</a:t>
-            </a:r>
+              <a:t>Titanium using $ (hard currency)</a:t>
+            </a:r>
+            <a:endParaRPr lang="en-CA" sz="2400" dirty="0" smtClean="0"/>
           </a:p>
           <a:p>
             <a:pPr lvl="1"/>
             <a:r>
               <a:rPr lang="en-CA" sz="2400" dirty="0" smtClean="0"/>
-              <a:t>Coins using gems</a:t>
-            </a:r>
+              <a:t>Credits using titanium (soft currency)</a:t>
+            </a:r>
+            <a:endParaRPr lang="en-CA" sz="2400" dirty="0" smtClean="0"/>
           </a:p>
           <a:p>
             <a:pPr lvl="1"/>
             <a:r>
               <a:rPr lang="en-CA" sz="2400" dirty="0"/>
-              <a:t>Loot boxes using gems</a:t>
-            </a:r>
+              <a:t>Loot boxes using </a:t>
+            </a:r>
+            <a:r>
+              <a:rPr lang="en-CA" sz="2400" dirty="0"/>
+              <a:t>titanium</a:t>
+            </a:r>
+            <a:endParaRPr lang="en-CA" sz="2400" dirty="0"/>
           </a:p>
           <a:p>
             <a:pPr lvl="1"/>
             <a:r>
               <a:rPr lang="en-CA" sz="2400" dirty="0" smtClean="0"/>
-              <a:t>Cards using coins</a:t>
-            </a:r>
+              <a:t>Cards using </a:t>
+            </a:r>
+            <a:r>
+              <a:rPr lang="en-CA" sz="2400" dirty="0" smtClean="0"/>
+              <a:t>credits</a:t>
+            </a:r>
+            <a:endParaRPr lang="en-CA" sz="2400" dirty="0" smtClean="0"/>
           </a:p>
         </p:txBody>
       </p:sp>
@@ -20624,11 +20593,7 @@
             </a:r>
             <a:r>
               <a:rPr lang="en-CA" dirty="0" smtClean="0"/>
-              <a:t>yperloop </a:t>
-            </a:r>
-            <a:r>
-              <a:rPr lang="en-CA" dirty="0" smtClean="0"/>
-              <a:t>train track</a:t>
+              <a:t>yperloop train track</a:t>
             </a:r>
             <a:endParaRPr lang="en-CA" dirty="0"/>
           </a:p>

--- a/Documents/Earth Alone.pptx
+++ b/Documents/Earth Alone.pptx
@@ -9396,7 +9396,7 @@
                   <a:schemeClr val="bg2"/>
                 </a:solidFill>
               </a:rPr>
-              <a:t>V1.4</a:t>
+              <a:t>V1.5</a:t>
             </a:r>
             <a:endParaRPr lang="en-CA" sz="1200" i="1" dirty="0">
               <a:solidFill>
@@ -10013,21 +10013,8 @@
           <a:p>
             <a:r>
               <a:rPr lang="en-CA" dirty="0" smtClean="0"/>
-              <a:t>Every time you increase significantly your clan </a:t>
-            </a:r>
-            <a:r>
-              <a:rPr lang="en-CA" dirty="0" smtClean="0"/>
-              <a:t>membership*, </a:t>
-            </a:r>
-            <a:r>
-              <a:rPr lang="en-CA" dirty="0" smtClean="0"/>
-              <a:t>your hangout looks </a:t>
-            </a:r>
-            <a:r>
-              <a:rPr lang="en-CA" dirty="0" smtClean="0"/>
-              <a:t>nicer</a:t>
-            </a:r>
-            <a:endParaRPr lang="en-CA" dirty="0" smtClean="0"/>
+              <a:t>Every time you increase significantly your clan membership*, your hangout looks nicer</a:t>
+            </a:r>
           </a:p>
           <a:p>
             <a:pPr lvl="1"/>
@@ -10569,11 +10556,7 @@
           <a:p>
             <a:r>
               <a:rPr lang="en-CA" dirty="0" smtClean="0"/>
-              <a:t>Heroes – Unique </a:t>
-            </a:r>
-            <a:r>
-              <a:rPr lang="en-CA" dirty="0" smtClean="0"/>
-              <a:t>Ability</a:t>
+              <a:t>Heroes – Unique Ability</a:t>
             </a:r>
             <a:endParaRPr lang="en-CA" dirty="0"/>
           </a:p>
@@ -18581,37 +18564,113 @@
         </p:nvSpPr>
         <p:spPr/>
         <p:txBody>
-          <a:bodyPr/>
-          <a:lstStyle/>
-          <a:p>
-            <a:r>
-              <a:rPr lang="en-CA" dirty="0" smtClean="0"/>
-              <a:t>You can play offline either alone or in PvE against 1 or 2 bots</a:t>
-            </a:r>
-          </a:p>
-          <a:p>
-            <a:r>
-              <a:rPr lang="en-CA" dirty="0" smtClean="0"/>
-              <a:t>You do not earn trophies</a:t>
-            </a:r>
-          </a:p>
-          <a:p>
-            <a:r>
-              <a:rPr lang="en-CA" dirty="0" smtClean="0"/>
-              <a:t>You earn coin, but less than in an online match</a:t>
-            </a:r>
-          </a:p>
-          <a:p>
+          <a:bodyPr>
+            <a:normAutofit/>
+          </a:bodyPr>
+          <a:lstStyle/>
+          <a:p>
+            <a:r>
+              <a:rPr lang="en-CA" dirty="0" smtClean="0"/>
+              <a:t>You can play </a:t>
+            </a:r>
+            <a:r>
+              <a:rPr lang="en-CA" dirty="0" smtClean="0"/>
+              <a:t>in </a:t>
+            </a:r>
+            <a:r>
+              <a:rPr lang="en-CA" dirty="0" smtClean="0"/>
+              <a:t>PvE against 1 or 2 bots</a:t>
+            </a:r>
+          </a:p>
+          <a:p>
+            <a:pPr lvl="1"/>
+            <a:r>
+              <a:rPr lang="en-CA" dirty="0" smtClean="0"/>
+              <a:t>You </a:t>
+            </a:r>
+            <a:r>
+              <a:rPr lang="en-CA" dirty="0" smtClean="0"/>
+              <a:t>don’t gain </a:t>
+            </a:r>
+            <a:r>
+              <a:rPr lang="en-CA" dirty="0" smtClean="0"/>
+              <a:t>clan members or supplies</a:t>
+            </a:r>
+            <a:endParaRPr lang="en-CA" dirty="0" smtClean="0"/>
+          </a:p>
+          <a:p>
+            <a:pPr lvl="1"/>
+            <a:r>
+              <a:rPr lang="en-CA" dirty="0" smtClean="0"/>
+              <a:t>You earn </a:t>
+            </a:r>
+            <a:r>
+              <a:rPr lang="en-CA" dirty="0" smtClean="0"/>
+              <a:t>credits, </a:t>
+            </a:r>
+            <a:r>
+              <a:rPr lang="en-CA" dirty="0" smtClean="0"/>
+              <a:t>but less than in an online match</a:t>
+            </a:r>
+          </a:p>
+          <a:p>
+            <a:pPr lvl="1"/>
             <a:r>
               <a:rPr lang="en-CA" dirty="0" smtClean="0"/>
               <a:t>You earn the normal amount of XP</a:t>
             </a:r>
           </a:p>
           <a:p>
-            <a:r>
-              <a:rPr lang="en-CA" dirty="0" smtClean="0"/>
-              <a:t>You choose the mission location</a:t>
-            </a:r>
+            <a:pPr lvl="1"/>
+            <a:r>
+              <a:rPr lang="en-CA" dirty="0" smtClean="0"/>
+              <a:t>You choose the mission </a:t>
+            </a:r>
+            <a:r>
+              <a:rPr lang="en-CA" dirty="0" smtClean="0"/>
+              <a:t>location</a:t>
+            </a:r>
+          </a:p>
+          <a:p>
+            <a:r>
+              <a:rPr lang="en-CA" dirty="0" smtClean="0"/>
+              <a:t>You can play alone in the training track to practice you moves</a:t>
+            </a:r>
+          </a:p>
+          <a:p>
+            <a:pPr lvl="1"/>
+            <a:r>
+              <a:rPr lang="en-CA" dirty="0"/>
+              <a:t>You </a:t>
+            </a:r>
+            <a:r>
+              <a:rPr lang="en-CA" dirty="0" smtClean="0"/>
+              <a:t>don’t </a:t>
+            </a:r>
+            <a:r>
+              <a:rPr lang="en-CA" dirty="0"/>
+              <a:t>gain clan </a:t>
+            </a:r>
+            <a:r>
+              <a:rPr lang="en-CA" dirty="0" smtClean="0"/>
+              <a:t>members, credits or XPs</a:t>
+            </a:r>
+            <a:endParaRPr lang="en-CA" dirty="0"/>
+          </a:p>
+          <a:p>
+            <a:pPr lvl="1"/>
+            <a:r>
+              <a:rPr lang="en-CA" dirty="0" smtClean="0"/>
+              <a:t>You </a:t>
+            </a:r>
+            <a:r>
+              <a:rPr lang="en-CA" dirty="0"/>
+              <a:t>choose the mission location</a:t>
+            </a:r>
+            <a:endParaRPr lang="en-CA" dirty="0" smtClean="0"/>
+          </a:p>
+          <a:p>
+            <a:endParaRPr lang="en-CA" dirty="0" smtClean="0"/>
           </a:p>
         </p:txBody>
       </p:sp>
@@ -19300,15 +19359,7 @@
             <a:pPr lvl="1"/>
             <a:r>
               <a:rPr lang="en-CA" dirty="0" smtClean="0"/>
-              <a:t>When you have earned </a:t>
-            </a:r>
-            <a:r>
-              <a:rPr lang="en-CA" dirty="0" smtClean="0"/>
-              <a:t>100 supplies through </a:t>
-            </a:r>
-            <a:r>
-              <a:rPr lang="en-CA" dirty="0" smtClean="0"/>
-              <a:t>racing</a:t>
+              <a:t>When you have earned 100 supplies through racing</a:t>
             </a:r>
           </a:p>
           <a:p>
@@ -19427,17 +19478,8 @@
           <a:p>
             <a:r>
               <a:rPr lang="en-CA" dirty="0" smtClean="0"/>
-              <a:t>Titanium (not </a:t>
-            </a:r>
-            <a:r>
-              <a:rPr lang="en-CA" dirty="0" smtClean="0"/>
-              <a:t>all loot boxes gives </a:t>
-            </a:r>
-            <a:r>
-              <a:rPr lang="en-CA" dirty="0" smtClean="0"/>
-              <a:t>Titanium)</a:t>
-            </a:r>
-            <a:endParaRPr lang="en-CA" dirty="0" smtClean="0"/>
+              <a:t>Titanium (not all loot boxes gives Titanium)</a:t>
+            </a:r>
           </a:p>
           <a:p>
             <a:r>
@@ -19580,7 +19622,6 @@
               <a:rPr lang="en-CA" sz="2400" dirty="0" smtClean="0"/>
               <a:t>Titanium using $ (hard currency)</a:t>
             </a:r>
-            <a:endParaRPr lang="en-CA" sz="2400" dirty="0" smtClean="0"/>
           </a:p>
           <a:p>
             <a:pPr lvl="1"/>
@@ -19588,31 +19629,20 @@
               <a:rPr lang="en-CA" sz="2400" dirty="0" smtClean="0"/>
               <a:t>Credits using titanium (soft currency)</a:t>
             </a:r>
-            <a:endParaRPr lang="en-CA" sz="2400" dirty="0" smtClean="0"/>
           </a:p>
           <a:p>
             <a:pPr lvl="1"/>
             <a:r>
               <a:rPr lang="en-CA" sz="2400" dirty="0"/>
-              <a:t>Loot boxes using </a:t>
-            </a:r>
-            <a:r>
-              <a:rPr lang="en-CA" sz="2400" dirty="0"/>
-              <a:t>titanium</a:t>
-            </a:r>
-            <a:endParaRPr lang="en-CA" sz="2400" dirty="0"/>
+              <a:t>Loot boxes using titanium</a:t>
+            </a:r>
           </a:p>
           <a:p>
             <a:pPr lvl="1"/>
             <a:r>
               <a:rPr lang="en-CA" sz="2400" dirty="0" smtClean="0"/>
-              <a:t>Cards using </a:t>
-            </a:r>
-            <a:r>
-              <a:rPr lang="en-CA" sz="2400" dirty="0" smtClean="0"/>
-              <a:t>credits</a:t>
-            </a:r>
-            <a:endParaRPr lang="en-CA" sz="2400" dirty="0" smtClean="0"/>
+              <a:t>Cards using credits</a:t>
+            </a:r>
           </a:p>
         </p:txBody>
       </p:sp>

--- a/Documents/Earth Alone.pptx
+++ b/Documents/Earth Alone.pptx
@@ -5,10 +5,10 @@
     <p:sldMasterId id="2147483874" r:id="rId1"/>
   </p:sldMasterIdLst>
   <p:notesMasterIdLst>
-    <p:notesMasterId r:id="rId65"/>
+    <p:notesMasterId r:id="rId66"/>
   </p:notesMasterIdLst>
   <p:handoutMasterIdLst>
-    <p:handoutMasterId r:id="rId66"/>
+    <p:handoutMasterId r:id="rId67"/>
   </p:handoutMasterIdLst>
   <p:sldIdLst>
     <p:sldId id="256" r:id="rId2"/>
@@ -45,35 +45,36 @@
     <p:sldId id="258" r:id="rId33"/>
     <p:sldId id="288" r:id="rId34"/>
     <p:sldId id="259" r:id="rId35"/>
-    <p:sldId id="325" r:id="rId36"/>
-    <p:sldId id="332" r:id="rId37"/>
-    <p:sldId id="260" r:id="rId38"/>
-    <p:sldId id="333" r:id="rId39"/>
-    <p:sldId id="356" r:id="rId40"/>
-    <p:sldId id="261" r:id="rId41"/>
-    <p:sldId id="275" r:id="rId42"/>
-    <p:sldId id="277" r:id="rId43"/>
-    <p:sldId id="262" r:id="rId44"/>
-    <p:sldId id="272" r:id="rId45"/>
-    <p:sldId id="328" r:id="rId46"/>
-    <p:sldId id="270" r:id="rId47"/>
-    <p:sldId id="336" r:id="rId48"/>
-    <p:sldId id="269" r:id="rId49"/>
-    <p:sldId id="365" r:id="rId50"/>
-    <p:sldId id="268" r:id="rId51"/>
-    <p:sldId id="271" r:id="rId52"/>
-    <p:sldId id="276" r:id="rId53"/>
-    <p:sldId id="281" r:id="rId54"/>
-    <p:sldId id="285" r:id="rId55"/>
-    <p:sldId id="329" r:id="rId56"/>
-    <p:sldId id="286" r:id="rId57"/>
-    <p:sldId id="340" r:id="rId58"/>
-    <p:sldId id="330" r:id="rId59"/>
-    <p:sldId id="290" r:id="rId60"/>
-    <p:sldId id="293" r:id="rId61"/>
-    <p:sldId id="363" r:id="rId62"/>
-    <p:sldId id="350" r:id="rId63"/>
-    <p:sldId id="347" r:id="rId64"/>
+    <p:sldId id="366" r:id="rId36"/>
+    <p:sldId id="325" r:id="rId37"/>
+    <p:sldId id="369" r:id="rId38"/>
+    <p:sldId id="332" r:id="rId39"/>
+    <p:sldId id="367" r:id="rId40"/>
+    <p:sldId id="368" r:id="rId41"/>
+    <p:sldId id="261" r:id="rId42"/>
+    <p:sldId id="275" r:id="rId43"/>
+    <p:sldId id="277" r:id="rId44"/>
+    <p:sldId id="262" r:id="rId45"/>
+    <p:sldId id="272" r:id="rId46"/>
+    <p:sldId id="328" r:id="rId47"/>
+    <p:sldId id="270" r:id="rId48"/>
+    <p:sldId id="336" r:id="rId49"/>
+    <p:sldId id="269" r:id="rId50"/>
+    <p:sldId id="365" r:id="rId51"/>
+    <p:sldId id="268" r:id="rId52"/>
+    <p:sldId id="271" r:id="rId53"/>
+    <p:sldId id="276" r:id="rId54"/>
+    <p:sldId id="281" r:id="rId55"/>
+    <p:sldId id="285" r:id="rId56"/>
+    <p:sldId id="329" r:id="rId57"/>
+    <p:sldId id="286" r:id="rId58"/>
+    <p:sldId id="340" r:id="rId59"/>
+    <p:sldId id="330" r:id="rId60"/>
+    <p:sldId id="290" r:id="rId61"/>
+    <p:sldId id="293" r:id="rId62"/>
+    <p:sldId id="363" r:id="rId63"/>
+    <p:sldId id="350" r:id="rId64"/>
+    <p:sldId id="347" r:id="rId65"/>
   </p:sldIdLst>
   <p:sldSz cx="9144000" cy="6858000" type="screen4x3"/>
   <p:notesSz cx="6858000" cy="9144000"/>
@@ -257,7 +258,7 @@
           <a:p>
             <a:fld id="{478E4554-8682-0047-81B3-23DF92292DA4}" type="datetimeFigureOut">
               <a:rPr lang="fr-FR" smtClean="0"/>
-              <a:t>17-08-05</a:t>
+              <a:t>17-08-28</a:t>
             </a:fld>
             <a:endParaRPr lang="en-CA"/>
           </a:p>
@@ -423,7 +424,7 @@
           <a:p>
             <a:fld id="{4AA04B09-B6F6-1B43-9949-81D455400551}" type="datetimeFigureOut">
               <a:rPr lang="fr-FR" smtClean="0"/>
-              <a:t>17-08-05</a:t>
+              <a:t>17-08-28</a:t>
             </a:fld>
             <a:endParaRPr lang="en-CA"/>
           </a:p>
@@ -841,7 +842,7 @@
           <a:p>
             <a:fld id="{7407C48C-E2B9-DC4B-A655-BDF08DF81560}" type="slidenum">
               <a:rPr lang="en-CA" smtClean="0"/>
-              <a:t>39</a:t>
+              <a:t>46</a:t>
             </a:fld>
             <a:endParaRPr lang="en-CA"/>
           </a:p>
@@ -850,7 +851,7 @@
     </p:spTree>
     <p:extLst>
       <p:ext uri="{BB962C8B-B14F-4D97-AF65-F5344CB8AC3E}">
-        <p14:creationId xmlns:p14="http://schemas.microsoft.com/office/powerpoint/2010/main" val="1040159230"/>
+        <p14:creationId xmlns:p14="http://schemas.microsoft.com/office/powerpoint/2010/main" val="3077897049"/>
       </p:ext>
     </p:extLst>
   </p:cSld>
@@ -925,7 +926,7 @@
           <a:p>
             <a:fld id="{7407C48C-E2B9-DC4B-A655-BDF08DF81560}" type="slidenum">
               <a:rPr lang="en-CA" smtClean="0"/>
-              <a:t>41</a:t>
+              <a:t>47</a:t>
             </a:fld>
             <a:endParaRPr lang="en-CA"/>
           </a:p>
@@ -934,7 +935,7 @@
     </p:spTree>
     <p:extLst>
       <p:ext uri="{BB962C8B-B14F-4D97-AF65-F5344CB8AC3E}">
-        <p14:creationId xmlns:p14="http://schemas.microsoft.com/office/powerpoint/2010/main" val="2060241734"/>
+        <p14:creationId xmlns:p14="http://schemas.microsoft.com/office/powerpoint/2010/main" val="1340468305"/>
       </p:ext>
     </p:extLst>
   </p:cSld>
@@ -1009,7 +1010,7 @@
           <a:p>
             <a:fld id="{7407C48C-E2B9-DC4B-A655-BDF08DF81560}" type="slidenum">
               <a:rPr lang="en-CA" smtClean="0"/>
-              <a:t>43</a:t>
+              <a:t>48</a:t>
             </a:fld>
             <a:endParaRPr lang="en-CA"/>
           </a:p>
@@ -1018,7 +1019,7 @@
     </p:spTree>
     <p:extLst>
       <p:ext uri="{BB962C8B-B14F-4D97-AF65-F5344CB8AC3E}">
-        <p14:creationId xmlns:p14="http://schemas.microsoft.com/office/powerpoint/2010/main" val="3388632145"/>
+        <p14:creationId xmlns:p14="http://schemas.microsoft.com/office/powerpoint/2010/main" val="1340468305"/>
       </p:ext>
     </p:extLst>
   </p:cSld>
@@ -1093,7 +1094,7 @@
           <a:p>
             <a:fld id="{7407C48C-E2B9-DC4B-A655-BDF08DF81560}" type="slidenum">
               <a:rPr lang="en-CA" smtClean="0"/>
-              <a:t>45</a:t>
+              <a:t>49</a:t>
             </a:fld>
             <a:endParaRPr lang="en-CA"/>
           </a:p>
@@ -1102,7 +1103,7 @@
     </p:spTree>
     <p:extLst>
       <p:ext uri="{BB962C8B-B14F-4D97-AF65-F5344CB8AC3E}">
-        <p14:creationId xmlns:p14="http://schemas.microsoft.com/office/powerpoint/2010/main" val="3077897049"/>
+        <p14:creationId xmlns:p14="http://schemas.microsoft.com/office/powerpoint/2010/main" val="21169268"/>
       </p:ext>
     </p:extLst>
   </p:cSld>
@@ -1156,6 +1157,10 @@
           <a:bodyPr/>
           <a:lstStyle/>
           <a:p>
+            <a:r>
+              <a:rPr lang="en-CA" dirty="0" smtClean="0"/>
+              <a:t>Need to replace the word crown</a:t>
+            </a:r>
             <a:endParaRPr lang="en-CA" dirty="0"/>
           </a:p>
         </p:txBody>
@@ -1177,7 +1182,7 @@
           <a:p>
             <a:fld id="{7407C48C-E2B9-DC4B-A655-BDF08DF81560}" type="slidenum">
               <a:rPr lang="en-CA" smtClean="0"/>
-              <a:t>46</a:t>
+              <a:t>51</a:t>
             </a:fld>
             <a:endParaRPr lang="en-CA"/>
           </a:p>
@@ -1186,7 +1191,7 @@
     </p:spTree>
     <p:extLst>
       <p:ext uri="{BB962C8B-B14F-4D97-AF65-F5344CB8AC3E}">
-        <p14:creationId xmlns:p14="http://schemas.microsoft.com/office/powerpoint/2010/main" val="1340468305"/>
+        <p14:creationId xmlns:p14="http://schemas.microsoft.com/office/powerpoint/2010/main" val="2512255543"/>
       </p:ext>
     </p:extLst>
   </p:cSld>
@@ -1240,6 +1245,10 @@
           <a:bodyPr/>
           <a:lstStyle/>
           <a:p>
+            <a:r>
+              <a:rPr lang="en-CA" dirty="0" smtClean="0"/>
+              <a:t>Need to replace Gems</a:t>
+            </a:r>
             <a:endParaRPr lang="en-CA" dirty="0"/>
           </a:p>
         </p:txBody>
@@ -1261,7 +1270,7 @@
           <a:p>
             <a:fld id="{7407C48C-E2B9-DC4B-A655-BDF08DF81560}" type="slidenum">
               <a:rPr lang="en-CA" smtClean="0"/>
-              <a:t>47</a:t>
+              <a:t>52</a:t>
             </a:fld>
             <a:endParaRPr lang="en-CA"/>
           </a:p>
@@ -1270,7 +1279,7 @@
     </p:spTree>
     <p:extLst>
       <p:ext uri="{BB962C8B-B14F-4D97-AF65-F5344CB8AC3E}">
-        <p14:creationId xmlns:p14="http://schemas.microsoft.com/office/powerpoint/2010/main" val="1340468305"/>
+        <p14:creationId xmlns:p14="http://schemas.microsoft.com/office/powerpoint/2010/main" val="3933971223"/>
       </p:ext>
     </p:extLst>
   </p:cSld>
@@ -1324,6 +1333,14 @@
           <a:bodyPr/>
           <a:lstStyle/>
           <a:p>
+            <a:r>
+              <a:rPr lang="en-CA" dirty="0" smtClean="0"/>
+              <a:t>Replace</a:t>
+            </a:r>
+            <a:r>
+              <a:rPr lang="en-CA" baseline="0" dirty="0" smtClean="0"/>
+              <a:t> gem </a:t>
+            </a:r>
             <a:endParaRPr lang="en-CA" dirty="0"/>
           </a:p>
         </p:txBody>
@@ -1345,7 +1362,7 @@
           <a:p>
             <a:fld id="{7407C48C-E2B9-DC4B-A655-BDF08DF81560}" type="slidenum">
               <a:rPr lang="en-CA" smtClean="0"/>
-              <a:t>48</a:t>
+              <a:t>53</a:t>
             </a:fld>
             <a:endParaRPr lang="en-CA"/>
           </a:p>
@@ -1354,7 +1371,7 @@
     </p:spTree>
     <p:extLst>
       <p:ext uri="{BB962C8B-B14F-4D97-AF65-F5344CB8AC3E}">
-        <p14:creationId xmlns:p14="http://schemas.microsoft.com/office/powerpoint/2010/main" val="21169268"/>
+        <p14:creationId xmlns:p14="http://schemas.microsoft.com/office/powerpoint/2010/main" val="2144136723"/>
       </p:ext>
     </p:extLst>
   </p:cSld>
@@ -1410,7 +1427,7 @@
           <a:p>
             <a:r>
               <a:rPr lang="en-CA" dirty="0" smtClean="0"/>
-              <a:t>Need to replace the word crown</a:t>
+              <a:t>Keep game center?</a:t>
             </a:r>
             <a:endParaRPr lang="en-CA" dirty="0"/>
           </a:p>
@@ -1433,7 +1450,7 @@
           <a:p>
             <a:fld id="{7407C48C-E2B9-DC4B-A655-BDF08DF81560}" type="slidenum">
               <a:rPr lang="en-CA" smtClean="0"/>
-              <a:t>50</a:t>
+              <a:t>56</a:t>
             </a:fld>
             <a:endParaRPr lang="en-CA"/>
           </a:p>
@@ -1442,7 +1459,7 @@
     </p:spTree>
     <p:extLst>
       <p:ext uri="{BB962C8B-B14F-4D97-AF65-F5344CB8AC3E}">
-        <p14:creationId xmlns:p14="http://schemas.microsoft.com/office/powerpoint/2010/main" val="2512255543"/>
+        <p14:creationId xmlns:p14="http://schemas.microsoft.com/office/powerpoint/2010/main" val="70108183"/>
       </p:ext>
     </p:extLst>
   </p:cSld>
@@ -1496,10 +1513,6 @@
           <a:bodyPr/>
           <a:lstStyle/>
           <a:p>
-            <a:r>
-              <a:rPr lang="en-CA" dirty="0" smtClean="0"/>
-              <a:t>Need to replace Gems</a:t>
-            </a:r>
             <a:endParaRPr lang="en-CA" dirty="0"/>
           </a:p>
         </p:txBody>
@@ -1521,7 +1534,7 @@
           <a:p>
             <a:fld id="{7407C48C-E2B9-DC4B-A655-BDF08DF81560}" type="slidenum">
               <a:rPr lang="en-CA" smtClean="0"/>
-              <a:t>51</a:t>
+              <a:t>58</a:t>
             </a:fld>
             <a:endParaRPr lang="en-CA"/>
           </a:p>
@@ -1530,99 +1543,7 @@
     </p:spTree>
     <p:extLst>
       <p:ext uri="{BB962C8B-B14F-4D97-AF65-F5344CB8AC3E}">
-        <p14:creationId xmlns:p14="http://schemas.microsoft.com/office/powerpoint/2010/main" val="3933971223"/>
-      </p:ext>
-    </p:extLst>
-  </p:cSld>
-  <p:clrMapOvr>
-    <a:masterClrMapping/>
-  </p:clrMapOvr>
-</p:notes>
-</file>
-
-<file path=ppt/notesSlides/notesSlide19.xml><?xml version="1.0" encoding="utf-8"?>
-<p:notes xmlns:a="http://schemas.openxmlformats.org/drawingml/2006/main" xmlns:r="http://schemas.openxmlformats.org/officeDocument/2006/relationships" xmlns:p="http://schemas.openxmlformats.org/presentationml/2006/main">
-  <p:cSld>
-    <p:spTree>
-      <p:nvGrpSpPr>
-        <p:cNvPr id="1" name=""/>
-        <p:cNvGrpSpPr/>
-        <p:nvPr/>
-      </p:nvGrpSpPr>
-      <p:grpSpPr>
-        <a:xfrm>
-          <a:off x="0" y="0"/>
-          <a:ext cx="0" cy="0"/>
-          <a:chOff x="0" y="0"/>
-          <a:chExt cx="0" cy="0"/>
-        </a:xfrm>
-      </p:grpSpPr>
-      <p:sp>
-        <p:nvSpPr>
-          <p:cNvPr id="2" name="Espace réservé de l'image des diapositives 1"/>
-          <p:cNvSpPr>
-            <a:spLocks noGrp="1" noRot="1" noChangeAspect="1"/>
-          </p:cNvSpPr>
-          <p:nvPr>
-            <p:ph type="sldImg"/>
-          </p:nvPr>
-        </p:nvSpPr>
-        <p:spPr/>
-      </p:sp>
-      <p:sp>
-        <p:nvSpPr>
-          <p:cNvPr id="3" name="Espace réservé des commentaires 2"/>
-          <p:cNvSpPr>
-            <a:spLocks noGrp="1"/>
-          </p:cNvSpPr>
-          <p:nvPr>
-            <p:ph type="body" idx="1"/>
-          </p:nvPr>
-        </p:nvSpPr>
-        <p:spPr/>
-        <p:txBody>
-          <a:bodyPr/>
-          <a:lstStyle/>
-          <a:p>
-            <a:r>
-              <a:rPr lang="en-CA" dirty="0" smtClean="0"/>
-              <a:t>Replace</a:t>
-            </a:r>
-            <a:r>
-              <a:rPr lang="en-CA" baseline="0" dirty="0" smtClean="0"/>
-              <a:t> gem </a:t>
-            </a:r>
-            <a:endParaRPr lang="en-CA" dirty="0"/>
-          </a:p>
-        </p:txBody>
-      </p:sp>
-      <p:sp>
-        <p:nvSpPr>
-          <p:cNvPr id="4" name="Espace réservé du numéro de diapositive 3"/>
-          <p:cNvSpPr>
-            <a:spLocks noGrp="1"/>
-          </p:cNvSpPr>
-          <p:nvPr>
-            <p:ph type="sldNum" sz="quarter" idx="10"/>
-          </p:nvPr>
-        </p:nvSpPr>
-        <p:spPr/>
-        <p:txBody>
-          <a:bodyPr/>
-          <a:lstStyle/>
-          <a:p>
-            <a:fld id="{7407C48C-E2B9-DC4B-A655-BDF08DF81560}" type="slidenum">
-              <a:rPr lang="en-CA" smtClean="0"/>
-              <a:t>52</a:t>
-            </a:fld>
-            <a:endParaRPr lang="en-CA"/>
-          </a:p>
-        </p:txBody>
-      </p:sp>
-    </p:spTree>
-    <p:extLst>
-      <p:ext uri="{BB962C8B-B14F-4D97-AF65-F5344CB8AC3E}">
-        <p14:creationId xmlns:p14="http://schemas.microsoft.com/office/powerpoint/2010/main" val="2144136723"/>
+        <p14:creationId xmlns:p14="http://schemas.microsoft.com/office/powerpoint/2010/main" val="2454161118"/>
       </p:ext>
     </p:extLst>
   </p:cSld>
@@ -1730,178 +1651,6 @@
     <p:extLst>
       <p:ext uri="{BB962C8B-B14F-4D97-AF65-F5344CB8AC3E}">
         <p14:creationId xmlns:p14="http://schemas.microsoft.com/office/powerpoint/2010/main" val="321983407"/>
-      </p:ext>
-    </p:extLst>
-  </p:cSld>
-  <p:clrMapOvr>
-    <a:masterClrMapping/>
-  </p:clrMapOvr>
-</p:notes>
-</file>
-
-<file path=ppt/notesSlides/notesSlide20.xml><?xml version="1.0" encoding="utf-8"?>
-<p:notes xmlns:a="http://schemas.openxmlformats.org/drawingml/2006/main" xmlns:r="http://schemas.openxmlformats.org/officeDocument/2006/relationships" xmlns:p="http://schemas.openxmlformats.org/presentationml/2006/main">
-  <p:cSld>
-    <p:spTree>
-      <p:nvGrpSpPr>
-        <p:cNvPr id="1" name=""/>
-        <p:cNvGrpSpPr/>
-        <p:nvPr/>
-      </p:nvGrpSpPr>
-      <p:grpSpPr>
-        <a:xfrm>
-          <a:off x="0" y="0"/>
-          <a:ext cx="0" cy="0"/>
-          <a:chOff x="0" y="0"/>
-          <a:chExt cx="0" cy="0"/>
-        </a:xfrm>
-      </p:grpSpPr>
-      <p:sp>
-        <p:nvSpPr>
-          <p:cNvPr id="2" name="Espace réservé de l'image des diapositives 1"/>
-          <p:cNvSpPr>
-            <a:spLocks noGrp="1" noRot="1" noChangeAspect="1"/>
-          </p:cNvSpPr>
-          <p:nvPr>
-            <p:ph type="sldImg"/>
-          </p:nvPr>
-        </p:nvSpPr>
-        <p:spPr/>
-      </p:sp>
-      <p:sp>
-        <p:nvSpPr>
-          <p:cNvPr id="3" name="Espace réservé des commentaires 2"/>
-          <p:cNvSpPr>
-            <a:spLocks noGrp="1"/>
-          </p:cNvSpPr>
-          <p:nvPr>
-            <p:ph type="body" idx="1"/>
-          </p:nvPr>
-        </p:nvSpPr>
-        <p:spPr/>
-        <p:txBody>
-          <a:bodyPr/>
-          <a:lstStyle/>
-          <a:p>
-            <a:r>
-              <a:rPr lang="en-CA" dirty="0" smtClean="0"/>
-              <a:t>Keep game center?</a:t>
-            </a:r>
-            <a:endParaRPr lang="en-CA" dirty="0"/>
-          </a:p>
-        </p:txBody>
-      </p:sp>
-      <p:sp>
-        <p:nvSpPr>
-          <p:cNvPr id="4" name="Espace réservé du numéro de diapositive 3"/>
-          <p:cNvSpPr>
-            <a:spLocks noGrp="1"/>
-          </p:cNvSpPr>
-          <p:nvPr>
-            <p:ph type="sldNum" sz="quarter" idx="10"/>
-          </p:nvPr>
-        </p:nvSpPr>
-        <p:spPr/>
-        <p:txBody>
-          <a:bodyPr/>
-          <a:lstStyle/>
-          <a:p>
-            <a:fld id="{7407C48C-E2B9-DC4B-A655-BDF08DF81560}" type="slidenum">
-              <a:rPr lang="en-CA" smtClean="0"/>
-              <a:t>55</a:t>
-            </a:fld>
-            <a:endParaRPr lang="en-CA"/>
-          </a:p>
-        </p:txBody>
-      </p:sp>
-    </p:spTree>
-    <p:extLst>
-      <p:ext uri="{BB962C8B-B14F-4D97-AF65-F5344CB8AC3E}">
-        <p14:creationId xmlns:p14="http://schemas.microsoft.com/office/powerpoint/2010/main" val="70108183"/>
-      </p:ext>
-    </p:extLst>
-  </p:cSld>
-  <p:clrMapOvr>
-    <a:masterClrMapping/>
-  </p:clrMapOvr>
-</p:notes>
-</file>
-
-<file path=ppt/notesSlides/notesSlide21.xml><?xml version="1.0" encoding="utf-8"?>
-<p:notes xmlns:a="http://schemas.openxmlformats.org/drawingml/2006/main" xmlns:r="http://schemas.openxmlformats.org/officeDocument/2006/relationships" xmlns:p="http://schemas.openxmlformats.org/presentationml/2006/main">
-  <p:cSld>
-    <p:spTree>
-      <p:nvGrpSpPr>
-        <p:cNvPr id="1" name=""/>
-        <p:cNvGrpSpPr/>
-        <p:nvPr/>
-      </p:nvGrpSpPr>
-      <p:grpSpPr>
-        <a:xfrm>
-          <a:off x="0" y="0"/>
-          <a:ext cx="0" cy="0"/>
-          <a:chOff x="0" y="0"/>
-          <a:chExt cx="0" cy="0"/>
-        </a:xfrm>
-      </p:grpSpPr>
-      <p:sp>
-        <p:nvSpPr>
-          <p:cNvPr id="2" name="Espace réservé de l'image des diapositives 1"/>
-          <p:cNvSpPr>
-            <a:spLocks noGrp="1" noRot="1" noChangeAspect="1"/>
-          </p:cNvSpPr>
-          <p:nvPr>
-            <p:ph type="sldImg"/>
-          </p:nvPr>
-        </p:nvSpPr>
-        <p:spPr/>
-      </p:sp>
-      <p:sp>
-        <p:nvSpPr>
-          <p:cNvPr id="3" name="Espace réservé des commentaires 2"/>
-          <p:cNvSpPr>
-            <a:spLocks noGrp="1"/>
-          </p:cNvSpPr>
-          <p:nvPr>
-            <p:ph type="body" idx="1"/>
-          </p:nvPr>
-        </p:nvSpPr>
-        <p:spPr/>
-        <p:txBody>
-          <a:bodyPr/>
-          <a:lstStyle/>
-          <a:p>
-            <a:endParaRPr lang="en-CA" dirty="0"/>
-          </a:p>
-        </p:txBody>
-      </p:sp>
-      <p:sp>
-        <p:nvSpPr>
-          <p:cNvPr id="4" name="Espace réservé du numéro de diapositive 3"/>
-          <p:cNvSpPr>
-            <a:spLocks noGrp="1"/>
-          </p:cNvSpPr>
-          <p:nvPr>
-            <p:ph type="sldNum" sz="quarter" idx="10"/>
-          </p:nvPr>
-        </p:nvSpPr>
-        <p:spPr/>
-        <p:txBody>
-          <a:bodyPr/>
-          <a:lstStyle/>
-          <a:p>
-            <a:fld id="{7407C48C-E2B9-DC4B-A655-BDF08DF81560}" type="slidenum">
-              <a:rPr lang="en-CA" smtClean="0"/>
-              <a:t>57</a:t>
-            </a:fld>
-            <a:endParaRPr lang="en-CA"/>
-          </a:p>
-        </p:txBody>
-      </p:sp>
-    </p:spTree>
-    <p:extLst>
-      <p:ext uri="{BB962C8B-B14F-4D97-AF65-F5344CB8AC3E}">
-        <p14:creationId xmlns:p14="http://schemas.microsoft.com/office/powerpoint/2010/main" val="2454161118"/>
       </p:ext>
     </p:extLst>
   </p:cSld>
@@ -2386,10 +2135,6 @@
           <a:bodyPr/>
           <a:lstStyle/>
           <a:p>
-            <a:r>
-              <a:rPr lang="en-CA" dirty="0" smtClean="0"/>
-              <a:t>Not sure keeping jet pack because it causes a lot of bugs</a:t>
-            </a:r>
             <a:endParaRPr lang="en-CA" dirty="0"/>
           </a:p>
         </p:txBody>
@@ -2411,7 +2156,7 @@
           <a:p>
             <a:fld id="{7407C48C-E2B9-DC4B-A655-BDF08DF81560}" type="slidenum">
               <a:rPr lang="en-CA" smtClean="0"/>
-              <a:t>37</a:t>
+              <a:t>42</a:t>
             </a:fld>
             <a:endParaRPr lang="en-CA"/>
           </a:p>
@@ -2420,7 +2165,7 @@
     </p:spTree>
     <p:extLst>
       <p:ext uri="{BB962C8B-B14F-4D97-AF65-F5344CB8AC3E}">
-        <p14:creationId xmlns:p14="http://schemas.microsoft.com/office/powerpoint/2010/main" val="105261552"/>
+        <p14:creationId xmlns:p14="http://schemas.microsoft.com/office/powerpoint/2010/main" val="2060241734"/>
       </p:ext>
     </p:extLst>
   </p:cSld>
@@ -2474,38 +2219,6 @@
           <a:bodyPr/>
           <a:lstStyle/>
           <a:p>
-            <a:r>
-              <a:rPr lang="en-CA" dirty="0" err="1" smtClean="0"/>
-              <a:t>Headhunter</a:t>
-            </a:r>
-            <a:r>
-              <a:rPr lang="en-CA" dirty="0" smtClean="0"/>
-              <a:t> red crosshair on ground, 0.5</a:t>
-            </a:r>
-            <a:r>
-              <a:rPr lang="en-CA" baseline="0" dirty="0" smtClean="0"/>
-              <a:t> sec to counter with cloak or EMP, always targets 1</a:t>
-            </a:r>
-            <a:r>
-              <a:rPr lang="en-CA" baseline="30000" dirty="0" smtClean="0"/>
-              <a:t>st</a:t>
-            </a:r>
-            <a:r>
-              <a:rPr lang="en-CA" baseline="0" dirty="0" smtClean="0"/>
-              <a:t> person, always works.</a:t>
-            </a:r>
-          </a:p>
-          <a:p>
-            <a:r>
-              <a:rPr lang="en-CA" dirty="0" smtClean="0"/>
-              <a:t>Hell storm large scale meteor</a:t>
-            </a:r>
-            <a:r>
-              <a:rPr lang="en-CA" baseline="0" dirty="0" smtClean="0"/>
-              <a:t> strike Legendary 10 second 10 mana</a:t>
-            </a:r>
-          </a:p>
-          <a:p>
             <a:endParaRPr lang="en-CA" dirty="0"/>
           </a:p>
         </p:txBody>
@@ -2527,7 +2240,7 @@
           <a:p>
             <a:fld id="{7407C48C-E2B9-DC4B-A655-BDF08DF81560}" type="slidenum">
               <a:rPr lang="en-CA" smtClean="0"/>
-              <a:t>38</a:t>
+              <a:t>44</a:t>
             </a:fld>
             <a:endParaRPr lang="en-CA"/>
           </a:p>
@@ -2536,7 +2249,7 @@
     </p:spTree>
     <p:extLst>
       <p:ext uri="{BB962C8B-B14F-4D97-AF65-F5344CB8AC3E}">
-        <p14:creationId xmlns:p14="http://schemas.microsoft.com/office/powerpoint/2010/main" val="1040159230"/>
+        <p14:creationId xmlns:p14="http://schemas.microsoft.com/office/powerpoint/2010/main" val="3388632145"/>
       </p:ext>
     </p:extLst>
   </p:cSld>
@@ -2814,7 +2527,7 @@
           <a:p>
             <a:fld id="{7839A6EA-F7B1-0B44-BC35-AD132267A4DC}" type="datetime1">
               <a:rPr lang="fr-CA" smtClean="0"/>
-              <a:t>17-08-05</a:t>
+              <a:t>17-08-28</a:t>
             </a:fld>
             <a:endParaRPr lang="en-US" dirty="0"/>
           </a:p>
@@ -3147,7 +2860,7 @@
           <a:p>
             <a:fld id="{BF3955A8-2797-EA4A-9E2A-2F8CFD12BF6E}" type="datetime1">
               <a:rPr lang="fr-CA" smtClean="0"/>
-              <a:t>17-08-05</a:t>
+              <a:t>17-08-28</a:t>
             </a:fld>
             <a:endParaRPr lang="en-CA"/>
           </a:p>
@@ -3573,7 +3286,7 @@
           <a:p>
             <a:fld id="{2623DA68-7C09-344D-94FD-BCCBFF8A9C92}" type="datetime1">
               <a:rPr lang="fr-CA" smtClean="0"/>
-              <a:t>17-08-05</a:t>
+              <a:t>17-08-28</a:t>
             </a:fld>
             <a:endParaRPr lang="en-CA"/>
           </a:p>
@@ -3994,7 +3707,7 @@
           <a:p>
             <a:fld id="{C96802C1-E6A5-A943-B158-E2ED5B1D1748}" type="datetime1">
               <a:rPr lang="fr-CA" smtClean="0"/>
-              <a:t>17-08-05</a:t>
+              <a:t>17-08-28</a:t>
             </a:fld>
             <a:endParaRPr lang="en-CA"/>
           </a:p>
@@ -4131,7 +3844,7 @@
           <a:p>
             <a:fld id="{771726DE-45DE-4B43-ACEE-C75C9862EB06}" type="datetime1">
               <a:rPr lang="fr-CA" smtClean="0"/>
-              <a:t>17-08-05</a:t>
+              <a:t>17-08-28</a:t>
             </a:fld>
             <a:endParaRPr lang="en-CA"/>
           </a:p>
@@ -4457,7 +4170,7 @@
           <a:p>
             <a:fld id="{5658D407-638E-3641-B9A7-D19475F928FE}" type="datetime1">
               <a:rPr lang="fr-CA" smtClean="0"/>
-              <a:t>17-08-05</a:t>
+              <a:t>17-08-28</a:t>
             </a:fld>
             <a:endParaRPr lang="en-CA"/>
           </a:p>
@@ -4705,7 +4418,7 @@
           <a:p>
             <a:fld id="{BB923671-466F-9240-AE09-4C886CE207AA}" type="datetime1">
               <a:rPr lang="fr-CA" smtClean="0"/>
-              <a:t>17-08-05</a:t>
+              <a:t>17-08-28</a:t>
             </a:fld>
             <a:endParaRPr lang="en-CA"/>
           </a:p>
@@ -5047,7 +4760,7 @@
           <a:p>
             <a:fld id="{677FF192-833E-5349-A041-ABA1A9340DDE}" type="datetime1">
               <a:rPr lang="fr-CA" smtClean="0"/>
-              <a:t>17-08-05</a:t>
+              <a:t>17-08-28</a:t>
             </a:fld>
             <a:endParaRPr lang="en-CA"/>
           </a:p>
@@ -5351,7 +5064,7 @@
           <a:p>
             <a:fld id="{09C4B9B5-7EFC-9244-9761-B7BDBB0AA012}" type="datetime1">
               <a:rPr lang="fr-CA" smtClean="0"/>
-              <a:t>17-08-05</a:t>
+              <a:t>17-08-28</a:t>
             </a:fld>
             <a:endParaRPr lang="en-CA"/>
           </a:p>
@@ -5762,7 +5475,7 @@
           <a:p>
             <a:fld id="{F801F428-AE77-E045-9480-3FE3AAF71E65}" type="datetime1">
               <a:rPr lang="fr-CA" smtClean="0"/>
-              <a:t>17-08-05</a:t>
+              <a:t>17-08-28</a:t>
             </a:fld>
             <a:endParaRPr lang="en-CA"/>
           </a:p>
@@ -5988,7 +5701,7 @@
           <a:p>
             <a:fld id="{ADAA07CA-59E0-A243-97BC-43C9F51FD9FF}" type="datetime1">
               <a:rPr lang="fr-CA" smtClean="0"/>
-              <a:t>17-08-05</a:t>
+              <a:t>17-08-28</a:t>
             </a:fld>
             <a:endParaRPr lang="en-CA"/>
           </a:p>
@@ -6209,7 +5922,7 @@
           <a:p>
             <a:fld id="{826A6692-799A-0F4B-A22C-2D282DEB7CD5}" type="datetime1">
               <a:rPr lang="fr-CA" smtClean="0"/>
-              <a:t>17-08-05</a:t>
+              <a:t>17-08-28</a:t>
             </a:fld>
             <a:endParaRPr lang="en-CA"/>
           </a:p>
@@ -6518,7 +6231,7 @@
           <a:p>
             <a:fld id="{DBB7E5EE-521F-EC4A-A5C3-A2A1536DAA8C}" type="datetime1">
               <a:rPr lang="fr-CA" smtClean="0"/>
-              <a:t>17-08-05</a:t>
+              <a:t>17-08-28</a:t>
             </a:fld>
             <a:endParaRPr lang="en-CA"/>
           </a:p>
@@ -6849,7 +6562,7 @@
           <a:p>
             <a:fld id="{3E6BCE1D-B433-BC48-8038-626206E41CB0}" type="datetime1">
               <a:rPr lang="fr-CA" smtClean="0"/>
-              <a:t>17-08-05</a:t>
+              <a:t>17-08-28</a:t>
             </a:fld>
             <a:endParaRPr lang="en-CA"/>
           </a:p>
@@ -7188,7 +6901,7 @@
           <a:p>
             <a:fld id="{4B73CBE7-00BA-814D-A6E3-B3D5A65032CA}" type="datetime1">
               <a:rPr lang="fr-CA" smtClean="0"/>
-              <a:t>17-08-05</a:t>
+              <a:t>17-08-28</a:t>
             </a:fld>
             <a:endParaRPr lang="en-US"/>
           </a:p>
@@ -7815,7 +7528,7 @@
           <a:p>
             <a:fld id="{1DC03657-A2BB-3242-BF25-3D72B79B6372}" type="datetime1">
               <a:rPr lang="fr-CA" smtClean="0"/>
-              <a:t>17-08-05</a:t>
+              <a:t>17-08-28</a:t>
             </a:fld>
             <a:endParaRPr lang="en-CA"/>
           </a:p>
@@ -8306,7 +8019,7 @@
           <a:p>
             <a:fld id="{A36AC3A7-7839-B545-A9B3-950A645AC025}" type="datetime1">
               <a:rPr lang="fr-CA" smtClean="0"/>
-              <a:t>17-08-05</a:t>
+              <a:t>17-08-28</a:t>
             </a:fld>
             <a:endParaRPr lang="en-CA"/>
           </a:p>
@@ -8558,7 +8271,7 @@
           <a:p>
             <a:fld id="{FB43067C-42C1-1C43-B902-066143DC70F1}" type="datetime1">
               <a:rPr lang="fr-CA" smtClean="0"/>
-              <a:t>17-08-05</a:t>
+              <a:t>17-08-28</a:t>
             </a:fld>
             <a:endParaRPr lang="en-CA"/>
           </a:p>
@@ -8858,7 +8571,7 @@
           <a:p>
             <a:fld id="{E0F2C6FF-FE77-EB42-A8D7-C92EEE9F8CA5}" type="datetime1">
               <a:rPr lang="fr-CA" smtClean="0"/>
-              <a:t>17-08-05</a:t>
+              <a:t>17-08-28</a:t>
             </a:fld>
             <a:endParaRPr lang="en-CA"/>
           </a:p>
@@ -9396,7 +9109,7 @@
                   <a:schemeClr val="bg2"/>
                 </a:solidFill>
               </a:rPr>
-              <a:t>V1.5</a:t>
+              <a:t>V1.6</a:t>
             </a:r>
             <a:endParaRPr lang="en-CA" sz="1200" i="1" dirty="0">
               <a:solidFill>
@@ -9581,13 +9294,21 @@
         <p:spPr/>
         <p:txBody>
           <a:bodyPr>
-            <a:normAutofit fontScale="92500" lnSpcReduction="20000"/>
+            <a:normAutofit fontScale="92500"/>
           </a:bodyPr>
           <a:lstStyle/>
           <a:p>
             <a:r>
               <a:rPr lang="en-CA" dirty="0"/>
-              <a:t>The game does not take itself too seriously. </a:t>
+              <a:t>The game </a:t>
+            </a:r>
+            <a:r>
+              <a:rPr lang="en-CA" dirty="0" smtClean="0"/>
+              <a:t>doesn’t </a:t>
+            </a:r>
+            <a:r>
+              <a:rPr lang="en-CA" dirty="0"/>
+              <a:t>take itself too seriously. </a:t>
             </a:r>
             <a:r>
               <a:rPr lang="en-CA" dirty="0" smtClean="0"/>
@@ -9601,21 +9322,16 @@
               <a:rPr lang="en-CA" dirty="0" smtClean="0"/>
               <a:t>charm</a:t>
             </a:r>
-          </a:p>
-          <a:p>
+            <a:endParaRPr lang="en-CA" dirty="0" smtClean="0"/>
+          </a:p>
+          <a:p>
+            <a:r>
+              <a:rPr lang="en-CA" dirty="0" smtClean="0"/>
+              <a:t>Everything </a:t>
+            </a:r>
             <a:r>
               <a:rPr lang="en-CA" dirty="0"/>
-              <a:t>Mix of Overwatch and Fortnite in terms of </a:t>
-            </a:r>
-            <a:r>
-              <a:rPr lang="en-CA" dirty="0" smtClean="0"/>
-              <a:t>visuals</a:t>
-            </a:r>
-          </a:p>
-          <a:p>
-            <a:r>
-              <a:rPr lang="en-CA" dirty="0"/>
-              <a:t>Everything a bit bigger and chunkier than in </a:t>
+              <a:t>a bit bigger and chunkier than in </a:t>
             </a:r>
             <a:r>
               <a:rPr lang="en-CA" dirty="0" smtClean="0"/>
@@ -9657,7 +9373,7 @@
             <a:pPr lvl="1"/>
             <a:r>
               <a:rPr lang="en-CA" dirty="0" smtClean="0"/>
-              <a:t>an omni-tool</a:t>
+              <a:t>An arm-computer called an omni-tool</a:t>
             </a:r>
           </a:p>
           <a:p>
@@ -11753,11 +11469,11 @@
             </a:r>
             <a:r>
               <a:rPr lang="en-CA" sz="1800" dirty="0"/>
-              <a:t>expressive (think Wall-E</a:t>
+              <a:t>expressive (think Wall-</a:t>
             </a:r>
             <a:r>
               <a:rPr lang="en-CA" sz="1800" dirty="0" smtClean="0"/>
-              <a:t>) hovering robot </a:t>
+              <a:t>E or Snowball from Overwatch) hovering robot </a:t>
             </a:r>
             <a:r>
               <a:rPr lang="en-CA" sz="1800" dirty="0"/>
@@ -12334,14 +12050,14 @@
           <p:nvPr>
             <p:extLst>
               <p:ext uri="{D42A27DB-BD31-4B8C-83A1-F6EECF244321}">
-                <p14:modId xmlns:p14="http://schemas.microsoft.com/office/powerpoint/2010/main" val="437058715"/>
+                <p14:modId xmlns:p14="http://schemas.microsoft.com/office/powerpoint/2010/main" val="2225102190"/>
               </p:ext>
             </p:extLst>
           </p:nvPr>
         </p:nvGraphicFramePr>
         <p:xfrm>
           <a:off x="543231" y="2006303"/>
-          <a:ext cx="7838770" cy="3845560"/>
+          <a:ext cx="7838770" cy="3662680"/>
         </p:xfrm>
         <a:graphic>
           <a:graphicData uri="http://schemas.openxmlformats.org/drawingml/2006/table">
@@ -12612,7 +12328,7 @@
                       </a:r>
                       <a:r>
                         <a:rPr lang="en-CA" sz="1200" baseline="0" dirty="0" smtClean="0"/>
-                        <a:t>all players in the vicinity and makes players further away stumble</a:t>
+                        <a:t>all players in the vicinity and makes players further away stumble and lose health</a:t>
                       </a:r>
                       <a:endParaRPr lang="en-CA" sz="1200" dirty="0"/>
                     </a:p>
@@ -12700,7 +12416,7 @@
                     <a:p>
                       <a:r>
                         <a:rPr lang="en-CA" sz="1200" dirty="0" smtClean="0"/>
-                        <a:t>Create a sentry that follows you and protects you by shooting at nearby targets</a:t>
+                        <a:t>Creates a sentry that follows you and protects you by shooting at nearby targets</a:t>
                       </a:r>
                       <a:endParaRPr lang="en-CA" sz="1200" dirty="0"/>
                     </a:p>
@@ -12884,7 +12600,7 @@
                       </a:r>
                       <a:r>
                         <a:rPr lang="en-CA" sz="1200" baseline="0" dirty="0" smtClean="0"/>
-                        <a:t> opponent(s)</a:t>
+                        <a:t> opponent who is the most in the lead as long as he/she is in range</a:t>
                       </a:r>
                       <a:endParaRPr lang="en-CA" sz="1200" dirty="0"/>
                     </a:p>
@@ -12944,7 +12660,7 @@
                     <a:p>
                       <a:r>
                         <a:rPr lang="en-CA" sz="1200" dirty="0" smtClean="0"/>
-                        <a:t>Jack-of-all-trades ex-convict</a:t>
+                        <a:t>Stealthy ex-convict</a:t>
                       </a:r>
                       <a:endParaRPr lang="en-CA" sz="1200" dirty="0"/>
                     </a:p>
@@ -13069,7 +12785,7 @@
           <a:p>
             <a:r>
               <a:rPr lang="en-CA" dirty="0" smtClean="0"/>
-              <a:t>You part of a clan and live in a hangout</a:t>
+              <a:t>Your part of a clan and live in a hangout</a:t>
             </a:r>
           </a:p>
           <a:p>
@@ -13080,8 +12796,12 @@
           </a:p>
           <a:p>
             <a:r>
+              <a:rPr lang="en-CA" dirty="0" smtClean="0"/>
+              <a:t>You </a:t>
+            </a:r>
+            <a:r>
               <a:rPr lang="en-CA" dirty="0"/>
-              <a:t>You race to get to the loot </a:t>
+              <a:t>race to get to the loot </a:t>
             </a:r>
             <a:r>
               <a:rPr lang="en-CA" dirty="0" smtClean="0"/>
@@ -13813,7 +13533,7 @@
           <a:p>
             <a:r>
               <a:rPr lang="en-CA" dirty="0" smtClean="0"/>
-              <a:t>Cards at launch</a:t>
+              <a:t>Cards – Emergency Power</a:t>
             </a:r>
             <a:endParaRPr lang="en-CA" dirty="0"/>
           </a:p>
@@ -13836,25 +13556,33 @@
           <a:p>
             <a:r>
               <a:rPr lang="en-CA" dirty="0" smtClean="0"/>
-              <a:t>26 cards will be available at launch. More will be added later</a:t>
-            </a:r>
-          </a:p>
-          <a:p>
-            <a:r>
-              <a:rPr lang="en-CA" dirty="0" smtClean="0"/>
-              <a:t>6 of these are Hero cards</a:t>
-            </a:r>
-          </a:p>
-          <a:p>
-            <a:r>
-              <a:rPr lang="en-CA" dirty="0" smtClean="0"/>
-              <a:t>8 cards are immediately unlocked as part of the tutorial</a:t>
-            </a:r>
-          </a:p>
-          <a:p>
-            <a:r>
-              <a:rPr lang="en-CA" dirty="0" smtClean="0"/>
-              <a:t>3 cards get unlocked every time the player hits a milestone in terms of clan size</a:t>
+              <a:t>If a player is losing significantly, Emergency Power kicks in automatically</a:t>
+            </a:r>
+          </a:p>
+          <a:p>
+            <a:r>
+              <a:rPr lang="en-CA" dirty="0" smtClean="0"/>
+              <a:t>For a minimum of X seconds, your power bar will recharge twice as fast. This allows the player to play </a:t>
+            </a:r>
+            <a:r>
+              <a:rPr lang="en-CA" i="1" dirty="0" smtClean="0">
+                <a:solidFill>
+                  <a:schemeClr val="accent4"/>
+                </a:solidFill>
+              </a:rPr>
+              <a:t>more</a:t>
+            </a:r>
+            <a:r>
+              <a:rPr lang="en-CA" dirty="0" smtClean="0">
+                <a:solidFill>
+                  <a:schemeClr val="accent4"/>
+                </a:solidFill>
+              </a:rPr>
+              <a:t> </a:t>
+            </a:r>
+            <a:r>
+              <a:rPr lang="en-CA" dirty="0" smtClean="0"/>
+              <a:t>cards an hopefully catch-up or even take the lead</a:t>
             </a:r>
           </a:p>
         </p:txBody>
@@ -13885,7 +13613,7 @@
     </p:spTree>
     <p:extLst>
       <p:ext uri="{BB962C8B-B14F-4D97-AF65-F5344CB8AC3E}">
-        <p14:creationId xmlns:p14="http://schemas.microsoft.com/office/powerpoint/2010/main" val="1852386010"/>
+        <p14:creationId xmlns:p14="http://schemas.microsoft.com/office/powerpoint/2010/main" val="501447845"/>
       </p:ext>
     </p:extLst>
   </p:cSld>
@@ -13936,9 +13664,49 @@
           <a:p>
             <a:r>
               <a:rPr lang="en-CA" dirty="0" smtClean="0"/>
-              <a:t>Cards</a:t>
+              <a:t>Cards at launch</a:t>
             </a:r>
             <a:endParaRPr lang="en-CA" dirty="0"/>
+          </a:p>
+        </p:txBody>
+      </p:sp>
+      <p:sp>
+        <p:nvSpPr>
+          <p:cNvPr id="3" name="Espace réservé du contenu 2"/>
+          <p:cNvSpPr>
+            <a:spLocks noGrp="1"/>
+          </p:cNvSpPr>
+          <p:nvPr>
+            <p:ph idx="1"/>
+          </p:nvPr>
+        </p:nvSpPr>
+        <p:spPr/>
+        <p:txBody>
+          <a:bodyPr/>
+          <a:lstStyle/>
+          <a:p>
+            <a:r>
+              <a:rPr lang="en-CA" dirty="0" smtClean="0"/>
+              <a:t>26 cards will be available at launch. More will be added later</a:t>
+            </a:r>
+          </a:p>
+          <a:p>
+            <a:r>
+              <a:rPr lang="en-CA" dirty="0" smtClean="0"/>
+              <a:t>6 of these are Hero cards</a:t>
+            </a:r>
+          </a:p>
+          <a:p>
+            <a:r>
+              <a:rPr lang="en-CA" dirty="0" smtClean="0"/>
+              <a:t>8 cards are immediately unlocked as part of the tutorial</a:t>
+            </a:r>
+          </a:p>
+          <a:p>
+            <a:r>
+              <a:rPr lang="en-CA" dirty="0" smtClean="0"/>
+              <a:t>3-4 cards get unlocked every time the player hits a milestone in terms of clan size</a:t>
+            </a:r>
           </a:p>
         </p:txBody>
       </p:sp>
@@ -13965,839 +13733,10 @@
           </a:p>
         </p:txBody>
       </p:sp>
-      <p:graphicFrame>
-        <p:nvGraphicFramePr>
-          <p:cNvPr id="6" name="Espace réservé du contenu 5"/>
-          <p:cNvGraphicFramePr>
-            <a:graphicFrameLocks noGrp="1"/>
-          </p:cNvGraphicFramePr>
-          <p:nvPr>
-            <p:ph idx="1"/>
-            <p:extLst>
-              <p:ext uri="{D42A27DB-BD31-4B8C-83A1-F6EECF244321}">
-                <p14:modId xmlns:p14="http://schemas.microsoft.com/office/powerpoint/2010/main" val="2421661665"/>
-              </p:ext>
-            </p:extLst>
-          </p:nvPr>
-        </p:nvGraphicFramePr>
-        <p:xfrm>
-          <a:off x="774700" y="2197100"/>
-          <a:ext cx="5403850" cy="3337560"/>
-        </p:xfrm>
-        <a:graphic>
-          <a:graphicData uri="http://schemas.openxmlformats.org/drawingml/2006/table">
-            <a:tbl>
-              <a:tblPr firstRow="1" bandRow="1">
-                <a:tableStyleId>{5C22544A-7EE6-4342-B048-85BDC9FD1C3A}</a:tableStyleId>
-              </a:tblPr>
-              <a:tblGrid>
-                <a:gridCol w="393701"/>
-                <a:gridCol w="1430814"/>
-                <a:gridCol w="1163298"/>
-                <a:gridCol w="1139918"/>
-                <a:gridCol w="1276119"/>
-              </a:tblGrid>
-              <a:tr h="370840">
-                <a:tc>
-                  <a:txBody>
-                    <a:bodyPr/>
-                    <a:lstStyle/>
-                    <a:p>
-                      <a:pPr algn="ctr"/>
-                      <a:r>
-                        <a:rPr lang="en-CA" sz="1400" dirty="0" smtClean="0"/>
-                        <a:t>#</a:t>
-                      </a:r>
-                      <a:endParaRPr lang="en-CA" sz="1400" dirty="0"/>
-                    </a:p>
-                  </a:txBody>
-                  <a:tcPr/>
-                </a:tc>
-                <a:tc>
-                  <a:txBody>
-                    <a:bodyPr/>
-                    <a:lstStyle/>
-                    <a:p>
-                      <a:r>
-                        <a:rPr lang="en-CA" sz="1400" dirty="0" smtClean="0"/>
-                        <a:t>Card Name</a:t>
-                      </a:r>
-                      <a:endParaRPr lang="en-CA" sz="1400" dirty="0"/>
-                    </a:p>
-                  </a:txBody>
-                  <a:tcPr/>
-                </a:tc>
-                <a:tc>
-                  <a:txBody>
-                    <a:bodyPr/>
-                    <a:lstStyle/>
-                    <a:p>
-                      <a:r>
-                        <a:rPr lang="en-CA" sz="1400" dirty="0" smtClean="0"/>
-                        <a:t>Rarity</a:t>
-                      </a:r>
-                      <a:endParaRPr lang="en-CA" sz="1400" dirty="0"/>
-                    </a:p>
-                  </a:txBody>
-                  <a:tcPr/>
-                </a:tc>
-                <a:tc>
-                  <a:txBody>
-                    <a:bodyPr/>
-                    <a:lstStyle/>
-                    <a:p>
-                      <a:r>
-                        <a:rPr lang="en-CA" sz="1400" dirty="0" smtClean="0"/>
-                        <a:t>Power Cost</a:t>
-                      </a:r>
-                      <a:endParaRPr lang="en-CA" sz="1400" dirty="0"/>
-                    </a:p>
-                  </a:txBody>
-                  <a:tcPr/>
-                </a:tc>
-                <a:tc>
-                  <a:txBody>
-                    <a:bodyPr/>
-                    <a:lstStyle/>
-                    <a:p>
-                      <a:r>
-                        <a:rPr lang="en-CA" sz="1400" dirty="0" smtClean="0"/>
-                        <a:t>Unlock Level</a:t>
-                      </a:r>
-                      <a:endParaRPr lang="en-CA" sz="1400" dirty="0"/>
-                    </a:p>
-                  </a:txBody>
-                  <a:tcPr/>
-                </a:tc>
-              </a:tr>
-              <a:tr h="370840">
-                <a:tc>
-                  <a:txBody>
-                    <a:bodyPr/>
-                    <a:lstStyle/>
-                    <a:p>
-                      <a:pPr algn="ctr"/>
-                      <a:r>
-                        <a:rPr lang="en-CA" sz="1400" dirty="0" smtClean="0">
-                          <a:solidFill>
-                            <a:schemeClr val="accent4"/>
-                          </a:solidFill>
-                        </a:rPr>
-                        <a:t>1</a:t>
-                      </a:r>
-                      <a:endParaRPr lang="en-CA" sz="1400" dirty="0">
-                        <a:solidFill>
-                          <a:schemeClr val="accent4"/>
-                        </a:solidFill>
-                      </a:endParaRPr>
-                    </a:p>
-                  </a:txBody>
-                  <a:tcPr/>
-                </a:tc>
-                <a:tc>
-                  <a:txBody>
-                    <a:bodyPr/>
-                    <a:lstStyle/>
-                    <a:p>
-                      <a:r>
-                        <a:rPr lang="en-CA" sz="1400" dirty="0" smtClean="0">
-                          <a:solidFill>
-                            <a:schemeClr val="accent4"/>
-                          </a:solidFill>
-                        </a:rPr>
-                        <a:t>Lightning</a:t>
-                      </a:r>
-                      <a:endParaRPr lang="en-CA" sz="1400" dirty="0">
-                        <a:solidFill>
-                          <a:schemeClr val="accent4"/>
-                        </a:solidFill>
-                      </a:endParaRPr>
-                    </a:p>
-                  </a:txBody>
-                  <a:tcPr/>
-                </a:tc>
-                <a:tc>
-                  <a:txBody>
-                    <a:bodyPr/>
-                    <a:lstStyle/>
-                    <a:p>
-                      <a:r>
-                        <a:rPr lang="en-CA" sz="1400" dirty="0" smtClean="0"/>
-                        <a:t>Epic</a:t>
-                      </a:r>
-                      <a:endParaRPr lang="en-CA" sz="1400" dirty="0"/>
-                    </a:p>
-                  </a:txBody>
-                  <a:tcPr/>
-                </a:tc>
-                <a:tc>
-                  <a:txBody>
-                    <a:bodyPr/>
-                    <a:lstStyle/>
-                    <a:p>
-                      <a:r>
-                        <a:rPr lang="en-CA" sz="1400" dirty="0" smtClean="0"/>
-                        <a:t>5</a:t>
-                      </a:r>
-                      <a:endParaRPr lang="en-CA" sz="1400" dirty="0"/>
-                    </a:p>
-                  </a:txBody>
-                  <a:tcPr/>
-                </a:tc>
-                <a:tc>
-                  <a:txBody>
-                    <a:bodyPr/>
-                    <a:lstStyle/>
-                    <a:p>
-                      <a:r>
-                        <a:rPr lang="en-CA" sz="1400" dirty="0" smtClean="0"/>
-                        <a:t>0</a:t>
-                      </a:r>
-                      <a:endParaRPr lang="en-CA" sz="1400" dirty="0"/>
-                    </a:p>
-                  </a:txBody>
-                  <a:tcPr/>
-                </a:tc>
-              </a:tr>
-              <a:tr h="370840">
-                <a:tc>
-                  <a:txBody>
-                    <a:bodyPr/>
-                    <a:lstStyle/>
-                    <a:p>
-                      <a:pPr algn="ctr"/>
-                      <a:r>
-                        <a:rPr lang="en-CA" sz="1400" dirty="0" smtClean="0">
-                          <a:solidFill>
-                            <a:srgbClr val="000000"/>
-                          </a:solidFill>
-                        </a:rPr>
-                        <a:t>2</a:t>
-                      </a:r>
-                      <a:endParaRPr lang="en-CA" sz="1400" dirty="0">
-                        <a:solidFill>
-                          <a:srgbClr val="000000"/>
-                        </a:solidFill>
-                      </a:endParaRPr>
-                    </a:p>
-                  </a:txBody>
-                  <a:tcPr/>
-                </a:tc>
-                <a:tc>
-                  <a:txBody>
-                    <a:bodyPr/>
-                    <a:lstStyle/>
-                    <a:p>
-                      <a:r>
-                        <a:rPr lang="en-CA" sz="1400" dirty="0" smtClean="0">
-                          <a:solidFill>
-                            <a:srgbClr val="000000"/>
-                          </a:solidFill>
-                        </a:rPr>
-                        <a:t>Fire wall</a:t>
-                      </a:r>
-                      <a:endParaRPr lang="en-CA" sz="1400" dirty="0">
-                        <a:solidFill>
-                          <a:srgbClr val="000000"/>
-                        </a:solidFill>
-                      </a:endParaRPr>
-                    </a:p>
-                  </a:txBody>
-                  <a:tcPr/>
-                </a:tc>
-                <a:tc>
-                  <a:txBody>
-                    <a:bodyPr/>
-                    <a:lstStyle/>
-                    <a:p>
-                      <a:r>
-                        <a:rPr lang="en-CA" sz="1400" dirty="0" smtClean="0"/>
-                        <a:t>Rare</a:t>
-                      </a:r>
-                      <a:endParaRPr lang="en-CA" sz="1400" dirty="0"/>
-                    </a:p>
-                  </a:txBody>
-                  <a:tcPr/>
-                </a:tc>
-                <a:tc>
-                  <a:txBody>
-                    <a:bodyPr/>
-                    <a:lstStyle/>
-                    <a:p>
-                      <a:r>
-                        <a:rPr lang="en-CA" sz="1400" dirty="0" smtClean="0"/>
-                        <a:t>3</a:t>
-                      </a:r>
-                      <a:endParaRPr lang="en-CA" sz="1400" dirty="0"/>
-                    </a:p>
-                  </a:txBody>
-                  <a:tcPr/>
-                </a:tc>
-                <a:tc>
-                  <a:txBody>
-                    <a:bodyPr/>
-                    <a:lstStyle/>
-                    <a:p>
-                      <a:r>
-                        <a:rPr lang="en-CA" sz="1400" dirty="0" smtClean="0"/>
-                        <a:t>0</a:t>
-                      </a:r>
-                      <a:endParaRPr lang="en-CA" sz="1400" dirty="0"/>
-                    </a:p>
-                  </a:txBody>
-                  <a:tcPr/>
-                </a:tc>
-              </a:tr>
-              <a:tr h="370840">
-                <a:tc>
-                  <a:txBody>
-                    <a:bodyPr/>
-                    <a:lstStyle/>
-                    <a:p>
-                      <a:pPr algn="ctr"/>
-                      <a:r>
-                        <a:rPr lang="en-CA" sz="1400" dirty="0" smtClean="0">
-                          <a:solidFill>
-                            <a:srgbClr val="000000"/>
-                          </a:solidFill>
-                        </a:rPr>
-                        <a:t>3</a:t>
-                      </a:r>
-                      <a:endParaRPr lang="en-CA" sz="1400" dirty="0">
-                        <a:solidFill>
-                          <a:srgbClr val="000000"/>
-                        </a:solidFill>
-                      </a:endParaRPr>
-                    </a:p>
-                  </a:txBody>
-                  <a:tcPr/>
-                </a:tc>
-                <a:tc>
-                  <a:txBody>
-                    <a:bodyPr/>
-                    <a:lstStyle/>
-                    <a:p>
-                      <a:r>
-                        <a:rPr lang="en-CA" sz="1400" dirty="0" smtClean="0">
-                          <a:solidFill>
-                            <a:srgbClr val="000000"/>
-                          </a:solidFill>
-                        </a:rPr>
-                        <a:t>Sprint</a:t>
-                      </a:r>
-                      <a:endParaRPr lang="en-CA" sz="1400" dirty="0">
-                        <a:solidFill>
-                          <a:srgbClr val="000000"/>
-                        </a:solidFill>
-                      </a:endParaRPr>
-                    </a:p>
-                  </a:txBody>
-                  <a:tcPr/>
-                </a:tc>
-                <a:tc>
-                  <a:txBody>
-                    <a:bodyPr/>
-                    <a:lstStyle/>
-                    <a:p>
-                      <a:r>
-                        <a:rPr lang="en-CA" sz="1400" dirty="0" smtClean="0"/>
-                        <a:t>Common</a:t>
-                      </a:r>
-                      <a:endParaRPr lang="en-CA" sz="1400" dirty="0"/>
-                    </a:p>
-                  </a:txBody>
-                  <a:tcPr/>
-                </a:tc>
-                <a:tc>
-                  <a:txBody>
-                    <a:bodyPr/>
-                    <a:lstStyle/>
-                    <a:p>
-                      <a:r>
-                        <a:rPr lang="en-CA" sz="1400" dirty="0" smtClean="0"/>
-                        <a:t>2</a:t>
-                      </a:r>
-                      <a:endParaRPr lang="en-CA" sz="1400" dirty="0"/>
-                    </a:p>
-                  </a:txBody>
-                  <a:tcPr/>
-                </a:tc>
-                <a:tc>
-                  <a:txBody>
-                    <a:bodyPr/>
-                    <a:lstStyle/>
-                    <a:p>
-                      <a:r>
-                        <a:rPr lang="en-CA" sz="1400" dirty="0" smtClean="0"/>
-                        <a:t>0</a:t>
-                      </a:r>
-                      <a:endParaRPr lang="en-CA" sz="1400" dirty="0"/>
-                    </a:p>
-                  </a:txBody>
-                  <a:tcPr/>
-                </a:tc>
-              </a:tr>
-              <a:tr h="370840">
-                <a:tc>
-                  <a:txBody>
-                    <a:bodyPr/>
-                    <a:lstStyle/>
-                    <a:p>
-                      <a:pPr algn="ctr"/>
-                      <a:r>
-                        <a:rPr lang="en-CA" sz="1400" dirty="0" smtClean="0">
-                          <a:solidFill>
-                            <a:srgbClr val="000000"/>
-                          </a:solidFill>
-                        </a:rPr>
-                        <a:t>4</a:t>
-                      </a:r>
-                      <a:endParaRPr lang="en-CA" sz="1400" dirty="0">
-                        <a:solidFill>
-                          <a:srgbClr val="000000"/>
-                        </a:solidFill>
-                      </a:endParaRPr>
-                    </a:p>
-                  </a:txBody>
-                  <a:tcPr/>
-                </a:tc>
-                <a:tc>
-                  <a:txBody>
-                    <a:bodyPr/>
-                    <a:lstStyle/>
-                    <a:p>
-                      <a:r>
-                        <a:rPr lang="en-CA" sz="1400" dirty="0" smtClean="0">
-                          <a:solidFill>
-                            <a:srgbClr val="000000"/>
-                          </a:solidFill>
-                        </a:rPr>
-                        <a:t>Raging Bull</a:t>
-                      </a:r>
-                      <a:endParaRPr lang="en-CA" sz="1400" dirty="0">
-                        <a:solidFill>
-                          <a:srgbClr val="000000"/>
-                        </a:solidFill>
-                      </a:endParaRPr>
-                    </a:p>
-                  </a:txBody>
-                  <a:tcPr/>
-                </a:tc>
-                <a:tc>
-                  <a:txBody>
-                    <a:bodyPr/>
-                    <a:lstStyle/>
-                    <a:p>
-                      <a:r>
-                        <a:rPr lang="en-CA" sz="1400" dirty="0" smtClean="0"/>
-                        <a:t>Common</a:t>
-                      </a:r>
-                      <a:endParaRPr lang="en-CA" sz="1400" dirty="0"/>
-                    </a:p>
-                  </a:txBody>
-                  <a:tcPr/>
-                </a:tc>
-                <a:tc>
-                  <a:txBody>
-                    <a:bodyPr/>
-                    <a:lstStyle/>
-                    <a:p>
-                      <a:r>
-                        <a:rPr lang="en-CA" sz="1400" dirty="0" smtClean="0"/>
-                        <a:t>3</a:t>
-                      </a:r>
-                      <a:endParaRPr lang="en-CA" sz="1400" dirty="0"/>
-                    </a:p>
-                  </a:txBody>
-                  <a:tcPr/>
-                </a:tc>
-                <a:tc>
-                  <a:txBody>
-                    <a:bodyPr/>
-                    <a:lstStyle/>
-                    <a:p>
-                      <a:r>
-                        <a:rPr lang="en-CA" sz="1400" dirty="0" smtClean="0"/>
-                        <a:t>0</a:t>
-                      </a:r>
-                      <a:endParaRPr lang="en-CA" sz="1400" dirty="0"/>
-                    </a:p>
-                  </a:txBody>
-                  <a:tcPr/>
-                </a:tc>
-              </a:tr>
-              <a:tr h="370840">
-                <a:tc>
-                  <a:txBody>
-                    <a:bodyPr/>
-                    <a:lstStyle/>
-                    <a:p>
-                      <a:pPr algn="ctr"/>
-                      <a:r>
-                        <a:rPr lang="en-CA" sz="1400" dirty="0" smtClean="0">
-                          <a:solidFill>
-                            <a:srgbClr val="000000"/>
-                          </a:solidFill>
-                        </a:rPr>
-                        <a:t>5</a:t>
-                      </a:r>
-                      <a:endParaRPr lang="en-CA" sz="1400" dirty="0">
-                        <a:solidFill>
-                          <a:srgbClr val="000000"/>
-                        </a:solidFill>
-                      </a:endParaRPr>
-                    </a:p>
-                  </a:txBody>
-                  <a:tcPr/>
-                </a:tc>
-                <a:tc>
-                  <a:txBody>
-                    <a:bodyPr/>
-                    <a:lstStyle/>
-                    <a:p>
-                      <a:r>
-                        <a:rPr lang="en-CA" sz="1400" dirty="0" smtClean="0">
-                          <a:solidFill>
-                            <a:srgbClr val="000000"/>
-                          </a:solidFill>
-                        </a:rPr>
-                        <a:t>Grenade</a:t>
-                      </a:r>
-                      <a:endParaRPr lang="en-CA" sz="1400" dirty="0">
-                        <a:solidFill>
-                          <a:srgbClr val="000000"/>
-                        </a:solidFill>
-                      </a:endParaRPr>
-                    </a:p>
-                  </a:txBody>
-                  <a:tcPr/>
-                </a:tc>
-                <a:tc>
-                  <a:txBody>
-                    <a:bodyPr/>
-                    <a:lstStyle/>
-                    <a:p>
-                      <a:r>
-                        <a:rPr lang="en-CA" sz="1400" dirty="0" smtClean="0"/>
-                        <a:t>Rare</a:t>
-                      </a:r>
-                      <a:endParaRPr lang="en-CA" sz="1400" dirty="0"/>
-                    </a:p>
-                  </a:txBody>
-                  <a:tcPr/>
-                </a:tc>
-                <a:tc>
-                  <a:txBody>
-                    <a:bodyPr/>
-                    <a:lstStyle/>
-                    <a:p>
-                      <a:r>
-                        <a:rPr lang="en-CA" sz="1400" dirty="0" smtClean="0"/>
-                        <a:t>4</a:t>
-                      </a:r>
-                      <a:endParaRPr lang="en-CA" sz="1400" dirty="0"/>
-                    </a:p>
-                  </a:txBody>
-                  <a:tcPr/>
-                </a:tc>
-                <a:tc>
-                  <a:txBody>
-                    <a:bodyPr/>
-                    <a:lstStyle/>
-                    <a:p>
-                      <a:r>
-                        <a:rPr lang="en-CA" sz="1400" dirty="0" smtClean="0"/>
-                        <a:t>0</a:t>
-                      </a:r>
-                      <a:endParaRPr lang="en-CA" sz="1400" dirty="0"/>
-                    </a:p>
-                  </a:txBody>
-                  <a:tcPr/>
-                </a:tc>
-              </a:tr>
-              <a:tr h="370840">
-                <a:tc>
-                  <a:txBody>
-                    <a:bodyPr/>
-                    <a:lstStyle/>
-                    <a:p>
-                      <a:pPr algn="ctr"/>
-                      <a:r>
-                        <a:rPr lang="en-CA" sz="1400" dirty="0" smtClean="0">
-                          <a:solidFill>
-                            <a:srgbClr val="000000"/>
-                          </a:solidFill>
-                        </a:rPr>
-                        <a:t>6</a:t>
-                      </a:r>
-                      <a:endParaRPr lang="en-CA" sz="1400" dirty="0">
-                        <a:solidFill>
-                          <a:srgbClr val="000000"/>
-                        </a:solidFill>
-                      </a:endParaRPr>
-                    </a:p>
-                  </a:txBody>
-                  <a:tcPr/>
-                </a:tc>
-                <a:tc>
-                  <a:txBody>
-                    <a:bodyPr/>
-                    <a:lstStyle/>
-                    <a:p>
-                      <a:r>
-                        <a:rPr lang="en-CA" sz="1400" dirty="0" smtClean="0">
-                          <a:solidFill>
-                            <a:srgbClr val="000000"/>
-                          </a:solidFill>
-                        </a:rPr>
-                        <a:t>Stasis</a:t>
-                      </a:r>
-                      <a:endParaRPr lang="en-CA" sz="1400" dirty="0">
-                        <a:solidFill>
-                          <a:srgbClr val="000000"/>
-                        </a:solidFill>
-                      </a:endParaRPr>
-                    </a:p>
-                  </a:txBody>
-                  <a:tcPr/>
-                </a:tc>
-                <a:tc>
-                  <a:txBody>
-                    <a:bodyPr/>
-                    <a:lstStyle/>
-                    <a:p>
-                      <a:r>
-                        <a:rPr lang="en-CA" sz="1400" dirty="0" smtClean="0"/>
-                        <a:t>Common</a:t>
-                      </a:r>
-                      <a:endParaRPr lang="en-CA" sz="1400" dirty="0"/>
-                    </a:p>
-                  </a:txBody>
-                  <a:tcPr/>
-                </a:tc>
-                <a:tc>
-                  <a:txBody>
-                    <a:bodyPr/>
-                    <a:lstStyle/>
-                    <a:p>
-                      <a:r>
-                        <a:rPr lang="en-CA" sz="1400" dirty="0" smtClean="0"/>
-                        <a:t>6</a:t>
-                      </a:r>
-                      <a:endParaRPr lang="en-CA" sz="1400" dirty="0"/>
-                    </a:p>
-                  </a:txBody>
-                  <a:tcPr/>
-                </a:tc>
-                <a:tc>
-                  <a:txBody>
-                    <a:bodyPr/>
-                    <a:lstStyle/>
-                    <a:p>
-                      <a:r>
-                        <a:rPr lang="en-CA" sz="1400" dirty="0" smtClean="0"/>
-                        <a:t>0</a:t>
-                      </a:r>
-                      <a:endParaRPr lang="en-CA" sz="1400" dirty="0"/>
-                    </a:p>
-                  </a:txBody>
-                  <a:tcPr/>
-                </a:tc>
-              </a:tr>
-              <a:tr h="370840">
-                <a:tc>
-                  <a:txBody>
-                    <a:bodyPr/>
-                    <a:lstStyle/>
-                    <a:p>
-                      <a:pPr algn="ctr"/>
-                      <a:r>
-                        <a:rPr lang="en-CA" sz="1400" dirty="0" smtClean="0">
-                          <a:solidFill>
-                            <a:schemeClr val="accent4"/>
-                          </a:solidFill>
-                        </a:rPr>
-                        <a:t>7</a:t>
-                      </a:r>
-                      <a:endParaRPr lang="en-CA" sz="1400" dirty="0">
-                        <a:solidFill>
-                          <a:schemeClr val="accent4"/>
-                        </a:solidFill>
-                      </a:endParaRPr>
-                    </a:p>
-                  </a:txBody>
-                  <a:tcPr/>
-                </a:tc>
-                <a:tc>
-                  <a:txBody>
-                    <a:bodyPr/>
-                    <a:lstStyle/>
-                    <a:p>
-                      <a:r>
-                        <a:rPr lang="en-CA" sz="1400" dirty="0" smtClean="0">
-                          <a:solidFill>
-                            <a:schemeClr val="accent4"/>
-                          </a:solidFill>
-                        </a:rPr>
-                        <a:t>Shrink</a:t>
-                      </a:r>
-                      <a:endParaRPr lang="en-CA" sz="1400" dirty="0">
-                        <a:solidFill>
-                          <a:schemeClr val="accent4"/>
-                        </a:solidFill>
-                      </a:endParaRPr>
-                    </a:p>
-                  </a:txBody>
-                  <a:tcPr/>
-                </a:tc>
-                <a:tc>
-                  <a:txBody>
-                    <a:bodyPr/>
-                    <a:lstStyle/>
-                    <a:p>
-                      <a:r>
-                        <a:rPr lang="en-CA" sz="1400" dirty="0" smtClean="0"/>
-                        <a:t>Epic</a:t>
-                      </a:r>
-                      <a:endParaRPr lang="en-CA" sz="1400" dirty="0"/>
-                    </a:p>
-                  </a:txBody>
-                  <a:tcPr/>
-                </a:tc>
-                <a:tc>
-                  <a:txBody>
-                    <a:bodyPr/>
-                    <a:lstStyle/>
-                    <a:p>
-                      <a:r>
-                        <a:rPr lang="en-CA" sz="1400" dirty="0" smtClean="0"/>
-                        <a:t>6</a:t>
-                      </a:r>
-                      <a:endParaRPr lang="en-CA" sz="1400" dirty="0"/>
-                    </a:p>
-                  </a:txBody>
-                  <a:tcPr/>
-                </a:tc>
-                <a:tc>
-                  <a:txBody>
-                    <a:bodyPr/>
-                    <a:lstStyle/>
-                    <a:p>
-                      <a:r>
-                        <a:rPr lang="en-CA" sz="1400" dirty="0" smtClean="0"/>
-                        <a:t>0</a:t>
-                      </a:r>
-                      <a:endParaRPr lang="en-CA" sz="1400" dirty="0"/>
-                    </a:p>
-                  </a:txBody>
-                  <a:tcPr/>
-                </a:tc>
-              </a:tr>
-              <a:tr h="370840">
-                <a:tc>
-                  <a:txBody>
-                    <a:bodyPr/>
-                    <a:lstStyle/>
-                    <a:p>
-                      <a:pPr algn="ctr"/>
-                      <a:r>
-                        <a:rPr lang="en-CA" sz="1400" dirty="0" smtClean="0">
-                          <a:solidFill>
-                            <a:srgbClr val="000000"/>
-                          </a:solidFill>
-                        </a:rPr>
-                        <a:t>8</a:t>
-                      </a:r>
-                      <a:endParaRPr lang="en-CA" sz="1400" dirty="0">
-                        <a:solidFill>
-                          <a:srgbClr val="000000"/>
-                        </a:solidFill>
-                      </a:endParaRPr>
-                    </a:p>
-                  </a:txBody>
-                  <a:tcPr/>
-                </a:tc>
-                <a:tc>
-                  <a:txBody>
-                    <a:bodyPr/>
-                    <a:lstStyle/>
-                    <a:p>
-                      <a:r>
-                        <a:rPr lang="en-CA" sz="1400" dirty="0" smtClean="0">
-                          <a:solidFill>
-                            <a:srgbClr val="000000"/>
-                          </a:solidFill>
-                        </a:rPr>
-                        <a:t>Double</a:t>
-                      </a:r>
-                      <a:r>
-                        <a:rPr lang="en-CA" sz="1400" baseline="0" dirty="0" smtClean="0">
-                          <a:solidFill>
-                            <a:srgbClr val="000000"/>
-                          </a:solidFill>
-                        </a:rPr>
-                        <a:t> Jump</a:t>
-                      </a:r>
-                      <a:endParaRPr lang="en-CA" sz="1400" dirty="0">
-                        <a:solidFill>
-                          <a:srgbClr val="000000"/>
-                        </a:solidFill>
-                      </a:endParaRPr>
-                    </a:p>
-                  </a:txBody>
-                  <a:tcPr/>
-                </a:tc>
-                <a:tc>
-                  <a:txBody>
-                    <a:bodyPr/>
-                    <a:lstStyle/>
-                    <a:p>
-                      <a:r>
-                        <a:rPr lang="en-CA" sz="1400" dirty="0" smtClean="0"/>
-                        <a:t>Common</a:t>
-                      </a:r>
-                      <a:endParaRPr lang="en-CA" sz="1400" dirty="0"/>
-                    </a:p>
-                  </a:txBody>
-                  <a:tcPr/>
-                </a:tc>
-                <a:tc>
-                  <a:txBody>
-                    <a:bodyPr/>
-                    <a:lstStyle/>
-                    <a:p>
-                      <a:r>
-                        <a:rPr lang="en-CA" sz="1400" dirty="0" smtClean="0"/>
-                        <a:t>1</a:t>
-                      </a:r>
-                      <a:endParaRPr lang="en-CA" sz="1400" dirty="0"/>
-                    </a:p>
-                  </a:txBody>
-                  <a:tcPr/>
-                </a:tc>
-                <a:tc>
-                  <a:txBody>
-                    <a:bodyPr/>
-                    <a:lstStyle/>
-                    <a:p>
-                      <a:r>
-                        <a:rPr lang="en-CA" sz="1400" dirty="0" smtClean="0"/>
-                        <a:t>0</a:t>
-                      </a:r>
-                      <a:endParaRPr lang="en-CA" sz="1400" dirty="0"/>
-                    </a:p>
-                  </a:txBody>
-                  <a:tcPr/>
-                </a:tc>
-              </a:tr>
-            </a:tbl>
-          </a:graphicData>
-        </a:graphic>
-      </p:graphicFrame>
     </p:spTree>
     <p:extLst>
       <p:ext uri="{BB962C8B-B14F-4D97-AF65-F5344CB8AC3E}">
-        <p14:creationId xmlns:p14="http://schemas.microsoft.com/office/powerpoint/2010/main" val="1865214933"/>
+        <p14:creationId xmlns:p14="http://schemas.microsoft.com/office/powerpoint/2010/main" val="1852386010"/>
       </p:ext>
     </p:extLst>
   </p:cSld>
@@ -14887,14 +13826,14 @@
             <p:ph idx="1"/>
             <p:extLst>
               <p:ext uri="{D42A27DB-BD31-4B8C-83A1-F6EECF244321}">
-                <p14:modId xmlns:p14="http://schemas.microsoft.com/office/powerpoint/2010/main" val="4219336313"/>
+                <p14:modId xmlns:p14="http://schemas.microsoft.com/office/powerpoint/2010/main" val="639466007"/>
               </p:ext>
             </p:extLst>
           </p:nvPr>
         </p:nvGraphicFramePr>
         <p:xfrm>
           <a:off x="774700" y="2197100"/>
-          <a:ext cx="5407213" cy="3632199"/>
+          <a:ext cx="7709401" cy="3926839"/>
         </p:xfrm>
         <a:graphic>
           <a:graphicData uri="http://schemas.openxmlformats.org/drawingml/2006/table">
@@ -14903,11 +13842,12 @@
                 <a:tableStyleId>{5C22544A-7EE6-4342-B048-85BDC9FD1C3A}</a:tableStyleId>
               </a:tblPr>
               <a:tblGrid>
-                <a:gridCol w="447494"/>
-                <a:gridCol w="1416412"/>
-                <a:gridCol w="1151589"/>
-                <a:gridCol w="1128444"/>
-                <a:gridCol w="1263274"/>
+                <a:gridCol w="379954"/>
+                <a:gridCol w="1486949"/>
+                <a:gridCol w="1122680"/>
+                <a:gridCol w="709162"/>
+                <a:gridCol w="3156293"/>
+                <a:gridCol w="854363"/>
               </a:tblGrid>
               <a:tr h="370840">
                 <a:tc>
@@ -14958,9 +13898,17 @@
                     <a:bodyPr/>
                     <a:lstStyle/>
                     <a:p>
+                      <a:pPr algn="ctr"/>
                       <a:r>
                         <a:rPr lang="en-CA" sz="1400" dirty="0" smtClean="0"/>
-                        <a:t>Power Cost</a:t>
+                        <a:t>Power</a:t>
+                      </a:r>
+                    </a:p>
+                    <a:p>
+                      <a:pPr algn="ctr"/>
+                      <a:r>
+                        <a:rPr lang="en-CA" sz="1400" dirty="0" smtClean="0"/>
+                        <a:t>Cost</a:t>
                       </a:r>
                       <a:endParaRPr lang="en-CA" sz="1400" dirty="0"/>
                     </a:p>
@@ -14972,9 +13920,133 @@
                     <a:bodyPr/>
                     <a:lstStyle/>
                     <a:p>
+                      <a:r>
+                        <a:rPr lang="en-CA" sz="1400" dirty="0" smtClean="0"/>
+                        <a:t>Description</a:t>
+                      </a:r>
+                      <a:endParaRPr lang="en-CA" sz="1400" dirty="0"/>
+                    </a:p>
+                  </a:txBody>
+                  <a:tcPr/>
+                </a:tc>
+                <a:tc>
+                  <a:txBody>
+                    <a:bodyPr/>
+                    <a:lstStyle/>
+                    <a:p>
+                      <a:pPr algn="ctr"/>
                       <a:r>
                         <a:rPr lang="en-CA" sz="1400" dirty="0" smtClean="0"/>
                         <a:t>Unlock Level</a:t>
+                      </a:r>
+                      <a:endParaRPr lang="en-CA" sz="1400" dirty="0"/>
+                    </a:p>
+                  </a:txBody>
+                  <a:tcPr/>
+                </a:tc>
+              </a:tr>
+              <a:tr h="370840">
+                <a:tc>
+                  <a:txBody>
+                    <a:bodyPr/>
+                    <a:lstStyle/>
+                    <a:p>
+                      <a:pPr algn="ctr"/>
+                      <a:r>
+                        <a:rPr lang="en-CA" sz="1400" dirty="0" smtClean="0">
+                          <a:solidFill>
+                            <a:schemeClr val="accent4"/>
+                          </a:solidFill>
+                        </a:rPr>
+                        <a:t>1</a:t>
+                      </a:r>
+                      <a:endParaRPr lang="en-CA" sz="1400" dirty="0">
+                        <a:solidFill>
+                          <a:schemeClr val="accent4"/>
+                        </a:solidFill>
+                      </a:endParaRPr>
+                    </a:p>
+                  </a:txBody>
+                  <a:tcPr/>
+                </a:tc>
+                <a:tc>
+                  <a:txBody>
+                    <a:bodyPr/>
+                    <a:lstStyle/>
+                    <a:p>
+                      <a:r>
+                        <a:rPr lang="en-CA" sz="1400" dirty="0" smtClean="0">
+                          <a:solidFill>
+                            <a:schemeClr val="accent4"/>
+                          </a:solidFill>
+                        </a:rPr>
+                        <a:t>Lightning</a:t>
+                      </a:r>
+                      <a:endParaRPr lang="en-CA" sz="1400" dirty="0">
+                        <a:solidFill>
+                          <a:schemeClr val="accent4"/>
+                        </a:solidFill>
+                      </a:endParaRPr>
+                    </a:p>
+                  </a:txBody>
+                  <a:tcPr/>
+                </a:tc>
+                <a:tc>
+                  <a:txBody>
+                    <a:bodyPr/>
+                    <a:lstStyle/>
+                    <a:p>
+                      <a:r>
+                        <a:rPr lang="en-CA" sz="1400" dirty="0" smtClean="0"/>
+                        <a:t>Epic</a:t>
+                      </a:r>
+                      <a:endParaRPr lang="en-CA" sz="1400" dirty="0"/>
+                    </a:p>
+                  </a:txBody>
+                  <a:tcPr/>
+                </a:tc>
+                <a:tc>
+                  <a:txBody>
+                    <a:bodyPr/>
+                    <a:lstStyle/>
+                    <a:p>
+                      <a:pPr algn="ctr"/>
+                      <a:r>
+                        <a:rPr lang="en-CA" sz="1400" dirty="0" smtClean="0"/>
+                        <a:t>5</a:t>
+                      </a:r>
+                      <a:endParaRPr lang="en-CA" sz="1400" dirty="0"/>
+                    </a:p>
+                  </a:txBody>
+                  <a:tcPr/>
+                </a:tc>
+                <a:tc>
+                  <a:txBody>
+                    <a:bodyPr/>
+                    <a:lstStyle/>
+                    <a:p>
+                      <a:r>
+                        <a:rPr lang="en-CA" sz="1400" dirty="0" smtClean="0"/>
+                        <a:t>Zap </a:t>
+                      </a:r>
+                      <a:r>
+                        <a:rPr lang="en-CA" sz="1400" dirty="0" smtClean="0"/>
+                        <a:t>an opponent</a:t>
+                      </a:r>
+                      <a:endParaRPr lang="en-CA" sz="1400" dirty="0"/>
+                    </a:p>
+                  </a:txBody>
+                  <a:tcPr/>
+                </a:tc>
+                <a:tc>
+                  <a:txBody>
+                    <a:bodyPr/>
+                    <a:lstStyle/>
+                    <a:p>
+                      <a:pPr algn="ctr"/>
+                      <a:r>
+                        <a:rPr lang="en-CA" sz="1400" dirty="0" smtClean="0"/>
+                        <a:t>TBD</a:t>
                       </a:r>
                       <a:endParaRPr lang="en-CA" sz="1400" dirty="0"/>
                     </a:p>
@@ -14995,7 +14067,7 @@
                             <a:srgbClr val="000000"/>
                           </a:solidFill>
                         </a:rPr>
-                        <a:t>9</a:t>
+                        <a:t>2</a:t>
                       </a:r>
                       <a:endParaRPr lang="en-CA" sz="1400" dirty="0">
                         <a:solidFill>
@@ -15017,7 +14089,7 @@
                             <a:srgbClr val="000000"/>
                           </a:solidFill>
                         </a:rPr>
-                        <a:t>Reflect</a:t>
+                        <a:t>Fire wall</a:t>
                       </a:r>
                       <a:endParaRPr lang="en-CA" sz="1400" dirty="0">
                         <a:solidFill>
@@ -15035,7 +14107,7 @@
                     <a:p>
                       <a:r>
                         <a:rPr lang="en-CA" sz="1400" dirty="0" smtClean="0"/>
-                        <a:t>Legendary</a:t>
+                        <a:t>Rare</a:t>
                       </a:r>
                       <a:endParaRPr lang="en-CA" sz="1400" dirty="0"/>
                     </a:p>
@@ -15047,9 +14119,10 @@
                     <a:bodyPr/>
                     <a:lstStyle/>
                     <a:p>
+                      <a:pPr algn="ctr"/>
                       <a:r>
                         <a:rPr lang="en-CA" sz="1400" dirty="0" smtClean="0"/>
-                        <a:t>7</a:t>
+                        <a:t>3</a:t>
                       </a:r>
                       <a:endParaRPr lang="en-CA" sz="1400" dirty="0"/>
                     </a:p>
@@ -15063,7 +14136,22 @@
                     <a:p>
                       <a:r>
                         <a:rPr lang="en-CA" sz="1400" dirty="0" smtClean="0"/>
-                        <a:t>0</a:t>
+                        <a:t>Materialize a fire wall</a:t>
+                      </a:r>
+                      <a:endParaRPr lang="en-CA" sz="1400" dirty="0"/>
+                    </a:p>
+                  </a:txBody>
+                  <a:tcPr/>
+                </a:tc>
+                <a:tc>
+                  <a:txBody>
+                    <a:bodyPr/>
+                    <a:lstStyle/>
+                    <a:p>
+                      <a:pPr algn="ctr"/>
+                      <a:r>
+                        <a:rPr lang="en-CA" sz="1400" dirty="0" smtClean="0"/>
+                        <a:t>TBD</a:t>
                       </a:r>
                       <a:endParaRPr lang="en-CA" sz="1400" dirty="0"/>
                     </a:p>
@@ -15084,7 +14172,7 @@
                             <a:srgbClr val="000000"/>
                           </a:solidFill>
                         </a:rPr>
-                        <a:t>10</a:t>
+                        <a:t>3</a:t>
                       </a:r>
                       <a:endParaRPr lang="en-CA" sz="1400" dirty="0">
                         <a:solidFill>
@@ -15106,7 +14194,7 @@
                             <a:srgbClr val="000000"/>
                           </a:solidFill>
                         </a:rPr>
-                        <a:t>Trip Mine</a:t>
+                        <a:t>Sprint</a:t>
                       </a:r>
                       <a:endParaRPr lang="en-CA" sz="1400" dirty="0">
                         <a:solidFill>
@@ -15136,9 +14224,10 @@
                     <a:bodyPr/>
                     <a:lstStyle/>
                     <a:p>
+                      <a:pPr algn="ctr"/>
                       <a:r>
                         <a:rPr lang="en-CA" sz="1400" dirty="0" smtClean="0"/>
-                        <a:t>3</a:t>
+                        <a:t>2</a:t>
                       </a:r>
                       <a:endParaRPr lang="en-CA" sz="1400" dirty="0"/>
                     </a:p>
@@ -15152,7 +14241,22 @@
                     <a:p>
                       <a:r>
                         <a:rPr lang="en-CA" sz="1400" dirty="0" smtClean="0"/>
-                        <a:t>0</a:t>
+                        <a:t>Sprint for a short while</a:t>
+                      </a:r>
+                      <a:endParaRPr lang="en-CA" sz="1400" dirty="0"/>
+                    </a:p>
+                  </a:txBody>
+                  <a:tcPr/>
+                </a:tc>
+                <a:tc>
+                  <a:txBody>
+                    <a:bodyPr/>
+                    <a:lstStyle/>
+                    <a:p>
+                      <a:pPr algn="ctr"/>
+                      <a:r>
+                        <a:rPr lang="en-CA" sz="1400" dirty="0" smtClean="0"/>
+                        <a:t>TBD</a:t>
                       </a:r>
                       <a:endParaRPr lang="en-CA" sz="1400" dirty="0"/>
                     </a:p>
@@ -15168,14 +14272,14 @@
                     <a:p>
                       <a:pPr algn="ctr"/>
                       <a:r>
-                        <a:rPr lang="en-CA" sz="1400" i="0" dirty="0" smtClean="0">
+                        <a:rPr lang="en-CA" sz="1400" dirty="0" smtClean="0">
                           <a:solidFill>
                             <a:srgbClr val="000000"/>
                           </a:solidFill>
                         </a:rPr>
-                        <a:t>11</a:t>
-                      </a:r>
-                      <a:endParaRPr lang="en-CA" sz="1400" i="0" dirty="0">
+                        <a:t>4</a:t>
+                      </a:r>
+                      <a:endParaRPr lang="en-CA" sz="1400" dirty="0">
                         <a:solidFill>
                           <a:srgbClr val="000000"/>
                         </a:solidFill>
@@ -15190,14 +14294,14 @@
                     <a:lstStyle/>
                     <a:p>
                       <a:r>
-                        <a:rPr lang="en-CA" sz="1400" i="0" dirty="0" smtClean="0">
+                        <a:rPr lang="en-CA" sz="1400" dirty="0" smtClean="0">
                           <a:solidFill>
                             <a:srgbClr val="000000"/>
                           </a:solidFill>
                         </a:rPr>
-                        <a:t>Steal</a:t>
-                      </a:r>
-                      <a:endParaRPr lang="en-CA" sz="1400" i="0" dirty="0">
+                        <a:t>Raging Bull</a:t>
+                      </a:r>
+                      <a:endParaRPr lang="en-CA" sz="1400" dirty="0">
                         <a:solidFill>
                           <a:srgbClr val="000000"/>
                         </a:solidFill>
@@ -15213,7 +14317,7 @@
                     <a:p>
                       <a:r>
                         <a:rPr lang="en-CA" sz="1400" dirty="0" smtClean="0"/>
-                        <a:t>Rare</a:t>
+                        <a:t>Common</a:t>
                       </a:r>
                       <a:endParaRPr lang="en-CA" sz="1400" dirty="0"/>
                     </a:p>
@@ -15225,6 +14329,7 @@
                     <a:bodyPr/>
                     <a:lstStyle/>
                     <a:p>
+                      <a:pPr algn="ctr"/>
                       <a:r>
                         <a:rPr lang="en-CA" sz="1400" dirty="0" smtClean="0"/>
                         <a:t>3</a:t>
@@ -15241,7 +14346,256 @@
                     <a:p>
                       <a:r>
                         <a:rPr lang="en-CA" sz="1400" dirty="0" smtClean="0"/>
-                        <a:t>0</a:t>
+                        <a:t>Sprint</a:t>
+                      </a:r>
+                      <a:r>
+                        <a:rPr lang="en-CA" sz="1400" baseline="0" dirty="0" smtClean="0"/>
+                        <a:t> for a short while. Topple opponents who are in your path</a:t>
+                      </a:r>
+                      <a:endParaRPr lang="en-CA" sz="1400" dirty="0"/>
+                    </a:p>
+                  </a:txBody>
+                  <a:tcPr/>
+                </a:tc>
+                <a:tc>
+                  <a:txBody>
+                    <a:bodyPr/>
+                    <a:lstStyle/>
+                    <a:p>
+                      <a:pPr algn="ctr"/>
+                      <a:r>
+                        <a:rPr lang="en-CA" sz="1400" dirty="0" smtClean="0"/>
+                        <a:t>TBD</a:t>
+                      </a:r>
+                      <a:endParaRPr lang="en-CA" sz="1400" dirty="0"/>
+                    </a:p>
+                  </a:txBody>
+                  <a:tcPr/>
+                </a:tc>
+              </a:tr>
+              <a:tr h="370840">
+                <a:tc>
+                  <a:txBody>
+                    <a:bodyPr/>
+                    <a:lstStyle/>
+                    <a:p>
+                      <a:pPr algn="ctr"/>
+                      <a:r>
+                        <a:rPr lang="en-CA" sz="1400" dirty="0" smtClean="0">
+                          <a:solidFill>
+                            <a:srgbClr val="000000"/>
+                          </a:solidFill>
+                        </a:rPr>
+                        <a:t>5</a:t>
+                      </a:r>
+                      <a:endParaRPr lang="en-CA" sz="1400" dirty="0">
+                        <a:solidFill>
+                          <a:srgbClr val="000000"/>
+                        </a:solidFill>
+                      </a:endParaRPr>
+                    </a:p>
+                  </a:txBody>
+                  <a:tcPr/>
+                </a:tc>
+                <a:tc>
+                  <a:txBody>
+                    <a:bodyPr/>
+                    <a:lstStyle/>
+                    <a:p>
+                      <a:r>
+                        <a:rPr lang="en-CA" sz="1400" dirty="0" smtClean="0">
+                          <a:solidFill>
+                            <a:srgbClr val="000000"/>
+                          </a:solidFill>
+                        </a:rPr>
+                        <a:t>Grenade</a:t>
+                      </a:r>
+                      <a:endParaRPr lang="en-CA" sz="1400" dirty="0">
+                        <a:solidFill>
+                          <a:srgbClr val="000000"/>
+                        </a:solidFill>
+                      </a:endParaRPr>
+                    </a:p>
+                  </a:txBody>
+                  <a:tcPr/>
+                </a:tc>
+                <a:tc>
+                  <a:txBody>
+                    <a:bodyPr/>
+                    <a:lstStyle/>
+                    <a:p>
+                      <a:r>
+                        <a:rPr lang="en-CA" sz="1400" dirty="0" smtClean="0"/>
+                        <a:t>Rare</a:t>
+                      </a:r>
+                      <a:endParaRPr lang="en-CA" sz="1400" dirty="0"/>
+                    </a:p>
+                  </a:txBody>
+                  <a:tcPr/>
+                </a:tc>
+                <a:tc>
+                  <a:txBody>
+                    <a:bodyPr/>
+                    <a:lstStyle/>
+                    <a:p>
+                      <a:pPr algn="ctr"/>
+                      <a:r>
+                        <a:rPr lang="en-CA" sz="1400" dirty="0" smtClean="0"/>
+                        <a:t>4</a:t>
+                      </a:r>
+                      <a:endParaRPr lang="en-CA" sz="1400" dirty="0"/>
+                    </a:p>
+                  </a:txBody>
+                  <a:tcPr/>
+                </a:tc>
+                <a:tc>
+                  <a:txBody>
+                    <a:bodyPr/>
+                    <a:lstStyle/>
+                    <a:p>
+                      <a:r>
+                        <a:rPr lang="en-CA" sz="1400" dirty="0" smtClean="0"/>
+                        <a:t>Drop a grenade</a:t>
+                      </a:r>
+                      <a:endParaRPr lang="en-CA" sz="1400" dirty="0"/>
+                    </a:p>
+                  </a:txBody>
+                  <a:tcPr/>
+                </a:tc>
+                <a:tc>
+                  <a:txBody>
+                    <a:bodyPr/>
+                    <a:lstStyle/>
+                    <a:p>
+                      <a:pPr algn="ctr"/>
+                      <a:r>
+                        <a:rPr lang="en-CA" sz="1400" dirty="0" smtClean="0"/>
+                        <a:t>TBD</a:t>
+                      </a:r>
+                      <a:endParaRPr lang="en-CA" sz="1400" dirty="0"/>
+                    </a:p>
+                  </a:txBody>
+                  <a:tcPr/>
+                </a:tc>
+              </a:tr>
+              <a:tr h="370840">
+                <a:tc>
+                  <a:txBody>
+                    <a:bodyPr/>
+                    <a:lstStyle/>
+                    <a:p>
+                      <a:pPr algn="ctr"/>
+                      <a:r>
+                        <a:rPr lang="en-CA" sz="1400" dirty="0" smtClean="0">
+                          <a:solidFill>
+                            <a:srgbClr val="000000"/>
+                          </a:solidFill>
+                        </a:rPr>
+                        <a:t>6</a:t>
+                      </a:r>
+                      <a:endParaRPr lang="en-CA" sz="1400" dirty="0">
+                        <a:solidFill>
+                          <a:srgbClr val="000000"/>
+                        </a:solidFill>
+                      </a:endParaRPr>
+                    </a:p>
+                  </a:txBody>
+                  <a:tcPr/>
+                </a:tc>
+                <a:tc>
+                  <a:txBody>
+                    <a:bodyPr/>
+                    <a:lstStyle/>
+                    <a:p>
+                      <a:r>
+                        <a:rPr lang="en-CA" sz="1400" dirty="0" smtClean="0">
+                          <a:solidFill>
+                            <a:srgbClr val="000000"/>
+                          </a:solidFill>
+                        </a:rPr>
+                        <a:t>Stasis</a:t>
+                      </a:r>
+                      <a:endParaRPr lang="en-CA" sz="1400" dirty="0">
+                        <a:solidFill>
+                          <a:srgbClr val="000000"/>
+                        </a:solidFill>
+                      </a:endParaRPr>
+                    </a:p>
+                  </a:txBody>
+                  <a:tcPr/>
+                </a:tc>
+                <a:tc>
+                  <a:txBody>
+                    <a:bodyPr/>
+                    <a:lstStyle/>
+                    <a:p>
+                      <a:r>
+                        <a:rPr lang="en-CA" sz="1400" dirty="0" smtClean="0"/>
+                        <a:t>Common</a:t>
+                      </a:r>
+                      <a:endParaRPr lang="en-CA" sz="1400" dirty="0"/>
+                    </a:p>
+                  </a:txBody>
+                  <a:tcPr/>
+                </a:tc>
+                <a:tc>
+                  <a:txBody>
+                    <a:bodyPr/>
+                    <a:lstStyle/>
+                    <a:p>
+                      <a:pPr algn="ctr"/>
+                      <a:r>
+                        <a:rPr lang="en-CA" sz="1400" dirty="0" smtClean="0"/>
+                        <a:t>6</a:t>
+                      </a:r>
+                      <a:endParaRPr lang="en-CA" sz="1400" dirty="0"/>
+                    </a:p>
+                  </a:txBody>
+                  <a:tcPr/>
+                </a:tc>
+                <a:tc>
+                  <a:txBody>
+                    <a:bodyPr/>
+                    <a:lstStyle/>
+                    <a:p>
+                      <a:r>
+                        <a:rPr lang="en-CA" sz="1400" dirty="0" smtClean="0"/>
+                        <a:t>Immobilise </a:t>
+                      </a:r>
+                      <a:r>
+                        <a:rPr lang="en-CA" sz="1400" dirty="0" smtClean="0"/>
+                        <a:t>an </a:t>
+                      </a:r>
+                      <a:r>
+                        <a:rPr lang="en-CA" sz="1400" dirty="0" smtClean="0"/>
+                        <a:t>opponent in a stasis</a:t>
+                      </a:r>
+                      <a:r>
+                        <a:rPr lang="en-CA" sz="1400" baseline="0" dirty="0" smtClean="0"/>
+                        <a:t> </a:t>
+                      </a:r>
+                      <a:r>
+                        <a:rPr lang="en-CA" sz="1400" baseline="0" dirty="0" smtClean="0"/>
+                        <a:t>sphere </a:t>
+                      </a:r>
+                      <a:r>
+                        <a:rPr lang="en-CA" sz="1400" dirty="0" smtClean="0"/>
+                        <a:t>for a short while</a:t>
+                      </a:r>
+                      <a:endParaRPr lang="en-CA" sz="1400" dirty="0"/>
+                    </a:p>
+                  </a:txBody>
+                  <a:tcPr/>
+                </a:tc>
+                <a:tc>
+                  <a:txBody>
+                    <a:bodyPr/>
+                    <a:lstStyle/>
+                    <a:p>
+                      <a:pPr algn="ctr"/>
+                      <a:r>
+                        <a:rPr lang="en-CA" sz="1400" dirty="0" smtClean="0"/>
+                        <a:t>TBD</a:t>
                       </a:r>
                       <a:endParaRPr lang="en-CA" sz="1400" dirty="0"/>
                     </a:p>
@@ -15262,7 +14616,7 @@
                             <a:schemeClr val="accent4"/>
                           </a:solidFill>
                         </a:rPr>
-                        <a:t>12</a:t>
+                        <a:t>7</a:t>
                       </a:r>
                       <a:endParaRPr lang="en-CA" sz="1400" dirty="0">
                         <a:solidFill>
@@ -15284,7 +14638,7 @@
                             <a:schemeClr val="accent4"/>
                           </a:solidFill>
                         </a:rPr>
-                        <a:t>Sentry</a:t>
+                        <a:t>Shrink</a:t>
                       </a:r>
                       <a:endParaRPr lang="en-CA" sz="1400" dirty="0">
                         <a:solidFill>
@@ -15302,7 +14656,7 @@
                     <a:p>
                       <a:r>
                         <a:rPr lang="en-CA" sz="1400" dirty="0" smtClean="0"/>
-                        <a:t>Rare</a:t>
+                        <a:t>Epic</a:t>
                       </a:r>
                       <a:endParaRPr lang="en-CA" sz="1400" dirty="0"/>
                     </a:p>
@@ -15314,9 +14668,10 @@
                     <a:bodyPr/>
                     <a:lstStyle/>
                     <a:p>
+                      <a:pPr algn="ctr"/>
                       <a:r>
                         <a:rPr lang="en-CA" sz="1400" dirty="0" smtClean="0"/>
-                        <a:t>7</a:t>
+                        <a:t>6</a:t>
                       </a:r>
                       <a:endParaRPr lang="en-CA" sz="1400" dirty="0"/>
                     </a:p>
@@ -15330,7 +14685,26 @@
                     <a:p>
                       <a:r>
                         <a:rPr lang="en-CA" sz="1400" dirty="0" smtClean="0"/>
-                        <a:t>0</a:t>
+                        <a:t>Temporarily shrink all opponents to</a:t>
+                      </a:r>
+                      <a:r>
+                        <a:rPr lang="en-CA" sz="1400" baseline="0" dirty="0" smtClean="0"/>
+                        <a:t> 1/3 of their normal size</a:t>
+                      </a:r>
+                      <a:endParaRPr lang="en-CA" sz="1400" dirty="0"/>
+                    </a:p>
+                  </a:txBody>
+                  <a:tcPr/>
+                </a:tc>
+                <a:tc>
+                  <a:txBody>
+                    <a:bodyPr/>
+                    <a:lstStyle/>
+                    <a:p>
+                      <a:pPr algn="ctr"/>
+                      <a:r>
+                        <a:rPr lang="en-CA" sz="1400" dirty="0" smtClean="0"/>
+                        <a:t>TBD</a:t>
                       </a:r>
                       <a:endParaRPr lang="en-CA" sz="1400" dirty="0"/>
                     </a:p>
@@ -15351,7 +14725,7 @@
                             <a:srgbClr val="000000"/>
                           </a:solidFill>
                         </a:rPr>
-                        <a:t>13</a:t>
+                        <a:t>8</a:t>
                       </a:r>
                       <a:endParaRPr lang="en-CA" sz="1400" dirty="0">
                         <a:solidFill>
@@ -15373,7 +14747,7 @@
                             <a:srgbClr val="000000"/>
                           </a:solidFill>
                         </a:rPr>
-                        <a:t>Force</a:t>
+                        <a:t>Double</a:t>
                       </a:r>
                       <a:r>
                         <a:rPr lang="en-CA" sz="1400" baseline="0" dirty="0" smtClean="0">
@@ -15381,7 +14755,7 @@
                             <a:srgbClr val="000000"/>
                           </a:solidFill>
                         </a:rPr>
-                        <a:t> Field</a:t>
+                        <a:t> Jump</a:t>
                       </a:r>
                       <a:endParaRPr lang="en-CA" sz="1400" dirty="0">
                         <a:solidFill>
@@ -15399,7 +14773,7 @@
                     <a:p>
                       <a:r>
                         <a:rPr lang="en-CA" sz="1400" dirty="0" smtClean="0"/>
-                        <a:t>Rare</a:t>
+                        <a:t>Common</a:t>
                       </a:r>
                       <a:endParaRPr lang="en-CA" sz="1400" dirty="0"/>
                     </a:p>
@@ -15411,9 +14785,10 @@
                     <a:bodyPr/>
                     <a:lstStyle/>
                     <a:p>
+                      <a:pPr algn="ctr"/>
                       <a:r>
                         <a:rPr lang="en-CA" sz="1400" dirty="0" smtClean="0"/>
-                        <a:t>3</a:t>
+                        <a:t>1</a:t>
                       </a:r>
                       <a:endParaRPr lang="en-CA" sz="1400" dirty="0"/>
                     </a:p>
@@ -15427,15 +14802,13 @@
                     <a:p>
                       <a:r>
                         <a:rPr lang="en-CA" sz="1400" dirty="0" smtClean="0"/>
-                        <a:t>0</a:t>
+                        <a:t>Do a spectacular double-jump</a:t>
                       </a:r>
                       <a:endParaRPr lang="en-CA" sz="1400" dirty="0"/>
                     </a:p>
                   </a:txBody>
                   <a:tcPr/>
                 </a:tc>
-              </a:tr>
-              <a:tr h="370840">
                 <a:tc>
                   <a:txBody>
                     <a:bodyPr/>
@@ -15443,258 +14816,8 @@
                     <a:p>
                       <a:pPr algn="ctr"/>
                       <a:r>
-                        <a:rPr lang="en-CA" sz="1400" i="0" dirty="0" smtClean="0">
-                          <a:solidFill>
-                            <a:srgbClr val="000000"/>
-                          </a:solidFill>
-                        </a:rPr>
-                        <a:t>14</a:t>
-                      </a:r>
-                      <a:endParaRPr lang="en-CA" sz="1400" i="0" dirty="0">
-                        <a:solidFill>
-                          <a:srgbClr val="000000"/>
-                        </a:solidFill>
-                      </a:endParaRPr>
-                    </a:p>
-                  </a:txBody>
-                  <a:tcPr/>
-                </a:tc>
-                <a:tc>
-                  <a:txBody>
-                    <a:bodyPr/>
-                    <a:lstStyle/>
-                    <a:p>
-                      <a:r>
-                        <a:rPr lang="en-CA" sz="1400" i="0" dirty="0" smtClean="0">
-                          <a:solidFill>
-                            <a:srgbClr val="000000"/>
-                          </a:solidFill>
-                        </a:rPr>
-                        <a:t>Homing Missile</a:t>
-                      </a:r>
-                      <a:endParaRPr lang="en-CA" sz="1400" i="0" dirty="0">
-                        <a:solidFill>
-                          <a:srgbClr val="000000"/>
-                        </a:solidFill>
-                      </a:endParaRPr>
-                    </a:p>
-                  </a:txBody>
-                  <a:tcPr/>
-                </a:tc>
-                <a:tc>
-                  <a:txBody>
-                    <a:bodyPr/>
-                    <a:lstStyle/>
-                    <a:p>
-                      <a:r>
                         <a:rPr lang="en-CA" sz="1400" dirty="0" smtClean="0"/>
-                        <a:t>Epic</a:t>
-                      </a:r>
-                      <a:endParaRPr lang="en-CA" sz="1400" dirty="0"/>
-                    </a:p>
-                  </a:txBody>
-                  <a:tcPr/>
-                </a:tc>
-                <a:tc>
-                  <a:txBody>
-                    <a:bodyPr/>
-                    <a:lstStyle/>
-                    <a:p>
-                      <a:r>
-                        <a:rPr lang="en-CA" sz="1400" dirty="0" smtClean="0"/>
-                        <a:t>4</a:t>
-                      </a:r>
-                      <a:endParaRPr lang="en-CA" sz="1400" dirty="0"/>
-                    </a:p>
-                  </a:txBody>
-                  <a:tcPr/>
-                </a:tc>
-                <a:tc>
-                  <a:txBody>
-                    <a:bodyPr/>
-                    <a:lstStyle/>
-                    <a:p>
-                      <a:r>
-                        <a:rPr lang="en-CA" sz="1400" dirty="0" smtClean="0"/>
-                        <a:t>0</a:t>
-                      </a:r>
-                      <a:endParaRPr lang="en-CA" sz="1400" dirty="0"/>
-                    </a:p>
-                  </a:txBody>
-                  <a:tcPr/>
-                </a:tc>
-              </a:tr>
-              <a:tr h="370840">
-                <a:tc>
-                  <a:txBody>
-                    <a:bodyPr/>
-                    <a:lstStyle/>
-                    <a:p>
-                      <a:pPr algn="ctr"/>
-                      <a:r>
-                        <a:rPr lang="en-CA" sz="1400" i="0" dirty="0" smtClean="0">
-                          <a:solidFill>
-                            <a:srgbClr val="000000"/>
-                          </a:solidFill>
-                        </a:rPr>
-                        <a:t>15</a:t>
-                      </a:r>
-                      <a:endParaRPr lang="en-CA" sz="1400" i="0" dirty="0">
-                        <a:solidFill>
-                          <a:srgbClr val="000000"/>
-                        </a:solidFill>
-                      </a:endParaRPr>
-                    </a:p>
-                  </a:txBody>
-                  <a:tcPr/>
-                </a:tc>
-                <a:tc>
-                  <a:txBody>
-                    <a:bodyPr/>
-                    <a:lstStyle/>
-                    <a:p>
-                      <a:r>
-                        <a:rPr lang="en-CA" sz="1400" i="0" dirty="0" smtClean="0">
-                          <a:solidFill>
-                            <a:srgbClr val="000000"/>
-                          </a:solidFill>
-                        </a:rPr>
-                        <a:t>Jet Pack*</a:t>
-                      </a:r>
-                      <a:endParaRPr lang="en-CA" sz="1400" i="0" dirty="0">
-                        <a:solidFill>
-                          <a:srgbClr val="000000"/>
-                        </a:solidFill>
-                      </a:endParaRPr>
-                    </a:p>
-                  </a:txBody>
-                  <a:tcPr/>
-                </a:tc>
-                <a:tc>
-                  <a:txBody>
-                    <a:bodyPr/>
-                    <a:lstStyle/>
-                    <a:p>
-                      <a:r>
-                        <a:rPr lang="en-CA" sz="1400" dirty="0" smtClean="0"/>
-                        <a:t>Epic</a:t>
-                      </a:r>
-                      <a:endParaRPr lang="en-CA" sz="1400" dirty="0"/>
-                    </a:p>
-                  </a:txBody>
-                  <a:tcPr/>
-                </a:tc>
-                <a:tc>
-                  <a:txBody>
-                    <a:bodyPr/>
-                    <a:lstStyle/>
-                    <a:p>
-                      <a:r>
-                        <a:rPr lang="en-CA" sz="1400" dirty="0" smtClean="0"/>
-                        <a:t>4</a:t>
-                      </a:r>
-                      <a:endParaRPr lang="en-CA" sz="1400" dirty="0"/>
-                    </a:p>
-                  </a:txBody>
-                  <a:tcPr/>
-                </a:tc>
-                <a:tc>
-                  <a:txBody>
-                    <a:bodyPr/>
-                    <a:lstStyle/>
-                    <a:p>
-                      <a:r>
-                        <a:rPr lang="en-CA" sz="1400" dirty="0" smtClean="0"/>
-                        <a:t>0</a:t>
-                      </a:r>
-                      <a:endParaRPr lang="en-CA" sz="1400" dirty="0"/>
-                    </a:p>
-                  </a:txBody>
-                  <a:tcPr/>
-                </a:tc>
-              </a:tr>
-              <a:tr h="370840">
-                <a:tc>
-                  <a:txBody>
-                    <a:bodyPr/>
-                    <a:lstStyle/>
-                    <a:p>
-                      <a:pPr algn="ctr"/>
-                      <a:r>
-                        <a:rPr lang="en-CA" sz="1400" i="0" dirty="0" smtClean="0">
-                          <a:solidFill>
-                            <a:srgbClr val="000000"/>
-                          </a:solidFill>
-                        </a:rPr>
-                        <a:t>16</a:t>
-                      </a:r>
-                      <a:endParaRPr lang="en-CA" sz="1400" i="0" dirty="0">
-                        <a:solidFill>
-                          <a:srgbClr val="000000"/>
-                        </a:solidFill>
-                      </a:endParaRPr>
-                    </a:p>
-                  </a:txBody>
-                  <a:tcPr/>
-                </a:tc>
-                <a:tc>
-                  <a:txBody>
-                    <a:bodyPr/>
-                    <a:lstStyle/>
-                    <a:p>
-                      <a:r>
-                        <a:rPr lang="en-CA" sz="1400" i="0" dirty="0" smtClean="0">
-                          <a:solidFill>
-                            <a:srgbClr val="000000"/>
-                          </a:solidFill>
-                        </a:rPr>
-                        <a:t>Linked Fate</a:t>
-                      </a:r>
-                      <a:endParaRPr lang="en-CA" sz="1400" i="0" dirty="0">
-                        <a:solidFill>
-                          <a:srgbClr val="000000"/>
-                        </a:solidFill>
-                      </a:endParaRPr>
-                    </a:p>
-                  </a:txBody>
-                  <a:tcPr/>
-                </a:tc>
-                <a:tc>
-                  <a:txBody>
-                    <a:bodyPr/>
-                    <a:lstStyle/>
-                    <a:p>
-                      <a:r>
-                        <a:rPr lang="en-CA" sz="1400" dirty="0" smtClean="0"/>
-                        <a:t>Epic</a:t>
-                      </a:r>
-                      <a:endParaRPr lang="en-CA" sz="1400" dirty="0"/>
-                    </a:p>
-                  </a:txBody>
-                  <a:tcPr/>
-                </a:tc>
-                <a:tc>
-                  <a:txBody>
-                    <a:bodyPr/>
-                    <a:lstStyle/>
-                    <a:p>
-                      <a:r>
-                        <a:rPr lang="en-CA" sz="1400" dirty="0" smtClean="0"/>
-                        <a:t>5</a:t>
-                      </a:r>
-                      <a:endParaRPr lang="en-CA" sz="1400" dirty="0"/>
-                    </a:p>
-                  </a:txBody>
-                  <a:tcPr/>
-                </a:tc>
-                <a:tc>
-                  <a:txBody>
-                    <a:bodyPr/>
-                    <a:lstStyle/>
-                    <a:p>
-                      <a:r>
-                        <a:rPr lang="en-CA" sz="1400" dirty="0" smtClean="0"/>
-                        <a:t>0</a:t>
+                        <a:t>TBD</a:t>
                       </a:r>
                       <a:endParaRPr lang="en-CA" sz="1400" dirty="0"/>
                     </a:p>
@@ -15709,7 +14832,7 @@
     </p:spTree>
     <p:extLst>
       <p:ext uri="{BB962C8B-B14F-4D97-AF65-F5344CB8AC3E}">
-        <p14:creationId xmlns:p14="http://schemas.microsoft.com/office/powerpoint/2010/main" val="1401678905"/>
+        <p14:creationId xmlns:p14="http://schemas.microsoft.com/office/powerpoint/2010/main" val="1728753490"/>
       </p:ext>
     </p:extLst>
   </p:cSld>
@@ -15799,14 +14922,14 @@
             <p:ph idx="1"/>
             <p:extLst>
               <p:ext uri="{D42A27DB-BD31-4B8C-83A1-F6EECF244321}">
-                <p14:modId xmlns:p14="http://schemas.microsoft.com/office/powerpoint/2010/main" val="819279362"/>
+                <p14:modId xmlns:p14="http://schemas.microsoft.com/office/powerpoint/2010/main" val="1230387591"/>
               </p:ext>
             </p:extLst>
           </p:nvPr>
         </p:nvGraphicFramePr>
         <p:xfrm>
           <a:off x="774700" y="2197100"/>
-          <a:ext cx="5407213" cy="3484879"/>
+          <a:ext cx="7709401" cy="4013199"/>
         </p:xfrm>
         <a:graphic>
           <a:graphicData uri="http://schemas.openxmlformats.org/drawingml/2006/table">
@@ -15815,11 +14938,12 @@
                 <a:tableStyleId>{5C22544A-7EE6-4342-B048-85BDC9FD1C3A}</a:tableStyleId>
               </a:tblPr>
               <a:tblGrid>
-                <a:gridCol w="447494"/>
-                <a:gridCol w="1416412"/>
-                <a:gridCol w="1151589"/>
-                <a:gridCol w="1128444"/>
-                <a:gridCol w="1263274"/>
+                <a:gridCol w="379954"/>
+                <a:gridCol w="1486949"/>
+                <a:gridCol w="1122680"/>
+                <a:gridCol w="709162"/>
+                <a:gridCol w="3156293"/>
+                <a:gridCol w="854363"/>
               </a:tblGrid>
               <a:tr h="370840">
                 <a:tc>
@@ -15870,9 +14994,17 @@
                     <a:bodyPr/>
                     <a:lstStyle/>
                     <a:p>
+                      <a:pPr algn="ctr"/>
                       <a:r>
                         <a:rPr lang="en-CA" sz="1400" dirty="0" smtClean="0"/>
-                        <a:t>Power Cost</a:t>
+                        <a:t>Power</a:t>
+                      </a:r>
+                    </a:p>
+                    <a:p>
+                      <a:pPr algn="ctr"/>
+                      <a:r>
+                        <a:rPr lang="en-CA" sz="1400" dirty="0" smtClean="0"/>
+                        <a:t>Cost</a:t>
                       </a:r>
                       <a:endParaRPr lang="en-CA" sz="1400" dirty="0"/>
                     </a:p>
@@ -15884,6 +15016,21 @@
                     <a:bodyPr/>
                     <a:lstStyle/>
                     <a:p>
+                      <a:r>
+                        <a:rPr lang="en-CA" sz="1400" dirty="0" smtClean="0"/>
+                        <a:t>Description</a:t>
+                      </a:r>
+                      <a:endParaRPr lang="en-CA" sz="1400" dirty="0"/>
+                    </a:p>
+                  </a:txBody>
+                  <a:tcPr/>
+                </a:tc>
+                <a:tc>
+                  <a:txBody>
+                    <a:bodyPr/>
+                    <a:lstStyle/>
+                    <a:p>
+                      <a:pPr algn="ctr"/>
                       <a:r>
                         <a:rPr lang="en-CA" sz="1400" dirty="0" smtClean="0"/>
                         <a:t>Unlock Level</a:t>
@@ -15902,16 +15049,246 @@
                     <a:p>
                       <a:pPr algn="ctr"/>
                       <a:r>
+                        <a:rPr lang="en-CA" sz="1400" dirty="0" smtClean="0">
+                          <a:solidFill>
+                            <a:srgbClr val="000000"/>
+                          </a:solidFill>
+                        </a:rPr>
+                        <a:t>9</a:t>
+                      </a:r>
+                      <a:endParaRPr lang="en-CA" sz="1400" dirty="0">
+                        <a:solidFill>
+                          <a:srgbClr val="000000"/>
+                        </a:solidFill>
+                      </a:endParaRPr>
+                    </a:p>
+                  </a:txBody>
+                  <a:tcPr/>
+                </a:tc>
+                <a:tc>
+                  <a:txBody>
+                    <a:bodyPr/>
+                    <a:lstStyle/>
+                    <a:p>
+                      <a:r>
+                        <a:rPr lang="en-CA" sz="1400" dirty="0" smtClean="0">
+                          <a:solidFill>
+                            <a:srgbClr val="000000"/>
+                          </a:solidFill>
+                        </a:rPr>
+                        <a:t>Reflect</a:t>
+                      </a:r>
+                      <a:endParaRPr lang="en-CA" sz="1400" dirty="0">
+                        <a:solidFill>
+                          <a:srgbClr val="000000"/>
+                        </a:solidFill>
+                      </a:endParaRPr>
+                    </a:p>
+                  </a:txBody>
+                  <a:tcPr/>
+                </a:tc>
+                <a:tc>
+                  <a:txBody>
+                    <a:bodyPr/>
+                    <a:lstStyle/>
+                    <a:p>
+                      <a:r>
+                        <a:rPr lang="en-CA" sz="1400" dirty="0" smtClean="0"/>
+                        <a:t>Legendary</a:t>
+                      </a:r>
+                      <a:endParaRPr lang="en-CA" sz="1400" dirty="0"/>
+                    </a:p>
+                  </a:txBody>
+                  <a:tcPr/>
+                </a:tc>
+                <a:tc>
+                  <a:txBody>
+                    <a:bodyPr/>
+                    <a:lstStyle/>
+                    <a:p>
+                      <a:pPr algn="ctr"/>
+                      <a:r>
+                        <a:rPr lang="en-CA" sz="1400" dirty="0" smtClean="0"/>
+                        <a:t>7</a:t>
+                      </a:r>
+                      <a:endParaRPr lang="en-CA" sz="1400" dirty="0"/>
+                    </a:p>
+                  </a:txBody>
+                  <a:tcPr/>
+                </a:tc>
+                <a:tc>
+                  <a:txBody>
+                    <a:bodyPr/>
+                    <a:lstStyle/>
+                    <a:p>
+                      <a:r>
+                        <a:rPr lang="en-CA" sz="1200" dirty="0" smtClean="0"/>
+                        <a:t>Reflect</a:t>
+                      </a:r>
+                      <a:r>
+                        <a:rPr lang="en-CA" sz="1200" baseline="0" dirty="0" smtClean="0"/>
+                        <a:t> certain cards </a:t>
+                      </a:r>
+                      <a:r>
+                        <a:rPr lang="en-CA" sz="1200" baseline="0" dirty="0" smtClean="0"/>
+                        <a:t>such as lightning</a:t>
+                      </a:r>
+                      <a:r>
+                        <a:rPr lang="en-CA" sz="1200" baseline="0" dirty="0" smtClean="0"/>
+                        <a:t>, hack, </a:t>
+                      </a:r>
+                      <a:r>
+                        <a:rPr lang="en-CA" sz="1200" baseline="0" dirty="0" smtClean="0"/>
+                        <a:t>and stasis back </a:t>
+                      </a:r>
+                      <a:r>
+                        <a:rPr lang="en-CA" sz="1200" baseline="0" dirty="0" smtClean="0"/>
+                        <a:t>to the caster</a:t>
+                      </a:r>
+                      <a:endParaRPr lang="en-CA" sz="1200" dirty="0"/>
+                    </a:p>
+                  </a:txBody>
+                  <a:tcPr/>
+                </a:tc>
+                <a:tc>
+                  <a:txBody>
+                    <a:bodyPr/>
+                    <a:lstStyle/>
+                    <a:p>
+                      <a:pPr algn="ctr"/>
+                      <a:r>
+                        <a:rPr lang="en-CA" sz="1400" dirty="0" smtClean="0"/>
+                        <a:t>TBD</a:t>
+                      </a:r>
+                      <a:endParaRPr lang="en-CA" sz="1400" dirty="0"/>
+                    </a:p>
+                  </a:txBody>
+                  <a:tcPr/>
+                </a:tc>
+              </a:tr>
+              <a:tr h="370840">
+                <a:tc>
+                  <a:txBody>
+                    <a:bodyPr/>
+                    <a:lstStyle/>
+                    <a:p>
+                      <a:pPr algn="ctr"/>
+                      <a:r>
+                        <a:rPr lang="en-CA" sz="1400" dirty="0" smtClean="0">
+                          <a:solidFill>
+                            <a:srgbClr val="000000"/>
+                          </a:solidFill>
+                        </a:rPr>
+                        <a:t>10</a:t>
+                      </a:r>
+                      <a:endParaRPr lang="en-CA" sz="1400" dirty="0">
+                        <a:solidFill>
+                          <a:srgbClr val="000000"/>
+                        </a:solidFill>
+                      </a:endParaRPr>
+                    </a:p>
+                  </a:txBody>
+                  <a:tcPr/>
+                </a:tc>
+                <a:tc>
+                  <a:txBody>
+                    <a:bodyPr/>
+                    <a:lstStyle/>
+                    <a:p>
+                      <a:r>
+                        <a:rPr lang="en-CA" sz="1400" dirty="0" smtClean="0">
+                          <a:solidFill>
+                            <a:srgbClr val="000000"/>
+                          </a:solidFill>
+                        </a:rPr>
+                        <a:t>Trip Mine</a:t>
+                      </a:r>
+                      <a:endParaRPr lang="en-CA" sz="1400" dirty="0">
+                        <a:solidFill>
+                          <a:srgbClr val="000000"/>
+                        </a:solidFill>
+                      </a:endParaRPr>
+                    </a:p>
+                  </a:txBody>
+                  <a:tcPr/>
+                </a:tc>
+                <a:tc>
+                  <a:txBody>
+                    <a:bodyPr/>
+                    <a:lstStyle/>
+                    <a:p>
+                      <a:r>
+                        <a:rPr lang="en-CA" sz="1400" dirty="0" smtClean="0"/>
+                        <a:t>Common</a:t>
+                      </a:r>
+                      <a:endParaRPr lang="en-CA" sz="1400" dirty="0"/>
+                    </a:p>
+                  </a:txBody>
+                  <a:tcPr/>
+                </a:tc>
+                <a:tc>
+                  <a:txBody>
+                    <a:bodyPr/>
+                    <a:lstStyle/>
+                    <a:p>
+                      <a:pPr algn="ctr"/>
+                      <a:r>
+                        <a:rPr lang="en-CA" sz="1400" dirty="0" smtClean="0"/>
+                        <a:t>3</a:t>
+                      </a:r>
+                      <a:endParaRPr lang="en-CA" sz="1400" dirty="0"/>
+                    </a:p>
+                  </a:txBody>
+                  <a:tcPr/>
+                </a:tc>
+                <a:tc>
+                  <a:txBody>
+                    <a:bodyPr/>
+                    <a:lstStyle/>
+                    <a:p>
+                      <a:r>
+                        <a:rPr lang="en-CA" sz="1200" dirty="0" smtClean="0"/>
+                        <a:t>Drop a trip-mine</a:t>
+                      </a:r>
+                      <a:endParaRPr lang="en-CA" sz="1200" dirty="0"/>
+                    </a:p>
+                  </a:txBody>
+                  <a:tcPr/>
+                </a:tc>
+                <a:tc>
+                  <a:txBody>
+                    <a:bodyPr/>
+                    <a:lstStyle/>
+                    <a:p>
+                      <a:pPr algn="ctr"/>
+                      <a:r>
+                        <a:rPr lang="en-CA" sz="1400" dirty="0" smtClean="0"/>
+                        <a:t>TBD</a:t>
+                      </a:r>
+                      <a:endParaRPr lang="en-CA" sz="1400" dirty="0"/>
+                    </a:p>
+                  </a:txBody>
+                  <a:tcPr/>
+                </a:tc>
+              </a:tr>
+              <a:tr h="370840">
+                <a:tc>
+                  <a:txBody>
+                    <a:bodyPr/>
+                    <a:lstStyle/>
+                    <a:p>
+                      <a:pPr algn="ctr"/>
+                      <a:r>
                         <a:rPr lang="en-CA" sz="1400" i="0" dirty="0" smtClean="0">
                           <a:solidFill>
-                            <a:schemeClr val="tx1"/>
+                            <a:srgbClr val="000000"/>
                           </a:solidFill>
                         </a:rPr>
-                        <a:t>17</a:t>
+                        <a:t>11</a:t>
                       </a:r>
                       <a:endParaRPr lang="en-CA" sz="1400" i="0" dirty="0">
                         <a:solidFill>
-                          <a:schemeClr val="tx1"/>
+                          <a:srgbClr val="000000"/>
                         </a:solidFill>
                       </a:endParaRPr>
                     </a:p>
@@ -15926,14 +15303,14 @@
                       <a:r>
                         <a:rPr lang="en-CA" sz="1400" i="0" dirty="0" smtClean="0">
                           <a:solidFill>
-                            <a:schemeClr val="tx1"/>
+                            <a:srgbClr val="000000"/>
                           </a:solidFill>
                         </a:rPr>
-                        <a:t>Supercharger</a:t>
+                        <a:t>Steal</a:t>
                       </a:r>
                       <a:endParaRPr lang="en-CA" sz="1400" i="0" dirty="0">
                         <a:solidFill>
-                          <a:schemeClr val="tx1"/>
+                          <a:srgbClr val="000000"/>
                         </a:solidFill>
                       </a:endParaRPr>
                     </a:p>
@@ -15947,7 +15324,7 @@
                     <a:p>
                       <a:r>
                         <a:rPr lang="en-CA" sz="1400" dirty="0" smtClean="0"/>
-                        <a:t>Epic</a:t>
+                        <a:t>Rare</a:t>
                       </a:r>
                       <a:endParaRPr lang="en-CA" sz="1400" dirty="0"/>
                     </a:p>
@@ -15959,9 +15336,10 @@
                     <a:bodyPr/>
                     <a:lstStyle/>
                     <a:p>
+                      <a:pPr algn="ctr"/>
                       <a:r>
                         <a:rPr lang="en-CA" sz="1400" dirty="0" smtClean="0"/>
-                        <a:t>4</a:t>
+                        <a:t>3</a:t>
                       </a:r>
                       <a:endParaRPr lang="en-CA" sz="1400" dirty="0"/>
                     </a:p>
@@ -15974,8 +15352,31 @@
                     <a:lstStyle/>
                     <a:p>
                       <a:r>
+                        <a:rPr lang="en-CA" sz="1200" dirty="0" smtClean="0"/>
+                        <a:t>Steal a card from an </a:t>
+                      </a:r>
+                      <a:r>
+                        <a:rPr lang="en-CA" sz="1200" dirty="0" smtClean="0"/>
+                        <a:t>opponent’s </a:t>
+                      </a:r>
+                      <a:r>
+                        <a:rPr lang="en-CA" sz="1200" dirty="0" smtClean="0"/>
+                        <a:t>deck</a:t>
+                      </a:r>
+                      <a:endParaRPr lang="en-CA" sz="1200" dirty="0"/>
+                    </a:p>
+                  </a:txBody>
+                  <a:tcPr/>
+                </a:tc>
+                <a:tc>
+                  <a:txBody>
+                    <a:bodyPr/>
+                    <a:lstStyle/>
+                    <a:p>
+                      <a:pPr algn="ctr"/>
+                      <a:r>
                         <a:rPr lang="en-CA" sz="1400" dirty="0" smtClean="0"/>
-                        <a:t>0</a:t>
+                        <a:t>TBD</a:t>
                       </a:r>
                       <a:endParaRPr lang="en-CA" sz="1400" dirty="0"/>
                     </a:p>
@@ -15991,14 +15392,14 @@
                     <a:p>
                       <a:pPr algn="ctr"/>
                       <a:r>
-                        <a:rPr lang="en-CA" sz="1400" i="0" dirty="0" smtClean="0">
+                        <a:rPr lang="en-CA" sz="1400" dirty="0" smtClean="0">
                           <a:solidFill>
                             <a:schemeClr val="accent4"/>
                           </a:solidFill>
                         </a:rPr>
-                        <a:t>18</a:t>
-                      </a:r>
-                      <a:endParaRPr lang="en-CA" sz="1400" i="0" dirty="0">
+                        <a:t>12</a:t>
+                      </a:r>
+                      <a:endParaRPr lang="en-CA" sz="1400" dirty="0">
                         <a:solidFill>
                           <a:schemeClr val="accent4"/>
                         </a:solidFill>
@@ -16013,14 +15414,14 @@
                     <a:lstStyle/>
                     <a:p>
                       <a:r>
-                        <a:rPr lang="en-CA" sz="1400" i="0" dirty="0" smtClean="0">
+                        <a:rPr lang="en-CA" sz="1400" dirty="0" smtClean="0">
                           <a:solidFill>
                             <a:schemeClr val="accent4"/>
                           </a:solidFill>
                         </a:rPr>
-                        <a:t>Hack</a:t>
-                      </a:r>
-                      <a:endParaRPr lang="en-CA" sz="1400" i="0" dirty="0">
+                        <a:t>Sentry</a:t>
+                      </a:r>
+                      <a:endParaRPr lang="en-CA" sz="1400" dirty="0">
                         <a:solidFill>
                           <a:schemeClr val="accent4"/>
                         </a:solidFill>
@@ -16036,7 +15437,7 @@
                     <a:p>
                       <a:r>
                         <a:rPr lang="en-CA" sz="1400" dirty="0" smtClean="0"/>
-                        <a:t>Legendary</a:t>
+                        <a:t>Rare</a:t>
                       </a:r>
                       <a:endParaRPr lang="en-CA" sz="1400" dirty="0"/>
                     </a:p>
@@ -16048,9 +15449,10 @@
                     <a:bodyPr/>
                     <a:lstStyle/>
                     <a:p>
+                      <a:pPr algn="ctr"/>
                       <a:r>
                         <a:rPr lang="en-CA" sz="1400" dirty="0" smtClean="0"/>
-                        <a:t>6</a:t>
+                        <a:t>7</a:t>
                       </a:r>
                       <a:endParaRPr lang="en-CA" sz="1400" dirty="0"/>
                     </a:p>
@@ -16063,8 +15465,35 @@
                     <a:lstStyle/>
                     <a:p>
                       <a:r>
+                        <a:rPr lang="en-CA" sz="1200" dirty="0" smtClean="0"/>
+                        <a:t>Create a </a:t>
+                      </a:r>
+                      <a:r>
+                        <a:rPr lang="en-CA" sz="1200" dirty="0" smtClean="0"/>
+                        <a:t>floating sentry </a:t>
+                      </a:r>
+                      <a:r>
+                        <a:rPr lang="en-CA" sz="1200" dirty="0" smtClean="0"/>
+                        <a:t>that</a:t>
+                      </a:r>
+                      <a:r>
+                        <a:rPr lang="en-CA" sz="1200" baseline="0" dirty="0" smtClean="0"/>
+                        <a:t> will follow you for a short while and attack opponents</a:t>
+                      </a:r>
+                      <a:endParaRPr lang="en-CA" sz="1200" dirty="0"/>
+                    </a:p>
+                  </a:txBody>
+                  <a:tcPr/>
+                </a:tc>
+                <a:tc>
+                  <a:txBody>
+                    <a:bodyPr/>
+                    <a:lstStyle/>
+                    <a:p>
+                      <a:pPr algn="ctr"/>
+                      <a:r>
                         <a:rPr lang="en-CA" sz="1400" dirty="0" smtClean="0"/>
-                        <a:t>Bit</a:t>
+                        <a:t>TBD</a:t>
                       </a:r>
                       <a:endParaRPr lang="en-CA" sz="1400" dirty="0"/>
                     </a:p>
@@ -16080,16 +15509,137 @@
                     <a:p>
                       <a:pPr algn="ctr"/>
                       <a:r>
+                        <a:rPr lang="en-CA" sz="1400" dirty="0" smtClean="0">
+                          <a:solidFill>
+                            <a:srgbClr val="000000"/>
+                          </a:solidFill>
+                        </a:rPr>
+                        <a:t>13</a:t>
+                      </a:r>
+                      <a:endParaRPr lang="en-CA" sz="1400" dirty="0">
+                        <a:solidFill>
+                          <a:srgbClr val="000000"/>
+                        </a:solidFill>
+                      </a:endParaRPr>
+                    </a:p>
+                  </a:txBody>
+                  <a:tcPr/>
+                </a:tc>
+                <a:tc>
+                  <a:txBody>
+                    <a:bodyPr/>
+                    <a:lstStyle/>
+                    <a:p>
+                      <a:r>
+                        <a:rPr lang="en-CA" sz="1400" dirty="0" smtClean="0">
+                          <a:solidFill>
+                            <a:srgbClr val="000000"/>
+                          </a:solidFill>
+                        </a:rPr>
+                        <a:t>Force</a:t>
+                      </a:r>
+                      <a:r>
+                        <a:rPr lang="en-CA" sz="1400" baseline="0" dirty="0" smtClean="0">
+                          <a:solidFill>
+                            <a:srgbClr val="000000"/>
+                          </a:solidFill>
+                        </a:rPr>
+                        <a:t> Field</a:t>
+                      </a:r>
+                      <a:endParaRPr lang="en-CA" sz="1400" dirty="0">
+                        <a:solidFill>
+                          <a:srgbClr val="000000"/>
+                        </a:solidFill>
+                      </a:endParaRPr>
+                    </a:p>
+                  </a:txBody>
+                  <a:tcPr/>
+                </a:tc>
+                <a:tc>
+                  <a:txBody>
+                    <a:bodyPr/>
+                    <a:lstStyle/>
+                    <a:p>
+                      <a:r>
+                        <a:rPr lang="en-CA" sz="1400" dirty="0" smtClean="0"/>
+                        <a:t>Rare</a:t>
+                      </a:r>
+                      <a:endParaRPr lang="en-CA" sz="1400" dirty="0"/>
+                    </a:p>
+                  </a:txBody>
+                  <a:tcPr/>
+                </a:tc>
+                <a:tc>
+                  <a:txBody>
+                    <a:bodyPr/>
+                    <a:lstStyle/>
+                    <a:p>
+                      <a:pPr algn="ctr"/>
+                      <a:r>
+                        <a:rPr lang="en-CA" sz="1400" dirty="0" smtClean="0"/>
+                        <a:t>3</a:t>
+                      </a:r>
+                      <a:endParaRPr lang="en-CA" sz="1400" dirty="0"/>
+                    </a:p>
+                  </a:txBody>
+                  <a:tcPr/>
+                </a:tc>
+                <a:tc>
+                  <a:txBody>
+                    <a:bodyPr/>
+                    <a:lstStyle/>
+                    <a:p>
+                      <a:r>
+                        <a:rPr lang="en-CA" sz="1200" dirty="0" smtClean="0"/>
+                        <a:t>Create a force field to block your </a:t>
+                      </a:r>
+                      <a:r>
+                        <a:rPr lang="en-CA" sz="1200" dirty="0" smtClean="0"/>
+                        <a:t>opponents’ </a:t>
+                      </a:r>
+                      <a:r>
+                        <a:rPr lang="en-CA" sz="1200" dirty="0" smtClean="0"/>
+                        <a:t>path</a:t>
+                      </a:r>
+                      <a:endParaRPr lang="en-CA" sz="1200" dirty="0"/>
+                    </a:p>
+                  </a:txBody>
+                  <a:tcPr/>
+                </a:tc>
+                <a:tc>
+                  <a:txBody>
+                    <a:bodyPr/>
+                    <a:lstStyle/>
+                    <a:p>
+                      <a:pPr algn="ctr"/>
+                      <a:r>
+                        <a:rPr lang="en-CA" sz="1400" dirty="0" smtClean="0"/>
+                        <a:t>TBD</a:t>
+                      </a:r>
+                      <a:endParaRPr lang="en-CA" sz="1400" dirty="0"/>
+                    </a:p>
+                  </a:txBody>
+                  <a:tcPr/>
+                </a:tc>
+              </a:tr>
+              <a:tr h="370840">
+                <a:tc>
+                  <a:txBody>
+                    <a:bodyPr/>
+                    <a:lstStyle/>
+                    <a:p>
+                      <a:pPr algn="ctr"/>
+                      <a:r>
                         <a:rPr lang="en-CA" sz="1400" i="0" dirty="0" smtClean="0">
                           <a:solidFill>
-                            <a:schemeClr val="tx1"/>
+                            <a:srgbClr val="000000"/>
                           </a:solidFill>
                         </a:rPr>
-                        <a:t>19</a:t>
+                        <a:t>14</a:t>
                       </a:r>
                       <a:endParaRPr lang="en-CA" sz="1400" i="0" dirty="0">
                         <a:solidFill>
-                          <a:schemeClr val="tx1"/>
+                          <a:srgbClr val="000000"/>
                         </a:solidFill>
                       </a:endParaRPr>
                     </a:p>
@@ -16104,14 +15654,14 @@
                       <a:r>
                         <a:rPr lang="en-CA" sz="1400" i="0" dirty="0" smtClean="0">
                           <a:solidFill>
-                            <a:schemeClr val="tx1"/>
+                            <a:srgbClr val="000000"/>
                           </a:solidFill>
                         </a:rPr>
-                        <a:t>Push</a:t>
+                        <a:t>Homing Missile</a:t>
                       </a:r>
                       <a:endParaRPr lang="en-CA" sz="1400" i="0" dirty="0">
                         <a:solidFill>
-                          <a:schemeClr val="tx1"/>
+                          <a:srgbClr val="000000"/>
                         </a:solidFill>
                       </a:endParaRPr>
                     </a:p>
@@ -16125,7 +15675,7 @@
                     <a:p>
                       <a:r>
                         <a:rPr lang="en-CA" sz="1400" dirty="0" smtClean="0"/>
-                        <a:t>Rare</a:t>
+                        <a:t>Epic</a:t>
                       </a:r>
                       <a:endParaRPr lang="en-CA" sz="1400" dirty="0"/>
                     </a:p>
@@ -16137,9 +15687,10 @@
                     <a:bodyPr/>
                     <a:lstStyle/>
                     <a:p>
+                      <a:pPr algn="ctr"/>
                       <a:r>
                         <a:rPr lang="en-CA" sz="1400" dirty="0" smtClean="0"/>
-                        <a:t>3</a:t>
+                        <a:t>4</a:t>
                       </a:r>
                       <a:endParaRPr lang="en-CA" sz="1400" dirty="0"/>
                     </a:p>
@@ -16152,8 +15703,27 @@
                     <a:lstStyle/>
                     <a:p>
                       <a:r>
+                        <a:rPr lang="en-CA" sz="1200" dirty="0" smtClean="0"/>
+                        <a:t>Fire a homing </a:t>
+                      </a:r>
+                      <a:r>
+                        <a:rPr lang="en-CA" sz="1200" dirty="0" smtClean="0"/>
+                        <a:t>missile</a:t>
+                      </a:r>
+                      <a:endParaRPr lang="en-CA" sz="1200" dirty="0"/>
+                    </a:p>
+                  </a:txBody>
+                  <a:tcPr/>
+                </a:tc>
+                <a:tc>
+                  <a:txBody>
+                    <a:bodyPr/>
+                    <a:lstStyle/>
+                    <a:p>
+                      <a:pPr algn="ctr"/>
+                      <a:r>
                         <a:rPr lang="en-CA" sz="1400" dirty="0" smtClean="0"/>
-                        <a:t>0</a:t>
+                        <a:t>TBD</a:t>
                       </a:r>
                       <a:endParaRPr lang="en-CA" sz="1400" dirty="0"/>
                     </a:p>
@@ -16171,14 +15741,14 @@
                       <a:r>
                         <a:rPr lang="en-CA" sz="1400" i="0" dirty="0" smtClean="0">
                           <a:solidFill>
-                            <a:schemeClr val="tx1"/>
+                            <a:srgbClr val="000000"/>
                           </a:solidFill>
                         </a:rPr>
-                        <a:t>20</a:t>
+                        <a:t>15</a:t>
                       </a:r>
                       <a:endParaRPr lang="en-CA" sz="1400" i="0" dirty="0">
                         <a:solidFill>
-                          <a:schemeClr val="tx1"/>
+                          <a:srgbClr val="000000"/>
                         </a:solidFill>
                       </a:endParaRPr>
                     </a:p>
@@ -16193,14 +15763,22 @@
                       <a:r>
                         <a:rPr lang="en-CA" sz="1400" i="0" dirty="0" smtClean="0">
                           <a:solidFill>
-                            <a:schemeClr val="tx1"/>
+                            <a:srgbClr val="000000"/>
                           </a:solidFill>
                         </a:rPr>
-                        <a:t>Giant</a:t>
+                        <a:t>Jet </a:t>
+                      </a:r>
+                      <a:r>
+                        <a:rPr lang="en-CA" sz="1400" i="0" dirty="0" smtClean="0">
+                          <a:solidFill>
+                            <a:srgbClr val="000000"/>
+                          </a:solidFill>
+                        </a:rPr>
+                        <a:t>Pack</a:t>
                       </a:r>
                       <a:endParaRPr lang="en-CA" sz="1400" i="0" dirty="0">
                         <a:solidFill>
-                          <a:schemeClr val="tx1"/>
+                          <a:srgbClr val="000000"/>
                         </a:solidFill>
                       </a:endParaRPr>
                     </a:p>
@@ -16226,9 +15804,10 @@
                     <a:bodyPr/>
                     <a:lstStyle/>
                     <a:p>
+                      <a:pPr algn="ctr"/>
                       <a:r>
                         <a:rPr lang="en-CA" sz="1400" dirty="0" smtClean="0"/>
-                        <a:t>6</a:t>
+                        <a:t>4</a:t>
                       </a:r>
                       <a:endParaRPr lang="en-CA" sz="1400" dirty="0"/>
                     </a:p>
@@ -16241,8 +15820,27 @@
                     <a:lstStyle/>
                     <a:p>
                       <a:r>
+                        <a:rPr lang="en-CA" sz="1200" dirty="0" smtClean="0"/>
+                        <a:t>NOT USED</a:t>
+                      </a:r>
+                      <a:r>
+                        <a:rPr lang="en-CA" sz="1200" baseline="0" dirty="0" smtClean="0"/>
+                        <a:t> FOR NOW</a:t>
+                      </a:r>
+                      <a:endParaRPr lang="en-CA" sz="1200" dirty="0"/>
+                    </a:p>
+                  </a:txBody>
+                  <a:tcPr/>
+                </a:tc>
+                <a:tc>
+                  <a:txBody>
+                    <a:bodyPr/>
+                    <a:lstStyle/>
+                    <a:p>
+                      <a:pPr algn="ctr"/>
+                      <a:r>
                         <a:rPr lang="en-CA" sz="1400" dirty="0" smtClean="0"/>
-                        <a:t>0</a:t>
+                        <a:t>TBD</a:t>
                       </a:r>
                       <a:endParaRPr lang="en-CA" sz="1400" dirty="0"/>
                     </a:p>
@@ -16260,14 +15858,14 @@
                       <a:r>
                         <a:rPr lang="en-CA" sz="1400" i="0" dirty="0" smtClean="0">
                           <a:solidFill>
-                            <a:schemeClr val="tx1"/>
+                            <a:srgbClr val="000000"/>
                           </a:solidFill>
                         </a:rPr>
-                        <a:t>21</a:t>
+                        <a:t>16</a:t>
                       </a:r>
                       <a:endParaRPr lang="en-CA" sz="1400" i="0" dirty="0">
                         <a:solidFill>
-                          <a:schemeClr val="tx1"/>
+                          <a:srgbClr val="000000"/>
                         </a:solidFill>
                       </a:endParaRPr>
                     </a:p>
@@ -16282,14 +15880,14 @@
                       <a:r>
                         <a:rPr lang="en-CA" sz="1400" i="0" dirty="0" smtClean="0">
                           <a:solidFill>
-                            <a:schemeClr val="tx1"/>
+                            <a:srgbClr val="000000"/>
                           </a:solidFill>
                         </a:rPr>
-                        <a:t>Clone</a:t>
+                        <a:t>Linked Fate</a:t>
                       </a:r>
                       <a:endParaRPr lang="en-CA" sz="1400" i="0" dirty="0">
                         <a:solidFill>
-                          <a:schemeClr val="tx1"/>
+                          <a:srgbClr val="000000"/>
                         </a:solidFill>
                       </a:endParaRPr>
                     </a:p>
@@ -16303,7 +15901,7 @@
                     <a:p>
                       <a:r>
                         <a:rPr lang="en-CA" sz="1400" dirty="0" smtClean="0"/>
-                        <a:t>Rare</a:t>
+                        <a:t>Epic</a:t>
                       </a:r>
                       <a:endParaRPr lang="en-CA" sz="1400" dirty="0"/>
                     </a:p>
@@ -16315,95 +15913,7 @@
                     <a:bodyPr/>
                     <a:lstStyle/>
                     <a:p>
-                      <a:r>
-                        <a:rPr lang="en-CA" sz="1400" dirty="0" smtClean="0"/>
-                        <a:t>3</a:t>
-                      </a:r>
-                      <a:endParaRPr lang="en-CA" sz="1400" dirty="0"/>
-                    </a:p>
-                  </a:txBody>
-                  <a:tcPr/>
-                </a:tc>
-                <a:tc>
-                  <a:txBody>
-                    <a:bodyPr/>
-                    <a:lstStyle/>
-                    <a:p>
-                      <a:r>
-                        <a:rPr lang="en-CA" sz="1400" dirty="0" smtClean="0"/>
-                        <a:t>0</a:t>
-                      </a:r>
-                      <a:endParaRPr lang="en-CA" sz="1400" dirty="0"/>
-                    </a:p>
-                  </a:txBody>
-                  <a:tcPr/>
-                </a:tc>
-              </a:tr>
-              <a:tr h="370840">
-                <a:tc>
-                  <a:txBody>
-                    <a:bodyPr/>
-                    <a:lstStyle/>
-                    <a:p>
                       <a:pPr algn="ctr"/>
-                      <a:r>
-                        <a:rPr lang="en-CA" sz="1400" i="0" dirty="0" smtClean="0">
-                          <a:solidFill>
-                            <a:schemeClr val="accent4"/>
-                          </a:solidFill>
-                        </a:rPr>
-                        <a:t>22</a:t>
-                      </a:r>
-                      <a:endParaRPr lang="en-CA" sz="1400" i="0" dirty="0">
-                        <a:solidFill>
-                          <a:schemeClr val="accent4"/>
-                        </a:solidFill>
-                      </a:endParaRPr>
-                    </a:p>
-                  </a:txBody>
-                  <a:tcPr/>
-                </a:tc>
-                <a:tc>
-                  <a:txBody>
-                    <a:bodyPr/>
-                    <a:lstStyle/>
-                    <a:p>
-                      <a:r>
-                        <a:rPr lang="en-CA" sz="1400" i="0" dirty="0" smtClean="0">
-                          <a:solidFill>
-                            <a:schemeClr val="accent4"/>
-                          </a:solidFill>
-                        </a:rPr>
-                        <a:t>Cloak</a:t>
-                      </a:r>
-                      <a:endParaRPr lang="en-CA" sz="1400" i="0" dirty="0">
-                        <a:solidFill>
-                          <a:schemeClr val="accent4"/>
-                        </a:solidFill>
-                      </a:endParaRPr>
-                    </a:p>
-                  </a:txBody>
-                  <a:tcPr/>
-                </a:tc>
-                <a:tc>
-                  <a:txBody>
-                    <a:bodyPr/>
-                    <a:lstStyle/>
-                    <a:p>
-                      <a:r>
-                        <a:rPr lang="en-CA" sz="1400" dirty="0" smtClean="0"/>
-                        <a:t>Epic</a:t>
-                      </a:r>
-                      <a:endParaRPr lang="en-CA" sz="1400" dirty="0"/>
-                    </a:p>
-                  </a:txBody>
-                  <a:tcPr/>
-                </a:tc>
-                <a:tc>
-                  <a:txBody>
-                    <a:bodyPr/>
-                    <a:lstStyle/>
-                    <a:p>
                       <a:r>
                         <a:rPr lang="en-CA" sz="1400" dirty="0" smtClean="0"/>
                         <a:t>5</a:t>
@@ -16419,186 +15929,27 @@
                     <a:lstStyle/>
                     <a:p>
                       <a:r>
+                        <a:rPr lang="en-CA" sz="1200" dirty="0" smtClean="0"/>
+                        <a:t>While</a:t>
+                      </a:r>
+                      <a:r>
+                        <a:rPr lang="en-CA" sz="1200" baseline="0" dirty="0" smtClean="0"/>
+                        <a:t> active, if the caster dies, all other players die</a:t>
+                      </a:r>
+                      <a:endParaRPr lang="en-CA" sz="1200" dirty="0"/>
+                    </a:p>
+                  </a:txBody>
+                  <a:tcPr/>
+                </a:tc>
+                <a:tc>
+                  <a:txBody>
+                    <a:bodyPr/>
+                    <a:lstStyle/>
+                    <a:p>
+                      <a:pPr algn="ctr"/>
+                      <a:r>
                         <a:rPr lang="en-CA" sz="1400" dirty="0" smtClean="0"/>
-                        <a:t>0</a:t>
-                      </a:r>
-                      <a:endParaRPr lang="en-CA" sz="1400" dirty="0"/>
-                    </a:p>
-                  </a:txBody>
-                  <a:tcPr/>
-                </a:tc>
-              </a:tr>
-              <a:tr h="370840">
-                <a:tc>
-                  <a:txBody>
-                    <a:bodyPr/>
-                    <a:lstStyle/>
-                    <a:p>
-                      <a:pPr algn="ctr"/>
-                      <a:r>
-                        <a:rPr lang="en-CA" sz="1400" i="0" dirty="0" smtClean="0">
-                          <a:solidFill>
-                            <a:schemeClr val="tx1"/>
-                          </a:solidFill>
-                        </a:rPr>
-                        <a:t>23</a:t>
-                      </a:r>
-                      <a:endParaRPr lang="en-CA" sz="1400" i="0" dirty="0">
-                        <a:solidFill>
-                          <a:schemeClr val="tx1"/>
-                        </a:solidFill>
-                      </a:endParaRPr>
-                    </a:p>
-                  </a:txBody>
-                  <a:tcPr/>
-                </a:tc>
-                <a:tc>
-                  <a:txBody>
-                    <a:bodyPr/>
-                    <a:lstStyle/>
-                    <a:p>
-                      <a:r>
-                        <a:rPr lang="en-CA" sz="1400" i="0" dirty="0" smtClean="0">
-                          <a:solidFill>
-                            <a:schemeClr val="tx1"/>
-                          </a:solidFill>
-                        </a:rPr>
-                        <a:t>Purple Haze</a:t>
-                      </a:r>
-                      <a:endParaRPr lang="en-CA" sz="1400" i="0" dirty="0">
-                        <a:solidFill>
-                          <a:schemeClr val="tx1"/>
-                        </a:solidFill>
-                      </a:endParaRPr>
-                    </a:p>
-                  </a:txBody>
-                  <a:tcPr/>
-                </a:tc>
-                <a:tc>
-                  <a:txBody>
-                    <a:bodyPr/>
-                    <a:lstStyle/>
-                    <a:p>
-                      <a:r>
-                        <a:rPr lang="en-CA" sz="1400" dirty="0" smtClean="0"/>
-                        <a:t>Common</a:t>
-                      </a:r>
-                      <a:endParaRPr lang="en-CA" sz="1400" dirty="0"/>
-                    </a:p>
-                  </a:txBody>
-                  <a:tcPr/>
-                </a:tc>
-                <a:tc>
-                  <a:txBody>
-                    <a:bodyPr/>
-                    <a:lstStyle/>
-                    <a:p>
-                      <a:r>
-                        <a:rPr lang="en-CA" sz="1400" dirty="0" smtClean="0"/>
-                        <a:t>2</a:t>
-                      </a:r>
-                      <a:endParaRPr lang="en-CA" sz="1400" dirty="0"/>
-                    </a:p>
-                  </a:txBody>
-                  <a:tcPr/>
-                </a:tc>
-                <a:tc>
-                  <a:txBody>
-                    <a:bodyPr/>
-                    <a:lstStyle/>
-                    <a:p>
-                      <a:r>
-                        <a:rPr lang="en-CA" sz="1400" dirty="0" smtClean="0"/>
-                        <a:t>0</a:t>
-                      </a:r>
-                      <a:endParaRPr lang="en-CA" sz="1400" dirty="0"/>
-                    </a:p>
-                  </a:txBody>
-                  <a:tcPr/>
-                </a:tc>
-              </a:tr>
-              <a:tr h="370840">
-                <a:tc>
-                  <a:txBody>
-                    <a:bodyPr/>
-                    <a:lstStyle/>
-                    <a:p>
-                      <a:pPr algn="ctr"/>
-                      <a:r>
-                        <a:rPr lang="en-CA" sz="1400" i="0" dirty="0" smtClean="0">
-                          <a:solidFill>
-                            <a:schemeClr val="tx1"/>
-                          </a:solidFill>
-                        </a:rPr>
-                        <a:t>24</a:t>
-                      </a:r>
-                      <a:endParaRPr lang="en-CA" sz="1400" i="0" dirty="0">
-                        <a:solidFill>
-                          <a:schemeClr val="tx1"/>
-                        </a:solidFill>
-                      </a:endParaRPr>
-                    </a:p>
-                  </a:txBody>
-                  <a:tcPr/>
-                </a:tc>
-                <a:tc>
-                  <a:txBody>
-                    <a:bodyPr/>
-                    <a:lstStyle/>
-                    <a:p>
-                      <a:r>
-                        <a:rPr lang="en-CA" sz="1400" i="0" dirty="0" smtClean="0">
-                          <a:solidFill>
-                            <a:schemeClr val="tx1"/>
-                          </a:solidFill>
-                        </a:rPr>
-                        <a:t>Head hunter</a:t>
-                      </a:r>
-                      <a:endParaRPr lang="en-CA" sz="1400" i="0" dirty="0">
-                        <a:solidFill>
-                          <a:schemeClr val="tx1"/>
-                        </a:solidFill>
-                      </a:endParaRPr>
-                    </a:p>
-                  </a:txBody>
-                  <a:tcPr/>
-                </a:tc>
-                <a:tc>
-                  <a:txBody>
-                    <a:bodyPr/>
-                    <a:lstStyle/>
-                    <a:p>
-                      <a:r>
-                        <a:rPr lang="en-CA" sz="1400" dirty="0" smtClean="0"/>
-                        <a:t>Epic</a:t>
-                      </a:r>
-                      <a:endParaRPr lang="en-CA" sz="1400" dirty="0"/>
-                    </a:p>
-                  </a:txBody>
-                  <a:tcPr/>
-                </a:tc>
-                <a:tc>
-                  <a:txBody>
-                    <a:bodyPr/>
-                    <a:lstStyle/>
-                    <a:p>
-                      <a:r>
-                        <a:rPr lang="en-CA" sz="1400" dirty="0" smtClean="0"/>
-                        <a:t>7</a:t>
-                      </a:r>
-                      <a:endParaRPr lang="en-CA" sz="1400" dirty="0"/>
-                    </a:p>
-                  </a:txBody>
-                  <a:tcPr/>
-                </a:tc>
-                <a:tc>
-                  <a:txBody>
-                    <a:bodyPr/>
-                    <a:lstStyle/>
-                    <a:p>
-                      <a:r>
-                        <a:rPr lang="en-CA" sz="1400" dirty="0" smtClean="0"/>
-                        <a:t>0</a:t>
+                        <a:t>TBD</a:t>
                       </a:r>
                       <a:endParaRPr lang="en-CA" sz="1400" dirty="0"/>
                     </a:p>
@@ -16613,7 +15964,7 @@
     </p:spTree>
     <p:extLst>
       <p:ext uri="{BB962C8B-B14F-4D97-AF65-F5344CB8AC3E}">
-        <p14:creationId xmlns:p14="http://schemas.microsoft.com/office/powerpoint/2010/main" val="3249688305"/>
+        <p14:creationId xmlns:p14="http://schemas.microsoft.com/office/powerpoint/2010/main" val="1865214933"/>
       </p:ext>
     </p:extLst>
   </p:cSld>
@@ -16703,14 +16054,14 @@
             <p:ph idx="1"/>
             <p:extLst>
               <p:ext uri="{D42A27DB-BD31-4B8C-83A1-F6EECF244321}">
-                <p14:modId xmlns:p14="http://schemas.microsoft.com/office/powerpoint/2010/main" val="3116067628"/>
+                <p14:modId xmlns:p14="http://schemas.microsoft.com/office/powerpoint/2010/main" val="415491248"/>
               </p:ext>
             </p:extLst>
           </p:nvPr>
         </p:nvGraphicFramePr>
         <p:xfrm>
           <a:off x="774700" y="2197100"/>
-          <a:ext cx="5403850" cy="1407159"/>
+          <a:ext cx="7709401" cy="4368799"/>
         </p:xfrm>
         <a:graphic>
           <a:graphicData uri="http://schemas.openxmlformats.org/drawingml/2006/table">
@@ -16719,11 +16070,12 @@
                 <a:tableStyleId>{5C22544A-7EE6-4342-B048-85BDC9FD1C3A}</a:tableStyleId>
               </a:tblPr>
               <a:tblGrid>
-                <a:gridCol w="425679"/>
-                <a:gridCol w="1347364"/>
-                <a:gridCol w="1355682"/>
-                <a:gridCol w="1073434"/>
-                <a:gridCol w="1201691"/>
+                <a:gridCol w="379954"/>
+                <a:gridCol w="1486949"/>
+                <a:gridCol w="1122680"/>
+                <a:gridCol w="709162"/>
+                <a:gridCol w="3156293"/>
+                <a:gridCol w="854363"/>
               </a:tblGrid>
               <a:tr h="370840">
                 <a:tc>
@@ -16774,9 +16126,17 @@
                     <a:bodyPr/>
                     <a:lstStyle/>
                     <a:p>
+                      <a:pPr algn="ctr"/>
                       <a:r>
                         <a:rPr lang="en-CA" sz="1400" dirty="0" smtClean="0"/>
-                        <a:t>Power Cost</a:t>
+                        <a:t>Power</a:t>
+                      </a:r>
+                    </a:p>
+                    <a:p>
+                      <a:pPr algn="ctr"/>
+                      <a:r>
+                        <a:rPr lang="en-CA" sz="1400" dirty="0" smtClean="0"/>
+                        <a:t>Cost</a:t>
                       </a:r>
                       <a:endParaRPr lang="en-CA" sz="1400" dirty="0"/>
                     </a:p>
@@ -16788,6 +16148,21 @@
                     <a:bodyPr/>
                     <a:lstStyle/>
                     <a:p>
+                      <a:r>
+                        <a:rPr lang="en-CA" sz="1400" dirty="0" smtClean="0"/>
+                        <a:t>Description</a:t>
+                      </a:r>
+                      <a:endParaRPr lang="en-CA" sz="1400" dirty="0"/>
+                    </a:p>
+                  </a:txBody>
+                  <a:tcPr/>
+                </a:tc>
+                <a:tc>
+                  <a:txBody>
+                    <a:bodyPr/>
+                    <a:lstStyle/>
+                    <a:p>
+                      <a:pPr algn="ctr"/>
                       <a:r>
                         <a:rPr lang="en-CA" sz="1400" dirty="0" smtClean="0"/>
                         <a:t>Unlock Level</a:t>
@@ -16806,14 +16181,14 @@
                     <a:p>
                       <a:pPr algn="ctr"/>
                       <a:r>
-                        <a:rPr lang="en-CA" sz="1400" dirty="0" smtClean="0">
+                        <a:rPr lang="en-CA" sz="1400" i="0" dirty="0" smtClean="0">
                           <a:solidFill>
                             <a:schemeClr val="tx1"/>
                           </a:solidFill>
                         </a:rPr>
-                        <a:t>25</a:t>
-                      </a:r>
-                      <a:endParaRPr lang="en-CA" sz="1400" dirty="0">
+                        <a:t>17</a:t>
+                      </a:r>
+                      <a:endParaRPr lang="en-CA" sz="1400" i="0" dirty="0">
                         <a:solidFill>
                           <a:schemeClr val="tx1"/>
                         </a:solidFill>
@@ -16828,14 +16203,14 @@
                     <a:lstStyle/>
                     <a:p>
                       <a:r>
-                        <a:rPr lang="en-CA" sz="1400" dirty="0" smtClean="0">
+                        <a:rPr lang="en-CA" sz="1400" i="0" dirty="0" smtClean="0">
                           <a:solidFill>
                             <a:schemeClr val="tx1"/>
                           </a:solidFill>
                         </a:rPr>
-                        <a:t>Meteor Shower</a:t>
-                      </a:r>
-                      <a:endParaRPr lang="en-CA" sz="1400" dirty="0">
+                        <a:t>Supercharger</a:t>
+                      </a:r>
+                      <a:endParaRPr lang="en-CA" sz="1400" i="0" dirty="0">
                         <a:solidFill>
                           <a:schemeClr val="tx1"/>
                         </a:solidFill>
@@ -16851,7 +16226,7 @@
                     <a:p>
                       <a:r>
                         <a:rPr lang="en-CA" sz="1400" dirty="0" smtClean="0"/>
-                        <a:t>Legendary</a:t>
+                        <a:t>Epic</a:t>
                       </a:r>
                       <a:endParaRPr lang="en-CA" sz="1400" dirty="0"/>
                     </a:p>
@@ -16863,6 +16238,7 @@
                     <a:bodyPr/>
                     <a:lstStyle/>
                     <a:p>
+                      <a:pPr algn="ctr"/>
                       <a:r>
                         <a:rPr lang="en-CA" sz="1400" dirty="0" smtClean="0"/>
                         <a:t>4</a:t>
@@ -16878,8 +16254,23 @@
                     <a:lstStyle/>
                     <a:p>
                       <a:r>
+                        <a:rPr lang="en-CA" sz="1200" dirty="0" smtClean="0"/>
+                        <a:t>While active, play all cards as if they were 2 levels higher</a:t>
+                      </a:r>
+                      <a:endParaRPr lang="en-CA" sz="1200" dirty="0"/>
+                    </a:p>
+                  </a:txBody>
+                  <a:tcPr/>
+                </a:tc>
+                <a:tc>
+                  <a:txBody>
+                    <a:bodyPr/>
+                    <a:lstStyle/>
+                    <a:p>
+                      <a:pPr algn="ctr"/>
+                      <a:r>
                         <a:rPr lang="en-CA" sz="1400" dirty="0" smtClean="0"/>
-                        <a:t>0</a:t>
+                        <a:t>TBD</a:t>
                       </a:r>
                       <a:endParaRPr lang="en-CA" sz="1400" dirty="0"/>
                     </a:p>
@@ -16895,16 +16286,16 @@
                     <a:p>
                       <a:pPr algn="ctr"/>
                       <a:r>
-                        <a:rPr lang="en-CA" sz="1400" dirty="0" smtClean="0">
+                        <a:rPr lang="en-CA" sz="1400" i="0" dirty="0" smtClean="0">
                           <a:solidFill>
-                            <a:srgbClr val="EB8F00"/>
+                            <a:schemeClr val="accent4"/>
                           </a:solidFill>
                         </a:rPr>
-                        <a:t>26</a:t>
-                      </a:r>
-                      <a:endParaRPr lang="en-CA" sz="1400" dirty="0">
+                        <a:t>18</a:t>
+                      </a:r>
+                      <a:endParaRPr lang="en-CA" sz="1400" i="0" dirty="0">
                         <a:solidFill>
-                          <a:srgbClr val="EB8F00"/>
+                          <a:schemeClr val="accent4"/>
                         </a:solidFill>
                       </a:endParaRPr>
                     </a:p>
@@ -16917,16 +16308,16 @@
                     <a:lstStyle/>
                     <a:p>
                       <a:r>
-                        <a:rPr lang="en-CA" sz="1400" dirty="0" smtClean="0">
+                        <a:rPr lang="en-CA" sz="1400" i="0" dirty="0" smtClean="0">
                           <a:solidFill>
-                            <a:srgbClr val="EB8F00"/>
+                            <a:schemeClr val="accent4"/>
                           </a:solidFill>
                         </a:rPr>
-                        <a:t>Shockwave</a:t>
-                      </a:r>
-                      <a:endParaRPr lang="en-CA" sz="1400" dirty="0">
+                        <a:t>Hack</a:t>
+                      </a:r>
+                      <a:endParaRPr lang="en-CA" sz="1400" i="0" dirty="0">
                         <a:solidFill>
-                          <a:srgbClr val="EB8F00"/>
+                          <a:schemeClr val="accent4"/>
                         </a:solidFill>
                       </a:endParaRPr>
                     </a:p>
@@ -16940,7 +16331,7 @@
                     <a:p>
                       <a:r>
                         <a:rPr lang="en-CA" sz="1400" dirty="0" smtClean="0"/>
-                        <a:t>Epic</a:t>
+                        <a:t>Legendary</a:t>
                       </a:r>
                       <a:endParaRPr lang="en-CA" sz="1400" dirty="0"/>
                     </a:p>
@@ -16952,6 +16343,7 @@
                     <a:bodyPr/>
                     <a:lstStyle/>
                     <a:p>
+                      <a:pPr algn="ctr"/>
                       <a:r>
                         <a:rPr lang="en-CA" sz="1400" dirty="0" smtClean="0"/>
                         <a:t>6</a:t>
@@ -16967,8 +16359,681 @@
                     <a:lstStyle/>
                     <a:p>
                       <a:r>
+                        <a:rPr lang="en-CA" sz="1200" dirty="0" smtClean="0"/>
+                        <a:t>Hack your </a:t>
+                      </a:r>
+                      <a:r>
+                        <a:rPr lang="en-CA" sz="1200" dirty="0" smtClean="0"/>
+                        <a:t>opponents’ </a:t>
+                      </a:r>
+                      <a:r>
+                        <a:rPr lang="en-CA" sz="1200" dirty="0" smtClean="0"/>
+                        <a:t>omni-tool and prevent them from playing cards for a short while</a:t>
+                      </a:r>
+                      <a:endParaRPr lang="en-CA" sz="1200" dirty="0"/>
+                    </a:p>
+                  </a:txBody>
+                  <a:tcPr/>
+                </a:tc>
+                <a:tc>
+                  <a:txBody>
+                    <a:bodyPr/>
+                    <a:lstStyle/>
+                    <a:p>
+                      <a:pPr algn="ctr"/>
+                      <a:r>
                         <a:rPr lang="en-CA" sz="1400" dirty="0" smtClean="0"/>
-                        <a:t>0</a:t>
+                        <a:t>TBD</a:t>
+                      </a:r>
+                      <a:endParaRPr lang="en-CA" sz="1400" dirty="0"/>
+                    </a:p>
+                  </a:txBody>
+                  <a:tcPr/>
+                </a:tc>
+              </a:tr>
+              <a:tr h="370840">
+                <a:tc>
+                  <a:txBody>
+                    <a:bodyPr/>
+                    <a:lstStyle/>
+                    <a:p>
+                      <a:pPr algn="ctr"/>
+                      <a:r>
+                        <a:rPr lang="en-CA" sz="1400" i="0" dirty="0" smtClean="0">
+                          <a:solidFill>
+                            <a:schemeClr val="tx1"/>
+                          </a:solidFill>
+                        </a:rPr>
+                        <a:t>19</a:t>
+                      </a:r>
+                      <a:endParaRPr lang="en-CA" sz="1400" i="0" dirty="0">
+                        <a:solidFill>
+                          <a:schemeClr val="tx1"/>
+                        </a:solidFill>
+                      </a:endParaRPr>
+                    </a:p>
+                  </a:txBody>
+                  <a:tcPr/>
+                </a:tc>
+                <a:tc>
+                  <a:txBody>
+                    <a:bodyPr/>
+                    <a:lstStyle/>
+                    <a:p>
+                      <a:r>
+                        <a:rPr lang="en-CA" sz="1400" i="0" dirty="0" smtClean="0">
+                          <a:solidFill>
+                            <a:schemeClr val="tx1"/>
+                          </a:solidFill>
+                        </a:rPr>
+                        <a:t>Push</a:t>
+                      </a:r>
+                      <a:endParaRPr lang="en-CA" sz="1400" i="0" dirty="0">
+                        <a:solidFill>
+                          <a:schemeClr val="tx1"/>
+                        </a:solidFill>
+                      </a:endParaRPr>
+                    </a:p>
+                  </a:txBody>
+                  <a:tcPr/>
+                </a:tc>
+                <a:tc>
+                  <a:txBody>
+                    <a:bodyPr/>
+                    <a:lstStyle/>
+                    <a:p>
+                      <a:r>
+                        <a:rPr lang="en-CA" sz="1400" dirty="0" smtClean="0"/>
+                        <a:t>Rare</a:t>
+                      </a:r>
+                      <a:endParaRPr lang="en-CA" sz="1400" dirty="0"/>
+                    </a:p>
+                  </a:txBody>
+                  <a:tcPr/>
+                </a:tc>
+                <a:tc>
+                  <a:txBody>
+                    <a:bodyPr/>
+                    <a:lstStyle/>
+                    <a:p>
+                      <a:pPr algn="ctr"/>
+                      <a:r>
+                        <a:rPr lang="en-CA" sz="1400" dirty="0" smtClean="0"/>
+                        <a:t>3</a:t>
+                      </a:r>
+                      <a:endParaRPr lang="en-CA" sz="1400" dirty="0"/>
+                    </a:p>
+                  </a:txBody>
+                  <a:tcPr/>
+                </a:tc>
+                <a:tc>
+                  <a:txBody>
+                    <a:bodyPr/>
+                    <a:lstStyle/>
+                    <a:p>
+                      <a:r>
+                        <a:rPr lang="en-CA" sz="1200" dirty="0" smtClean="0"/>
+                        <a:t>Push an opponent forward </a:t>
+                      </a:r>
+                      <a:r>
+                        <a:rPr lang="en-CA" sz="1200" dirty="0" smtClean="0"/>
+                        <a:t>(for </a:t>
+                      </a:r>
+                      <a:r>
+                        <a:rPr lang="en-CA" sz="1200" dirty="0" smtClean="0"/>
+                        <a:t>example into a trap)</a:t>
+                      </a:r>
+                      <a:endParaRPr lang="en-CA" sz="1200" dirty="0"/>
+                    </a:p>
+                  </a:txBody>
+                  <a:tcPr/>
+                </a:tc>
+                <a:tc>
+                  <a:txBody>
+                    <a:bodyPr/>
+                    <a:lstStyle/>
+                    <a:p>
+                      <a:pPr algn="ctr"/>
+                      <a:r>
+                        <a:rPr lang="en-CA" sz="1400" dirty="0" smtClean="0"/>
+                        <a:t>TBD</a:t>
+                      </a:r>
+                      <a:endParaRPr lang="en-CA" sz="1400" dirty="0"/>
+                    </a:p>
+                  </a:txBody>
+                  <a:tcPr/>
+                </a:tc>
+              </a:tr>
+              <a:tr h="370840">
+                <a:tc>
+                  <a:txBody>
+                    <a:bodyPr/>
+                    <a:lstStyle/>
+                    <a:p>
+                      <a:pPr algn="ctr"/>
+                      <a:r>
+                        <a:rPr lang="en-CA" sz="1400" i="0" dirty="0" smtClean="0">
+                          <a:solidFill>
+                            <a:schemeClr val="tx1"/>
+                          </a:solidFill>
+                        </a:rPr>
+                        <a:t>20</a:t>
+                      </a:r>
+                      <a:endParaRPr lang="en-CA" sz="1400" i="0" dirty="0">
+                        <a:solidFill>
+                          <a:schemeClr val="tx1"/>
+                        </a:solidFill>
+                      </a:endParaRPr>
+                    </a:p>
+                  </a:txBody>
+                  <a:tcPr/>
+                </a:tc>
+                <a:tc>
+                  <a:txBody>
+                    <a:bodyPr/>
+                    <a:lstStyle/>
+                    <a:p>
+                      <a:r>
+                        <a:rPr lang="en-CA" sz="1400" i="0" dirty="0" smtClean="0">
+                          <a:solidFill>
+                            <a:schemeClr val="tx1"/>
+                          </a:solidFill>
+                        </a:rPr>
+                        <a:t>Giant</a:t>
+                      </a:r>
+                      <a:endParaRPr lang="en-CA" sz="1400" i="0" dirty="0">
+                        <a:solidFill>
+                          <a:schemeClr val="tx1"/>
+                        </a:solidFill>
+                      </a:endParaRPr>
+                    </a:p>
+                  </a:txBody>
+                  <a:tcPr/>
+                </a:tc>
+                <a:tc>
+                  <a:txBody>
+                    <a:bodyPr/>
+                    <a:lstStyle/>
+                    <a:p>
+                      <a:r>
+                        <a:rPr lang="en-CA" sz="1400" dirty="0" smtClean="0"/>
+                        <a:t>Epic</a:t>
+                      </a:r>
+                      <a:endParaRPr lang="en-CA" sz="1400" dirty="0"/>
+                    </a:p>
+                  </a:txBody>
+                  <a:tcPr/>
+                </a:tc>
+                <a:tc>
+                  <a:txBody>
+                    <a:bodyPr/>
+                    <a:lstStyle/>
+                    <a:p>
+                      <a:pPr algn="ctr"/>
+                      <a:r>
+                        <a:rPr lang="en-CA" sz="1400" dirty="0" smtClean="0"/>
+                        <a:t>6</a:t>
+                      </a:r>
+                      <a:endParaRPr lang="en-CA" sz="1400" dirty="0"/>
+                    </a:p>
+                  </a:txBody>
+                  <a:tcPr/>
+                </a:tc>
+                <a:tc>
+                  <a:txBody>
+                    <a:bodyPr/>
+                    <a:lstStyle/>
+                    <a:p>
+                      <a:r>
+                        <a:rPr lang="en-CA" sz="1200" dirty="0" smtClean="0"/>
+                        <a:t>NOT SURE THIS WILL BE USED</a:t>
+                      </a:r>
+                      <a:endParaRPr lang="en-CA" sz="1200" dirty="0"/>
+                    </a:p>
+                  </a:txBody>
+                  <a:tcPr/>
+                </a:tc>
+                <a:tc>
+                  <a:txBody>
+                    <a:bodyPr/>
+                    <a:lstStyle/>
+                    <a:p>
+                      <a:pPr algn="ctr"/>
+                      <a:r>
+                        <a:rPr lang="en-CA" sz="1400" dirty="0" smtClean="0"/>
+                        <a:t>TBD</a:t>
+                      </a:r>
+                      <a:endParaRPr lang="en-CA" sz="1400" dirty="0"/>
+                    </a:p>
+                  </a:txBody>
+                  <a:tcPr/>
+                </a:tc>
+              </a:tr>
+              <a:tr h="370840">
+                <a:tc>
+                  <a:txBody>
+                    <a:bodyPr/>
+                    <a:lstStyle/>
+                    <a:p>
+                      <a:pPr algn="ctr"/>
+                      <a:r>
+                        <a:rPr lang="en-CA" sz="1400" i="0" dirty="0" smtClean="0">
+                          <a:solidFill>
+                            <a:schemeClr val="tx1"/>
+                          </a:solidFill>
+                        </a:rPr>
+                        <a:t>21</a:t>
+                      </a:r>
+                      <a:endParaRPr lang="en-CA" sz="1400" i="0" dirty="0">
+                        <a:solidFill>
+                          <a:schemeClr val="tx1"/>
+                        </a:solidFill>
+                      </a:endParaRPr>
+                    </a:p>
+                  </a:txBody>
+                  <a:tcPr/>
+                </a:tc>
+                <a:tc>
+                  <a:txBody>
+                    <a:bodyPr/>
+                    <a:lstStyle/>
+                    <a:p>
+                      <a:r>
+                        <a:rPr lang="en-CA" sz="1400" i="0" dirty="0" smtClean="0">
+                          <a:solidFill>
+                            <a:schemeClr val="tx1"/>
+                          </a:solidFill>
+                        </a:rPr>
+                        <a:t>Clone</a:t>
+                      </a:r>
+                      <a:endParaRPr lang="en-CA" sz="1400" i="0" dirty="0">
+                        <a:solidFill>
+                          <a:schemeClr val="tx1"/>
+                        </a:solidFill>
+                      </a:endParaRPr>
+                    </a:p>
+                  </a:txBody>
+                  <a:tcPr/>
+                </a:tc>
+                <a:tc>
+                  <a:txBody>
+                    <a:bodyPr/>
+                    <a:lstStyle/>
+                    <a:p>
+                      <a:r>
+                        <a:rPr lang="en-CA" sz="1400" dirty="0" smtClean="0"/>
+                        <a:t>Rare</a:t>
+                      </a:r>
+                      <a:endParaRPr lang="en-CA" sz="1400" dirty="0"/>
+                    </a:p>
+                  </a:txBody>
+                  <a:tcPr/>
+                </a:tc>
+                <a:tc>
+                  <a:txBody>
+                    <a:bodyPr/>
+                    <a:lstStyle/>
+                    <a:p>
+                      <a:pPr algn="ctr"/>
+                      <a:r>
+                        <a:rPr lang="en-CA" sz="1400" dirty="0" smtClean="0"/>
+                        <a:t>3</a:t>
+                      </a:r>
+                      <a:endParaRPr lang="en-CA" sz="1400" dirty="0"/>
+                    </a:p>
+                  </a:txBody>
+                  <a:tcPr/>
+                </a:tc>
+                <a:tc>
+                  <a:txBody>
+                    <a:bodyPr/>
+                    <a:lstStyle/>
+                    <a:p>
+                      <a:r>
+                        <a:rPr lang="en-CA" sz="1200" dirty="0" smtClean="0"/>
+                        <a:t>Clone</a:t>
+                      </a:r>
+                      <a:r>
+                        <a:rPr lang="en-CA" sz="1200" baseline="0" dirty="0" smtClean="0"/>
+                        <a:t> the last card played</a:t>
+                      </a:r>
+                      <a:endParaRPr lang="en-CA" sz="1200" dirty="0"/>
+                    </a:p>
+                  </a:txBody>
+                  <a:tcPr/>
+                </a:tc>
+                <a:tc>
+                  <a:txBody>
+                    <a:bodyPr/>
+                    <a:lstStyle/>
+                    <a:p>
+                      <a:pPr algn="ctr"/>
+                      <a:r>
+                        <a:rPr lang="en-CA" sz="1400" dirty="0" smtClean="0"/>
+                        <a:t>TBD</a:t>
+                      </a:r>
+                      <a:endParaRPr lang="en-CA" sz="1400" dirty="0"/>
+                    </a:p>
+                  </a:txBody>
+                  <a:tcPr/>
+                </a:tc>
+              </a:tr>
+              <a:tr h="370840">
+                <a:tc>
+                  <a:txBody>
+                    <a:bodyPr/>
+                    <a:lstStyle/>
+                    <a:p>
+                      <a:pPr algn="ctr"/>
+                      <a:r>
+                        <a:rPr lang="en-CA" sz="1400" i="0" dirty="0" smtClean="0">
+                          <a:solidFill>
+                            <a:schemeClr val="accent4"/>
+                          </a:solidFill>
+                        </a:rPr>
+                        <a:t>22</a:t>
+                      </a:r>
+                      <a:endParaRPr lang="en-CA" sz="1400" i="0" dirty="0">
+                        <a:solidFill>
+                          <a:schemeClr val="accent4"/>
+                        </a:solidFill>
+                      </a:endParaRPr>
+                    </a:p>
+                  </a:txBody>
+                  <a:tcPr/>
+                </a:tc>
+                <a:tc>
+                  <a:txBody>
+                    <a:bodyPr/>
+                    <a:lstStyle/>
+                    <a:p>
+                      <a:r>
+                        <a:rPr lang="en-CA" sz="1400" i="0" dirty="0" smtClean="0">
+                          <a:solidFill>
+                            <a:schemeClr val="accent4"/>
+                          </a:solidFill>
+                        </a:rPr>
+                        <a:t>Cloak</a:t>
+                      </a:r>
+                      <a:endParaRPr lang="en-CA" sz="1400" i="0" dirty="0">
+                        <a:solidFill>
+                          <a:schemeClr val="accent4"/>
+                        </a:solidFill>
+                      </a:endParaRPr>
+                    </a:p>
+                  </a:txBody>
+                  <a:tcPr/>
+                </a:tc>
+                <a:tc>
+                  <a:txBody>
+                    <a:bodyPr/>
+                    <a:lstStyle/>
+                    <a:p>
+                      <a:r>
+                        <a:rPr lang="en-CA" sz="1400" dirty="0" smtClean="0"/>
+                        <a:t>Epic</a:t>
+                      </a:r>
+                      <a:endParaRPr lang="en-CA" sz="1400" dirty="0"/>
+                    </a:p>
+                  </a:txBody>
+                  <a:tcPr/>
+                </a:tc>
+                <a:tc>
+                  <a:txBody>
+                    <a:bodyPr/>
+                    <a:lstStyle/>
+                    <a:p>
+                      <a:pPr algn="ctr"/>
+                      <a:r>
+                        <a:rPr lang="en-CA" sz="1400" dirty="0" smtClean="0"/>
+                        <a:t>5</a:t>
+                      </a:r>
+                      <a:endParaRPr lang="en-CA" sz="1400" dirty="0"/>
+                    </a:p>
+                  </a:txBody>
+                  <a:tcPr/>
+                </a:tc>
+                <a:tc>
+                  <a:txBody>
+                    <a:bodyPr/>
+                    <a:lstStyle/>
+                    <a:p>
+                      <a:r>
+                        <a:rPr lang="en-CA" sz="1200" dirty="0" smtClean="0"/>
+                        <a:t>Become invisible</a:t>
+                      </a:r>
+                      <a:r>
+                        <a:rPr lang="en-CA" sz="1200" baseline="0" dirty="0" smtClean="0"/>
+                        <a:t> for a short while. You cannot be targeted by most cards while invisible</a:t>
+                      </a:r>
+                      <a:endParaRPr lang="en-CA" sz="1200" dirty="0"/>
+                    </a:p>
+                  </a:txBody>
+                  <a:tcPr/>
+                </a:tc>
+                <a:tc>
+                  <a:txBody>
+                    <a:bodyPr/>
+                    <a:lstStyle/>
+                    <a:p>
+                      <a:pPr algn="ctr"/>
+                      <a:r>
+                        <a:rPr lang="en-CA" sz="1400" dirty="0" smtClean="0"/>
+                        <a:t>TBD</a:t>
+                      </a:r>
+                      <a:endParaRPr lang="en-CA" sz="1400" dirty="0"/>
+                    </a:p>
+                  </a:txBody>
+                  <a:tcPr/>
+                </a:tc>
+              </a:tr>
+              <a:tr h="370840">
+                <a:tc>
+                  <a:txBody>
+                    <a:bodyPr/>
+                    <a:lstStyle/>
+                    <a:p>
+                      <a:pPr algn="ctr"/>
+                      <a:r>
+                        <a:rPr lang="en-CA" sz="1400" i="0" dirty="0" smtClean="0">
+                          <a:solidFill>
+                            <a:schemeClr val="tx1"/>
+                          </a:solidFill>
+                        </a:rPr>
+                        <a:t>23</a:t>
+                      </a:r>
+                      <a:endParaRPr lang="en-CA" sz="1400" i="0" dirty="0">
+                        <a:solidFill>
+                          <a:schemeClr val="tx1"/>
+                        </a:solidFill>
+                      </a:endParaRPr>
+                    </a:p>
+                  </a:txBody>
+                  <a:tcPr/>
+                </a:tc>
+                <a:tc>
+                  <a:txBody>
+                    <a:bodyPr/>
+                    <a:lstStyle/>
+                    <a:p>
+                      <a:r>
+                        <a:rPr lang="en-CA" sz="1400" i="0" dirty="0" smtClean="0">
+                          <a:solidFill>
+                            <a:schemeClr val="tx1"/>
+                          </a:solidFill>
+                        </a:rPr>
+                        <a:t>Purple Haze</a:t>
+                      </a:r>
+                      <a:endParaRPr lang="en-CA" sz="1400" i="0" dirty="0">
+                        <a:solidFill>
+                          <a:schemeClr val="tx1"/>
+                        </a:solidFill>
+                      </a:endParaRPr>
+                    </a:p>
+                  </a:txBody>
+                  <a:tcPr/>
+                </a:tc>
+                <a:tc>
+                  <a:txBody>
+                    <a:bodyPr/>
+                    <a:lstStyle/>
+                    <a:p>
+                      <a:r>
+                        <a:rPr lang="en-CA" sz="1400" dirty="0" smtClean="0"/>
+                        <a:t>Common</a:t>
+                      </a:r>
+                      <a:endParaRPr lang="en-CA" sz="1400" dirty="0"/>
+                    </a:p>
+                  </a:txBody>
+                  <a:tcPr/>
+                </a:tc>
+                <a:tc>
+                  <a:txBody>
+                    <a:bodyPr/>
+                    <a:lstStyle/>
+                    <a:p>
+                      <a:pPr algn="ctr"/>
+                      <a:r>
+                        <a:rPr lang="en-CA" sz="1400" dirty="0" smtClean="0"/>
+                        <a:t>2</a:t>
+                      </a:r>
+                      <a:endParaRPr lang="en-CA" sz="1400" dirty="0"/>
+                    </a:p>
+                  </a:txBody>
+                  <a:tcPr/>
+                </a:tc>
+                <a:tc>
+                  <a:txBody>
+                    <a:bodyPr/>
+                    <a:lstStyle/>
+                    <a:p>
+                      <a:r>
+                        <a:rPr lang="en-CA" sz="1200" dirty="0" smtClean="0"/>
+                        <a:t>Drop a smoke bomb that blocks visibility for a short while</a:t>
+                      </a:r>
+                      <a:endParaRPr lang="en-CA" sz="1200" dirty="0"/>
+                    </a:p>
+                  </a:txBody>
+                  <a:tcPr/>
+                </a:tc>
+                <a:tc>
+                  <a:txBody>
+                    <a:bodyPr/>
+                    <a:lstStyle/>
+                    <a:p>
+                      <a:pPr algn="ctr"/>
+                      <a:r>
+                        <a:rPr lang="en-CA" sz="1400" dirty="0" smtClean="0"/>
+                        <a:t>TBD</a:t>
+                      </a:r>
+                      <a:endParaRPr lang="en-CA" sz="1400" dirty="0"/>
+                    </a:p>
+                  </a:txBody>
+                  <a:tcPr/>
+                </a:tc>
+              </a:tr>
+              <a:tr h="370840">
+                <a:tc>
+                  <a:txBody>
+                    <a:bodyPr/>
+                    <a:lstStyle/>
+                    <a:p>
+                      <a:pPr algn="ctr"/>
+                      <a:r>
+                        <a:rPr lang="en-CA" sz="1400" i="0" dirty="0" smtClean="0">
+                          <a:solidFill>
+                            <a:schemeClr val="tx1"/>
+                          </a:solidFill>
+                        </a:rPr>
+                        <a:t>24</a:t>
+                      </a:r>
+                      <a:endParaRPr lang="en-CA" sz="1400" i="0" dirty="0">
+                        <a:solidFill>
+                          <a:schemeClr val="tx1"/>
+                        </a:solidFill>
+                      </a:endParaRPr>
+                    </a:p>
+                  </a:txBody>
+                  <a:tcPr/>
+                </a:tc>
+                <a:tc>
+                  <a:txBody>
+                    <a:bodyPr/>
+                    <a:lstStyle/>
+                    <a:p>
+                      <a:r>
+                        <a:rPr lang="en-CA" sz="1400" i="0" dirty="0" smtClean="0">
+                          <a:solidFill>
+                            <a:schemeClr val="tx1"/>
+                          </a:solidFill>
+                        </a:rPr>
+                        <a:t>Head hunter</a:t>
+                      </a:r>
+                      <a:endParaRPr lang="en-CA" sz="1400" i="0" dirty="0">
+                        <a:solidFill>
+                          <a:schemeClr val="tx1"/>
+                        </a:solidFill>
+                      </a:endParaRPr>
+                    </a:p>
+                  </a:txBody>
+                  <a:tcPr/>
+                </a:tc>
+                <a:tc>
+                  <a:txBody>
+                    <a:bodyPr/>
+                    <a:lstStyle/>
+                    <a:p>
+                      <a:r>
+                        <a:rPr lang="en-CA" sz="1400" dirty="0" smtClean="0"/>
+                        <a:t>Epic</a:t>
+                      </a:r>
+                      <a:endParaRPr lang="en-CA" sz="1400" dirty="0"/>
+                    </a:p>
+                  </a:txBody>
+                  <a:tcPr/>
+                </a:tc>
+                <a:tc>
+                  <a:txBody>
+                    <a:bodyPr/>
+                    <a:lstStyle/>
+                    <a:p>
+                      <a:pPr algn="ctr"/>
+                      <a:r>
+                        <a:rPr lang="en-CA" sz="1400" dirty="0" smtClean="0"/>
+                        <a:t>7</a:t>
+                      </a:r>
+                      <a:endParaRPr lang="en-CA" sz="1400" dirty="0"/>
+                    </a:p>
+                  </a:txBody>
+                  <a:tcPr/>
+                </a:tc>
+                <a:tc>
+                  <a:txBody>
+                    <a:bodyPr/>
+                    <a:lstStyle/>
+                    <a:p>
+                      <a:r>
+                        <a:rPr lang="en-CA" sz="1200" dirty="0" smtClean="0"/>
+                        <a:t>Call </a:t>
+                      </a:r>
+                      <a:r>
+                        <a:rPr lang="en-CA" sz="1200" baseline="0" dirty="0" smtClean="0"/>
+                        <a:t>a missile strike  on the player who is in the lead</a:t>
+                      </a:r>
+                      <a:endParaRPr lang="en-CA" sz="1200" dirty="0"/>
+                    </a:p>
+                  </a:txBody>
+                  <a:tcPr/>
+                </a:tc>
+                <a:tc>
+                  <a:txBody>
+                    <a:bodyPr/>
+                    <a:lstStyle/>
+                    <a:p>
+                      <a:pPr algn="ctr"/>
+                      <a:r>
+                        <a:rPr lang="en-CA" sz="1400" dirty="0" smtClean="0"/>
+                        <a:t>TBD</a:t>
                       </a:r>
                       <a:endParaRPr lang="en-CA" sz="1400" dirty="0"/>
                     </a:p>
@@ -16983,7 +17048,7 @@
     </p:spTree>
     <p:extLst>
       <p:ext uri="{BB962C8B-B14F-4D97-AF65-F5344CB8AC3E}">
-        <p14:creationId xmlns:p14="http://schemas.microsoft.com/office/powerpoint/2010/main" val="3897803213"/>
+        <p14:creationId xmlns:p14="http://schemas.microsoft.com/office/powerpoint/2010/main" val="2261717888"/>
       </p:ext>
     </p:extLst>
   </p:cSld>
@@ -17059,7 +17124,7 @@
           <a:p>
             <a:r>
               <a:rPr lang="en-CA" dirty="0" smtClean="0"/>
-              <a:t>At launch, there will be 7 locations. One for training and 6 others. More will be added later</a:t>
+              <a:t>At launch, there will be 6 locations. One for training and 5 others. More will be added later</a:t>
             </a:r>
           </a:p>
           <a:p>
@@ -17192,129 +17257,10 @@
           <a:lstStyle/>
           <a:p>
             <a:r>
-              <a:rPr lang="en-CA" dirty="0"/>
-              <a:t>Cards </a:t>
-            </a:r>
-            <a:r>
-              <a:rPr lang="en-CA" dirty="0" smtClean="0"/>
-              <a:t>– Upgrading</a:t>
+              <a:rPr lang="en-CA" dirty="0" smtClean="0"/>
+              <a:t>Cards</a:t>
             </a:r>
             <a:endParaRPr lang="en-CA" dirty="0"/>
-          </a:p>
-        </p:txBody>
-      </p:sp>
-      <p:sp>
-        <p:nvSpPr>
-          <p:cNvPr id="3" name="Espace réservé du contenu 2"/>
-          <p:cNvSpPr>
-            <a:spLocks noGrp="1"/>
-          </p:cNvSpPr>
-          <p:nvPr>
-            <p:ph idx="1"/>
-          </p:nvPr>
-        </p:nvSpPr>
-        <p:spPr/>
-        <p:txBody>
-          <a:bodyPr>
-            <a:normAutofit fontScale="92500" lnSpcReduction="10000"/>
-          </a:bodyPr>
-          <a:lstStyle/>
-          <a:p>
-            <a:r>
-              <a:rPr lang="en-CA" dirty="0" smtClean="0"/>
-              <a:t>Cards can be upgraded</a:t>
-            </a:r>
-          </a:p>
-          <a:p>
-            <a:r>
-              <a:rPr lang="en-CA" dirty="0" smtClean="0"/>
-              <a:t>Upgrading a Raging Bull card for example gives you the following benefits: longer duration</a:t>
-            </a:r>
-            <a:r>
-              <a:rPr lang="en-CA" dirty="0"/>
-              <a:t> </a:t>
-            </a:r>
-            <a:r>
-              <a:rPr lang="en-CA" dirty="0" smtClean="0"/>
-              <a:t>and faster speed</a:t>
-            </a:r>
-          </a:p>
-          <a:p>
-            <a:r>
-              <a:rPr lang="en-CA" dirty="0" smtClean="0"/>
-              <a:t>Each upgrade cost coins</a:t>
-            </a:r>
-          </a:p>
-          <a:p>
-            <a:r>
-              <a:rPr lang="en-CA" dirty="0" smtClean="0"/>
-              <a:t>Each upgrade gives you XP</a:t>
-            </a:r>
-          </a:p>
-          <a:p>
-            <a:r>
-              <a:rPr lang="en-CA" dirty="0" smtClean="0"/>
-              <a:t>You need multiple blueprints of the same card to upgrade it. E.g.:</a:t>
-            </a:r>
-          </a:p>
-          <a:p>
-            <a:pPr lvl="1"/>
-            <a:r>
-              <a:rPr lang="en-CA" dirty="0" smtClean="0"/>
-              <a:t>Upgrade </a:t>
-            </a:r>
-            <a:r>
-              <a:rPr lang="en-CA" dirty="0"/>
-              <a:t>Sentry from </a:t>
-            </a:r>
-            <a:r>
-              <a:rPr lang="en-CA" dirty="0" smtClean="0"/>
-              <a:t>level 1 to 2 requires 10 blueprints</a:t>
-            </a:r>
-          </a:p>
-          <a:p>
-            <a:pPr lvl="1"/>
-            <a:r>
-              <a:rPr lang="en-CA" dirty="0"/>
-              <a:t>Upgrade </a:t>
-            </a:r>
-            <a:r>
-              <a:rPr lang="en-CA" dirty="0" smtClean="0"/>
-              <a:t>Sentry from </a:t>
-            </a:r>
-            <a:r>
-              <a:rPr lang="en-CA" dirty="0"/>
-              <a:t>level </a:t>
-            </a:r>
-            <a:r>
-              <a:rPr lang="en-CA" dirty="0" smtClean="0"/>
-              <a:t>2 </a:t>
-            </a:r>
-            <a:r>
-              <a:rPr lang="en-CA" dirty="0"/>
-              <a:t>to </a:t>
-            </a:r>
-            <a:r>
-              <a:rPr lang="en-CA" dirty="0" smtClean="0"/>
-              <a:t>3 requires 25 </a:t>
-            </a:r>
-            <a:r>
-              <a:rPr lang="en-CA" dirty="0"/>
-              <a:t>blueprints</a:t>
-            </a:r>
-          </a:p>
-          <a:p>
-            <a:pPr marL="228600" lvl="1" indent="0">
-              <a:buNone/>
-            </a:pPr>
-            <a:endParaRPr lang="en-CA" dirty="0" smtClean="0"/>
-          </a:p>
-          <a:p>
-            <a:pPr lvl="1"/>
-            <a:endParaRPr lang="en-CA" dirty="0" smtClean="0"/>
-          </a:p>
-          <a:p>
-            <a:endParaRPr lang="en-CA" dirty="0" smtClean="0"/>
           </a:p>
         </p:txBody>
       </p:sp>
@@ -17341,10 +17287,736 @@
           </a:p>
         </p:txBody>
       </p:sp>
+      <p:graphicFrame>
+        <p:nvGraphicFramePr>
+          <p:cNvPr id="6" name="Espace réservé du contenu 5"/>
+          <p:cNvGraphicFramePr>
+            <a:graphicFrameLocks noGrp="1"/>
+          </p:cNvGraphicFramePr>
+          <p:nvPr>
+            <p:ph idx="1"/>
+            <p:extLst>
+              <p:ext uri="{D42A27DB-BD31-4B8C-83A1-F6EECF244321}">
+                <p14:modId xmlns:p14="http://schemas.microsoft.com/office/powerpoint/2010/main" val="3097861876"/>
+              </p:ext>
+            </p:extLst>
+          </p:nvPr>
+        </p:nvGraphicFramePr>
+        <p:xfrm>
+          <a:off x="774700" y="2197100"/>
+          <a:ext cx="7709401" cy="2814319"/>
+        </p:xfrm>
+        <a:graphic>
+          <a:graphicData uri="http://schemas.openxmlformats.org/drawingml/2006/table">
+            <a:tbl>
+              <a:tblPr firstRow="1" bandRow="1">
+                <a:tableStyleId>{5C22544A-7EE6-4342-B048-85BDC9FD1C3A}</a:tableStyleId>
+              </a:tblPr>
+              <a:tblGrid>
+                <a:gridCol w="379954"/>
+                <a:gridCol w="1486949"/>
+                <a:gridCol w="1122680"/>
+                <a:gridCol w="709162"/>
+                <a:gridCol w="3156293"/>
+                <a:gridCol w="854363"/>
+              </a:tblGrid>
+              <a:tr h="370840">
+                <a:tc>
+                  <a:txBody>
+                    <a:bodyPr/>
+                    <a:lstStyle/>
+                    <a:p>
+                      <a:pPr algn="ctr"/>
+                      <a:r>
+                        <a:rPr lang="en-CA" sz="1400" dirty="0" smtClean="0"/>
+                        <a:t>#</a:t>
+                      </a:r>
+                      <a:endParaRPr lang="en-CA" sz="1400" dirty="0"/>
+                    </a:p>
+                  </a:txBody>
+                  <a:tcPr/>
+                </a:tc>
+                <a:tc>
+                  <a:txBody>
+                    <a:bodyPr/>
+                    <a:lstStyle/>
+                    <a:p>
+                      <a:r>
+                        <a:rPr lang="en-CA" sz="1400" dirty="0" smtClean="0"/>
+                        <a:t>Card Name</a:t>
+                      </a:r>
+                      <a:endParaRPr lang="en-CA" sz="1400" dirty="0"/>
+                    </a:p>
+                  </a:txBody>
+                  <a:tcPr/>
+                </a:tc>
+                <a:tc>
+                  <a:txBody>
+                    <a:bodyPr/>
+                    <a:lstStyle/>
+                    <a:p>
+                      <a:r>
+                        <a:rPr lang="en-CA" sz="1400" dirty="0" smtClean="0"/>
+                        <a:t>Rarity</a:t>
+                      </a:r>
+                      <a:endParaRPr lang="en-CA" sz="1400" dirty="0"/>
+                    </a:p>
+                  </a:txBody>
+                  <a:tcPr/>
+                </a:tc>
+                <a:tc>
+                  <a:txBody>
+                    <a:bodyPr/>
+                    <a:lstStyle/>
+                    <a:p>
+                      <a:pPr algn="ctr"/>
+                      <a:r>
+                        <a:rPr lang="en-CA" sz="1400" dirty="0" smtClean="0"/>
+                        <a:t>Power</a:t>
+                      </a:r>
+                    </a:p>
+                    <a:p>
+                      <a:pPr algn="ctr"/>
+                      <a:r>
+                        <a:rPr lang="en-CA" sz="1400" dirty="0" smtClean="0"/>
+                        <a:t>Cost</a:t>
+                      </a:r>
+                      <a:endParaRPr lang="en-CA" sz="1400" dirty="0"/>
+                    </a:p>
+                  </a:txBody>
+                  <a:tcPr/>
+                </a:tc>
+                <a:tc>
+                  <a:txBody>
+                    <a:bodyPr/>
+                    <a:lstStyle/>
+                    <a:p>
+                      <a:r>
+                        <a:rPr lang="en-CA" sz="1400" dirty="0" smtClean="0"/>
+                        <a:t>Description</a:t>
+                      </a:r>
+                      <a:endParaRPr lang="en-CA" sz="1400" dirty="0"/>
+                    </a:p>
+                  </a:txBody>
+                  <a:tcPr/>
+                </a:tc>
+                <a:tc>
+                  <a:txBody>
+                    <a:bodyPr/>
+                    <a:lstStyle/>
+                    <a:p>
+                      <a:pPr algn="ctr"/>
+                      <a:r>
+                        <a:rPr lang="en-CA" sz="1400" dirty="0" smtClean="0"/>
+                        <a:t>Unlock Level</a:t>
+                      </a:r>
+                      <a:endParaRPr lang="en-CA" sz="1400" dirty="0"/>
+                    </a:p>
+                  </a:txBody>
+                  <a:tcPr/>
+                </a:tc>
+              </a:tr>
+              <a:tr h="370840">
+                <a:tc>
+                  <a:txBody>
+                    <a:bodyPr/>
+                    <a:lstStyle/>
+                    <a:p>
+                      <a:pPr algn="ctr"/>
+                      <a:r>
+                        <a:rPr lang="en-CA" sz="1400" dirty="0" smtClean="0">
+                          <a:solidFill>
+                            <a:schemeClr val="tx1"/>
+                          </a:solidFill>
+                        </a:rPr>
+                        <a:t>25</a:t>
+                      </a:r>
+                      <a:endParaRPr lang="en-CA" sz="1400" dirty="0">
+                        <a:solidFill>
+                          <a:schemeClr val="tx1"/>
+                        </a:solidFill>
+                      </a:endParaRPr>
+                    </a:p>
+                  </a:txBody>
+                  <a:tcPr/>
+                </a:tc>
+                <a:tc>
+                  <a:txBody>
+                    <a:bodyPr/>
+                    <a:lstStyle/>
+                    <a:p>
+                      <a:r>
+                        <a:rPr lang="en-CA" sz="1400" dirty="0" smtClean="0">
+                          <a:solidFill>
+                            <a:schemeClr val="tx1"/>
+                          </a:solidFill>
+                        </a:rPr>
+                        <a:t>Meteor Shower</a:t>
+                      </a:r>
+                      <a:endParaRPr lang="en-CA" sz="1400" dirty="0">
+                        <a:solidFill>
+                          <a:schemeClr val="tx1"/>
+                        </a:solidFill>
+                      </a:endParaRPr>
+                    </a:p>
+                  </a:txBody>
+                  <a:tcPr/>
+                </a:tc>
+                <a:tc>
+                  <a:txBody>
+                    <a:bodyPr/>
+                    <a:lstStyle/>
+                    <a:p>
+                      <a:r>
+                        <a:rPr lang="en-CA" sz="1400" dirty="0" smtClean="0"/>
+                        <a:t>Legendary</a:t>
+                      </a:r>
+                      <a:endParaRPr lang="en-CA" sz="1400" dirty="0"/>
+                    </a:p>
+                  </a:txBody>
+                  <a:tcPr/>
+                </a:tc>
+                <a:tc>
+                  <a:txBody>
+                    <a:bodyPr/>
+                    <a:lstStyle/>
+                    <a:p>
+                      <a:pPr algn="ctr"/>
+                      <a:r>
+                        <a:rPr lang="en-CA" sz="1400" dirty="0" smtClean="0"/>
+                        <a:t>4</a:t>
+                      </a:r>
+                      <a:endParaRPr lang="en-CA" sz="1400" dirty="0"/>
+                    </a:p>
+                  </a:txBody>
+                  <a:tcPr/>
+                </a:tc>
+                <a:tc>
+                  <a:txBody>
+                    <a:bodyPr/>
+                    <a:lstStyle/>
+                    <a:p>
+                      <a:r>
+                        <a:rPr lang="en-CA" sz="1400" dirty="0" smtClean="0"/>
+                        <a:t>NOT</a:t>
+                      </a:r>
+                      <a:r>
+                        <a:rPr lang="en-CA" sz="1400" baseline="0" dirty="0" smtClean="0"/>
+                        <a:t> SURE WILL USE YET</a:t>
+                      </a:r>
+                      <a:endParaRPr lang="en-CA" sz="1400" dirty="0"/>
+                    </a:p>
+                  </a:txBody>
+                  <a:tcPr/>
+                </a:tc>
+                <a:tc>
+                  <a:txBody>
+                    <a:bodyPr/>
+                    <a:lstStyle/>
+                    <a:p>
+                      <a:pPr algn="ctr"/>
+                      <a:r>
+                        <a:rPr lang="en-CA" sz="1400" dirty="0" smtClean="0"/>
+                        <a:t>TBD</a:t>
+                      </a:r>
+                      <a:endParaRPr lang="en-CA" sz="1400" dirty="0"/>
+                    </a:p>
+                  </a:txBody>
+                  <a:tcPr/>
+                </a:tc>
+              </a:tr>
+              <a:tr h="370840">
+                <a:tc>
+                  <a:txBody>
+                    <a:bodyPr/>
+                    <a:lstStyle/>
+                    <a:p>
+                      <a:pPr algn="ctr"/>
+                      <a:r>
+                        <a:rPr lang="en-CA" sz="1400" dirty="0" smtClean="0">
+                          <a:solidFill>
+                            <a:srgbClr val="EB8F00"/>
+                          </a:solidFill>
+                        </a:rPr>
+                        <a:t>26</a:t>
+                      </a:r>
+                      <a:endParaRPr lang="en-CA" sz="1400" dirty="0">
+                        <a:solidFill>
+                          <a:srgbClr val="EB8F00"/>
+                        </a:solidFill>
+                      </a:endParaRPr>
+                    </a:p>
+                  </a:txBody>
+                  <a:tcPr/>
+                </a:tc>
+                <a:tc>
+                  <a:txBody>
+                    <a:bodyPr/>
+                    <a:lstStyle/>
+                    <a:p>
+                      <a:r>
+                        <a:rPr lang="en-CA" sz="1400" dirty="0" smtClean="0">
+                          <a:solidFill>
+                            <a:srgbClr val="EB8F00"/>
+                          </a:solidFill>
+                        </a:rPr>
+                        <a:t>Shockwave</a:t>
+                      </a:r>
+                      <a:endParaRPr lang="en-CA" sz="1400" dirty="0">
+                        <a:solidFill>
+                          <a:srgbClr val="EB8F00"/>
+                        </a:solidFill>
+                      </a:endParaRPr>
+                    </a:p>
+                  </a:txBody>
+                  <a:tcPr/>
+                </a:tc>
+                <a:tc>
+                  <a:txBody>
+                    <a:bodyPr/>
+                    <a:lstStyle/>
+                    <a:p>
+                      <a:r>
+                        <a:rPr lang="en-CA" sz="1400" dirty="0" smtClean="0"/>
+                        <a:t>Epic</a:t>
+                      </a:r>
+                      <a:endParaRPr lang="en-CA" sz="1400" dirty="0"/>
+                    </a:p>
+                  </a:txBody>
+                  <a:tcPr/>
+                </a:tc>
+                <a:tc>
+                  <a:txBody>
+                    <a:bodyPr/>
+                    <a:lstStyle/>
+                    <a:p>
+                      <a:pPr algn="ctr"/>
+                      <a:r>
+                        <a:rPr lang="en-CA" sz="1400" dirty="0" smtClean="0"/>
+                        <a:t>6</a:t>
+                      </a:r>
+                      <a:endParaRPr lang="en-CA" sz="1400" dirty="0"/>
+                    </a:p>
+                  </a:txBody>
+                  <a:tcPr/>
+                </a:tc>
+                <a:tc>
+                  <a:txBody>
+                    <a:bodyPr/>
+                    <a:lstStyle/>
+                    <a:p>
+                      <a:r>
+                        <a:rPr lang="en-CA" sz="1400" dirty="0" smtClean="0"/>
+                        <a:t>Cause an earth tremor that will cause damage to nearby </a:t>
+                      </a:r>
+                      <a:r>
+                        <a:rPr lang="en-CA" sz="1400" dirty="0" smtClean="0"/>
+                        <a:t>players</a:t>
+                      </a:r>
+                      <a:endParaRPr lang="en-CA" sz="1400" dirty="0"/>
+                    </a:p>
+                  </a:txBody>
+                  <a:tcPr/>
+                </a:tc>
+                <a:tc>
+                  <a:txBody>
+                    <a:bodyPr/>
+                    <a:lstStyle/>
+                    <a:p>
+                      <a:pPr algn="ctr"/>
+                      <a:r>
+                        <a:rPr lang="en-CA" sz="1400" dirty="0" smtClean="0"/>
+                        <a:t>TBD</a:t>
+                      </a:r>
+                      <a:endParaRPr lang="en-CA" sz="1400" dirty="0"/>
+                    </a:p>
+                  </a:txBody>
+                  <a:tcPr/>
+                </a:tc>
+              </a:tr>
+              <a:tr h="370840">
+                <a:tc>
+                  <a:txBody>
+                    <a:bodyPr/>
+                    <a:lstStyle/>
+                    <a:p>
+                      <a:pPr algn="ctr"/>
+                      <a:r>
+                        <a:rPr lang="en-CA" sz="1400" dirty="0" smtClean="0">
+                          <a:solidFill>
+                            <a:schemeClr val="tx1"/>
+                          </a:solidFill>
+                        </a:rPr>
+                        <a:t>27</a:t>
+                      </a:r>
+                      <a:endParaRPr lang="en-CA" sz="1400" dirty="0">
+                        <a:solidFill>
+                          <a:schemeClr val="tx1"/>
+                        </a:solidFill>
+                      </a:endParaRPr>
+                    </a:p>
+                  </a:txBody>
+                  <a:tcPr/>
+                </a:tc>
+                <a:tc>
+                  <a:txBody>
+                    <a:bodyPr/>
+                    <a:lstStyle/>
+                    <a:p>
+                      <a:r>
+                        <a:rPr lang="en-CA" sz="1400" dirty="0" smtClean="0">
+                          <a:solidFill>
+                            <a:schemeClr val="tx1"/>
+                          </a:solidFill>
+                        </a:rPr>
+                        <a:t>Health Boost</a:t>
+                      </a:r>
+                      <a:endParaRPr lang="en-CA" sz="1400" dirty="0">
+                        <a:solidFill>
+                          <a:schemeClr val="tx1"/>
+                        </a:solidFill>
+                      </a:endParaRPr>
+                    </a:p>
+                  </a:txBody>
+                  <a:tcPr/>
+                </a:tc>
+                <a:tc>
+                  <a:txBody>
+                    <a:bodyPr/>
+                    <a:lstStyle/>
+                    <a:p>
+                      <a:r>
+                        <a:rPr lang="en-CA" sz="1400" dirty="0" smtClean="0">
+                          <a:solidFill>
+                            <a:schemeClr val="tx1"/>
+                          </a:solidFill>
+                        </a:rPr>
+                        <a:t>Common</a:t>
+                      </a:r>
+                      <a:endParaRPr lang="en-CA" sz="1400" dirty="0">
+                        <a:solidFill>
+                          <a:schemeClr val="tx1"/>
+                        </a:solidFill>
+                      </a:endParaRPr>
+                    </a:p>
+                  </a:txBody>
+                  <a:tcPr/>
+                </a:tc>
+                <a:tc>
+                  <a:txBody>
+                    <a:bodyPr/>
+                    <a:lstStyle/>
+                    <a:p>
+                      <a:pPr algn="ctr"/>
+                      <a:r>
+                        <a:rPr lang="en-CA" sz="1400" dirty="0" smtClean="0">
+                          <a:solidFill>
+                            <a:schemeClr val="tx1"/>
+                          </a:solidFill>
+                        </a:rPr>
+                        <a:t>2</a:t>
+                      </a:r>
+                      <a:endParaRPr lang="en-CA" sz="1400" dirty="0">
+                        <a:solidFill>
+                          <a:schemeClr val="tx1"/>
+                        </a:solidFill>
+                      </a:endParaRPr>
+                    </a:p>
+                  </a:txBody>
+                  <a:tcPr/>
+                </a:tc>
+                <a:tc>
+                  <a:txBody>
+                    <a:bodyPr/>
+                    <a:lstStyle/>
+                    <a:p>
+                      <a:r>
+                        <a:rPr lang="en-CA" sz="1400" dirty="0" smtClean="0"/>
+                        <a:t>Restore some lost health</a:t>
+                      </a:r>
+                      <a:endParaRPr lang="en-CA" sz="1400" dirty="0"/>
+                    </a:p>
+                  </a:txBody>
+                  <a:tcPr/>
+                </a:tc>
+                <a:tc>
+                  <a:txBody>
+                    <a:bodyPr/>
+                    <a:lstStyle/>
+                    <a:p>
+                      <a:pPr algn="ctr"/>
+                      <a:r>
+                        <a:rPr lang="en-CA" sz="1400" dirty="0" smtClean="0"/>
+                        <a:t>TBD</a:t>
+                      </a:r>
+                      <a:endParaRPr lang="en-CA" sz="1400" dirty="0"/>
+                    </a:p>
+                  </a:txBody>
+                  <a:tcPr/>
+                </a:tc>
+              </a:tr>
+              <a:tr h="370840">
+                <a:tc>
+                  <a:txBody>
+                    <a:bodyPr/>
+                    <a:lstStyle/>
+                    <a:p>
+                      <a:pPr algn="ctr"/>
+                      <a:r>
+                        <a:rPr lang="en-CA" sz="1400" dirty="0" smtClean="0">
+                          <a:solidFill>
+                            <a:schemeClr val="tx1"/>
+                          </a:solidFill>
+                        </a:rPr>
+                        <a:t>28</a:t>
+                      </a:r>
+                      <a:endParaRPr lang="en-CA" sz="1400" dirty="0">
+                        <a:solidFill>
+                          <a:schemeClr val="tx1"/>
+                        </a:solidFill>
+                      </a:endParaRPr>
+                    </a:p>
+                  </a:txBody>
+                  <a:tcPr/>
+                </a:tc>
+                <a:tc>
+                  <a:txBody>
+                    <a:bodyPr/>
+                    <a:lstStyle/>
+                    <a:p>
+                      <a:r>
+                        <a:rPr lang="en-CA" sz="1400" dirty="0" smtClean="0">
+                          <a:solidFill>
+                            <a:schemeClr val="tx1"/>
+                          </a:solidFill>
+                        </a:rPr>
+                        <a:t>Nano Armour</a:t>
+                      </a:r>
+                      <a:endParaRPr lang="en-CA" sz="1400" dirty="0">
+                        <a:solidFill>
+                          <a:schemeClr val="tx1"/>
+                        </a:solidFill>
+                      </a:endParaRPr>
+                    </a:p>
+                  </a:txBody>
+                  <a:tcPr/>
+                </a:tc>
+                <a:tc>
+                  <a:txBody>
+                    <a:bodyPr/>
+                    <a:lstStyle/>
+                    <a:p>
+                      <a:r>
+                        <a:rPr lang="en-CA" sz="1400" dirty="0" smtClean="0">
+                          <a:solidFill>
+                            <a:schemeClr val="tx1"/>
+                          </a:solidFill>
+                        </a:rPr>
+                        <a:t>Common</a:t>
+                      </a:r>
+                      <a:endParaRPr lang="en-CA" sz="1400" dirty="0">
+                        <a:solidFill>
+                          <a:schemeClr val="tx1"/>
+                        </a:solidFill>
+                      </a:endParaRPr>
+                    </a:p>
+                  </a:txBody>
+                  <a:tcPr/>
+                </a:tc>
+                <a:tc>
+                  <a:txBody>
+                    <a:bodyPr/>
+                    <a:lstStyle/>
+                    <a:p>
+                      <a:pPr algn="ctr"/>
+                      <a:r>
+                        <a:rPr lang="en-CA" sz="1400" dirty="0" smtClean="0">
+                          <a:solidFill>
+                            <a:schemeClr val="tx1"/>
+                          </a:solidFill>
+                        </a:rPr>
+                        <a:t>3</a:t>
+                      </a:r>
+                      <a:endParaRPr lang="en-CA" sz="1400" dirty="0">
+                        <a:solidFill>
+                          <a:schemeClr val="tx1"/>
+                        </a:solidFill>
+                      </a:endParaRPr>
+                    </a:p>
+                  </a:txBody>
+                  <a:tcPr/>
+                </a:tc>
+                <a:tc>
+                  <a:txBody>
+                    <a:bodyPr/>
+                    <a:lstStyle/>
+                    <a:p>
+                      <a:r>
+                        <a:rPr lang="en-CA" sz="1400" baseline="0" dirty="0" smtClean="0"/>
+                        <a:t>Absorb </a:t>
+                      </a:r>
+                      <a:r>
+                        <a:rPr lang="en-CA" sz="1400" baseline="0" dirty="0" smtClean="0"/>
+                        <a:t>a certain amount of </a:t>
+                      </a:r>
+                      <a:r>
+                        <a:rPr lang="en-CA" sz="1400" baseline="0" dirty="0" smtClean="0"/>
+                        <a:t>damage before being destroyed</a:t>
+                      </a:r>
+                      <a:endParaRPr lang="en-CA" sz="1400" dirty="0"/>
+                    </a:p>
+                  </a:txBody>
+                  <a:tcPr/>
+                </a:tc>
+                <a:tc>
+                  <a:txBody>
+                    <a:bodyPr/>
+                    <a:lstStyle/>
+                    <a:p>
+                      <a:pPr algn="ctr"/>
+                      <a:r>
+                        <a:rPr lang="en-CA" sz="1400" dirty="0" smtClean="0"/>
+                        <a:t>TBD</a:t>
+                      </a:r>
+                      <a:endParaRPr lang="en-CA" sz="1400" dirty="0"/>
+                    </a:p>
+                  </a:txBody>
+                  <a:tcPr/>
+                </a:tc>
+              </a:tr>
+              <a:tr h="370840">
+                <a:tc>
+                  <a:txBody>
+                    <a:bodyPr/>
+                    <a:lstStyle/>
+                    <a:p>
+                      <a:pPr algn="ctr"/>
+                      <a:r>
+                        <a:rPr lang="en-CA" sz="1400" dirty="0" smtClean="0">
+                          <a:solidFill>
+                            <a:schemeClr val="tx1"/>
+                          </a:solidFill>
+                        </a:rPr>
+                        <a:t>29</a:t>
+                      </a:r>
+                      <a:endParaRPr lang="en-CA" sz="1400" dirty="0">
+                        <a:solidFill>
+                          <a:schemeClr val="tx1"/>
+                        </a:solidFill>
+                      </a:endParaRPr>
+                    </a:p>
+                  </a:txBody>
+                  <a:tcPr/>
+                </a:tc>
+                <a:tc>
+                  <a:txBody>
+                    <a:bodyPr/>
+                    <a:lstStyle/>
+                    <a:p>
+                      <a:r>
+                        <a:rPr lang="en-CA" sz="1400" dirty="0" smtClean="0">
+                          <a:solidFill>
+                            <a:schemeClr val="tx1"/>
+                          </a:solidFill>
+                        </a:rPr>
+                        <a:t>Regenerate</a:t>
+                      </a:r>
+                      <a:endParaRPr lang="en-CA" sz="1400" dirty="0">
+                        <a:solidFill>
+                          <a:schemeClr val="tx1"/>
+                        </a:solidFill>
+                      </a:endParaRPr>
+                    </a:p>
+                  </a:txBody>
+                  <a:tcPr/>
+                </a:tc>
+                <a:tc>
+                  <a:txBody>
+                    <a:bodyPr/>
+                    <a:lstStyle/>
+                    <a:p>
+                      <a:r>
+                        <a:rPr lang="en-CA" sz="1400" dirty="0" smtClean="0">
+                          <a:solidFill>
+                            <a:schemeClr val="tx1"/>
+                          </a:solidFill>
+                        </a:rPr>
+                        <a:t>Epic</a:t>
+                      </a:r>
+                      <a:endParaRPr lang="en-CA" sz="1400" dirty="0">
+                        <a:solidFill>
+                          <a:schemeClr val="tx1"/>
+                        </a:solidFill>
+                      </a:endParaRPr>
+                    </a:p>
+                  </a:txBody>
+                  <a:tcPr/>
+                </a:tc>
+                <a:tc>
+                  <a:txBody>
+                    <a:bodyPr/>
+                    <a:lstStyle/>
+                    <a:p>
+                      <a:pPr algn="ctr"/>
+                      <a:r>
+                        <a:rPr lang="en-CA" sz="1400" dirty="0" smtClean="0">
+                          <a:solidFill>
+                            <a:schemeClr val="tx1"/>
+                          </a:solidFill>
+                        </a:rPr>
+                        <a:t>3</a:t>
+                      </a:r>
+                      <a:endParaRPr lang="en-CA" sz="1400" dirty="0">
+                        <a:solidFill>
+                          <a:schemeClr val="tx1"/>
+                        </a:solidFill>
+                      </a:endParaRPr>
+                    </a:p>
+                  </a:txBody>
+                  <a:tcPr/>
+                </a:tc>
+                <a:tc>
+                  <a:txBody>
+                    <a:bodyPr/>
+                    <a:lstStyle/>
+                    <a:p>
+                      <a:r>
+                        <a:rPr lang="en-CA" sz="1400" dirty="0" smtClean="0"/>
+                        <a:t>Gain X health</a:t>
+                      </a:r>
+                      <a:r>
+                        <a:rPr lang="en-CA" sz="1400" baseline="0" dirty="0" smtClean="0"/>
+                        <a:t> back every Y seconds</a:t>
+                      </a:r>
+                      <a:endParaRPr lang="en-CA" sz="1400" dirty="0"/>
+                    </a:p>
+                  </a:txBody>
+                  <a:tcPr/>
+                </a:tc>
+                <a:tc>
+                  <a:txBody>
+                    <a:bodyPr/>
+                    <a:lstStyle/>
+                    <a:p>
+                      <a:pPr algn="ctr"/>
+                      <a:r>
+                        <a:rPr lang="en-CA" sz="1400" dirty="0" smtClean="0"/>
+                        <a:t>TBD</a:t>
+                      </a:r>
+                      <a:endParaRPr lang="en-CA" sz="1400" dirty="0"/>
+                    </a:p>
+                  </a:txBody>
+                  <a:tcPr/>
+                </a:tc>
+              </a:tr>
+            </a:tbl>
+          </a:graphicData>
+        </a:graphic>
+      </p:graphicFrame>
     </p:spTree>
     <p:extLst>
       <p:ext uri="{BB962C8B-B14F-4D97-AF65-F5344CB8AC3E}">
-        <p14:creationId xmlns:p14="http://schemas.microsoft.com/office/powerpoint/2010/main" val="3790078510"/>
+        <p14:creationId xmlns:p14="http://schemas.microsoft.com/office/powerpoint/2010/main" val="3167914335"/>
       </p:ext>
     </p:extLst>
   </p:cSld>
@@ -17394,8 +18066,12 @@
           <a:lstStyle/>
           <a:p>
             <a:r>
-              <a:rPr lang="en-CA" dirty="0" smtClean="0"/>
-              <a:t>Cards – Ranking</a:t>
+              <a:rPr lang="en-CA" dirty="0"/>
+              <a:t>Cards </a:t>
+            </a:r>
+            <a:r>
+              <a:rPr lang="en-CA" dirty="0" smtClean="0"/>
+              <a:t>– Upgrading</a:t>
             </a:r>
             <a:endParaRPr lang="en-CA" dirty="0"/>
           </a:p>
@@ -17413,79 +18089,93 @@
         </p:nvSpPr>
         <p:spPr/>
         <p:txBody>
-          <a:bodyPr/>
-          <a:lstStyle/>
-          <a:p>
-            <a:r>
-              <a:rPr lang="en-CA" dirty="0" smtClean="0"/>
-              <a:t>There are 4 types of cards:</a:t>
+          <a:bodyPr>
+            <a:normAutofit fontScale="92500" lnSpcReduction="10000"/>
+          </a:bodyPr>
+          <a:lstStyle/>
+          <a:p>
+            <a:r>
+              <a:rPr lang="en-CA" dirty="0" smtClean="0"/>
+              <a:t>Cards can be upgraded</a:t>
+            </a:r>
+          </a:p>
+          <a:p>
+            <a:r>
+              <a:rPr lang="en-CA" dirty="0" smtClean="0"/>
+              <a:t>Upgrading a Raging Bull card for example gives you the following benefits: longer duration</a:t>
+            </a:r>
+            <a:r>
+              <a:rPr lang="en-CA" dirty="0"/>
+              <a:t> </a:t>
+            </a:r>
+            <a:r>
+              <a:rPr lang="en-CA" dirty="0" smtClean="0"/>
+              <a:t>and faster speed</a:t>
+            </a:r>
+          </a:p>
+          <a:p>
+            <a:r>
+              <a:rPr lang="en-CA" dirty="0" smtClean="0"/>
+              <a:t>Each upgrade cost coins</a:t>
+            </a:r>
+          </a:p>
+          <a:p>
+            <a:r>
+              <a:rPr lang="en-CA" dirty="0" smtClean="0"/>
+              <a:t>Each upgrade gives you XP</a:t>
+            </a:r>
+          </a:p>
+          <a:p>
+            <a:r>
+              <a:rPr lang="en-CA" dirty="0" smtClean="0"/>
+              <a:t>You need multiple blueprints of the same card to upgrade it. E.g.:</a:t>
             </a:r>
           </a:p>
           <a:p>
             <a:pPr lvl="1"/>
             <a:r>
               <a:rPr lang="en-CA" dirty="0" smtClean="0"/>
-              <a:t>Common cards have 13 different levels</a:t>
+              <a:t>Upgrade </a:t>
+            </a:r>
+            <a:r>
+              <a:rPr lang="en-CA" dirty="0"/>
+              <a:t>Sentry from </a:t>
+            </a:r>
+            <a:r>
+              <a:rPr lang="en-CA" dirty="0" smtClean="0"/>
+              <a:t>level 1 to 2 requires 10 blueprints</a:t>
             </a:r>
           </a:p>
           <a:p>
             <a:pPr lvl="1"/>
             <a:r>
-              <a:rPr lang="en-CA" dirty="0" smtClean="0"/>
-              <a:t>Rare cards have 11 different levels</a:t>
-            </a:r>
-          </a:p>
-          <a:p>
-            <a:pPr lvl="1"/>
-            <a:r>
               <a:rPr lang="en-CA" dirty="0"/>
-              <a:t>Epic cards have </a:t>
-            </a:r>
-            <a:r>
-              <a:rPr lang="en-CA" dirty="0" smtClean="0"/>
-              <a:t>8 </a:t>
+              <a:t>Upgrade </a:t>
+            </a:r>
+            <a:r>
+              <a:rPr lang="en-CA" dirty="0" smtClean="0"/>
+              <a:t>Sentry from </a:t>
             </a:r>
             <a:r>
               <a:rPr lang="en-CA" dirty="0"/>
-              <a:t>different levels</a:t>
-            </a:r>
-          </a:p>
-          <a:p>
-            <a:pPr lvl="1"/>
-            <a:r>
-              <a:rPr lang="en-CA" dirty="0" smtClean="0"/>
-              <a:t>Legendary </a:t>
+              <a:t>level </a:t>
+            </a:r>
+            <a:r>
+              <a:rPr lang="en-CA" dirty="0" smtClean="0"/>
+              <a:t>2 </a:t>
             </a:r>
             <a:r>
               <a:rPr lang="en-CA" dirty="0"/>
-              <a:t>cards have </a:t>
-            </a:r>
-            <a:r>
-              <a:rPr lang="en-CA" dirty="0" smtClean="0"/>
-              <a:t>5 </a:t>
+              <a:t>to </a:t>
+            </a:r>
+            <a:r>
+              <a:rPr lang="en-CA" dirty="0" smtClean="0"/>
+              <a:t>3 requires 25 </a:t>
             </a:r>
             <a:r>
               <a:rPr lang="en-CA" dirty="0"/>
-              <a:t>different </a:t>
-            </a:r>
-            <a:r>
-              <a:rPr lang="en-CA" dirty="0" smtClean="0"/>
-              <a:t>levels</a:t>
-            </a:r>
-          </a:p>
-          <a:p>
-            <a:r>
-              <a:rPr lang="en-CA" dirty="0" smtClean="0"/>
-              <a:t>Legendary cards have special animations on them </a:t>
-            </a:r>
-          </a:p>
-          <a:p>
-            <a:pPr lvl="1"/>
-            <a:endParaRPr lang="en-CA" dirty="0" smtClean="0"/>
-          </a:p>
-          <a:p>
-            <a:pPr lvl="1"/>
-            <a:endParaRPr lang="en-CA" dirty="0"/>
+              <a:t>blueprints</a:t>
+            </a:r>
           </a:p>
           <a:p>
             <a:pPr marL="228600" lvl="1" indent="0">
@@ -17528,7 +18218,7 @@
     </p:spTree>
     <p:extLst>
       <p:ext uri="{BB962C8B-B14F-4D97-AF65-F5344CB8AC3E}">
-        <p14:creationId xmlns:p14="http://schemas.microsoft.com/office/powerpoint/2010/main" val="2995235748"/>
+        <p14:creationId xmlns:p14="http://schemas.microsoft.com/office/powerpoint/2010/main" val="3790078510"/>
       </p:ext>
     </p:extLst>
   </p:cSld>
@@ -17579,7 +18269,7 @@
           <a:p>
             <a:r>
               <a:rPr lang="en-CA" dirty="0" smtClean="0"/>
-              <a:t>Duplicate Cards</a:t>
+              <a:t>Cards – Ranking</a:t>
             </a:r>
             <a:endParaRPr lang="en-CA" dirty="0"/>
           </a:p>
@@ -17602,79 +18292,66 @@
           <a:p>
             <a:r>
               <a:rPr lang="en-CA" dirty="0" smtClean="0"/>
-              <a:t>Duplicate cards over the maximum useful number will be converted into coins automatically</a:t>
+              <a:t>There are 4 types of cards:</a:t>
             </a:r>
           </a:p>
           <a:p>
             <a:pPr lvl="1"/>
             <a:r>
               <a:rPr lang="en-CA" dirty="0" smtClean="0"/>
-              <a:t>Every Common over the maximum gives 5 coins</a:t>
+              <a:t>Common cards have 13 different levels</a:t>
             </a:r>
           </a:p>
           <a:p>
             <a:pPr lvl="1"/>
             <a:r>
+              <a:rPr lang="en-CA" dirty="0" smtClean="0"/>
+              <a:t>Rare cards have 11 different levels</a:t>
+            </a:r>
+          </a:p>
+          <a:p>
+            <a:pPr lvl="1"/>
+            <a:r>
               <a:rPr lang="en-CA" dirty="0"/>
-              <a:t>Every </a:t>
-            </a:r>
-            <a:r>
-              <a:rPr lang="en-CA" dirty="0" smtClean="0"/>
-              <a:t>Rare over </a:t>
+              <a:t>Epic cards have </a:t>
+            </a:r>
+            <a:r>
+              <a:rPr lang="en-CA" dirty="0" smtClean="0"/>
+              <a:t>8 </a:t>
             </a:r>
             <a:r>
               <a:rPr lang="en-CA" dirty="0"/>
-              <a:t>the maximum gives </a:t>
-            </a:r>
-            <a:r>
-              <a:rPr lang="en-CA" dirty="0" smtClean="0"/>
-              <a:t>50 </a:t>
+              <a:t>different levels</a:t>
+            </a:r>
+          </a:p>
+          <a:p>
+            <a:pPr lvl="1"/>
+            <a:r>
+              <a:rPr lang="en-CA" dirty="0" smtClean="0"/>
+              <a:t>Legendary </a:t>
             </a:r>
             <a:r>
               <a:rPr lang="en-CA" dirty="0"/>
-              <a:t>coins</a:t>
-            </a:r>
-          </a:p>
-          <a:p>
-            <a:pPr lvl="1"/>
+              <a:t>cards have </a:t>
+            </a:r>
+            <a:r>
+              <a:rPr lang="en-CA" dirty="0" smtClean="0"/>
+              <a:t>5 </a:t>
+            </a:r>
             <a:r>
               <a:rPr lang="en-CA" dirty="0"/>
-              <a:t>Every </a:t>
-            </a:r>
-            <a:r>
-              <a:rPr lang="en-CA" dirty="0" smtClean="0"/>
-              <a:t>Epic over </a:t>
-            </a:r>
-            <a:r>
-              <a:rPr lang="en-CA" dirty="0"/>
-              <a:t>the maximum gives </a:t>
-            </a:r>
-            <a:r>
-              <a:rPr lang="en-CA" dirty="0" smtClean="0"/>
-              <a:t>1000 coins</a:t>
-            </a:r>
-          </a:p>
-          <a:p>
-            <a:pPr lvl="1"/>
-            <a:r>
-              <a:rPr lang="en-CA" dirty="0"/>
-              <a:t>Every </a:t>
-            </a:r>
-            <a:r>
-              <a:rPr lang="en-CA" dirty="0" smtClean="0"/>
-              <a:t>Legendary over </a:t>
-            </a:r>
-            <a:r>
-              <a:rPr lang="en-CA" dirty="0"/>
-              <a:t>the maximum gives </a:t>
-            </a:r>
-            <a:r>
-              <a:rPr lang="en-CA" dirty="0" smtClean="0"/>
-              <a:t>20,000 coins</a:t>
-            </a:r>
-          </a:p>
-          <a:p>
-            <a:endParaRPr lang="en-CA" dirty="0" smtClean="0"/>
+              <a:t>different </a:t>
+            </a:r>
+            <a:r>
+              <a:rPr lang="en-CA" dirty="0" smtClean="0"/>
+              <a:t>levels</a:t>
+            </a:r>
+          </a:p>
+          <a:p>
+            <a:r>
+              <a:rPr lang="en-CA" dirty="0" smtClean="0"/>
+              <a:t>Legendary cards have special animations on them </a:t>
+            </a:r>
           </a:p>
           <a:p>
             <a:pPr lvl="1"/>
@@ -17725,7 +18402,7 @@
     </p:spTree>
     <p:extLst>
       <p:ext uri="{BB962C8B-B14F-4D97-AF65-F5344CB8AC3E}">
-        <p14:creationId xmlns:p14="http://schemas.microsoft.com/office/powerpoint/2010/main" val="3065818348"/>
+        <p14:creationId xmlns:p14="http://schemas.microsoft.com/office/powerpoint/2010/main" val="2995235748"/>
       </p:ext>
     </p:extLst>
   </p:cSld>
@@ -17776,7 +18453,7 @@
           <a:p>
             <a:r>
               <a:rPr lang="en-CA" dirty="0" smtClean="0"/>
-              <a:t>Level Up</a:t>
+              <a:t>Duplicate Cards</a:t>
             </a:r>
             <a:endParaRPr lang="en-CA" dirty="0"/>
           </a:p>
@@ -17794,119 +18471,105 @@
         </p:nvSpPr>
         <p:spPr/>
         <p:txBody>
-          <a:bodyPr>
-            <a:normAutofit fontScale="92500" lnSpcReduction="10000"/>
-          </a:bodyPr>
-          <a:lstStyle/>
-          <a:p>
-            <a:r>
-              <a:rPr lang="en-CA" dirty="0" smtClean="0"/>
-              <a:t>When you earn enough XP, you level up</a:t>
-            </a:r>
-          </a:p>
-          <a:p>
-            <a:r>
-              <a:rPr lang="en-CA" dirty="0" smtClean="0"/>
-              <a:t>There are 100 levels</a:t>
-            </a:r>
-          </a:p>
-          <a:p>
-            <a:r>
-              <a:rPr lang="en-CA" dirty="0" smtClean="0"/>
-              <a:t>Any of these actions grants XP:</a:t>
+          <a:bodyPr/>
+          <a:lstStyle/>
+          <a:p>
+            <a:r>
+              <a:rPr lang="en-CA" dirty="0" smtClean="0"/>
+              <a:t>Duplicate cards over the maximum useful number will be converted into coins automatically</a:t>
             </a:r>
           </a:p>
           <a:p>
             <a:pPr lvl="1"/>
             <a:r>
               <a:rPr lang="en-CA" dirty="0" smtClean="0"/>
-              <a:t>Finishing a mission (250 </a:t>
-            </a:r>
-            <a:r>
-              <a:rPr lang="en-CA" dirty="0" err="1" smtClean="0"/>
-              <a:t>xp</a:t>
-            </a:r>
-            <a:r>
-              <a:rPr lang="en-CA" dirty="0" smtClean="0"/>
-              <a:t>)</a:t>
+              <a:t>Every Common over the maximum gives 5 coins</a:t>
             </a:r>
           </a:p>
           <a:p>
             <a:pPr lvl="1"/>
             <a:r>
-              <a:rPr lang="en-CA" dirty="0" smtClean="0"/>
-              <a:t>Doing a consecutive race (race needs to start within one minute of the last race </a:t>
-            </a:r>
-            <a:r>
               <a:rPr lang="en-CA" dirty="0"/>
-              <a:t>finish) (</a:t>
-            </a:r>
-            <a:r>
-              <a:rPr lang="en-CA" dirty="0" smtClean="0"/>
-              <a:t>200 </a:t>
-            </a:r>
-            <a:r>
-              <a:rPr lang="en-CA" dirty="0" err="1"/>
-              <a:t>xp</a:t>
-            </a:r>
-            <a:r>
-              <a:rPr lang="en-CA" dirty="0" smtClean="0"/>
-              <a:t>)</a:t>
+              <a:t>Every </a:t>
+            </a:r>
+            <a:r>
+              <a:rPr lang="en-CA" dirty="0" smtClean="0"/>
+              <a:t>Rare over </a:t>
+            </a:r>
+            <a:r>
+              <a:rPr lang="en-CA" dirty="0"/>
+              <a:t>the maximum gives </a:t>
+            </a:r>
+            <a:r>
+              <a:rPr lang="en-CA" dirty="0" smtClean="0"/>
+              <a:t>50 </a:t>
+            </a:r>
+            <a:r>
+              <a:rPr lang="en-CA" dirty="0"/>
+              <a:t>coins</a:t>
             </a:r>
           </a:p>
           <a:p>
             <a:pPr lvl="1"/>
             <a:r>
-              <a:rPr lang="en-CA" dirty="0" smtClean="0"/>
-              <a:t>Winning a mission (500xp)</a:t>
+              <a:rPr lang="en-CA" dirty="0"/>
+              <a:t>Every </a:t>
+            </a:r>
+            <a:r>
+              <a:rPr lang="en-CA" dirty="0" smtClean="0"/>
+              <a:t>Epic over </a:t>
+            </a:r>
+            <a:r>
+              <a:rPr lang="en-CA" dirty="0"/>
+              <a:t>the maximum gives </a:t>
+            </a:r>
+            <a:r>
+              <a:rPr lang="en-CA" dirty="0" smtClean="0"/>
+              <a:t>1000 coins</a:t>
             </a:r>
           </a:p>
           <a:p>
             <a:pPr lvl="1"/>
             <a:r>
-              <a:rPr lang="en-CA" dirty="0" smtClean="0"/>
-              <a:t>First win of the day (1500xp)</a:t>
-            </a:r>
+              <a:rPr lang="en-CA" dirty="0"/>
+              <a:t>Every </a:t>
+            </a:r>
+            <a:r>
+              <a:rPr lang="en-CA" dirty="0" smtClean="0"/>
+              <a:t>Legendary over </a:t>
+            </a:r>
+            <a:r>
+              <a:rPr lang="en-CA" dirty="0"/>
+              <a:t>the maximum gives </a:t>
+            </a:r>
+            <a:r>
+              <a:rPr lang="en-CA" dirty="0" smtClean="0"/>
+              <a:t>20,000 coins</a:t>
+            </a:r>
+          </a:p>
+          <a:p>
+            <a:endParaRPr lang="en-CA" dirty="0" smtClean="0"/>
           </a:p>
           <a:p>
             <a:pPr lvl="1"/>
-            <a:r>
-              <a:rPr lang="en-CA" dirty="0" smtClean="0"/>
-              <a:t>Upgrading a card. The XP awarded increases with the card level and rarity. Upgrading a common card from level 2 to 3 gives you 5xp </a:t>
-            </a:r>
-            <a:r>
-              <a:rPr lang="en-CA" dirty="0"/>
-              <a:t>whereas </a:t>
-            </a:r>
-            <a:r>
-              <a:rPr lang="en-CA" dirty="0" smtClean="0"/>
-              <a:t>upgrading </a:t>
-            </a:r>
-            <a:r>
-              <a:rPr lang="en-CA" dirty="0"/>
-              <a:t>a </a:t>
-            </a:r>
-            <a:r>
-              <a:rPr lang="en-CA" dirty="0" smtClean="0"/>
-              <a:t>legendary card </a:t>
-            </a:r>
-            <a:r>
-              <a:rPr lang="en-CA" dirty="0"/>
-              <a:t>from level </a:t>
-            </a:r>
-            <a:r>
-              <a:rPr lang="en-CA" dirty="0" smtClean="0"/>
-              <a:t>4 </a:t>
-            </a:r>
-            <a:r>
-              <a:rPr lang="en-CA" dirty="0"/>
-              <a:t>to </a:t>
-            </a:r>
-            <a:r>
-              <a:rPr lang="en-CA" dirty="0" smtClean="0"/>
-              <a:t>5 gives you 3,200xp</a:t>
-            </a:r>
+            <a:endParaRPr lang="en-CA" dirty="0" smtClean="0"/>
+          </a:p>
+          <a:p>
+            <a:pPr lvl="1"/>
             <a:endParaRPr lang="en-CA" dirty="0"/>
+          </a:p>
+          <a:p>
+            <a:pPr marL="228600" lvl="1" indent="0">
+              <a:buNone/>
+            </a:pPr>
+            <a:endParaRPr lang="en-CA" dirty="0" smtClean="0"/>
+          </a:p>
+          <a:p>
+            <a:pPr lvl="1"/>
+            <a:endParaRPr lang="en-CA" dirty="0" smtClean="0"/>
+          </a:p>
+          <a:p>
+            <a:endParaRPr lang="en-CA" dirty="0" smtClean="0"/>
           </a:p>
         </p:txBody>
       </p:sp>
@@ -17936,7 +18599,7 @@
     </p:spTree>
     <p:extLst>
       <p:ext uri="{BB962C8B-B14F-4D97-AF65-F5344CB8AC3E}">
-        <p14:creationId xmlns:p14="http://schemas.microsoft.com/office/powerpoint/2010/main" val="3166070157"/>
+        <p14:creationId xmlns:p14="http://schemas.microsoft.com/office/powerpoint/2010/main" val="3065818348"/>
       </p:ext>
     </p:extLst>
   </p:cSld>
@@ -17987,7 +18650,7 @@
           <a:p>
             <a:r>
               <a:rPr lang="en-CA" dirty="0" smtClean="0"/>
-              <a:t>Level Up Rewards</a:t>
+              <a:t>Level Up</a:t>
             </a:r>
             <a:endParaRPr lang="en-CA" dirty="0"/>
           </a:p>
@@ -18003,26 +18666,121 @@
             <p:ph idx="1"/>
           </p:nvPr>
         </p:nvSpPr>
-        <p:spPr>
-          <a:xfrm>
-            <a:off x="457200" y="2209800"/>
-            <a:ext cx="4785316" cy="3916363"/>
-          </a:xfrm>
-        </p:spPr>
-        <p:txBody>
-          <a:bodyPr/>
-          <a:lstStyle/>
-          <a:p>
-            <a:r>
-              <a:rPr lang="en-CA" dirty="0" smtClean="0"/>
-              <a:t>One loot box</a:t>
-            </a:r>
-          </a:p>
-          <a:p>
-            <a:r>
-              <a:rPr lang="en-CA" dirty="0" smtClean="0"/>
-              <a:t>A new frame for your hero icon every 10 levels</a:t>
-            </a:r>
+        <p:spPr/>
+        <p:txBody>
+          <a:bodyPr>
+            <a:normAutofit fontScale="92500" lnSpcReduction="10000"/>
+          </a:bodyPr>
+          <a:lstStyle/>
+          <a:p>
+            <a:r>
+              <a:rPr lang="en-CA" dirty="0" smtClean="0"/>
+              <a:t>When you earn enough XP, you level up</a:t>
+            </a:r>
+          </a:p>
+          <a:p>
+            <a:r>
+              <a:rPr lang="en-CA" dirty="0" smtClean="0"/>
+              <a:t>There are 100 levels</a:t>
+            </a:r>
+          </a:p>
+          <a:p>
+            <a:r>
+              <a:rPr lang="en-CA" dirty="0" smtClean="0"/>
+              <a:t>Any of these actions grants XP:</a:t>
+            </a:r>
+          </a:p>
+          <a:p>
+            <a:pPr lvl="1"/>
+            <a:r>
+              <a:rPr lang="en-CA" dirty="0" smtClean="0"/>
+              <a:t>Finishing a mission (250 </a:t>
+            </a:r>
+            <a:r>
+              <a:rPr lang="en-CA" dirty="0" err="1" smtClean="0"/>
+              <a:t>xp</a:t>
+            </a:r>
+            <a:r>
+              <a:rPr lang="en-CA" dirty="0" smtClean="0"/>
+              <a:t>)</a:t>
+            </a:r>
+          </a:p>
+          <a:p>
+            <a:pPr lvl="1"/>
+            <a:r>
+              <a:rPr lang="en-CA" dirty="0" smtClean="0"/>
+              <a:t>Doing a consecutive race (race needs to start within one minute of the last race </a:t>
+            </a:r>
+            <a:r>
+              <a:rPr lang="en-CA" dirty="0"/>
+              <a:t>finish) (</a:t>
+            </a:r>
+            <a:r>
+              <a:rPr lang="en-CA" dirty="0" smtClean="0"/>
+              <a:t>200 </a:t>
+            </a:r>
+            <a:r>
+              <a:rPr lang="en-CA" dirty="0" err="1"/>
+              <a:t>xp</a:t>
+            </a:r>
+            <a:r>
+              <a:rPr lang="en-CA" dirty="0" smtClean="0"/>
+              <a:t>)</a:t>
+            </a:r>
+          </a:p>
+          <a:p>
+            <a:pPr lvl="1"/>
+            <a:r>
+              <a:rPr lang="en-CA" dirty="0" smtClean="0"/>
+              <a:t>Winning a mission (500xp)</a:t>
+            </a:r>
+          </a:p>
+          <a:p>
+            <a:pPr lvl="1"/>
+            <a:r>
+              <a:rPr lang="en-CA" dirty="0" smtClean="0"/>
+              <a:t>First win of the day (1500xp)</a:t>
+            </a:r>
+          </a:p>
+          <a:p>
+            <a:pPr lvl="1"/>
+            <a:r>
+              <a:rPr lang="en-CA" dirty="0" smtClean="0"/>
+              <a:t>Upgrading a card. The XP awarded increases with the card level and rarity. Upgrading a common card from level 2 to 3 gives you 5xp </a:t>
+            </a:r>
+            <a:r>
+              <a:rPr lang="en-CA" dirty="0"/>
+              <a:t>whereas </a:t>
+            </a:r>
+            <a:r>
+              <a:rPr lang="en-CA" dirty="0" smtClean="0"/>
+              <a:t>upgrading </a:t>
+            </a:r>
+            <a:r>
+              <a:rPr lang="en-CA" dirty="0"/>
+              <a:t>a </a:t>
+            </a:r>
+            <a:r>
+              <a:rPr lang="en-CA" dirty="0" smtClean="0"/>
+              <a:t>legendary card </a:t>
+            </a:r>
+            <a:r>
+              <a:rPr lang="en-CA" dirty="0"/>
+              <a:t>from level </a:t>
+            </a:r>
+            <a:r>
+              <a:rPr lang="en-CA" dirty="0" smtClean="0"/>
+              <a:t>4 </a:t>
+            </a:r>
+            <a:r>
+              <a:rPr lang="en-CA" dirty="0"/>
+              <a:t>to </a:t>
+            </a:r>
+            <a:r>
+              <a:rPr lang="en-CA" dirty="0" smtClean="0"/>
+              <a:t>5 gives you 3,200xp</a:t>
+            </a:r>
+            <a:endParaRPr lang="en-CA" dirty="0"/>
           </a:p>
         </p:txBody>
       </p:sp>
@@ -18052,7 +18810,7 @@
     </p:spTree>
     <p:extLst>
       <p:ext uri="{BB962C8B-B14F-4D97-AF65-F5344CB8AC3E}">
-        <p14:creationId xmlns:p14="http://schemas.microsoft.com/office/powerpoint/2010/main" val="1760441282"/>
+        <p14:creationId xmlns:p14="http://schemas.microsoft.com/office/powerpoint/2010/main" val="3166070157"/>
       </p:ext>
     </p:extLst>
   </p:cSld>
@@ -18103,7 +18861,7 @@
           <a:p>
             <a:r>
               <a:rPr lang="en-CA" dirty="0" smtClean="0"/>
-              <a:t>Progression System</a:t>
+              <a:t>Level Up Rewards</a:t>
             </a:r>
             <a:endParaRPr lang="en-CA" dirty="0"/>
           </a:p>
@@ -18121,8 +18879,8 @@
         </p:nvSpPr>
         <p:spPr>
           <a:xfrm>
-            <a:off x="457199" y="2221345"/>
-            <a:ext cx="6508377" cy="3916363"/>
+            <a:off x="457200" y="2209800"/>
+            <a:ext cx="4785316" cy="3916363"/>
           </a:xfrm>
         </p:spPr>
         <p:txBody>
@@ -18131,58 +18889,14 @@
           <a:p>
             <a:r>
               <a:rPr lang="en-CA" dirty="0" smtClean="0"/>
-              <a:t>Non-competitive</a:t>
-            </a:r>
-          </a:p>
-          <a:p>
-            <a:pPr lvl="1"/>
-            <a:r>
-              <a:rPr lang="en-CA" dirty="0" smtClean="0"/>
-              <a:t>Increase your clan size</a:t>
-            </a:r>
-          </a:p>
-          <a:p>
-            <a:pPr lvl="1"/>
-            <a:r>
-              <a:rPr lang="en-CA" dirty="0" smtClean="0"/>
-              <a:t>You are matched with players with the same Hangout level</a:t>
-            </a:r>
-            <a:endParaRPr lang="en-CA" dirty="0"/>
-          </a:p>
-          <a:p>
-            <a:r>
-              <a:rPr lang="en-CA" dirty="0" smtClean="0"/>
-              <a:t>Competitive</a:t>
-            </a:r>
-          </a:p>
-          <a:p>
-            <a:pPr lvl="1"/>
-            <a:r>
-              <a:rPr lang="en-CA" dirty="0" smtClean="0"/>
-              <a:t>Increase your ranking: Bronze, Silver, etc.</a:t>
-            </a:r>
-          </a:p>
-          <a:p>
-            <a:pPr lvl="1"/>
-            <a:r>
-              <a:rPr lang="en-CA" dirty="0" smtClean="0"/>
-              <a:t>You need to be level 20 to join in competitive play</a:t>
-            </a:r>
-          </a:p>
-          <a:p>
-            <a:pPr lvl="1"/>
-            <a:r>
-              <a:rPr lang="en-CA" dirty="0" smtClean="0"/>
-              <a:t>There are 6 ranks in all</a:t>
-            </a:r>
-          </a:p>
-          <a:p>
-            <a:pPr lvl="1"/>
-            <a:r>
-              <a:rPr lang="en-CA" dirty="0" smtClean="0"/>
-              <a:t>You are matched with players with the same Rank</a:t>
-            </a:r>
-            <a:endParaRPr lang="en-CA" dirty="0"/>
+              <a:t>One loot box</a:t>
+            </a:r>
+          </a:p>
+          <a:p>
+            <a:r>
+              <a:rPr lang="en-CA" dirty="0" smtClean="0"/>
+              <a:t>A new frame for your hero icon every 10 levels</a:t>
+            </a:r>
           </a:p>
         </p:txBody>
       </p:sp>
@@ -18212,7 +18926,7 @@
     </p:spTree>
     <p:extLst>
       <p:ext uri="{BB962C8B-B14F-4D97-AF65-F5344CB8AC3E}">
-        <p14:creationId xmlns:p14="http://schemas.microsoft.com/office/powerpoint/2010/main" val="2975327523"/>
+        <p14:creationId xmlns:p14="http://schemas.microsoft.com/office/powerpoint/2010/main" val="1760441282"/>
       </p:ext>
     </p:extLst>
   </p:cSld>
@@ -18263,12 +18977,9 @@
           <a:p>
             <a:r>
               <a:rPr lang="en-CA" dirty="0" smtClean="0"/>
-              <a:t>Game </a:t>
-            </a:r>
-            <a:r>
-              <a:rPr lang="en-CA" dirty="0"/>
-              <a:t>modes</a:t>
-            </a:r>
+              <a:t>Progression System</a:t>
+            </a:r>
+            <a:endParaRPr lang="en-CA" dirty="0"/>
           </a:p>
         </p:txBody>
       </p:sp>
@@ -18282,15 +18993,70 @@
             <p:ph idx="1"/>
           </p:nvPr>
         </p:nvSpPr>
-        <p:spPr/>
-        <p:txBody>
-          <a:bodyPr/>
-          <a:lstStyle/>
-          <a:p>
-            <a:r>
-              <a:rPr lang="en-CA" dirty="0" smtClean="0"/>
-              <a:t>You can play both online and offline</a:t>
-            </a:r>
+        <p:spPr>
+          <a:xfrm>
+            <a:off x="457199" y="2221345"/>
+            <a:ext cx="6508377" cy="3916363"/>
+          </a:xfrm>
+        </p:spPr>
+        <p:txBody>
+          <a:bodyPr/>
+          <a:lstStyle/>
+          <a:p>
+            <a:r>
+              <a:rPr lang="en-CA" dirty="0" smtClean="0"/>
+              <a:t>Non-competitive</a:t>
+            </a:r>
+          </a:p>
+          <a:p>
+            <a:pPr lvl="1"/>
+            <a:r>
+              <a:rPr lang="en-CA" dirty="0" smtClean="0"/>
+              <a:t>Increase your clan size</a:t>
+            </a:r>
+          </a:p>
+          <a:p>
+            <a:pPr lvl="1"/>
+            <a:r>
+              <a:rPr lang="en-CA" dirty="0" smtClean="0"/>
+              <a:t>You are matched with players with the same Hangout level</a:t>
+            </a:r>
+            <a:endParaRPr lang="en-CA" dirty="0"/>
+          </a:p>
+          <a:p>
+            <a:r>
+              <a:rPr lang="en-CA" dirty="0" smtClean="0"/>
+              <a:t>Competitive</a:t>
+            </a:r>
+          </a:p>
+          <a:p>
+            <a:pPr lvl="1"/>
+            <a:r>
+              <a:rPr lang="en-CA" dirty="0" smtClean="0"/>
+              <a:t>Increase your ranking: Bronze, Silver, etc.</a:t>
+            </a:r>
+          </a:p>
+          <a:p>
+            <a:pPr lvl="1"/>
+            <a:r>
+              <a:rPr lang="en-CA" dirty="0" smtClean="0"/>
+              <a:t>You need to be level 20 to join in competitive play</a:t>
+            </a:r>
+          </a:p>
+          <a:p>
+            <a:pPr lvl="1"/>
+            <a:r>
+              <a:rPr lang="en-CA" dirty="0" smtClean="0"/>
+              <a:t>There are 6 ranks in all</a:t>
+            </a:r>
+          </a:p>
+          <a:p>
+            <a:pPr lvl="1"/>
+            <a:r>
+              <a:rPr lang="en-CA" dirty="0" smtClean="0"/>
+              <a:t>You are matched with players with the same Rank</a:t>
+            </a:r>
+            <a:endParaRPr lang="en-CA" dirty="0"/>
           </a:p>
         </p:txBody>
       </p:sp>
@@ -18320,7 +19086,7 @@
     </p:spTree>
     <p:extLst>
       <p:ext uri="{BB962C8B-B14F-4D97-AF65-F5344CB8AC3E}">
-        <p14:creationId xmlns:p14="http://schemas.microsoft.com/office/powerpoint/2010/main" val="2112995988"/>
+        <p14:creationId xmlns:p14="http://schemas.microsoft.com/office/powerpoint/2010/main" val="2975327523"/>
       </p:ext>
     </p:extLst>
   </p:cSld>
@@ -18371,7 +19137,7 @@
           <a:p>
             <a:r>
               <a:rPr lang="en-CA" dirty="0" smtClean="0"/>
-              <a:t>Online game </a:t>
+              <a:t>Game </a:t>
             </a:r>
             <a:r>
               <a:rPr lang="en-CA" dirty="0"/>
@@ -18392,79 +19158,12 @@
         </p:nvSpPr>
         <p:spPr/>
         <p:txBody>
-          <a:bodyPr>
-            <a:normAutofit fontScale="92500" lnSpcReduction="20000"/>
-          </a:bodyPr>
-          <a:lstStyle/>
-          <a:p>
-            <a:pPr lvl="1"/>
-            <a:r>
-              <a:rPr lang="en-CA" dirty="0" smtClean="0"/>
-              <a:t>Quick Play (non-competitive)</a:t>
-            </a:r>
-          </a:p>
-          <a:p>
-            <a:pPr lvl="2"/>
-            <a:r>
-              <a:rPr lang="en-CA" dirty="0" smtClean="0"/>
-              <a:t>Matches you against 1, 2 or 3 players with the same hangout level</a:t>
-            </a:r>
-          </a:p>
-          <a:p>
-            <a:pPr lvl="2"/>
-            <a:r>
-              <a:rPr lang="en-CA" dirty="0" smtClean="0"/>
-              <a:t>Missions with more players allow you to earn more coins</a:t>
-            </a:r>
-          </a:p>
-          <a:p>
-            <a:pPr lvl="2"/>
-            <a:r>
-              <a:rPr lang="en-CA" dirty="0" smtClean="0"/>
-              <a:t>Location is random</a:t>
-            </a:r>
-          </a:p>
-          <a:p>
-            <a:pPr lvl="1"/>
-            <a:r>
-              <a:rPr lang="en-CA" dirty="0" smtClean="0"/>
-              <a:t>Competitive</a:t>
-            </a:r>
-          </a:p>
-          <a:p>
-            <a:pPr lvl="2"/>
-            <a:r>
-              <a:rPr lang="en-CA" dirty="0" smtClean="0"/>
-              <a:t>Matches </a:t>
-            </a:r>
-            <a:r>
-              <a:rPr lang="en-CA" dirty="0"/>
-              <a:t>you against 1, 2 or 3 players </a:t>
-            </a:r>
-            <a:r>
-              <a:rPr lang="en-CA" dirty="0" smtClean="0"/>
-              <a:t>with the same rank level</a:t>
-            </a:r>
-          </a:p>
-          <a:p>
-            <a:pPr lvl="2"/>
-            <a:r>
-              <a:rPr lang="en-CA" dirty="0" smtClean="0"/>
-              <a:t>Location is random</a:t>
-            </a:r>
-          </a:p>
-          <a:p>
-            <a:pPr lvl="1"/>
-            <a:r>
-              <a:rPr lang="en-CA" dirty="0" smtClean="0"/>
-              <a:t>Play with friend</a:t>
-            </a:r>
-          </a:p>
-          <a:p>
-            <a:pPr lvl="2"/>
-            <a:r>
-              <a:rPr lang="en-CA" dirty="0" smtClean="0"/>
-              <a:t>Allows you to play with one friend. You need to know the friend’s user name to invite him or her. The person inviting decides on the location</a:t>
+          <a:bodyPr/>
+          <a:lstStyle/>
+          <a:p>
+            <a:r>
+              <a:rPr lang="en-CA" dirty="0" smtClean="0"/>
+              <a:t>You can play both online and offline</a:t>
             </a:r>
           </a:p>
         </p:txBody>
@@ -18495,7 +19194,7 @@
     </p:spTree>
     <p:extLst>
       <p:ext uri="{BB962C8B-B14F-4D97-AF65-F5344CB8AC3E}">
-        <p14:creationId xmlns:p14="http://schemas.microsoft.com/office/powerpoint/2010/main" val="2705557750"/>
+        <p14:creationId xmlns:p14="http://schemas.microsoft.com/office/powerpoint/2010/main" val="2112995988"/>
       </p:ext>
     </p:extLst>
   </p:cSld>
@@ -18546,9 +19245,12 @@
           <a:p>
             <a:r>
               <a:rPr lang="en-CA" dirty="0" smtClean="0"/>
-              <a:t>Offline mode</a:t>
-            </a:r>
-            <a:endParaRPr lang="en-CA" dirty="0"/>
+              <a:t>Online game </a:t>
+            </a:r>
+            <a:r>
+              <a:rPr lang="en-CA" dirty="0"/>
+              <a:t>modes</a:t>
+            </a:r>
           </a:p>
         </p:txBody>
       </p:sp>
@@ -18565,112 +19267,79 @@
         <p:spPr/>
         <p:txBody>
           <a:bodyPr>
-            <a:normAutofit/>
+            <a:normAutofit fontScale="92500" lnSpcReduction="20000"/>
           </a:bodyPr>
           <a:lstStyle/>
           <a:p>
-            <a:r>
-              <a:rPr lang="en-CA" dirty="0" smtClean="0"/>
-              <a:t>You can play </a:t>
-            </a:r>
-            <a:r>
-              <a:rPr lang="en-CA" dirty="0" smtClean="0"/>
-              <a:t>in </a:t>
-            </a:r>
-            <a:r>
-              <a:rPr lang="en-CA" dirty="0" smtClean="0"/>
-              <a:t>PvE against 1 or 2 bots</a:t>
-            </a:r>
-          </a:p>
-          <a:p>
             <a:pPr lvl="1"/>
             <a:r>
               <a:rPr lang="en-CA" dirty="0" smtClean="0"/>
-              <a:t>You </a:t>
-            </a:r>
-            <a:r>
-              <a:rPr lang="en-CA" dirty="0" smtClean="0"/>
-              <a:t>don’t gain </a:t>
-            </a:r>
-            <a:r>
-              <a:rPr lang="en-CA" dirty="0" smtClean="0"/>
-              <a:t>clan members or supplies</a:t>
-            </a:r>
-            <a:endParaRPr lang="en-CA" dirty="0" smtClean="0"/>
+              <a:t>Quick Play (non-competitive)</a:t>
+            </a:r>
+          </a:p>
+          <a:p>
+            <a:pPr lvl="2"/>
+            <a:r>
+              <a:rPr lang="en-CA" dirty="0" smtClean="0"/>
+              <a:t>Matches you against 1, 2 or 3 players with the same hangout level</a:t>
+            </a:r>
+          </a:p>
+          <a:p>
+            <a:pPr lvl="2"/>
+            <a:r>
+              <a:rPr lang="en-CA" dirty="0" smtClean="0"/>
+              <a:t>Missions with more players allow you to earn more coins</a:t>
+            </a:r>
+          </a:p>
+          <a:p>
+            <a:pPr lvl="2"/>
+            <a:r>
+              <a:rPr lang="en-CA" dirty="0" smtClean="0"/>
+              <a:t>Location is random</a:t>
+            </a:r>
           </a:p>
           <a:p>
             <a:pPr lvl="1"/>
             <a:r>
               <a:rPr lang="en-CA" dirty="0" smtClean="0"/>
-              <a:t>You earn </a:t>
-            </a:r>
-            <a:r>
-              <a:rPr lang="en-CA" dirty="0" smtClean="0"/>
-              <a:t>credits, </a:t>
-            </a:r>
-            <a:r>
-              <a:rPr lang="en-CA" dirty="0" smtClean="0"/>
-              <a:t>but less than in an online match</a:t>
+              <a:t>Competitive</a:t>
+            </a:r>
+          </a:p>
+          <a:p>
+            <a:pPr lvl="2"/>
+            <a:r>
+              <a:rPr lang="en-CA" dirty="0" smtClean="0"/>
+              <a:t>Matches </a:t>
+            </a:r>
+            <a:r>
+              <a:rPr lang="en-CA" dirty="0"/>
+              <a:t>you against 1, 2 or 3 players </a:t>
+            </a:r>
+            <a:r>
+              <a:rPr lang="en-CA" dirty="0" smtClean="0"/>
+              <a:t>with the same rank level</a:t>
+            </a:r>
+          </a:p>
+          <a:p>
+            <a:pPr lvl="2"/>
+            <a:r>
+              <a:rPr lang="en-CA" dirty="0" smtClean="0"/>
+              <a:t>Location is random</a:t>
             </a:r>
           </a:p>
           <a:p>
             <a:pPr lvl="1"/>
             <a:r>
               <a:rPr lang="en-CA" dirty="0" smtClean="0"/>
-              <a:t>You earn the normal amount of XP</a:t>
-            </a:r>
-          </a:p>
-          <a:p>
-            <a:pPr lvl="1"/>
-            <a:r>
-              <a:rPr lang="en-CA" dirty="0" smtClean="0"/>
-              <a:t>You choose the mission </a:t>
-            </a:r>
-            <a:r>
-              <a:rPr lang="en-CA" dirty="0" smtClean="0"/>
-              <a:t>location</a:t>
-            </a:r>
-          </a:p>
-          <a:p>
-            <a:r>
-              <a:rPr lang="en-CA" dirty="0" smtClean="0"/>
-              <a:t>You can play alone in the training track to practice you moves</a:t>
-            </a:r>
-          </a:p>
-          <a:p>
-            <a:pPr lvl="1"/>
-            <a:r>
-              <a:rPr lang="en-CA" dirty="0"/>
-              <a:t>You </a:t>
-            </a:r>
-            <a:r>
-              <a:rPr lang="en-CA" dirty="0" smtClean="0"/>
-              <a:t>don’t </a:t>
-            </a:r>
-            <a:r>
-              <a:rPr lang="en-CA" dirty="0"/>
-              <a:t>gain clan </a:t>
-            </a:r>
-            <a:r>
-              <a:rPr lang="en-CA" dirty="0" smtClean="0"/>
-              <a:t>members, credits or XPs</a:t>
-            </a:r>
-            <a:endParaRPr lang="en-CA" dirty="0"/>
-          </a:p>
-          <a:p>
-            <a:pPr lvl="1"/>
-            <a:r>
-              <a:rPr lang="en-CA" dirty="0" smtClean="0"/>
-              <a:t>You </a:t>
-            </a:r>
-            <a:r>
-              <a:rPr lang="en-CA" dirty="0"/>
-              <a:t>choose the mission location</a:t>
-            </a:r>
-            <a:endParaRPr lang="en-CA" dirty="0" smtClean="0"/>
-          </a:p>
-          <a:p>
-            <a:endParaRPr lang="en-CA" dirty="0" smtClean="0"/>
+              <a:t>Play with friend</a:t>
+            </a:r>
+          </a:p>
+          <a:p>
+            <a:pPr lvl="2"/>
+            <a:r>
+              <a:rPr lang="en-CA" dirty="0" smtClean="0"/>
+              <a:t>Allows you to play with one friend. You need to know the friend’s user name to invite him or her. The person inviting decides on the location</a:t>
+            </a:r>
           </a:p>
         </p:txBody>
       </p:sp>
@@ -18700,7 +19369,7 @@
     </p:spTree>
     <p:extLst>
       <p:ext uri="{BB962C8B-B14F-4D97-AF65-F5344CB8AC3E}">
-        <p14:creationId xmlns:p14="http://schemas.microsoft.com/office/powerpoint/2010/main" val="484252277"/>
+        <p14:creationId xmlns:p14="http://schemas.microsoft.com/office/powerpoint/2010/main" val="2705557750"/>
       </p:ext>
     </p:extLst>
   </p:cSld>
@@ -18736,7 +19405,7 @@
       </p:grpSpPr>
       <p:sp>
         <p:nvSpPr>
-          <p:cNvPr id="5" name="Titre 4"/>
+          <p:cNvPr id="2" name="Titre 1"/>
           <p:cNvSpPr>
             <a:spLocks noGrp="1"/>
           </p:cNvSpPr>
@@ -18751,7 +19420,7 @@
           <a:p>
             <a:r>
               <a:rPr lang="en-CA" dirty="0" smtClean="0"/>
-              <a:t>Loot Boxes</a:t>
+              <a:t>Offline mode</a:t>
             </a:r>
             <a:endParaRPr lang="en-CA" dirty="0"/>
           </a:p>
@@ -18759,20 +19428,94 @@
       </p:sp>
       <p:sp>
         <p:nvSpPr>
-          <p:cNvPr id="2" name="Espace réservé du texte 1"/>
-          <p:cNvSpPr>
-            <a:spLocks noGrp="1"/>
-          </p:cNvSpPr>
-          <p:nvPr>
-            <p:ph type="body" idx="1"/>
-          </p:nvPr>
-        </p:nvSpPr>
-        <p:spPr/>
-        <p:txBody>
-          <a:bodyPr/>
-          <a:lstStyle/>
-          <a:p>
-            <a:endParaRPr lang="en-CA"/>
+          <p:cNvPr id="3" name="Espace réservé du contenu 2"/>
+          <p:cNvSpPr>
+            <a:spLocks noGrp="1"/>
+          </p:cNvSpPr>
+          <p:nvPr>
+            <p:ph idx="1"/>
+          </p:nvPr>
+        </p:nvSpPr>
+        <p:spPr/>
+        <p:txBody>
+          <a:bodyPr>
+            <a:normAutofit/>
+          </a:bodyPr>
+          <a:lstStyle/>
+          <a:p>
+            <a:r>
+              <a:rPr lang="en-CA" dirty="0" smtClean="0"/>
+              <a:t>You can play in PvE against 1 or 2 bots</a:t>
+            </a:r>
+          </a:p>
+          <a:p>
+            <a:pPr lvl="1"/>
+            <a:r>
+              <a:rPr lang="en-CA" dirty="0" smtClean="0"/>
+              <a:t>You don’t gain clan members or supplies</a:t>
+            </a:r>
+          </a:p>
+          <a:p>
+            <a:pPr lvl="1"/>
+            <a:r>
+              <a:rPr lang="en-CA" dirty="0" smtClean="0"/>
+              <a:t>You earn credits, but less than in an online match</a:t>
+            </a:r>
+          </a:p>
+          <a:p>
+            <a:pPr lvl="1"/>
+            <a:r>
+              <a:rPr lang="en-CA" dirty="0" smtClean="0"/>
+              <a:t>You earn the normal amount of XP</a:t>
+            </a:r>
+          </a:p>
+          <a:p>
+            <a:pPr lvl="1"/>
+            <a:r>
+              <a:rPr lang="en-CA" dirty="0" smtClean="0"/>
+              <a:t>You choose the mission location</a:t>
+            </a:r>
+          </a:p>
+          <a:p>
+            <a:r>
+              <a:rPr lang="en-CA" dirty="0" smtClean="0"/>
+              <a:t>You can play alone in the training track to practice you moves</a:t>
+            </a:r>
+          </a:p>
+          <a:p>
+            <a:pPr lvl="1"/>
+            <a:r>
+              <a:rPr lang="en-CA" dirty="0"/>
+              <a:t>You </a:t>
+            </a:r>
+            <a:r>
+              <a:rPr lang="en-CA" dirty="0" smtClean="0"/>
+              <a:t>don’t </a:t>
+            </a:r>
+            <a:r>
+              <a:rPr lang="en-CA" dirty="0"/>
+              <a:t>gain clan </a:t>
+            </a:r>
+            <a:r>
+              <a:rPr lang="en-CA" dirty="0" smtClean="0"/>
+              <a:t>members, credits or XPs</a:t>
+            </a:r>
+            <a:endParaRPr lang="en-CA" dirty="0"/>
+          </a:p>
+          <a:p>
+            <a:pPr lvl="1"/>
+            <a:r>
+              <a:rPr lang="en-CA" dirty="0" smtClean="0"/>
+              <a:t>You </a:t>
+            </a:r>
+            <a:r>
+              <a:rPr lang="en-CA" dirty="0"/>
+              <a:t>choose the mission location</a:t>
+            </a:r>
+            <a:endParaRPr lang="en-CA" dirty="0" smtClean="0"/>
+          </a:p>
+          <a:p>
+            <a:endParaRPr lang="en-CA" dirty="0" smtClean="0"/>
           </a:p>
         </p:txBody>
       </p:sp>
@@ -18802,7 +19545,7 @@
     </p:spTree>
     <p:extLst>
       <p:ext uri="{BB962C8B-B14F-4D97-AF65-F5344CB8AC3E}">
-        <p14:creationId xmlns:p14="http://schemas.microsoft.com/office/powerpoint/2010/main" val="2940139159"/>
+        <p14:creationId xmlns:p14="http://schemas.microsoft.com/office/powerpoint/2010/main" val="484252277"/>
       </p:ext>
     </p:extLst>
   </p:cSld>
@@ -18869,14 +19612,14 @@
             <p:ph idx="1"/>
             <p:extLst>
               <p:ext uri="{D42A27DB-BD31-4B8C-83A1-F6EECF244321}">
-                <p14:modId xmlns:p14="http://schemas.microsoft.com/office/powerpoint/2010/main" val="2256647759"/>
+                <p14:modId xmlns:p14="http://schemas.microsoft.com/office/powerpoint/2010/main" val="1076314442"/>
               </p:ext>
             </p:extLst>
           </p:nvPr>
         </p:nvGraphicFramePr>
         <p:xfrm>
           <a:off x="792005" y="2209800"/>
-          <a:ext cx="5960923" cy="2966720"/>
+          <a:ext cx="5960923" cy="2595880"/>
         </p:xfrm>
         <a:graphic>
           <a:graphicData uri="http://schemas.openxmlformats.org/drawingml/2006/table">
@@ -19167,44 +19910,6 @@
                       <a:r>
                         <a:rPr lang="en-CA" dirty="0" smtClean="0"/>
                         <a:t>6</a:t>
-                      </a:r>
-                      <a:endParaRPr lang="en-CA" dirty="0"/>
-                    </a:p>
-                  </a:txBody>
-                  <a:tcPr/>
-                </a:tc>
-                <a:tc>
-                  <a:txBody>
-                    <a:bodyPr/>
-                    <a:lstStyle/>
-                    <a:p>
-                      <a:endParaRPr lang="en-CA" dirty="0"/>
-                    </a:p>
-                  </a:txBody>
-                  <a:tcPr/>
-                </a:tc>
-                <a:tc>
-                  <a:txBody>
-                    <a:bodyPr/>
-                    <a:lstStyle/>
-                    <a:p>
-                      <a:pPr algn="ctr"/>
-                      <a:endParaRPr lang="en-CA" dirty="0"/>
-                    </a:p>
-                  </a:txBody>
-                  <a:tcPr/>
-                </a:tc>
-              </a:tr>
-              <a:tr h="370840">
-                <a:tc>
-                  <a:txBody>
-                    <a:bodyPr/>
-                    <a:lstStyle/>
-                    <a:p>
-                      <a:pPr algn="ctr"/>
-                      <a:r>
-                        <a:rPr lang="en-CA" dirty="0" smtClean="0"/>
-                        <a:t>7</a:t>
                       </a:r>
                       <a:endParaRPr lang="en-CA" dirty="0"/>
                     </a:p>
@@ -19299,7 +20004,7 @@
       </p:grpSpPr>
       <p:sp>
         <p:nvSpPr>
-          <p:cNvPr id="2" name="Titre 1"/>
+          <p:cNvPr id="5" name="Titre 4"/>
           <p:cNvSpPr>
             <a:spLocks noGrp="1"/>
           </p:cNvSpPr>
@@ -19314,15 +20019,7 @@
           <a:p>
             <a:r>
               <a:rPr lang="en-CA" dirty="0" smtClean="0"/>
-              <a:t>Loot </a:t>
-            </a:r>
-            <a:r>
-              <a:rPr lang="en-CA" dirty="0"/>
-              <a:t>Boxes </a:t>
-            </a:r>
-            <a:r>
-              <a:rPr lang="en-CA" dirty="0" smtClean="0"/>
-              <a:t>– Overview</a:t>
+              <a:t>Loot Boxes</a:t>
             </a:r>
             <a:endParaRPr lang="en-CA" dirty="0"/>
           </a:p>
@@ -19330,43 +20027,20 @@
       </p:sp>
       <p:sp>
         <p:nvSpPr>
-          <p:cNvPr id="3" name="Espace réservé du contenu 2"/>
-          <p:cNvSpPr>
-            <a:spLocks noGrp="1"/>
-          </p:cNvSpPr>
-          <p:nvPr>
-            <p:ph idx="1"/>
-          </p:nvPr>
-        </p:nvSpPr>
-        <p:spPr/>
-        <p:txBody>
-          <a:bodyPr/>
-          <a:lstStyle/>
-          <a:p>
-            <a:r>
-              <a:rPr lang="en-CA" dirty="0" smtClean="0"/>
-              <a:t>You get a loot box:</a:t>
-            </a:r>
-          </a:p>
-          <a:p>
-            <a:pPr lvl="1"/>
-            <a:r>
-              <a:rPr lang="en-CA" dirty="0" smtClean="0"/>
-              <a:t>Every time you level up</a:t>
-            </a:r>
-          </a:p>
-          <a:p>
-            <a:pPr lvl="1"/>
-            <a:r>
-              <a:rPr lang="en-CA" dirty="0" smtClean="0"/>
-              <a:t>When you have earned 100 supplies through racing</a:t>
-            </a:r>
-          </a:p>
-          <a:p>
-            <a:r>
-              <a:rPr lang="en-CA" dirty="0" smtClean="0"/>
-              <a:t>You can buy loot boxes in the store</a:t>
-            </a:r>
+          <p:cNvPr id="2" name="Espace réservé du texte 1"/>
+          <p:cNvSpPr>
+            <a:spLocks noGrp="1"/>
+          </p:cNvSpPr>
+          <p:nvPr>
+            <p:ph type="body" idx="1"/>
+          </p:nvPr>
+        </p:nvSpPr>
+        <p:spPr/>
+        <p:txBody>
+          <a:bodyPr/>
+          <a:lstStyle/>
+          <a:p>
+            <a:endParaRPr lang="en-CA"/>
           </a:p>
         </p:txBody>
       </p:sp>
@@ -19396,7 +20070,7 @@
     </p:spTree>
     <p:extLst>
       <p:ext uri="{BB962C8B-B14F-4D97-AF65-F5344CB8AC3E}">
-        <p14:creationId xmlns:p14="http://schemas.microsoft.com/office/powerpoint/2010/main" val="53067548"/>
+        <p14:creationId xmlns:p14="http://schemas.microsoft.com/office/powerpoint/2010/main" val="2940139159"/>
       </p:ext>
     </p:extLst>
   </p:cSld>
@@ -19447,7 +20121,15 @@
           <a:p>
             <a:r>
               <a:rPr lang="en-CA" dirty="0" smtClean="0"/>
-              <a:t>Loot Box Content</a:t>
+              <a:t>Loot </a:t>
+            </a:r>
+            <a:r>
+              <a:rPr lang="en-CA" dirty="0"/>
+              <a:t>Boxes </a:t>
+            </a:r>
+            <a:r>
+              <a:rPr lang="en-CA" dirty="0" smtClean="0"/>
+              <a:t>– Overview</a:t>
             </a:r>
             <a:endParaRPr lang="en-CA" dirty="0"/>
           </a:p>
@@ -19465,46 +20147,33 @@
         </p:nvSpPr>
         <p:spPr/>
         <p:txBody>
-          <a:bodyPr>
-            <a:normAutofit/>
-          </a:bodyPr>
-          <a:lstStyle/>
-          <a:p>
-            <a:r>
-              <a:rPr lang="en-CA" dirty="0" smtClean="0"/>
-              <a:t>Credits</a:t>
-            </a:r>
-          </a:p>
-          <a:p>
-            <a:r>
-              <a:rPr lang="en-CA" dirty="0" smtClean="0"/>
-              <a:t>Titanium (not all loot boxes gives Titanium)</a:t>
-            </a:r>
-          </a:p>
-          <a:p>
-            <a:r>
-              <a:rPr lang="en-CA" dirty="0"/>
-              <a:t>Cards</a:t>
-            </a:r>
-          </a:p>
-          <a:p>
-            <a:r>
-              <a:rPr lang="en-CA" dirty="0" smtClean="0"/>
-              <a:t>New hero skins. They have a rarity (Common, Rare, Epic, Legendary)</a:t>
-            </a:r>
-          </a:p>
-          <a:p>
-            <a:r>
-              <a:rPr lang="en-CA" dirty="0" smtClean="0"/>
-              <a:t>Player Icons</a:t>
-            </a:r>
-          </a:p>
-          <a:p>
-            <a:r>
-              <a:rPr lang="en-CA" dirty="0" smtClean="0"/>
-              <a:t>Taunt voice lines</a:t>
-            </a:r>
-            <a:endParaRPr lang="en-CA" dirty="0"/>
+          <a:bodyPr/>
+          <a:lstStyle/>
+          <a:p>
+            <a:r>
+              <a:rPr lang="en-CA" dirty="0" smtClean="0"/>
+              <a:t>You get a loot box:</a:t>
+            </a:r>
+          </a:p>
+          <a:p>
+            <a:pPr lvl="1"/>
+            <a:r>
+              <a:rPr lang="en-CA" dirty="0" smtClean="0"/>
+              <a:t>Every time you level up</a:t>
+            </a:r>
+          </a:p>
+          <a:p>
+            <a:pPr lvl="1"/>
+            <a:r>
+              <a:rPr lang="en-CA" dirty="0" smtClean="0"/>
+              <a:t>When you have earned 100 supplies through racing</a:t>
+            </a:r>
+          </a:p>
+          <a:p>
+            <a:r>
+              <a:rPr lang="en-CA" dirty="0" smtClean="0"/>
+              <a:t>You can buy loot boxes in the store</a:t>
+            </a:r>
           </a:p>
         </p:txBody>
       </p:sp>
@@ -19534,7 +20203,7 @@
     </p:spTree>
     <p:extLst>
       <p:ext uri="{BB962C8B-B14F-4D97-AF65-F5344CB8AC3E}">
-        <p14:creationId xmlns:p14="http://schemas.microsoft.com/office/powerpoint/2010/main" val="2394430033"/>
+        <p14:creationId xmlns:p14="http://schemas.microsoft.com/office/powerpoint/2010/main" val="53067548"/>
       </p:ext>
     </p:extLst>
   </p:cSld>
@@ -19585,7 +20254,7 @@
           <a:p>
             <a:r>
               <a:rPr lang="en-CA" dirty="0" smtClean="0"/>
-              <a:t>Store</a:t>
+              <a:t>Loot Box Content</a:t>
             </a:r>
             <a:endParaRPr lang="en-CA" dirty="0"/>
           </a:p>
@@ -19608,41 +20277,41 @@
           </a:bodyPr>
           <a:lstStyle/>
           <a:p>
-            <a:pPr marL="0" indent="0">
-              <a:buNone/>
-            </a:pPr>
-            <a:r>
-              <a:rPr lang="en-CA" sz="2400" dirty="0" smtClean="0"/>
-              <a:t>You can buy:</a:t>
-            </a:r>
-          </a:p>
-          <a:p>
-            <a:pPr lvl="1"/>
-            <a:r>
-              <a:rPr lang="en-CA" sz="2400" dirty="0" smtClean="0"/>
-              <a:t>Titanium using $ (hard currency)</a:t>
-            </a:r>
-          </a:p>
-          <a:p>
-            <a:pPr lvl="1"/>
-            <a:r>
-              <a:rPr lang="en-CA" sz="2400" dirty="0" smtClean="0"/>
-              <a:t>Credits using titanium (soft currency)</a:t>
-            </a:r>
-          </a:p>
-          <a:p>
-            <a:pPr lvl="1"/>
-            <a:r>
-              <a:rPr lang="en-CA" sz="2400" dirty="0"/>
-              <a:t>Loot boxes using titanium</a:t>
-            </a:r>
-          </a:p>
-          <a:p>
-            <a:pPr lvl="1"/>
-            <a:r>
-              <a:rPr lang="en-CA" sz="2400" dirty="0" smtClean="0"/>
-              <a:t>Cards using credits</a:t>
-            </a:r>
+            <a:r>
+              <a:rPr lang="en-CA" dirty="0" smtClean="0"/>
+              <a:t>Credits</a:t>
+            </a:r>
+          </a:p>
+          <a:p>
+            <a:r>
+              <a:rPr lang="en-CA" dirty="0" smtClean="0"/>
+              <a:t>Titanium (not all loot boxes gives Titanium)</a:t>
+            </a:r>
+          </a:p>
+          <a:p>
+            <a:r>
+              <a:rPr lang="en-CA" dirty="0"/>
+              <a:t>Cards</a:t>
+            </a:r>
+          </a:p>
+          <a:p>
+            <a:r>
+              <a:rPr lang="en-CA" dirty="0" smtClean="0"/>
+              <a:t>New hero skins. They have a rarity (Common, Rare, Epic, Legendary)</a:t>
+            </a:r>
+          </a:p>
+          <a:p>
+            <a:r>
+              <a:rPr lang="en-CA" dirty="0" smtClean="0"/>
+              <a:t>Player Icons</a:t>
+            </a:r>
+          </a:p>
+          <a:p>
+            <a:r>
+              <a:rPr lang="en-CA" dirty="0" smtClean="0"/>
+              <a:t>Taunt voice lines</a:t>
+            </a:r>
+            <a:endParaRPr lang="en-CA" dirty="0"/>
           </a:p>
         </p:txBody>
       </p:sp>
@@ -19672,7 +20341,7 @@
     </p:spTree>
     <p:extLst>
       <p:ext uri="{BB962C8B-B14F-4D97-AF65-F5344CB8AC3E}">
-        <p14:creationId xmlns:p14="http://schemas.microsoft.com/office/powerpoint/2010/main" val="1626467110"/>
+        <p14:creationId xmlns:p14="http://schemas.microsoft.com/office/powerpoint/2010/main" val="2394430033"/>
       </p:ext>
     </p:extLst>
   </p:cSld>
@@ -19723,7 +20392,7 @@
           <a:p>
             <a:r>
               <a:rPr lang="en-CA" dirty="0" smtClean="0"/>
-              <a:t>Video recording and streaming</a:t>
+              <a:t>Store</a:t>
             </a:r>
             <a:endParaRPr lang="en-CA" dirty="0"/>
           </a:p>
@@ -19741,32 +20410,52 @@
         </p:nvSpPr>
         <p:spPr/>
         <p:txBody>
-          <a:bodyPr/>
-          <a:lstStyle/>
-          <a:p>
-            <a:r>
-              <a:rPr lang="en-CA" dirty="0" smtClean="0"/>
-              <a:t>You can record and share videos of your missions</a:t>
-            </a:r>
-          </a:p>
-          <a:p>
-            <a:r>
-              <a:rPr lang="en-CA" dirty="0" smtClean="0"/>
-              <a:t>You can also stream videos of your mission to Mobcrush for example</a:t>
-            </a:r>
-          </a:p>
-          <a:p>
-            <a:r>
-              <a:rPr lang="en-CA" dirty="0" smtClean="0"/>
-              <a:t>The video recording uses the </a:t>
-            </a:r>
-            <a:r>
-              <a:rPr lang="en-CA" dirty="0" err="1" smtClean="0"/>
-              <a:t>iOS</a:t>
-            </a:r>
-            <a:r>
-              <a:rPr lang="en-CA" dirty="0" smtClean="0"/>
-              <a:t> Replay Kit and is not available for Android</a:t>
+          <a:bodyPr>
+            <a:normAutofit/>
+          </a:bodyPr>
+          <a:lstStyle/>
+          <a:p>
+            <a:pPr marL="0" indent="0">
+              <a:buNone/>
+            </a:pPr>
+            <a:r>
+              <a:rPr lang="en-CA" sz="2400" dirty="0" smtClean="0"/>
+              <a:t>You can buy:</a:t>
+            </a:r>
+          </a:p>
+          <a:p>
+            <a:pPr lvl="1"/>
+            <a:r>
+              <a:rPr lang="en-CA" sz="2400" dirty="0" smtClean="0"/>
+              <a:t>Titanium using $ (hard currency)</a:t>
+            </a:r>
+          </a:p>
+          <a:p>
+            <a:pPr lvl="1"/>
+            <a:r>
+              <a:rPr lang="en-CA" sz="2400" dirty="0" smtClean="0"/>
+              <a:t>Credits using titanium (soft currency)</a:t>
+            </a:r>
+          </a:p>
+          <a:p>
+            <a:pPr lvl="1"/>
+            <a:r>
+              <a:rPr lang="en-CA" sz="2400" dirty="0"/>
+              <a:t>Loot boxes using titanium</a:t>
+            </a:r>
+          </a:p>
+          <a:p>
+            <a:pPr lvl="1"/>
+            <a:r>
+              <a:rPr lang="en-CA" sz="2400" dirty="0" smtClean="0"/>
+              <a:t>Cards using credits</a:t>
+            </a:r>
+          </a:p>
+          <a:p>
+            <a:pPr lvl="1"/>
+            <a:r>
+              <a:rPr lang="en-CA" sz="2400" dirty="0" smtClean="0"/>
+              <a:t>Hero skins using Titanium (future)</a:t>
             </a:r>
           </a:p>
         </p:txBody>
@@ -19797,7 +20486,7 @@
     </p:spTree>
     <p:extLst>
       <p:ext uri="{BB962C8B-B14F-4D97-AF65-F5344CB8AC3E}">
-        <p14:creationId xmlns:p14="http://schemas.microsoft.com/office/powerpoint/2010/main" val="1406196195"/>
+        <p14:creationId xmlns:p14="http://schemas.microsoft.com/office/powerpoint/2010/main" val="1626467110"/>
       </p:ext>
     </p:extLst>
   </p:cSld>
@@ -19848,7 +20537,7 @@
           <a:p>
             <a:r>
               <a:rPr lang="en-CA" dirty="0" smtClean="0"/>
-              <a:t>Social Media</a:t>
+              <a:t>Video recording and streaming</a:t>
             </a:r>
             <a:endParaRPr lang="en-CA" dirty="0"/>
           </a:p>
@@ -19871,39 +20560,28 @@
           <a:p>
             <a:r>
               <a:rPr lang="en-CA" dirty="0" smtClean="0"/>
-              <a:t>You can invite friends to play if they are online</a:t>
-            </a:r>
-          </a:p>
-          <a:p>
-            <a:r>
-              <a:rPr lang="en-CA" dirty="0" smtClean="0"/>
-              <a:t>You have a list of friends</a:t>
-            </a:r>
-          </a:p>
-          <a:p>
-            <a:r>
-              <a:rPr lang="en-CA" dirty="0" smtClean="0"/>
-              <a:t>You can also see a list of the most recent players you played against and add them as friends if you want</a:t>
-            </a:r>
-          </a:p>
-          <a:p>
-            <a:r>
-              <a:rPr lang="en-CA" dirty="0" smtClean="0"/>
-              <a:t>You can Invite Facebook friends to install the app</a:t>
-            </a:r>
-          </a:p>
-          <a:p>
-            <a:endParaRPr lang="en-CA" dirty="0" smtClean="0"/>
-          </a:p>
-          <a:p>
-            <a:endParaRPr lang="en-CA" dirty="0" smtClean="0"/>
-          </a:p>
-          <a:p>
-            <a:endParaRPr lang="en-CA" dirty="0" smtClean="0"/>
-          </a:p>
-          <a:p>
-            <a:pPr lvl="1"/>
-            <a:endParaRPr lang="en-CA" dirty="0"/>
+              <a:t>You can record and share videos of your missions</a:t>
+            </a:r>
+          </a:p>
+          <a:p>
+            <a:r>
+              <a:rPr lang="en-CA" dirty="0" smtClean="0"/>
+              <a:t>You can also stream videos of your mission to Mobcrush for example</a:t>
+            </a:r>
+          </a:p>
+          <a:p>
+            <a:r>
+              <a:rPr lang="en-CA" dirty="0" smtClean="0"/>
+              <a:t>The video recording uses the </a:t>
+            </a:r>
+            <a:r>
+              <a:rPr lang="en-CA" dirty="0" err="1" smtClean="0"/>
+              <a:t>iOS</a:t>
+            </a:r>
+            <a:r>
+              <a:rPr lang="en-CA" dirty="0" smtClean="0"/>
+              <a:t> Replay Kit and is not available for Android</a:t>
+            </a:r>
           </a:p>
         </p:txBody>
       </p:sp>
@@ -19933,7 +20611,7 @@
     </p:spTree>
     <p:extLst>
       <p:ext uri="{BB962C8B-B14F-4D97-AF65-F5344CB8AC3E}">
-        <p14:creationId xmlns:p14="http://schemas.microsoft.com/office/powerpoint/2010/main" val="3190950529"/>
+        <p14:creationId xmlns:p14="http://schemas.microsoft.com/office/powerpoint/2010/main" val="1406196195"/>
       </p:ext>
     </p:extLst>
   </p:cSld>
@@ -19984,7 +20662,7 @@
           <a:p>
             <a:r>
               <a:rPr lang="en-CA" dirty="0" smtClean="0"/>
-              <a:t>Game Center</a:t>
+              <a:t>Social Media</a:t>
             </a:r>
             <a:endParaRPr lang="en-CA" dirty="0"/>
           </a:p>
@@ -20007,8 +20685,38 @@
           <a:p>
             <a:r>
               <a:rPr lang="en-CA" dirty="0" smtClean="0"/>
-              <a:t>The game supports a number of achievements</a:t>
-            </a:r>
+              <a:t>You can invite friends to play if they are online</a:t>
+            </a:r>
+          </a:p>
+          <a:p>
+            <a:r>
+              <a:rPr lang="en-CA" dirty="0" smtClean="0"/>
+              <a:t>You have a list of friends</a:t>
+            </a:r>
+          </a:p>
+          <a:p>
+            <a:r>
+              <a:rPr lang="en-CA" dirty="0" smtClean="0"/>
+              <a:t>You can also see a list of the most recent players you played against and add them as friends if you want</a:t>
+            </a:r>
+          </a:p>
+          <a:p>
+            <a:r>
+              <a:rPr lang="en-CA" dirty="0" smtClean="0"/>
+              <a:t>You can Invite Facebook friends to install the app</a:t>
+            </a:r>
+          </a:p>
+          <a:p>
+            <a:endParaRPr lang="en-CA" dirty="0" smtClean="0"/>
+          </a:p>
+          <a:p>
+            <a:endParaRPr lang="en-CA" dirty="0" smtClean="0"/>
+          </a:p>
+          <a:p>
+            <a:endParaRPr lang="en-CA" dirty="0" smtClean="0"/>
+          </a:p>
+          <a:p>
+            <a:pPr lvl="1"/>
             <a:endParaRPr lang="en-CA" dirty="0"/>
           </a:p>
         </p:txBody>
@@ -20039,7 +20747,7 @@
     </p:spTree>
     <p:extLst>
       <p:ext uri="{BB962C8B-B14F-4D97-AF65-F5344CB8AC3E}">
-        <p14:creationId xmlns:p14="http://schemas.microsoft.com/office/powerpoint/2010/main" val="4131476509"/>
+        <p14:creationId xmlns:p14="http://schemas.microsoft.com/office/powerpoint/2010/main" val="3190950529"/>
       </p:ext>
     </p:extLst>
   </p:cSld>
@@ -20090,7 +20798,7 @@
           <a:p>
             <a:r>
               <a:rPr lang="en-CA" dirty="0" smtClean="0"/>
-              <a:t>Career Profile</a:t>
+              <a:t>Game Center</a:t>
             </a:r>
             <a:endParaRPr lang="en-CA" dirty="0"/>
           </a:p>
@@ -20113,51 +20821,8 @@
           <a:p>
             <a:r>
               <a:rPr lang="en-CA" dirty="0" smtClean="0"/>
-              <a:t>You can look at your performance in Career Profile</a:t>
-            </a:r>
-          </a:p>
-          <a:p>
-            <a:r>
-              <a:rPr lang="en-CA" dirty="0" smtClean="0"/>
-              <a:t>It lists a number of cool statistics such as:</a:t>
-            </a:r>
-          </a:p>
-          <a:p>
-            <a:pPr lvl="1"/>
-            <a:r>
-              <a:rPr lang="en-CA" dirty="0" smtClean="0"/>
-              <a:t>Win/loss ratio</a:t>
-            </a:r>
-          </a:p>
-          <a:p>
-            <a:pPr lvl="1"/>
-            <a:r>
-              <a:rPr lang="en-CA" dirty="0" smtClean="0"/>
-              <a:t>Best win streak</a:t>
-            </a:r>
-          </a:p>
-          <a:p>
-            <a:pPr lvl="1"/>
-            <a:r>
-              <a:rPr lang="en-CA" dirty="0" smtClean="0"/>
-              <a:t>Favourite Card</a:t>
-            </a:r>
-          </a:p>
-          <a:p>
-            <a:pPr lvl="1"/>
-            <a:r>
-              <a:rPr lang="en-CA" dirty="0" smtClean="0"/>
-              <a:t>Etc.</a:t>
-            </a:r>
-          </a:p>
-          <a:p>
-            <a:endParaRPr lang="en-CA" dirty="0" smtClean="0"/>
-          </a:p>
-          <a:p>
-            <a:endParaRPr lang="en-CA" dirty="0" smtClean="0"/>
-          </a:p>
-          <a:p>
-            <a:pPr lvl="1"/>
+              <a:t>The game supports a number of achievements</a:t>
+            </a:r>
             <a:endParaRPr lang="en-CA" dirty="0"/>
           </a:p>
         </p:txBody>
@@ -20188,7 +20853,7 @@
     </p:spTree>
     <p:extLst>
       <p:ext uri="{BB962C8B-B14F-4D97-AF65-F5344CB8AC3E}">
-        <p14:creationId xmlns:p14="http://schemas.microsoft.com/office/powerpoint/2010/main" val="655675871"/>
+        <p14:creationId xmlns:p14="http://schemas.microsoft.com/office/powerpoint/2010/main" val="4131476509"/>
       </p:ext>
     </p:extLst>
   </p:cSld>
@@ -20239,7 +20904,7 @@
           <a:p>
             <a:r>
               <a:rPr lang="en-CA" dirty="0" smtClean="0"/>
-              <a:t>Daily reward</a:t>
+              <a:t>Career Profile</a:t>
             </a:r>
             <a:endParaRPr lang="en-CA" dirty="0"/>
           </a:p>
@@ -20257,35 +20922,56 @@
         </p:nvSpPr>
         <p:spPr/>
         <p:txBody>
-          <a:bodyPr>
-            <a:normAutofit/>
-          </a:bodyPr>
-          <a:lstStyle/>
-          <a:p>
-            <a:r>
-              <a:rPr lang="en-CA" dirty="0" smtClean="0"/>
-              <a:t>You get a free loot box every 4 hours</a:t>
-            </a:r>
-          </a:p>
-          <a:p>
-            <a:r>
-              <a:rPr lang="en-CA" dirty="0" smtClean="0"/>
-              <a:t>You can stack up to two loot boxes</a:t>
-            </a:r>
-          </a:p>
-          <a:p>
-            <a:pPr marL="0" indent="0">
-              <a:buNone/>
-            </a:pPr>
+          <a:bodyPr/>
+          <a:lstStyle/>
+          <a:p>
+            <a:r>
+              <a:rPr lang="en-CA" dirty="0" smtClean="0"/>
+              <a:t>You can look at your performance in Career Profile</a:t>
+            </a:r>
+          </a:p>
+          <a:p>
+            <a:r>
+              <a:rPr lang="en-CA" dirty="0" smtClean="0"/>
+              <a:t>It lists a number of cool statistics such as:</a:t>
+            </a:r>
+          </a:p>
+          <a:p>
+            <a:pPr lvl="1"/>
+            <a:r>
+              <a:rPr lang="en-CA" dirty="0" smtClean="0"/>
+              <a:t>Win/loss ratio</a:t>
+            </a:r>
+          </a:p>
+          <a:p>
+            <a:pPr lvl="1"/>
+            <a:r>
+              <a:rPr lang="en-CA" dirty="0" smtClean="0"/>
+              <a:t>Best win streak</a:t>
+            </a:r>
+          </a:p>
+          <a:p>
+            <a:pPr lvl="1"/>
+            <a:r>
+              <a:rPr lang="en-CA" dirty="0" smtClean="0"/>
+              <a:t>Favourite Card</a:t>
+            </a:r>
+          </a:p>
+          <a:p>
+            <a:pPr lvl="1"/>
+            <a:r>
+              <a:rPr lang="en-CA" dirty="0" smtClean="0"/>
+              <a:t>Etc.</a:t>
+            </a:r>
+          </a:p>
+          <a:p>
             <a:endParaRPr lang="en-CA" dirty="0" smtClean="0"/>
           </a:p>
           <a:p>
             <a:endParaRPr lang="en-CA" dirty="0" smtClean="0"/>
           </a:p>
           <a:p>
-            <a:endParaRPr lang="en-CA" dirty="0" smtClean="0"/>
-          </a:p>
-          <a:p>
+            <a:pPr lvl="1"/>
             <a:endParaRPr lang="en-CA" dirty="0"/>
           </a:p>
         </p:txBody>
@@ -20306,17 +20992,17 @@
           <a:lstStyle/>
           <a:p>
             <a:r>
-              <a:rPr lang="en-CA" dirty="0" smtClean="0"/>
+              <a:rPr lang="en-CA" smtClean="0"/>
               <a:t>Copyright 2017 Regis Geoffrion</a:t>
             </a:r>
-            <a:endParaRPr lang="en-CA" dirty="0"/>
+            <a:endParaRPr lang="en-CA"/>
           </a:p>
         </p:txBody>
       </p:sp>
     </p:spTree>
     <p:extLst>
       <p:ext uri="{BB962C8B-B14F-4D97-AF65-F5344CB8AC3E}">
-        <p14:creationId xmlns:p14="http://schemas.microsoft.com/office/powerpoint/2010/main" val="340802705"/>
+        <p14:creationId xmlns:p14="http://schemas.microsoft.com/office/powerpoint/2010/main" val="655675871"/>
       </p:ext>
     </p:extLst>
   </p:cSld>
@@ -20352,7 +21038,7 @@
       </p:grpSpPr>
       <p:sp>
         <p:nvSpPr>
-          <p:cNvPr id="5" name="Titre 4"/>
+          <p:cNvPr id="2" name="Titre 1"/>
           <p:cNvSpPr>
             <a:spLocks noGrp="1"/>
           </p:cNvSpPr>
@@ -20366,29 +21052,55 @@
           <a:lstStyle/>
           <a:p>
             <a:r>
-              <a:rPr lang="en-CA" smtClean="0"/>
-              <a:t>Player Needs</a:t>
-            </a:r>
-            <a:endParaRPr lang="en-CA"/>
-          </a:p>
-        </p:txBody>
-      </p:sp>
-      <p:sp>
-        <p:nvSpPr>
-          <p:cNvPr id="2" name="Espace réservé du texte 1"/>
-          <p:cNvSpPr>
-            <a:spLocks noGrp="1"/>
-          </p:cNvSpPr>
-          <p:nvPr>
-            <p:ph type="body" idx="1"/>
-          </p:nvPr>
-        </p:nvSpPr>
-        <p:spPr/>
-        <p:txBody>
-          <a:bodyPr/>
-          <a:lstStyle/>
-          <a:p>
-            <a:endParaRPr lang="en-CA"/>
+              <a:rPr lang="en-CA" dirty="0" smtClean="0"/>
+              <a:t>Daily reward</a:t>
+            </a:r>
+            <a:endParaRPr lang="en-CA" dirty="0"/>
+          </a:p>
+        </p:txBody>
+      </p:sp>
+      <p:sp>
+        <p:nvSpPr>
+          <p:cNvPr id="3" name="Espace réservé du contenu 2"/>
+          <p:cNvSpPr>
+            <a:spLocks noGrp="1"/>
+          </p:cNvSpPr>
+          <p:nvPr>
+            <p:ph idx="1"/>
+          </p:nvPr>
+        </p:nvSpPr>
+        <p:spPr/>
+        <p:txBody>
+          <a:bodyPr>
+            <a:normAutofit/>
+          </a:bodyPr>
+          <a:lstStyle/>
+          <a:p>
+            <a:r>
+              <a:rPr lang="en-CA" dirty="0" smtClean="0"/>
+              <a:t>You get a free loot box every 4 hours</a:t>
+            </a:r>
+          </a:p>
+          <a:p>
+            <a:r>
+              <a:rPr lang="en-CA" dirty="0" smtClean="0"/>
+              <a:t>You can stack up to two loot boxes</a:t>
+            </a:r>
+          </a:p>
+          <a:p>
+            <a:pPr marL="0" indent="0">
+              <a:buNone/>
+            </a:pPr>
+            <a:endParaRPr lang="en-CA" dirty="0" smtClean="0"/>
+          </a:p>
+          <a:p>
+            <a:endParaRPr lang="en-CA" dirty="0" smtClean="0"/>
+          </a:p>
+          <a:p>
+            <a:endParaRPr lang="en-CA" dirty="0" smtClean="0"/>
+          </a:p>
+          <a:p>
+            <a:endParaRPr lang="en-CA" dirty="0"/>
           </a:p>
         </p:txBody>
       </p:sp>
@@ -20408,17 +21120,17 @@
           <a:lstStyle/>
           <a:p>
             <a:r>
-              <a:rPr lang="en-CA" smtClean="0"/>
+              <a:rPr lang="en-CA" dirty="0" smtClean="0"/>
               <a:t>Copyright 2017 Regis Geoffrion</a:t>
             </a:r>
-            <a:endParaRPr lang="en-CA"/>
+            <a:endParaRPr lang="en-CA" dirty="0"/>
           </a:p>
         </p:txBody>
       </p:sp>
     </p:spTree>
     <p:extLst>
       <p:ext uri="{BB962C8B-B14F-4D97-AF65-F5344CB8AC3E}">
-        <p14:creationId xmlns:p14="http://schemas.microsoft.com/office/powerpoint/2010/main" val="3331177172"/>
+        <p14:creationId xmlns:p14="http://schemas.microsoft.com/office/powerpoint/2010/main" val="340802705"/>
       </p:ext>
     </p:extLst>
   </p:cSld>
@@ -20454,7 +21166,7 @@
       </p:grpSpPr>
       <p:sp>
         <p:nvSpPr>
-          <p:cNvPr id="2" name="Titre 1"/>
+          <p:cNvPr id="5" name="Titre 4"/>
           <p:cNvSpPr>
             <a:spLocks noGrp="1"/>
           </p:cNvSpPr>
@@ -20469,7 +21181,7 @@
           <a:p>
             <a:r>
               <a:rPr lang="en-CA" smtClean="0"/>
-              <a:t>As a player, I want …</a:t>
+              <a:t>Player Needs</a:t>
             </a:r>
             <a:endParaRPr lang="en-CA"/>
           </a:p>
@@ -20477,61 +21189,20 @@
       </p:sp>
       <p:sp>
         <p:nvSpPr>
-          <p:cNvPr id="3" name="Espace réservé du contenu 2"/>
-          <p:cNvSpPr>
-            <a:spLocks noGrp="1"/>
-          </p:cNvSpPr>
-          <p:nvPr>
-            <p:ph idx="1"/>
-          </p:nvPr>
-        </p:nvSpPr>
-        <p:spPr/>
-        <p:txBody>
-          <a:bodyPr/>
-          <a:lstStyle/>
-          <a:p>
-            <a:r>
-              <a:rPr lang="en-CA" dirty="0" smtClean="0"/>
-              <a:t>Every mission to feel different</a:t>
-            </a:r>
-          </a:p>
-          <a:p>
-            <a:r>
-              <a:rPr lang="en-CA" dirty="0" smtClean="0"/>
-              <a:t>To leverage the environment to my advantage and feel clever</a:t>
-            </a:r>
-          </a:p>
-          <a:p>
-            <a:r>
-              <a:rPr lang="en-CA" dirty="0" smtClean="0"/>
-              <a:t>To feel I always have a chance to catch-up</a:t>
-            </a:r>
-          </a:p>
-          <a:p>
-            <a:r>
-              <a:rPr lang="en-CA" dirty="0" smtClean="0"/>
-              <a:t>To feel cool and powerful</a:t>
-            </a:r>
-          </a:p>
-          <a:p>
-            <a:r>
-              <a:rPr lang="en-CA" dirty="0" smtClean="0"/>
-              <a:t>The right information to play the right card</a:t>
-            </a:r>
-          </a:p>
-          <a:p>
-            <a:r>
-              <a:rPr lang="en-CA" dirty="0" smtClean="0"/>
-              <a:t>I want to pass players in </a:t>
-            </a:r>
-            <a:r>
-              <a:rPr lang="en-CA" smtClean="0"/>
-              <a:t>the level</a:t>
-            </a:r>
-            <a:endParaRPr lang="en-CA" dirty="0" smtClean="0"/>
-          </a:p>
-          <a:p>
-            <a:endParaRPr lang="en-CA" dirty="0"/>
+          <p:cNvPr id="2" name="Espace réservé du texte 1"/>
+          <p:cNvSpPr>
+            <a:spLocks noGrp="1"/>
+          </p:cNvSpPr>
+          <p:nvPr>
+            <p:ph type="body" idx="1"/>
+          </p:nvPr>
+        </p:nvSpPr>
+        <p:spPr/>
+        <p:txBody>
+          <a:bodyPr/>
+          <a:lstStyle/>
+          <a:p>
+            <a:endParaRPr lang="en-CA"/>
           </a:p>
         </p:txBody>
       </p:sp>
@@ -20561,7 +21232,7 @@
     </p:spTree>
     <p:extLst>
       <p:ext uri="{BB962C8B-B14F-4D97-AF65-F5344CB8AC3E}">
-        <p14:creationId xmlns:p14="http://schemas.microsoft.com/office/powerpoint/2010/main" val="3975231436"/>
+        <p14:creationId xmlns:p14="http://schemas.microsoft.com/office/powerpoint/2010/main" val="3331177172"/>
       </p:ext>
     </p:extLst>
   </p:cSld>
@@ -20763,14 +21434,43 @@
           <a:p>
             <a:r>
               <a:rPr lang="en-CA" dirty="0" smtClean="0"/>
-              <a:t>To be rewarded and celebrated if I win</a:t>
-            </a:r>
-          </a:p>
-          <a:p>
-            <a:r>
-              <a:rPr lang="en-CA" dirty="0" smtClean="0"/>
-              <a:t>To be able to share my victories and best missions</a:t>
-            </a:r>
+              <a:t>Every mission to feel different</a:t>
+            </a:r>
+          </a:p>
+          <a:p>
+            <a:r>
+              <a:rPr lang="en-CA" dirty="0" smtClean="0"/>
+              <a:t>To leverage the environment to my advantage and feel clever</a:t>
+            </a:r>
+          </a:p>
+          <a:p>
+            <a:r>
+              <a:rPr lang="en-CA" dirty="0" smtClean="0"/>
+              <a:t>To feel I always have a chance to catch-up</a:t>
+            </a:r>
+          </a:p>
+          <a:p>
+            <a:r>
+              <a:rPr lang="en-CA" dirty="0" smtClean="0"/>
+              <a:t>To feel cool and powerful</a:t>
+            </a:r>
+          </a:p>
+          <a:p>
+            <a:r>
+              <a:rPr lang="en-CA" dirty="0" smtClean="0"/>
+              <a:t>The right information to play the right card</a:t>
+            </a:r>
+          </a:p>
+          <a:p>
+            <a:r>
+              <a:rPr lang="en-CA" dirty="0" smtClean="0"/>
+              <a:t>I want to pass players in </a:t>
+            </a:r>
+            <a:r>
+              <a:rPr lang="en-CA" smtClean="0"/>
+              <a:t>the level</a:t>
+            </a:r>
+            <a:endParaRPr lang="en-CA" dirty="0" smtClean="0"/>
           </a:p>
           <a:p>
             <a:endParaRPr lang="en-CA" dirty="0"/>
@@ -20803,13 +21503,20 @@
     </p:spTree>
     <p:extLst>
       <p:ext uri="{BB962C8B-B14F-4D97-AF65-F5344CB8AC3E}">
-        <p14:creationId xmlns:p14="http://schemas.microsoft.com/office/powerpoint/2010/main" val="3044313851"/>
+        <p14:creationId xmlns:p14="http://schemas.microsoft.com/office/powerpoint/2010/main" val="3975231436"/>
       </p:ext>
     </p:extLst>
   </p:cSld>
   <p:clrMapOvr>
     <a:masterClrMapping/>
   </p:clrMapOvr>
+  <p:timing>
+    <p:tnLst>
+      <p:par>
+        <p:cTn xmlns:p14="http://schemas.microsoft.com/office/powerpoint/2010/main" id="1" dur="indefinite" restart="never" nodeType="tmRoot"/>
+      </p:par>
+    </p:tnLst>
+  </p:timing>
 </p:sld>
 </file>
 
@@ -20832,6 +21539,113 @@
       </p:grpSpPr>
       <p:sp>
         <p:nvSpPr>
+          <p:cNvPr id="2" name="Titre 1"/>
+          <p:cNvSpPr>
+            <a:spLocks noGrp="1"/>
+          </p:cNvSpPr>
+          <p:nvPr>
+            <p:ph type="title"/>
+          </p:nvPr>
+        </p:nvSpPr>
+        <p:spPr/>
+        <p:txBody>
+          <a:bodyPr/>
+          <a:lstStyle/>
+          <a:p>
+            <a:r>
+              <a:rPr lang="en-CA" smtClean="0"/>
+              <a:t>As a player, I want …</a:t>
+            </a:r>
+            <a:endParaRPr lang="en-CA"/>
+          </a:p>
+        </p:txBody>
+      </p:sp>
+      <p:sp>
+        <p:nvSpPr>
+          <p:cNvPr id="3" name="Espace réservé du contenu 2"/>
+          <p:cNvSpPr>
+            <a:spLocks noGrp="1"/>
+          </p:cNvSpPr>
+          <p:nvPr>
+            <p:ph idx="1"/>
+          </p:nvPr>
+        </p:nvSpPr>
+        <p:spPr/>
+        <p:txBody>
+          <a:bodyPr/>
+          <a:lstStyle/>
+          <a:p>
+            <a:r>
+              <a:rPr lang="en-CA" dirty="0" smtClean="0"/>
+              <a:t>To be rewarded and celebrated if I win</a:t>
+            </a:r>
+          </a:p>
+          <a:p>
+            <a:r>
+              <a:rPr lang="en-CA" dirty="0" smtClean="0"/>
+              <a:t>To be able to share my victories and best missions</a:t>
+            </a:r>
+          </a:p>
+          <a:p>
+            <a:endParaRPr lang="en-CA" dirty="0"/>
+          </a:p>
+        </p:txBody>
+      </p:sp>
+      <p:sp>
+        <p:nvSpPr>
+          <p:cNvPr id="4" name="Espace réservé du pied de page 3"/>
+          <p:cNvSpPr>
+            <a:spLocks noGrp="1"/>
+          </p:cNvSpPr>
+          <p:nvPr>
+            <p:ph type="ftr" sz="quarter" idx="11"/>
+          </p:nvPr>
+        </p:nvSpPr>
+        <p:spPr/>
+        <p:txBody>
+          <a:bodyPr/>
+          <a:lstStyle/>
+          <a:p>
+            <a:r>
+              <a:rPr lang="en-CA" smtClean="0"/>
+              <a:t>Copyright 2017 Regis Geoffrion</a:t>
+            </a:r>
+            <a:endParaRPr lang="en-CA"/>
+          </a:p>
+        </p:txBody>
+      </p:sp>
+    </p:spTree>
+    <p:extLst>
+      <p:ext uri="{BB962C8B-B14F-4D97-AF65-F5344CB8AC3E}">
+        <p14:creationId xmlns:p14="http://schemas.microsoft.com/office/powerpoint/2010/main" val="3044313851"/>
+      </p:ext>
+    </p:extLst>
+  </p:cSld>
+  <p:clrMapOvr>
+    <a:masterClrMapping/>
+  </p:clrMapOvr>
+</p:sld>
+</file>
+
+<file path=ppt/slides/slide62.xml><?xml version="1.0" encoding="utf-8"?>
+<p:sld xmlns:a="http://schemas.openxmlformats.org/drawingml/2006/main" xmlns:r="http://schemas.openxmlformats.org/officeDocument/2006/relationships" xmlns:p="http://schemas.openxmlformats.org/presentationml/2006/main">
+  <p:cSld>
+    <p:spTree>
+      <p:nvGrpSpPr>
+        <p:cNvPr id="1" name=""/>
+        <p:cNvGrpSpPr/>
+        <p:nvPr/>
+      </p:nvGrpSpPr>
+      <p:grpSpPr>
+        <a:xfrm>
+          <a:off x="0" y="0"/>
+          <a:ext cx="0" cy="0"/>
+          <a:chOff x="0" y="0"/>
+          <a:chExt cx="0" cy="0"/>
+        </a:xfrm>
+      </p:grpSpPr>
+      <p:sp>
+        <p:nvSpPr>
           <p:cNvPr id="5" name="Titre 4"/>
           <p:cNvSpPr>
             <a:spLocks noGrp="1"/>
@@ -20915,7 +21729,7 @@
 </p:sld>
 </file>
 
-<file path=ppt/slides/slide62.xml><?xml version="1.0" encoding="utf-8"?>
+<file path=ppt/slides/slide63.xml><?xml version="1.0" encoding="utf-8"?>
 <p:sld xmlns:a="http://schemas.openxmlformats.org/drawingml/2006/main" xmlns:r="http://schemas.openxmlformats.org/officeDocument/2006/relationships" xmlns:p="http://schemas.openxmlformats.org/presentationml/2006/main">
   <p:cSld>
     <p:spTree>
@@ -21066,7 +21880,7 @@
 </p:sld>
 </file>
 
-<file path=ppt/slides/slide63.xml><?xml version="1.0" encoding="utf-8"?>
+<file path=ppt/slides/slide64.xml><?xml version="1.0" encoding="utf-8"?>
 <p:sld xmlns:a="http://schemas.openxmlformats.org/drawingml/2006/main" xmlns:r="http://schemas.openxmlformats.org/officeDocument/2006/relationships" xmlns:p="http://schemas.openxmlformats.org/presentationml/2006/main">
   <p:cSld>
     <p:spTree>
@@ -21559,7 +22373,7 @@
           <a:p>
             <a:r>
               <a:rPr lang="en-CA" dirty="0" smtClean="0"/>
-              <a:t>If you die during the mission (ran into an obstacle, got struck by a missile, missed a turn, etc.), you will respawn in a safe location</a:t>
+              <a:t>If you die during the mission (ran into an obstacle, got struck by a missile, missed a turn, ran out of health, etc.), you will respawn in a safe location</a:t>
             </a:r>
           </a:p>
           <a:p>

--- a/Documents/Earth Alone.pptx
+++ b/Documents/Earth Alone.pptx
@@ -258,7 +258,7 @@
           <a:p>
             <a:fld id="{478E4554-8682-0047-81B3-23DF92292DA4}" type="datetimeFigureOut">
               <a:rPr lang="fr-FR" smtClean="0"/>
-              <a:t>17-08-28</a:t>
+              <a:t>17-09-01</a:t>
             </a:fld>
             <a:endParaRPr lang="en-CA"/>
           </a:p>
@@ -424,7 +424,7 @@
           <a:p>
             <a:fld id="{4AA04B09-B6F6-1B43-9949-81D455400551}" type="datetimeFigureOut">
               <a:rPr lang="fr-FR" smtClean="0"/>
-              <a:t>17-08-28</a:t>
+              <a:t>17-09-01</a:t>
             </a:fld>
             <a:endParaRPr lang="en-CA"/>
           </a:p>
@@ -2527,7 +2527,7 @@
           <a:p>
             <a:fld id="{7839A6EA-F7B1-0B44-BC35-AD132267A4DC}" type="datetime1">
               <a:rPr lang="fr-CA" smtClean="0"/>
-              <a:t>17-08-28</a:t>
+              <a:t>17-09-01</a:t>
             </a:fld>
             <a:endParaRPr lang="en-US" dirty="0"/>
           </a:p>
@@ -2860,7 +2860,7 @@
           <a:p>
             <a:fld id="{BF3955A8-2797-EA4A-9E2A-2F8CFD12BF6E}" type="datetime1">
               <a:rPr lang="fr-CA" smtClean="0"/>
-              <a:t>17-08-28</a:t>
+              <a:t>17-09-01</a:t>
             </a:fld>
             <a:endParaRPr lang="en-CA"/>
           </a:p>
@@ -3286,7 +3286,7 @@
           <a:p>
             <a:fld id="{2623DA68-7C09-344D-94FD-BCCBFF8A9C92}" type="datetime1">
               <a:rPr lang="fr-CA" smtClean="0"/>
-              <a:t>17-08-28</a:t>
+              <a:t>17-09-01</a:t>
             </a:fld>
             <a:endParaRPr lang="en-CA"/>
           </a:p>
@@ -3707,7 +3707,7 @@
           <a:p>
             <a:fld id="{C96802C1-E6A5-A943-B158-E2ED5B1D1748}" type="datetime1">
               <a:rPr lang="fr-CA" smtClean="0"/>
-              <a:t>17-08-28</a:t>
+              <a:t>17-09-01</a:t>
             </a:fld>
             <a:endParaRPr lang="en-CA"/>
           </a:p>
@@ -3844,7 +3844,7 @@
           <a:p>
             <a:fld id="{771726DE-45DE-4B43-ACEE-C75C9862EB06}" type="datetime1">
               <a:rPr lang="fr-CA" smtClean="0"/>
-              <a:t>17-08-28</a:t>
+              <a:t>17-09-01</a:t>
             </a:fld>
             <a:endParaRPr lang="en-CA"/>
           </a:p>
@@ -4170,7 +4170,7 @@
           <a:p>
             <a:fld id="{5658D407-638E-3641-B9A7-D19475F928FE}" type="datetime1">
               <a:rPr lang="fr-CA" smtClean="0"/>
-              <a:t>17-08-28</a:t>
+              <a:t>17-09-01</a:t>
             </a:fld>
             <a:endParaRPr lang="en-CA"/>
           </a:p>
@@ -4418,7 +4418,7 @@
           <a:p>
             <a:fld id="{BB923671-466F-9240-AE09-4C886CE207AA}" type="datetime1">
               <a:rPr lang="fr-CA" smtClean="0"/>
-              <a:t>17-08-28</a:t>
+              <a:t>17-09-01</a:t>
             </a:fld>
             <a:endParaRPr lang="en-CA"/>
           </a:p>
@@ -4760,7 +4760,7 @@
           <a:p>
             <a:fld id="{677FF192-833E-5349-A041-ABA1A9340DDE}" type="datetime1">
               <a:rPr lang="fr-CA" smtClean="0"/>
-              <a:t>17-08-28</a:t>
+              <a:t>17-09-01</a:t>
             </a:fld>
             <a:endParaRPr lang="en-CA"/>
           </a:p>
@@ -5064,7 +5064,7 @@
           <a:p>
             <a:fld id="{09C4B9B5-7EFC-9244-9761-B7BDBB0AA012}" type="datetime1">
               <a:rPr lang="fr-CA" smtClean="0"/>
-              <a:t>17-08-28</a:t>
+              <a:t>17-09-01</a:t>
             </a:fld>
             <a:endParaRPr lang="en-CA"/>
           </a:p>
@@ -5475,7 +5475,7 @@
           <a:p>
             <a:fld id="{F801F428-AE77-E045-9480-3FE3AAF71E65}" type="datetime1">
               <a:rPr lang="fr-CA" smtClean="0"/>
-              <a:t>17-08-28</a:t>
+              <a:t>17-09-01</a:t>
             </a:fld>
             <a:endParaRPr lang="en-CA"/>
           </a:p>
@@ -5701,7 +5701,7 @@
           <a:p>
             <a:fld id="{ADAA07CA-59E0-A243-97BC-43C9F51FD9FF}" type="datetime1">
               <a:rPr lang="fr-CA" smtClean="0"/>
-              <a:t>17-08-28</a:t>
+              <a:t>17-09-01</a:t>
             </a:fld>
             <a:endParaRPr lang="en-CA"/>
           </a:p>
@@ -5922,7 +5922,7 @@
           <a:p>
             <a:fld id="{826A6692-799A-0F4B-A22C-2D282DEB7CD5}" type="datetime1">
               <a:rPr lang="fr-CA" smtClean="0"/>
-              <a:t>17-08-28</a:t>
+              <a:t>17-09-01</a:t>
             </a:fld>
             <a:endParaRPr lang="en-CA"/>
           </a:p>
@@ -6231,7 +6231,7 @@
           <a:p>
             <a:fld id="{DBB7E5EE-521F-EC4A-A5C3-A2A1536DAA8C}" type="datetime1">
               <a:rPr lang="fr-CA" smtClean="0"/>
-              <a:t>17-08-28</a:t>
+              <a:t>17-09-01</a:t>
             </a:fld>
             <a:endParaRPr lang="en-CA"/>
           </a:p>
@@ -6562,7 +6562,7 @@
           <a:p>
             <a:fld id="{3E6BCE1D-B433-BC48-8038-626206E41CB0}" type="datetime1">
               <a:rPr lang="fr-CA" smtClean="0"/>
-              <a:t>17-08-28</a:t>
+              <a:t>17-09-01</a:t>
             </a:fld>
             <a:endParaRPr lang="en-CA"/>
           </a:p>
@@ -6901,7 +6901,7 @@
           <a:p>
             <a:fld id="{4B73CBE7-00BA-814D-A6E3-B3D5A65032CA}" type="datetime1">
               <a:rPr lang="fr-CA" smtClean="0"/>
-              <a:t>17-08-28</a:t>
+              <a:t>17-09-01</a:t>
             </a:fld>
             <a:endParaRPr lang="en-US"/>
           </a:p>
@@ -7528,7 +7528,7 @@
           <a:p>
             <a:fld id="{1DC03657-A2BB-3242-BF25-3D72B79B6372}" type="datetime1">
               <a:rPr lang="fr-CA" smtClean="0"/>
-              <a:t>17-08-28</a:t>
+              <a:t>17-09-01</a:t>
             </a:fld>
             <a:endParaRPr lang="en-CA"/>
           </a:p>
@@ -8019,7 +8019,7 @@
           <a:p>
             <a:fld id="{A36AC3A7-7839-B545-A9B3-950A645AC025}" type="datetime1">
               <a:rPr lang="fr-CA" smtClean="0"/>
-              <a:t>17-08-28</a:t>
+              <a:t>17-09-01</a:t>
             </a:fld>
             <a:endParaRPr lang="en-CA"/>
           </a:p>
@@ -8271,7 +8271,7 @@
           <a:p>
             <a:fld id="{FB43067C-42C1-1C43-B902-066143DC70F1}" type="datetime1">
               <a:rPr lang="fr-CA" smtClean="0"/>
-              <a:t>17-08-28</a:t>
+              <a:t>17-09-01</a:t>
             </a:fld>
             <a:endParaRPr lang="en-CA"/>
           </a:p>
@@ -8571,7 +8571,7 @@
           <a:p>
             <a:fld id="{E0F2C6FF-FE77-EB42-A8D7-C92EEE9F8CA5}" type="datetime1">
               <a:rPr lang="fr-CA" smtClean="0"/>
-              <a:t>17-08-28</a:t>
+              <a:t>17-09-01</a:t>
             </a:fld>
             <a:endParaRPr lang="en-CA"/>
           </a:p>
@@ -9294,7 +9294,7 @@
         <p:spPr/>
         <p:txBody>
           <a:bodyPr>
-            <a:normAutofit fontScale="92500"/>
+            <a:normAutofit/>
           </a:bodyPr>
           <a:lstStyle/>
           <a:p>
@@ -9322,7 +9322,6 @@
               <a:rPr lang="en-CA" dirty="0" smtClean="0"/>
               <a:t>charm</a:t>
             </a:r>
-            <a:endParaRPr lang="en-CA" dirty="0" smtClean="0"/>
           </a:p>
           <a:p>
             <a:r>
@@ -9373,15 +9372,17 @@
             <a:pPr lvl="1"/>
             <a:r>
               <a:rPr lang="en-CA" dirty="0" smtClean="0"/>
-              <a:t>An arm-computer called an omni-tool</a:t>
-            </a:r>
-          </a:p>
-          <a:p>
-            <a:pPr lvl="1"/>
-            <a:r>
-              <a:rPr lang="en-CA" dirty="0" smtClean="0"/>
-              <a:t>a location on their shoulder or back where the clan emblem can be displayed</a:t>
-            </a:r>
+              <a:t>An arm-computer called an omni</a:t>
+            </a:r>
+            <a:r>
+              <a:rPr lang="en-CA" smtClean="0"/>
+              <a:t>-</a:t>
+            </a:r>
+            <a:r>
+              <a:rPr lang="en-CA" smtClean="0"/>
+              <a:t>tool</a:t>
+            </a:r>
+            <a:endParaRPr lang="en-CA" dirty="0" smtClean="0"/>
           </a:p>
         </p:txBody>
       </p:sp>
@@ -14027,11 +14028,7 @@
                     <a:p>
                       <a:r>
                         <a:rPr lang="en-CA" sz="1400" dirty="0" smtClean="0"/>
-                        <a:t>Zap </a:t>
-                      </a:r>
-                      <a:r>
-                        <a:rPr lang="en-CA" sz="1400" dirty="0" smtClean="0"/>
-                        <a:t>an opponent</a:t>
+                        <a:t>Zap an opponent</a:t>
                       </a:r>
                       <a:endParaRPr lang="en-CA" sz="1400" dirty="0"/>
                     </a:p>
@@ -14560,23 +14557,11 @@
                     <a:p>
                       <a:r>
                         <a:rPr lang="en-CA" sz="1400" dirty="0" smtClean="0"/>
-                        <a:t>Immobilise </a:t>
-                      </a:r>
-                      <a:r>
-                        <a:rPr lang="en-CA" sz="1400" dirty="0" smtClean="0"/>
-                        <a:t>an </a:t>
-                      </a:r>
-                      <a:r>
-                        <a:rPr lang="en-CA" sz="1400" dirty="0" smtClean="0"/>
-                        <a:t>opponent in a stasis</a:t>
+                        <a:t>Immobilise an opponent in a stasis</a:t>
                       </a:r>
                       <a:r>
                         <a:rPr lang="en-CA" sz="1400" baseline="0" dirty="0" smtClean="0"/>
-                        <a:t> </a:t>
-                      </a:r>
-                      <a:r>
-                        <a:rPr lang="en-CA" sz="1400" baseline="0" dirty="0" smtClean="0"/>
-                        <a:t>sphere </a:t>
+                        <a:t> sphere </a:t>
                       </a:r>
                       <a:r>
                         <a:rPr lang="en-CA" sz="1400" dirty="0" smtClean="0"/>
@@ -15127,23 +15112,7 @@
                       </a:r>
                       <a:r>
                         <a:rPr lang="en-CA" sz="1200" baseline="0" dirty="0" smtClean="0"/>
-                        <a:t> certain cards </a:t>
-                      </a:r>
-                      <a:r>
-                        <a:rPr lang="en-CA" sz="1200" baseline="0" dirty="0" smtClean="0"/>
-                        <a:t>such as lightning</a:t>
-                      </a:r>
-                      <a:r>
-                        <a:rPr lang="en-CA" sz="1200" baseline="0" dirty="0" smtClean="0"/>
-                        <a:t>, hack, </a:t>
-                      </a:r>
-                      <a:r>
-                        <a:rPr lang="en-CA" sz="1200" baseline="0" dirty="0" smtClean="0"/>
-                        <a:t>and stasis back </a:t>
-                      </a:r>
-                      <a:r>
-                        <a:rPr lang="en-CA" sz="1200" baseline="0" dirty="0" smtClean="0"/>
-                        <a:t>to the caster</a:t>
+                        <a:t> certain cards such as lightning, hack, and stasis back to the caster</a:t>
                       </a:r>
                       <a:endParaRPr lang="en-CA" sz="1200" dirty="0"/>
                     </a:p>
@@ -15353,15 +15322,7 @@
                     <a:p>
                       <a:r>
                         <a:rPr lang="en-CA" sz="1200" dirty="0" smtClean="0"/>
-                        <a:t>Steal a card from an </a:t>
-                      </a:r>
-                      <a:r>
-                        <a:rPr lang="en-CA" sz="1200" dirty="0" smtClean="0"/>
-                        <a:t>opponent’s </a:t>
-                      </a:r>
-                      <a:r>
-                        <a:rPr lang="en-CA" sz="1200" dirty="0" smtClean="0"/>
-                        <a:t>deck</a:t>
+                        <a:t>Steal a card from an opponent’s deck</a:t>
                       </a:r>
                       <a:endParaRPr lang="en-CA" sz="1200" dirty="0"/>
                     </a:p>
@@ -15466,15 +15427,7 @@
                     <a:p>
                       <a:r>
                         <a:rPr lang="en-CA" sz="1200" dirty="0" smtClean="0"/>
-                        <a:t>Create a </a:t>
-                      </a:r>
-                      <a:r>
-                        <a:rPr lang="en-CA" sz="1200" dirty="0" smtClean="0"/>
-                        <a:t>floating sentry </a:t>
-                      </a:r>
-                      <a:r>
-                        <a:rPr lang="en-CA" sz="1200" dirty="0" smtClean="0"/>
-                        <a:t>that</a:t>
+                        <a:t>Create a floating sentry that</a:t>
                       </a:r>
                       <a:r>
                         <a:rPr lang="en-CA" sz="1200" baseline="0" dirty="0" smtClean="0"/>
@@ -15591,15 +15544,7 @@
                     <a:p>
                       <a:r>
                         <a:rPr lang="en-CA" sz="1200" dirty="0" smtClean="0"/>
-                        <a:t>Create a force field to block your </a:t>
-                      </a:r>
-                      <a:r>
-                        <a:rPr lang="en-CA" sz="1200" dirty="0" smtClean="0"/>
-                        <a:t>opponents’ </a:t>
-                      </a:r>
-                      <a:r>
-                        <a:rPr lang="en-CA" sz="1200" dirty="0" smtClean="0"/>
-                        <a:t>path</a:t>
+                        <a:t>Create a force field to block your opponents’ path</a:t>
                       </a:r>
                       <a:endParaRPr lang="en-CA" sz="1200" dirty="0"/>
                     </a:p>
@@ -15704,11 +15649,7 @@
                     <a:p>
                       <a:r>
                         <a:rPr lang="en-CA" sz="1200" dirty="0" smtClean="0"/>
-                        <a:t>Fire a homing </a:t>
-                      </a:r>
-                      <a:r>
-                        <a:rPr lang="en-CA" sz="1200" dirty="0" smtClean="0"/>
-                        <a:t>missile</a:t>
+                        <a:t>Fire a homing missile</a:t>
                       </a:r>
                       <a:endParaRPr lang="en-CA" sz="1200" dirty="0"/>
                     </a:p>
@@ -15766,15 +15707,7 @@
                             <a:srgbClr val="000000"/>
                           </a:solidFill>
                         </a:rPr>
-                        <a:t>Jet </a:t>
-                      </a:r>
-                      <a:r>
-                        <a:rPr lang="en-CA" sz="1400" i="0" dirty="0" smtClean="0">
-                          <a:solidFill>
-                            <a:srgbClr val="000000"/>
-                          </a:solidFill>
-                        </a:rPr>
-                        <a:t>Pack</a:t>
+                        <a:t>Jet Pack</a:t>
                       </a:r>
                       <a:endParaRPr lang="en-CA" sz="1400" i="0" dirty="0">
                         <a:solidFill>
@@ -16360,15 +16293,7 @@
                     <a:p>
                       <a:r>
                         <a:rPr lang="en-CA" sz="1200" dirty="0" smtClean="0"/>
-                        <a:t>Hack your </a:t>
-                      </a:r>
-                      <a:r>
-                        <a:rPr lang="en-CA" sz="1200" dirty="0" smtClean="0"/>
-                        <a:t>opponents’ </a:t>
-                      </a:r>
-                      <a:r>
-                        <a:rPr lang="en-CA" sz="1200" dirty="0" smtClean="0"/>
-                        <a:t>omni-tool and prevent them from playing cards for a short while</a:t>
+                        <a:t>Hack your opponents’ omni-tool and prevent them from playing cards for a short while</a:t>
                       </a:r>
                       <a:endParaRPr lang="en-CA" sz="1200" dirty="0"/>
                     </a:p>
@@ -16473,15 +16398,7 @@
                     <a:p>
                       <a:r>
                         <a:rPr lang="en-CA" sz="1200" dirty="0" smtClean="0"/>
-                        <a:t>Push an opponent forward </a:t>
-                      </a:r>
-                      <a:r>
-                        <a:rPr lang="en-CA" sz="1200" dirty="0" smtClean="0"/>
-                        <a:t>(for </a:t>
-                      </a:r>
-                      <a:r>
-                        <a:rPr lang="en-CA" sz="1200" dirty="0" smtClean="0"/>
-                        <a:t>example into a trap)</a:t>
+                        <a:t>Push an opponent forward (for example into a trap)</a:t>
                       </a:r>
                       <a:endParaRPr lang="en-CA" sz="1200" dirty="0"/>
                     </a:p>
@@ -17607,11 +17524,7 @@
                     <a:p>
                       <a:r>
                         <a:rPr lang="en-CA" sz="1400" dirty="0" smtClean="0"/>
-                        <a:t>Cause an earth tremor that will cause damage to nearby </a:t>
-                      </a:r>
-                      <a:r>
-                        <a:rPr lang="en-CA" sz="1400" dirty="0" smtClean="0"/>
-                        <a:t>players</a:t>
+                        <a:t>Cause an earth tremor that will cause damage to nearby players</a:t>
                       </a:r>
                       <a:endParaRPr lang="en-CA" sz="1400" dirty="0"/>
                     </a:p>
@@ -17853,15 +17766,7 @@
                     <a:p>
                       <a:r>
                         <a:rPr lang="en-CA" sz="1400" baseline="0" dirty="0" smtClean="0"/>
-                        <a:t>Absorb </a:t>
-                      </a:r>
-                      <a:r>
-                        <a:rPr lang="en-CA" sz="1400" baseline="0" dirty="0" smtClean="0"/>
-                        <a:t>a certain amount of </a:t>
-                      </a:r>
-                      <a:r>
-                        <a:rPr lang="en-CA" sz="1400" baseline="0" dirty="0" smtClean="0"/>
-                        <a:t>damage before being destroyed</a:t>
+                        <a:t>Absorb a certain amount of damage before being destroyed</a:t>
                       </a:r>
                       <a:endParaRPr lang="en-CA" sz="1400" dirty="0"/>
                     </a:p>

--- a/Documents/Earth Alone.pptx
+++ b/Documents/Earth Alone.pptx
@@ -5,10 +5,10 @@
     <p:sldMasterId id="2147483874" r:id="rId1"/>
   </p:sldMasterIdLst>
   <p:notesMasterIdLst>
-    <p:notesMasterId r:id="rId66"/>
+    <p:notesMasterId r:id="rId68"/>
   </p:notesMasterIdLst>
   <p:handoutMasterIdLst>
-    <p:handoutMasterId r:id="rId67"/>
+    <p:handoutMasterId r:id="rId69"/>
   </p:handoutMasterIdLst>
   <p:sldIdLst>
     <p:sldId id="256" r:id="rId2"/>
@@ -75,6 +75,8 @@
     <p:sldId id="363" r:id="rId63"/>
     <p:sldId id="350" r:id="rId64"/>
     <p:sldId id="347" r:id="rId65"/>
+    <p:sldId id="370" r:id="rId66"/>
+    <p:sldId id="371" r:id="rId67"/>
   </p:sldIdLst>
   <p:sldSz cx="9144000" cy="6858000" type="screen4x3"/>
   <p:notesSz cx="6858000" cy="9144000"/>
@@ -258,7 +260,7 @@
           <a:p>
             <a:fld id="{478E4554-8682-0047-81B3-23DF92292DA4}" type="datetimeFigureOut">
               <a:rPr lang="fr-FR" smtClean="0"/>
-              <a:t>17-09-01</a:t>
+              <a:t>17-09-07</a:t>
             </a:fld>
             <a:endParaRPr lang="en-CA"/>
           </a:p>
@@ -424,7 +426,7 @@
           <a:p>
             <a:fld id="{4AA04B09-B6F6-1B43-9949-81D455400551}" type="datetimeFigureOut">
               <a:rPr lang="fr-FR" smtClean="0"/>
-              <a:t>17-09-01</a:t>
+              <a:t>17-09-07</a:t>
             </a:fld>
             <a:endParaRPr lang="en-CA"/>
           </a:p>
@@ -2527,7 +2529,7 @@
           <a:p>
             <a:fld id="{7839A6EA-F7B1-0B44-BC35-AD132267A4DC}" type="datetime1">
               <a:rPr lang="fr-CA" smtClean="0"/>
-              <a:t>17-09-01</a:t>
+              <a:t>17-09-07</a:t>
             </a:fld>
             <a:endParaRPr lang="en-US" dirty="0"/>
           </a:p>
@@ -2860,7 +2862,7 @@
           <a:p>
             <a:fld id="{BF3955A8-2797-EA4A-9E2A-2F8CFD12BF6E}" type="datetime1">
               <a:rPr lang="fr-CA" smtClean="0"/>
-              <a:t>17-09-01</a:t>
+              <a:t>17-09-07</a:t>
             </a:fld>
             <a:endParaRPr lang="en-CA"/>
           </a:p>
@@ -3286,7 +3288,7 @@
           <a:p>
             <a:fld id="{2623DA68-7C09-344D-94FD-BCCBFF8A9C92}" type="datetime1">
               <a:rPr lang="fr-CA" smtClean="0"/>
-              <a:t>17-09-01</a:t>
+              <a:t>17-09-07</a:t>
             </a:fld>
             <a:endParaRPr lang="en-CA"/>
           </a:p>
@@ -3707,7 +3709,7 @@
           <a:p>
             <a:fld id="{C96802C1-E6A5-A943-B158-E2ED5B1D1748}" type="datetime1">
               <a:rPr lang="fr-CA" smtClean="0"/>
-              <a:t>17-09-01</a:t>
+              <a:t>17-09-07</a:t>
             </a:fld>
             <a:endParaRPr lang="en-CA"/>
           </a:p>
@@ -3844,7 +3846,7 @@
           <a:p>
             <a:fld id="{771726DE-45DE-4B43-ACEE-C75C9862EB06}" type="datetime1">
               <a:rPr lang="fr-CA" smtClean="0"/>
-              <a:t>17-09-01</a:t>
+              <a:t>17-09-07</a:t>
             </a:fld>
             <a:endParaRPr lang="en-CA"/>
           </a:p>
@@ -4170,7 +4172,7 @@
           <a:p>
             <a:fld id="{5658D407-638E-3641-B9A7-D19475F928FE}" type="datetime1">
               <a:rPr lang="fr-CA" smtClean="0"/>
-              <a:t>17-09-01</a:t>
+              <a:t>17-09-07</a:t>
             </a:fld>
             <a:endParaRPr lang="en-CA"/>
           </a:p>
@@ -4418,7 +4420,7 @@
           <a:p>
             <a:fld id="{BB923671-466F-9240-AE09-4C886CE207AA}" type="datetime1">
               <a:rPr lang="fr-CA" smtClean="0"/>
-              <a:t>17-09-01</a:t>
+              <a:t>17-09-07</a:t>
             </a:fld>
             <a:endParaRPr lang="en-CA"/>
           </a:p>
@@ -4760,7 +4762,7 @@
           <a:p>
             <a:fld id="{677FF192-833E-5349-A041-ABA1A9340DDE}" type="datetime1">
               <a:rPr lang="fr-CA" smtClean="0"/>
-              <a:t>17-09-01</a:t>
+              <a:t>17-09-07</a:t>
             </a:fld>
             <a:endParaRPr lang="en-CA"/>
           </a:p>
@@ -5064,7 +5066,7 @@
           <a:p>
             <a:fld id="{09C4B9B5-7EFC-9244-9761-B7BDBB0AA012}" type="datetime1">
               <a:rPr lang="fr-CA" smtClean="0"/>
-              <a:t>17-09-01</a:t>
+              <a:t>17-09-07</a:t>
             </a:fld>
             <a:endParaRPr lang="en-CA"/>
           </a:p>
@@ -5475,7 +5477,7 @@
           <a:p>
             <a:fld id="{F801F428-AE77-E045-9480-3FE3AAF71E65}" type="datetime1">
               <a:rPr lang="fr-CA" smtClean="0"/>
-              <a:t>17-09-01</a:t>
+              <a:t>17-09-07</a:t>
             </a:fld>
             <a:endParaRPr lang="en-CA"/>
           </a:p>
@@ -5701,7 +5703,7 @@
           <a:p>
             <a:fld id="{ADAA07CA-59E0-A243-97BC-43C9F51FD9FF}" type="datetime1">
               <a:rPr lang="fr-CA" smtClean="0"/>
-              <a:t>17-09-01</a:t>
+              <a:t>17-09-07</a:t>
             </a:fld>
             <a:endParaRPr lang="en-CA"/>
           </a:p>
@@ -5922,7 +5924,7 @@
           <a:p>
             <a:fld id="{826A6692-799A-0F4B-A22C-2D282DEB7CD5}" type="datetime1">
               <a:rPr lang="fr-CA" smtClean="0"/>
-              <a:t>17-09-01</a:t>
+              <a:t>17-09-07</a:t>
             </a:fld>
             <a:endParaRPr lang="en-CA"/>
           </a:p>
@@ -6231,7 +6233,7 @@
           <a:p>
             <a:fld id="{DBB7E5EE-521F-EC4A-A5C3-A2A1536DAA8C}" type="datetime1">
               <a:rPr lang="fr-CA" smtClean="0"/>
-              <a:t>17-09-01</a:t>
+              <a:t>17-09-07</a:t>
             </a:fld>
             <a:endParaRPr lang="en-CA"/>
           </a:p>
@@ -6562,7 +6564,7 @@
           <a:p>
             <a:fld id="{3E6BCE1D-B433-BC48-8038-626206E41CB0}" type="datetime1">
               <a:rPr lang="fr-CA" smtClean="0"/>
-              <a:t>17-09-01</a:t>
+              <a:t>17-09-07</a:t>
             </a:fld>
             <a:endParaRPr lang="en-CA"/>
           </a:p>
@@ -6901,7 +6903,7 @@
           <a:p>
             <a:fld id="{4B73CBE7-00BA-814D-A6E3-B3D5A65032CA}" type="datetime1">
               <a:rPr lang="fr-CA" smtClean="0"/>
-              <a:t>17-09-01</a:t>
+              <a:t>17-09-07</a:t>
             </a:fld>
             <a:endParaRPr lang="en-US"/>
           </a:p>
@@ -7528,7 +7530,7 @@
           <a:p>
             <a:fld id="{1DC03657-A2BB-3242-BF25-3D72B79B6372}" type="datetime1">
               <a:rPr lang="fr-CA" smtClean="0"/>
-              <a:t>17-09-01</a:t>
+              <a:t>17-09-07</a:t>
             </a:fld>
             <a:endParaRPr lang="en-CA"/>
           </a:p>
@@ -8019,7 +8021,7 @@
           <a:p>
             <a:fld id="{A36AC3A7-7839-B545-A9B3-950A645AC025}" type="datetime1">
               <a:rPr lang="fr-CA" smtClean="0"/>
-              <a:t>17-09-01</a:t>
+              <a:t>17-09-07</a:t>
             </a:fld>
             <a:endParaRPr lang="en-CA"/>
           </a:p>
@@ -8271,7 +8273,7 @@
           <a:p>
             <a:fld id="{FB43067C-42C1-1C43-B902-066143DC70F1}" type="datetime1">
               <a:rPr lang="fr-CA" smtClean="0"/>
-              <a:t>17-09-01</a:t>
+              <a:t>17-09-07</a:t>
             </a:fld>
             <a:endParaRPr lang="en-CA"/>
           </a:p>
@@ -8571,7 +8573,7 @@
           <a:p>
             <a:fld id="{E0F2C6FF-FE77-EB42-A8D7-C92EEE9F8CA5}" type="datetime1">
               <a:rPr lang="fr-CA" smtClean="0"/>
-              <a:t>17-09-01</a:t>
+              <a:t>17-09-07</a:t>
             </a:fld>
             <a:endParaRPr lang="en-CA"/>
           </a:p>
@@ -9376,11 +9378,7 @@
             </a:r>
             <a:r>
               <a:rPr lang="en-CA" smtClean="0"/>
-              <a:t>-</a:t>
-            </a:r>
-            <a:r>
-              <a:rPr lang="en-CA" smtClean="0"/>
-              <a:t>tool</a:t>
+              <a:t>-tool</a:t>
             </a:r>
             <a:endParaRPr lang="en-CA" dirty="0" smtClean="0"/>
           </a:p>
@@ -21953,6 +21951,1424 @@
       </p:par>
     </p:tnLst>
   </p:timing>
+</p:sld>
+</file>
+
+<file path=ppt/slides/slide65.xml><?xml version="1.0" encoding="utf-8"?>
+<p:sld xmlns:a="http://schemas.openxmlformats.org/drawingml/2006/main" xmlns:r="http://schemas.openxmlformats.org/officeDocument/2006/relationships" xmlns:p="http://schemas.openxmlformats.org/presentationml/2006/main">
+  <p:cSld>
+    <p:spTree>
+      <p:nvGrpSpPr>
+        <p:cNvPr id="1" name=""/>
+        <p:cNvGrpSpPr/>
+        <p:nvPr/>
+      </p:nvGrpSpPr>
+      <p:grpSpPr>
+        <a:xfrm>
+          <a:off x="0" y="0"/>
+          <a:ext cx="0" cy="0"/>
+          <a:chOff x="0" y="0"/>
+          <a:chExt cx="0" cy="0"/>
+        </a:xfrm>
+      </p:grpSpPr>
+      <p:sp>
+        <p:nvSpPr>
+          <p:cNvPr id="2" name="Titre 1"/>
+          <p:cNvSpPr>
+            <a:spLocks noGrp="1"/>
+          </p:cNvSpPr>
+          <p:nvPr>
+            <p:ph type="title"/>
+          </p:nvPr>
+        </p:nvSpPr>
+        <p:spPr/>
+        <p:txBody>
+          <a:bodyPr/>
+          <a:lstStyle/>
+          <a:p>
+            <a:r>
+              <a:rPr lang="en-CA" dirty="0" smtClean="0"/>
+              <a:t>Loot Boxes Summary</a:t>
+            </a:r>
+            <a:endParaRPr lang="en-CA" dirty="0"/>
+          </a:p>
+        </p:txBody>
+      </p:sp>
+      <p:graphicFrame>
+        <p:nvGraphicFramePr>
+          <p:cNvPr id="5" name="Espace réservé du contenu 4"/>
+          <p:cNvGraphicFramePr>
+            <a:graphicFrameLocks noGrp="1"/>
+          </p:cNvGraphicFramePr>
+          <p:nvPr>
+            <p:ph idx="1"/>
+            <p:extLst>
+              <p:ext uri="{D42A27DB-BD31-4B8C-83A1-F6EECF244321}">
+                <p14:modId xmlns:p14="http://schemas.microsoft.com/office/powerpoint/2010/main" val="2765185321"/>
+              </p:ext>
+            </p:extLst>
+          </p:nvPr>
+        </p:nvGraphicFramePr>
+        <p:xfrm>
+          <a:off x="457199" y="2209800"/>
+          <a:ext cx="7982527" cy="4038600"/>
+        </p:xfrm>
+        <a:graphic>
+          <a:graphicData uri="http://schemas.openxmlformats.org/drawingml/2006/table">
+            <a:tbl>
+              <a:tblPr firstRow="1" bandRow="1">
+                <a:tableStyleId>{5C22544A-7EE6-4342-B048-85BDC9FD1C3A}</a:tableStyleId>
+              </a:tblPr>
+              <a:tblGrid>
+                <a:gridCol w="1339580"/>
+                <a:gridCol w="3156221"/>
+                <a:gridCol w="1272410"/>
+                <a:gridCol w="2214316"/>
+              </a:tblGrid>
+              <a:tr h="370840">
+                <a:tc>
+                  <a:txBody>
+                    <a:bodyPr/>
+                    <a:lstStyle/>
+                    <a:p>
+                      <a:r>
+                        <a:rPr lang="en-CA" sz="1200" dirty="0" smtClean="0"/>
+                        <a:t>Type</a:t>
+                      </a:r>
+                      <a:endParaRPr lang="en-CA" sz="1200" dirty="0"/>
+                    </a:p>
+                  </a:txBody>
+                  <a:tcPr/>
+                </a:tc>
+                <a:tc>
+                  <a:txBody>
+                    <a:bodyPr/>
+                    <a:lstStyle/>
+                    <a:p>
+                      <a:r>
+                        <a:rPr lang="en-CA" sz="1200" dirty="0" smtClean="0"/>
+                        <a:t>Content</a:t>
+                      </a:r>
+                      <a:endParaRPr lang="en-CA" sz="1200" dirty="0"/>
+                    </a:p>
+                  </a:txBody>
+                  <a:tcPr/>
+                </a:tc>
+                <a:tc>
+                  <a:txBody>
+                    <a:bodyPr/>
+                    <a:lstStyle/>
+                    <a:p>
+                      <a:r>
+                        <a:rPr lang="en-CA" sz="1200" dirty="0" smtClean="0"/>
+                        <a:t>Open when</a:t>
+                      </a:r>
+                      <a:endParaRPr lang="en-CA" sz="1200" dirty="0"/>
+                    </a:p>
+                  </a:txBody>
+                  <a:tcPr/>
+                </a:tc>
+                <a:tc>
+                  <a:txBody>
+                    <a:bodyPr/>
+                    <a:lstStyle/>
+                    <a:p>
+                      <a:r>
+                        <a:rPr lang="en-CA" sz="1200" dirty="0" smtClean="0"/>
+                        <a:t>Open where</a:t>
+                      </a:r>
+                      <a:endParaRPr lang="en-CA" sz="1200" dirty="0"/>
+                    </a:p>
+                  </a:txBody>
+                  <a:tcPr/>
+                </a:tc>
+              </a:tr>
+              <a:tr h="370840">
+                <a:tc>
+                  <a:txBody>
+                    <a:bodyPr/>
+                    <a:lstStyle/>
+                    <a:p>
+                      <a:r>
+                        <a:rPr lang="en-CA" sz="1200" dirty="0" smtClean="0"/>
+                        <a:t>Level up</a:t>
+                      </a:r>
+                      <a:endParaRPr lang="en-CA" sz="1200" dirty="0"/>
+                    </a:p>
+                  </a:txBody>
+                  <a:tcPr/>
+                </a:tc>
+                <a:tc>
+                  <a:txBody>
+                    <a:bodyPr/>
+                    <a:lstStyle/>
+                    <a:p>
+                      <a:r>
+                        <a:rPr lang="en-CA" sz="1200" dirty="0" smtClean="0"/>
+                        <a:t>You earn a loot box</a:t>
+                      </a:r>
+                      <a:r>
+                        <a:rPr lang="en-CA" sz="1200" baseline="0" dirty="0" smtClean="0"/>
+                        <a:t> when you level up.</a:t>
+                      </a:r>
+                      <a:endParaRPr lang="en-CA" sz="1200" dirty="0"/>
+                    </a:p>
+                  </a:txBody>
+                  <a:tcPr/>
+                </a:tc>
+                <a:tc>
+                  <a:txBody>
+                    <a:bodyPr/>
+                    <a:lstStyle/>
+                    <a:p>
+                      <a:r>
+                        <a:rPr lang="en-CA" sz="1200" dirty="0" smtClean="0"/>
+                        <a:t>Immediately</a:t>
+                      </a:r>
+                      <a:endParaRPr lang="en-CA" sz="1200" dirty="0"/>
+                    </a:p>
+                  </a:txBody>
+                  <a:tcPr/>
+                </a:tc>
+                <a:tc>
+                  <a:txBody>
+                    <a:bodyPr/>
+                    <a:lstStyle/>
+                    <a:p>
+                      <a:r>
+                        <a:rPr lang="en-CA" sz="1200" dirty="0" smtClean="0"/>
+                        <a:t>Loot box scene</a:t>
+                      </a:r>
+                      <a:endParaRPr lang="en-CA" sz="1200" dirty="0"/>
+                    </a:p>
+                  </a:txBody>
+                  <a:tcPr/>
+                </a:tc>
+              </a:tr>
+              <a:tr h="370840">
+                <a:tc>
+                  <a:txBody>
+                    <a:bodyPr/>
+                    <a:lstStyle/>
+                    <a:p>
+                      <a:r>
+                        <a:rPr lang="en-CA" sz="1200" dirty="0" smtClean="0"/>
+                        <a:t>Store</a:t>
+                      </a:r>
+                      <a:endParaRPr lang="en-CA" sz="1200" dirty="0"/>
+                    </a:p>
+                  </a:txBody>
+                  <a:tcPr/>
+                </a:tc>
+                <a:tc>
+                  <a:txBody>
+                    <a:bodyPr/>
+                    <a:lstStyle/>
+                    <a:p>
+                      <a:r>
+                        <a:rPr lang="en-CA" sz="1200" dirty="0" smtClean="0"/>
+                        <a:t>You can purchase several types of loot boxes with Titanium.</a:t>
+                      </a:r>
+                      <a:endParaRPr lang="en-CA" sz="1200" dirty="0"/>
+                    </a:p>
+                  </a:txBody>
+                  <a:tcPr/>
+                </a:tc>
+                <a:tc>
+                  <a:txBody>
+                    <a:bodyPr/>
+                    <a:lstStyle/>
+                    <a:p>
+                      <a:r>
+                        <a:rPr lang="en-CA" sz="1200" dirty="0" smtClean="0"/>
+                        <a:t>Immediately</a:t>
+                      </a:r>
+                      <a:endParaRPr lang="en-CA" sz="1200" dirty="0"/>
+                    </a:p>
+                  </a:txBody>
+                  <a:tcPr/>
+                </a:tc>
+                <a:tc>
+                  <a:txBody>
+                    <a:bodyPr/>
+                    <a:lstStyle/>
+                    <a:p>
+                      <a:r>
+                        <a:rPr lang="en-CA" sz="1200" dirty="0" smtClean="0"/>
+                        <a:t>Store</a:t>
+                      </a:r>
+                      <a:endParaRPr lang="en-CA" sz="1200" dirty="0"/>
+                    </a:p>
+                  </a:txBody>
+                  <a:tcPr/>
+                </a:tc>
+              </a:tr>
+              <a:tr h="370840">
+                <a:tc>
+                  <a:txBody>
+                    <a:bodyPr/>
+                    <a:lstStyle/>
+                    <a:p>
+                      <a:r>
+                        <a:rPr lang="en-CA" sz="1200" dirty="0" smtClean="0"/>
+                        <a:t>Daily</a:t>
+                      </a:r>
+                      <a:endParaRPr lang="en-CA" sz="1200" dirty="0"/>
+                    </a:p>
+                  </a:txBody>
+                  <a:tcPr/>
+                </a:tc>
+                <a:tc>
+                  <a:txBody>
+                    <a:bodyPr/>
+                    <a:lstStyle/>
+                    <a:p>
+                      <a:r>
+                        <a:rPr lang="en-CA" sz="1200" dirty="0" smtClean="0"/>
+                        <a:t>You get one</a:t>
+                      </a:r>
+                      <a:r>
+                        <a:rPr lang="en-CA" sz="1200" baseline="0" dirty="0" smtClean="0"/>
+                        <a:t> daily loot box every 4-hours. You can stack up to 2.</a:t>
+                      </a:r>
+                      <a:endParaRPr lang="en-CA" sz="1200" dirty="0"/>
+                    </a:p>
+                  </a:txBody>
+                  <a:tcPr/>
+                </a:tc>
+                <a:tc>
+                  <a:txBody>
+                    <a:bodyPr/>
+                    <a:lstStyle/>
+                    <a:p>
+                      <a:r>
+                        <a:rPr lang="en-CA" sz="1200" dirty="0" smtClean="0"/>
+                        <a:t>Immediately</a:t>
+                      </a:r>
+                      <a:endParaRPr lang="en-CA" sz="1200" dirty="0"/>
+                    </a:p>
+                  </a:txBody>
+                  <a:tcPr/>
+                </a:tc>
+                <a:tc>
+                  <a:txBody>
+                    <a:bodyPr/>
+                    <a:lstStyle/>
+                    <a:p>
+                      <a:r>
+                        <a:rPr lang="en-CA" sz="1200" dirty="0" smtClean="0"/>
+                        <a:t>Loot box scene</a:t>
+                      </a:r>
+                      <a:endParaRPr lang="en-CA" sz="1200" dirty="0"/>
+                    </a:p>
+                  </a:txBody>
+                  <a:tcPr/>
+                </a:tc>
+              </a:tr>
+              <a:tr h="370840">
+                <a:tc>
+                  <a:txBody>
+                    <a:bodyPr/>
+                    <a:lstStyle/>
+                    <a:p>
+                      <a:r>
+                        <a:rPr lang="en-CA" sz="1200" dirty="0" smtClean="0"/>
+                        <a:t>Race won</a:t>
+                      </a:r>
+                      <a:endParaRPr lang="en-CA" sz="1200" dirty="0"/>
+                    </a:p>
+                  </a:txBody>
+                  <a:tcPr/>
+                </a:tc>
+                <a:tc>
+                  <a:txBody>
+                    <a:bodyPr/>
+                    <a:lstStyle/>
+                    <a:p>
+                      <a:pPr marL="0" marR="0" indent="0" algn="l" defTabSz="914400" rtl="0" eaLnBrk="1" fontAlgn="auto" latinLnBrk="0" hangingPunct="1">
+                        <a:lnSpc>
+                          <a:spcPct val="100000"/>
+                        </a:lnSpc>
+                        <a:spcBef>
+                          <a:spcPts val="0"/>
+                        </a:spcBef>
+                        <a:spcAft>
+                          <a:spcPts val="0"/>
+                        </a:spcAft>
+                        <a:buClrTx/>
+                        <a:buSzTx/>
+                        <a:buFontTx/>
+                        <a:buNone/>
+                        <a:tabLst/>
+                        <a:defRPr/>
+                      </a:pPr>
+                      <a:r>
+                        <a:rPr lang="en-CA" sz="1200" dirty="0" smtClean="0"/>
+                        <a:t>You get a loot box if you</a:t>
+                      </a:r>
+                      <a:r>
+                        <a:rPr lang="en-CA" sz="1200" baseline="0" dirty="0" smtClean="0"/>
+                        <a:t> win the race.</a:t>
+                      </a:r>
+                      <a:endParaRPr lang="en-CA" sz="1200" dirty="0" smtClean="0"/>
+                    </a:p>
+                  </a:txBody>
+                  <a:tcPr/>
+                </a:tc>
+                <a:tc>
+                  <a:txBody>
+                    <a:bodyPr/>
+                    <a:lstStyle/>
+                    <a:p>
+                      <a:r>
+                        <a:rPr lang="en-CA" sz="1200" dirty="0" smtClean="0"/>
+                        <a:t>Delay to open.</a:t>
+                      </a:r>
+                      <a:r>
+                        <a:rPr lang="en-CA" sz="1200" baseline="0" dirty="0" smtClean="0"/>
+                        <a:t> Pay </a:t>
+                      </a:r>
+                      <a:r>
+                        <a:rPr lang="en-CA" sz="1200" dirty="0" smtClean="0"/>
+                        <a:t>Titanium </a:t>
+                      </a:r>
+                      <a:r>
+                        <a:rPr lang="en-CA" sz="1200" baseline="0" dirty="0" smtClean="0"/>
+                        <a:t>to open immediately</a:t>
+                      </a:r>
+                      <a:endParaRPr lang="en-CA" sz="1200" dirty="0"/>
+                    </a:p>
+                  </a:txBody>
+                  <a:tcPr/>
+                </a:tc>
+                <a:tc>
+                  <a:txBody>
+                    <a:bodyPr/>
+                    <a:lstStyle/>
+                    <a:p>
+                      <a:pPr marL="0" marR="0" indent="0" algn="l" defTabSz="914400" rtl="0" eaLnBrk="1" fontAlgn="auto" latinLnBrk="0" hangingPunct="1">
+                        <a:lnSpc>
+                          <a:spcPct val="100000"/>
+                        </a:lnSpc>
+                        <a:spcBef>
+                          <a:spcPts val="0"/>
+                        </a:spcBef>
+                        <a:spcAft>
+                          <a:spcPts val="0"/>
+                        </a:spcAft>
+                        <a:buClrTx/>
+                        <a:buSzTx/>
+                        <a:buFontTx/>
+                        <a:buNone/>
+                        <a:tabLst/>
+                        <a:defRPr/>
+                      </a:pPr>
+                      <a:r>
+                        <a:rPr lang="en-CA" sz="1200" dirty="0" smtClean="0"/>
+                        <a:t>Loot box scene</a:t>
+                      </a:r>
+                    </a:p>
+                    <a:p>
+                      <a:endParaRPr lang="en-CA" sz="1200" dirty="0"/>
+                    </a:p>
+                  </a:txBody>
+                  <a:tcPr/>
+                </a:tc>
+              </a:tr>
+              <a:tr h="370840">
+                <a:tc>
+                  <a:txBody>
+                    <a:bodyPr/>
+                    <a:lstStyle/>
+                    <a:p>
+                      <a:r>
+                        <a:rPr lang="en-CA" sz="1200" i="1" dirty="0" smtClean="0"/>
+                        <a:t>Crown</a:t>
+                      </a:r>
+                      <a:endParaRPr lang="en-CA" sz="1200" i="1" dirty="0"/>
+                    </a:p>
+                  </a:txBody>
+                  <a:tcPr/>
+                </a:tc>
+                <a:tc>
+                  <a:txBody>
+                    <a:bodyPr/>
+                    <a:lstStyle/>
+                    <a:p>
+                      <a:r>
+                        <a:rPr lang="en-CA" sz="1200" b="1" i="1" dirty="0" smtClean="0"/>
+                        <a:t>Not doing</a:t>
+                      </a:r>
+                      <a:endParaRPr lang="en-CA" sz="1200" b="1" i="1" dirty="0"/>
+                    </a:p>
+                  </a:txBody>
+                  <a:tcPr/>
+                </a:tc>
+                <a:tc>
+                  <a:txBody>
+                    <a:bodyPr/>
+                    <a:lstStyle/>
+                    <a:p>
+                      <a:endParaRPr lang="en-CA" sz="1200" i="1" dirty="0"/>
+                    </a:p>
+                  </a:txBody>
+                  <a:tcPr/>
+                </a:tc>
+                <a:tc>
+                  <a:txBody>
+                    <a:bodyPr/>
+                    <a:lstStyle/>
+                    <a:p>
+                      <a:endParaRPr lang="en-CA" sz="1200" i="1" dirty="0"/>
+                    </a:p>
+                  </a:txBody>
+                  <a:tcPr/>
+                </a:tc>
+              </a:tr>
+              <a:tr h="370840">
+                <a:tc>
+                  <a:txBody>
+                    <a:bodyPr/>
+                    <a:lstStyle/>
+                    <a:p>
+                      <a:r>
+                        <a:rPr lang="en-CA" sz="1200" dirty="0" smtClean="0"/>
+                        <a:t>Tournament</a:t>
+                      </a:r>
+                      <a:endParaRPr lang="en-CA" sz="1200" dirty="0"/>
+                    </a:p>
+                  </a:txBody>
+                  <a:tcPr/>
+                </a:tc>
+                <a:tc>
+                  <a:txBody>
+                    <a:bodyPr/>
+                    <a:lstStyle/>
+                    <a:p>
+                      <a:r>
+                        <a:rPr lang="en-CA" sz="1200" b="1" dirty="0" smtClean="0"/>
+                        <a:t>Future</a:t>
+                      </a:r>
+                      <a:endParaRPr lang="en-CA" sz="1200" b="1" dirty="0"/>
+                    </a:p>
+                  </a:txBody>
+                  <a:tcPr/>
+                </a:tc>
+                <a:tc>
+                  <a:txBody>
+                    <a:bodyPr/>
+                    <a:lstStyle/>
+                    <a:p>
+                      <a:r>
+                        <a:rPr lang="en-CA" sz="1200" dirty="0" smtClean="0"/>
+                        <a:t>Delay to open.</a:t>
+                      </a:r>
+                      <a:r>
+                        <a:rPr lang="en-CA" sz="1200" baseline="0" dirty="0" smtClean="0"/>
+                        <a:t> Pay </a:t>
+                      </a:r>
+                      <a:r>
+                        <a:rPr lang="en-CA" sz="1200" dirty="0" smtClean="0"/>
+                        <a:t>Titanium </a:t>
+                      </a:r>
+                      <a:r>
+                        <a:rPr lang="en-CA" sz="1200" baseline="0" dirty="0" smtClean="0"/>
+                        <a:t>to </a:t>
+                      </a:r>
+                      <a:r>
+                        <a:rPr lang="en-CA" sz="1200" baseline="0" dirty="0" smtClean="0"/>
+                        <a:t>open immediately</a:t>
+                      </a:r>
+                      <a:endParaRPr lang="en-CA" sz="1200" dirty="0"/>
+                    </a:p>
+                  </a:txBody>
+                  <a:tcPr/>
+                </a:tc>
+                <a:tc>
+                  <a:txBody>
+                    <a:bodyPr/>
+                    <a:lstStyle/>
+                    <a:p>
+                      <a:pPr marL="0" marR="0" indent="0" algn="l" defTabSz="914400" rtl="0" eaLnBrk="1" fontAlgn="auto" latinLnBrk="0" hangingPunct="1">
+                        <a:lnSpc>
+                          <a:spcPct val="100000"/>
+                        </a:lnSpc>
+                        <a:spcBef>
+                          <a:spcPts val="0"/>
+                        </a:spcBef>
+                        <a:spcAft>
+                          <a:spcPts val="0"/>
+                        </a:spcAft>
+                        <a:buClrTx/>
+                        <a:buSzTx/>
+                        <a:buFontTx/>
+                        <a:buNone/>
+                        <a:tabLst/>
+                        <a:defRPr/>
+                      </a:pPr>
+                      <a:r>
+                        <a:rPr lang="en-CA" sz="1200" dirty="0" smtClean="0"/>
+                        <a:t>Loot box scene</a:t>
+                      </a:r>
+                    </a:p>
+                  </a:txBody>
+                  <a:tcPr/>
+                </a:tc>
+              </a:tr>
+            </a:tbl>
+          </a:graphicData>
+        </a:graphic>
+      </p:graphicFrame>
+      <p:sp>
+        <p:nvSpPr>
+          <p:cNvPr id="4" name="Espace réservé du pied de page 3"/>
+          <p:cNvSpPr>
+            <a:spLocks noGrp="1"/>
+          </p:cNvSpPr>
+          <p:nvPr>
+            <p:ph type="ftr" sz="quarter" idx="11"/>
+          </p:nvPr>
+        </p:nvSpPr>
+        <p:spPr/>
+        <p:txBody>
+          <a:bodyPr/>
+          <a:lstStyle/>
+          <a:p>
+            <a:r>
+              <a:rPr lang="en-CA" smtClean="0"/>
+              <a:t>Copyright 2017 Regis Geoffrion</a:t>
+            </a:r>
+            <a:endParaRPr lang="en-CA"/>
+          </a:p>
+        </p:txBody>
+      </p:sp>
+    </p:spTree>
+    <p:extLst>
+      <p:ext uri="{BB962C8B-B14F-4D97-AF65-F5344CB8AC3E}">
+        <p14:creationId xmlns:p14="http://schemas.microsoft.com/office/powerpoint/2010/main" val="3216742536"/>
+      </p:ext>
+    </p:extLst>
+  </p:cSld>
+  <p:clrMapOvr>
+    <a:masterClrMapping/>
+  </p:clrMapOvr>
+</p:sld>
+</file>
+
+<file path=ppt/slides/slide66.xml><?xml version="1.0" encoding="utf-8"?>
+<p:sld xmlns:a="http://schemas.openxmlformats.org/drawingml/2006/main" xmlns:r="http://schemas.openxmlformats.org/officeDocument/2006/relationships" xmlns:p="http://schemas.openxmlformats.org/presentationml/2006/main">
+  <p:cSld>
+    <p:spTree>
+      <p:nvGrpSpPr>
+        <p:cNvPr id="1" name=""/>
+        <p:cNvGrpSpPr/>
+        <p:nvPr/>
+      </p:nvGrpSpPr>
+      <p:grpSpPr>
+        <a:xfrm>
+          <a:off x="0" y="0"/>
+          <a:ext cx="0" cy="0"/>
+          <a:chOff x="0" y="0"/>
+          <a:chExt cx="0" cy="0"/>
+        </a:xfrm>
+      </p:grpSpPr>
+      <p:sp>
+        <p:nvSpPr>
+          <p:cNvPr id="2" name="Titre 1"/>
+          <p:cNvSpPr>
+            <a:spLocks noGrp="1"/>
+          </p:cNvSpPr>
+          <p:nvPr>
+            <p:ph type="title"/>
+          </p:nvPr>
+        </p:nvSpPr>
+        <p:spPr/>
+        <p:txBody>
+          <a:bodyPr/>
+          <a:lstStyle/>
+          <a:p>
+            <a:endParaRPr lang="en-CA"/>
+          </a:p>
+        </p:txBody>
+      </p:sp>
+      <p:graphicFrame>
+        <p:nvGraphicFramePr>
+          <p:cNvPr id="5" name="Espace réservé du contenu 4"/>
+          <p:cNvGraphicFramePr>
+            <a:graphicFrameLocks noGrp="1"/>
+          </p:cNvGraphicFramePr>
+          <p:nvPr>
+            <p:ph idx="1"/>
+            <p:extLst>
+              <p:ext uri="{D42A27DB-BD31-4B8C-83A1-F6EECF244321}">
+                <p14:modId xmlns:p14="http://schemas.microsoft.com/office/powerpoint/2010/main" val="737073787"/>
+              </p:ext>
+            </p:extLst>
+          </p:nvPr>
+        </p:nvGraphicFramePr>
+        <p:xfrm>
+          <a:off x="581025" y="2209800"/>
+          <a:ext cx="7551327" cy="2280920"/>
+        </p:xfrm>
+        <a:graphic>
+          <a:graphicData uri="http://schemas.openxmlformats.org/drawingml/2006/table">
+            <a:tbl>
+              <a:tblPr firstRow="1" bandRow="1">
+                <a:tableStyleId>{5C22544A-7EE6-4342-B048-85BDC9FD1C3A}</a:tableStyleId>
+              </a:tblPr>
+              <a:tblGrid>
+                <a:gridCol w="1110609"/>
+                <a:gridCol w="687034"/>
+                <a:gridCol w="489682"/>
+                <a:gridCol w="489682"/>
+                <a:gridCol w="764634"/>
+                <a:gridCol w="550706"/>
+                <a:gridCol w="551233"/>
+                <a:gridCol w="969249"/>
+                <a:gridCol w="969249"/>
+                <a:gridCol w="969249"/>
+              </a:tblGrid>
+              <a:tr h="370840">
+                <a:tc>
+                  <a:txBody>
+                    <a:bodyPr/>
+                    <a:lstStyle/>
+                    <a:p>
+                      <a:r>
+                        <a:rPr lang="en-CA" sz="1100" dirty="0" smtClean="0"/>
+                        <a:t>Type</a:t>
+                      </a:r>
+                      <a:endParaRPr lang="en-CA" sz="1100" dirty="0"/>
+                    </a:p>
+                  </a:txBody>
+                  <a:tcPr/>
+                </a:tc>
+                <a:tc>
+                  <a:txBody>
+                    <a:bodyPr/>
+                    <a:lstStyle/>
+                    <a:p>
+                      <a:r>
+                        <a:rPr lang="en-CA" sz="700" dirty="0" smtClean="0"/>
+                        <a:t>Cards</a:t>
+                      </a:r>
+                    </a:p>
+                    <a:p>
+                      <a:r>
+                        <a:rPr lang="en-CA" sz="700" dirty="0" smtClean="0"/>
+                        <a:t>Common</a:t>
+                      </a:r>
+                      <a:endParaRPr lang="en-CA" sz="700" dirty="0"/>
+                    </a:p>
+                  </a:txBody>
+                  <a:tcPr/>
+                </a:tc>
+                <a:tc>
+                  <a:txBody>
+                    <a:bodyPr/>
+                    <a:lstStyle/>
+                    <a:p>
+                      <a:r>
+                        <a:rPr lang="en-CA" sz="700" dirty="0" smtClean="0"/>
+                        <a:t>Cards</a:t>
+                      </a:r>
+                    </a:p>
+                    <a:p>
+                      <a:r>
+                        <a:rPr lang="en-CA" sz="700" dirty="0" smtClean="0"/>
+                        <a:t>Rare</a:t>
+                      </a:r>
+                      <a:endParaRPr lang="en-CA" sz="700" dirty="0"/>
+                    </a:p>
+                  </a:txBody>
+                  <a:tcPr/>
+                </a:tc>
+                <a:tc>
+                  <a:txBody>
+                    <a:bodyPr/>
+                    <a:lstStyle/>
+                    <a:p>
+                      <a:r>
+                        <a:rPr lang="en-CA" sz="700" dirty="0" smtClean="0"/>
+                        <a:t>Cards</a:t>
+                      </a:r>
+                    </a:p>
+                    <a:p>
+                      <a:r>
+                        <a:rPr lang="en-CA" sz="700" dirty="0" smtClean="0"/>
+                        <a:t>Epic</a:t>
+                      </a:r>
+                      <a:endParaRPr lang="en-CA" sz="700" dirty="0"/>
+                    </a:p>
+                  </a:txBody>
+                  <a:tcPr/>
+                </a:tc>
+                <a:tc>
+                  <a:txBody>
+                    <a:bodyPr/>
+                    <a:lstStyle/>
+                    <a:p>
+                      <a:r>
+                        <a:rPr lang="en-CA" sz="700" dirty="0" smtClean="0"/>
+                        <a:t>Cards</a:t>
+                      </a:r>
+                    </a:p>
+                    <a:p>
+                      <a:r>
+                        <a:rPr lang="en-CA" sz="700" dirty="0" smtClean="0"/>
+                        <a:t>Legendary</a:t>
+                      </a:r>
+                      <a:endParaRPr lang="en-CA" sz="700" dirty="0"/>
+                    </a:p>
+                  </a:txBody>
+                  <a:tcPr/>
+                </a:tc>
+                <a:tc>
+                  <a:txBody>
+                    <a:bodyPr/>
+                    <a:lstStyle/>
+                    <a:p>
+                      <a:r>
+                        <a:rPr lang="en-CA" sz="700" dirty="0" smtClean="0"/>
+                        <a:t>Credits</a:t>
+                      </a:r>
+                      <a:endParaRPr lang="en-CA" sz="700" dirty="0"/>
+                    </a:p>
+                  </a:txBody>
+                  <a:tcPr/>
+                </a:tc>
+                <a:tc>
+                  <a:txBody>
+                    <a:bodyPr/>
+                    <a:lstStyle/>
+                    <a:p>
+                      <a:r>
+                        <a:rPr lang="en-CA" sz="700" dirty="0" smtClean="0"/>
+                        <a:t>Titanium</a:t>
+                      </a:r>
+                      <a:endParaRPr lang="en-CA" sz="700" dirty="0"/>
+                    </a:p>
+                  </a:txBody>
+                  <a:tcPr/>
+                </a:tc>
+                <a:tc>
+                  <a:txBody>
+                    <a:bodyPr/>
+                    <a:lstStyle/>
+                    <a:p>
+                      <a:r>
+                        <a:rPr lang="en-CA" sz="1100" dirty="0" smtClean="0"/>
+                        <a:t>Player </a:t>
+                      </a:r>
+                    </a:p>
+                    <a:p>
+                      <a:r>
+                        <a:rPr lang="en-CA" sz="1100" dirty="0" smtClean="0"/>
+                        <a:t>Icons</a:t>
+                      </a:r>
+                      <a:endParaRPr lang="en-CA" sz="1100" dirty="0"/>
+                    </a:p>
+                  </a:txBody>
+                  <a:tcPr/>
+                </a:tc>
+                <a:tc>
+                  <a:txBody>
+                    <a:bodyPr/>
+                    <a:lstStyle/>
+                    <a:p>
+                      <a:r>
+                        <a:rPr lang="en-CA" sz="1100" dirty="0" smtClean="0"/>
+                        <a:t>Voice</a:t>
+                      </a:r>
+                    </a:p>
+                    <a:p>
+                      <a:r>
+                        <a:rPr lang="en-CA" sz="1100" dirty="0" smtClean="0"/>
+                        <a:t>Lines</a:t>
+                      </a:r>
+                      <a:endParaRPr lang="en-CA" sz="1100" dirty="0"/>
+                    </a:p>
+                  </a:txBody>
+                  <a:tcPr/>
+                </a:tc>
+                <a:tc>
+                  <a:txBody>
+                    <a:bodyPr/>
+                    <a:lstStyle/>
+                    <a:p>
+                      <a:r>
+                        <a:rPr lang="en-CA" sz="1100" dirty="0" smtClean="0"/>
+                        <a:t>Skins</a:t>
+                      </a:r>
+                      <a:endParaRPr lang="en-CA" sz="1100" dirty="0"/>
+                    </a:p>
+                  </a:txBody>
+                  <a:tcPr/>
+                </a:tc>
+              </a:tr>
+              <a:tr h="370840">
+                <a:tc>
+                  <a:txBody>
+                    <a:bodyPr/>
+                    <a:lstStyle/>
+                    <a:p>
+                      <a:r>
+                        <a:rPr lang="en-CA" sz="1100" dirty="0" smtClean="0"/>
+                        <a:t>Level up</a:t>
+                      </a:r>
+                      <a:endParaRPr lang="en-CA" sz="1100" dirty="0"/>
+                    </a:p>
+                  </a:txBody>
+                  <a:tcPr/>
+                </a:tc>
+                <a:tc>
+                  <a:txBody>
+                    <a:bodyPr/>
+                    <a:lstStyle/>
+                    <a:p>
+                      <a:endParaRPr lang="en-CA" sz="1100" dirty="0"/>
+                    </a:p>
+                  </a:txBody>
+                  <a:tcPr/>
+                </a:tc>
+                <a:tc>
+                  <a:txBody>
+                    <a:bodyPr/>
+                    <a:lstStyle/>
+                    <a:p>
+                      <a:endParaRPr lang="en-CA" sz="1100"/>
+                    </a:p>
+                  </a:txBody>
+                  <a:tcPr/>
+                </a:tc>
+                <a:tc>
+                  <a:txBody>
+                    <a:bodyPr/>
+                    <a:lstStyle/>
+                    <a:p>
+                      <a:endParaRPr lang="en-CA" sz="1100"/>
+                    </a:p>
+                  </a:txBody>
+                  <a:tcPr/>
+                </a:tc>
+                <a:tc>
+                  <a:txBody>
+                    <a:bodyPr/>
+                    <a:lstStyle/>
+                    <a:p>
+                      <a:endParaRPr lang="en-CA" sz="1100" dirty="0"/>
+                    </a:p>
+                  </a:txBody>
+                  <a:tcPr/>
+                </a:tc>
+                <a:tc>
+                  <a:txBody>
+                    <a:bodyPr/>
+                    <a:lstStyle/>
+                    <a:p>
+                      <a:endParaRPr lang="en-CA" sz="1100"/>
+                    </a:p>
+                  </a:txBody>
+                  <a:tcPr/>
+                </a:tc>
+                <a:tc>
+                  <a:txBody>
+                    <a:bodyPr/>
+                    <a:lstStyle/>
+                    <a:p>
+                      <a:endParaRPr lang="en-CA" sz="1100"/>
+                    </a:p>
+                  </a:txBody>
+                  <a:tcPr/>
+                </a:tc>
+                <a:tc>
+                  <a:txBody>
+                    <a:bodyPr/>
+                    <a:lstStyle/>
+                    <a:p>
+                      <a:endParaRPr lang="en-CA" sz="1100"/>
+                    </a:p>
+                  </a:txBody>
+                  <a:tcPr/>
+                </a:tc>
+                <a:tc>
+                  <a:txBody>
+                    <a:bodyPr/>
+                    <a:lstStyle/>
+                    <a:p>
+                      <a:endParaRPr lang="en-CA" sz="1100"/>
+                    </a:p>
+                  </a:txBody>
+                  <a:tcPr/>
+                </a:tc>
+                <a:tc>
+                  <a:txBody>
+                    <a:bodyPr/>
+                    <a:lstStyle/>
+                    <a:p>
+                      <a:endParaRPr lang="en-CA" sz="1100"/>
+                    </a:p>
+                  </a:txBody>
+                  <a:tcPr/>
+                </a:tc>
+              </a:tr>
+              <a:tr h="370840">
+                <a:tc>
+                  <a:txBody>
+                    <a:bodyPr/>
+                    <a:lstStyle/>
+                    <a:p>
+                      <a:r>
+                        <a:rPr lang="en-CA" sz="1100" dirty="0" smtClean="0"/>
+                        <a:t>Store</a:t>
+                      </a:r>
+                      <a:endParaRPr lang="en-CA" sz="1100" dirty="0"/>
+                    </a:p>
+                  </a:txBody>
+                  <a:tcPr/>
+                </a:tc>
+                <a:tc>
+                  <a:txBody>
+                    <a:bodyPr/>
+                    <a:lstStyle/>
+                    <a:p>
+                      <a:endParaRPr lang="en-CA" sz="1100"/>
+                    </a:p>
+                  </a:txBody>
+                  <a:tcPr/>
+                </a:tc>
+                <a:tc>
+                  <a:txBody>
+                    <a:bodyPr/>
+                    <a:lstStyle/>
+                    <a:p>
+                      <a:endParaRPr lang="en-CA" sz="1100" dirty="0"/>
+                    </a:p>
+                  </a:txBody>
+                  <a:tcPr/>
+                </a:tc>
+                <a:tc>
+                  <a:txBody>
+                    <a:bodyPr/>
+                    <a:lstStyle/>
+                    <a:p>
+                      <a:endParaRPr lang="en-CA" sz="1100"/>
+                    </a:p>
+                  </a:txBody>
+                  <a:tcPr/>
+                </a:tc>
+                <a:tc>
+                  <a:txBody>
+                    <a:bodyPr/>
+                    <a:lstStyle/>
+                    <a:p>
+                      <a:endParaRPr lang="en-CA" sz="1100"/>
+                    </a:p>
+                  </a:txBody>
+                  <a:tcPr/>
+                </a:tc>
+                <a:tc>
+                  <a:txBody>
+                    <a:bodyPr/>
+                    <a:lstStyle/>
+                    <a:p>
+                      <a:endParaRPr lang="en-CA" sz="1100"/>
+                    </a:p>
+                  </a:txBody>
+                  <a:tcPr/>
+                </a:tc>
+                <a:tc>
+                  <a:txBody>
+                    <a:bodyPr/>
+                    <a:lstStyle/>
+                    <a:p>
+                      <a:endParaRPr lang="en-CA" sz="1100"/>
+                    </a:p>
+                  </a:txBody>
+                  <a:tcPr/>
+                </a:tc>
+                <a:tc>
+                  <a:txBody>
+                    <a:bodyPr/>
+                    <a:lstStyle/>
+                    <a:p>
+                      <a:endParaRPr lang="en-CA" sz="1100"/>
+                    </a:p>
+                  </a:txBody>
+                  <a:tcPr/>
+                </a:tc>
+                <a:tc>
+                  <a:txBody>
+                    <a:bodyPr/>
+                    <a:lstStyle/>
+                    <a:p>
+                      <a:endParaRPr lang="en-CA" sz="1100"/>
+                    </a:p>
+                  </a:txBody>
+                  <a:tcPr/>
+                </a:tc>
+                <a:tc>
+                  <a:txBody>
+                    <a:bodyPr/>
+                    <a:lstStyle/>
+                    <a:p>
+                      <a:endParaRPr lang="en-CA" sz="1100"/>
+                    </a:p>
+                  </a:txBody>
+                  <a:tcPr/>
+                </a:tc>
+              </a:tr>
+              <a:tr h="370840">
+                <a:tc>
+                  <a:txBody>
+                    <a:bodyPr/>
+                    <a:lstStyle/>
+                    <a:p>
+                      <a:r>
+                        <a:rPr lang="en-CA" sz="1100" dirty="0" smtClean="0"/>
+                        <a:t>Daily</a:t>
+                      </a:r>
+                      <a:endParaRPr lang="en-CA" sz="1100" dirty="0"/>
+                    </a:p>
+                  </a:txBody>
+                  <a:tcPr/>
+                </a:tc>
+                <a:tc>
+                  <a:txBody>
+                    <a:bodyPr/>
+                    <a:lstStyle/>
+                    <a:p>
+                      <a:endParaRPr lang="en-CA" sz="1100"/>
+                    </a:p>
+                  </a:txBody>
+                  <a:tcPr/>
+                </a:tc>
+                <a:tc>
+                  <a:txBody>
+                    <a:bodyPr/>
+                    <a:lstStyle/>
+                    <a:p>
+                      <a:endParaRPr lang="en-CA" sz="1100" dirty="0"/>
+                    </a:p>
+                  </a:txBody>
+                  <a:tcPr/>
+                </a:tc>
+                <a:tc>
+                  <a:txBody>
+                    <a:bodyPr/>
+                    <a:lstStyle/>
+                    <a:p>
+                      <a:endParaRPr lang="en-CA" sz="1100"/>
+                    </a:p>
+                  </a:txBody>
+                  <a:tcPr/>
+                </a:tc>
+                <a:tc>
+                  <a:txBody>
+                    <a:bodyPr/>
+                    <a:lstStyle/>
+                    <a:p>
+                      <a:endParaRPr lang="en-CA" sz="1100"/>
+                    </a:p>
+                  </a:txBody>
+                  <a:tcPr/>
+                </a:tc>
+                <a:tc>
+                  <a:txBody>
+                    <a:bodyPr/>
+                    <a:lstStyle/>
+                    <a:p>
+                      <a:endParaRPr lang="en-CA" sz="1100"/>
+                    </a:p>
+                  </a:txBody>
+                  <a:tcPr/>
+                </a:tc>
+                <a:tc>
+                  <a:txBody>
+                    <a:bodyPr/>
+                    <a:lstStyle/>
+                    <a:p>
+                      <a:endParaRPr lang="en-CA" sz="1100"/>
+                    </a:p>
+                  </a:txBody>
+                  <a:tcPr/>
+                </a:tc>
+                <a:tc>
+                  <a:txBody>
+                    <a:bodyPr/>
+                    <a:lstStyle/>
+                    <a:p>
+                      <a:endParaRPr lang="en-CA" sz="1100"/>
+                    </a:p>
+                  </a:txBody>
+                  <a:tcPr/>
+                </a:tc>
+                <a:tc>
+                  <a:txBody>
+                    <a:bodyPr/>
+                    <a:lstStyle/>
+                    <a:p>
+                      <a:endParaRPr lang="en-CA" sz="1100"/>
+                    </a:p>
+                  </a:txBody>
+                  <a:tcPr/>
+                </a:tc>
+                <a:tc>
+                  <a:txBody>
+                    <a:bodyPr/>
+                    <a:lstStyle/>
+                    <a:p>
+                      <a:endParaRPr lang="en-CA" sz="1100"/>
+                    </a:p>
+                  </a:txBody>
+                  <a:tcPr/>
+                </a:tc>
+              </a:tr>
+              <a:tr h="370840">
+                <a:tc>
+                  <a:txBody>
+                    <a:bodyPr/>
+                    <a:lstStyle/>
+                    <a:p>
+                      <a:r>
+                        <a:rPr lang="en-CA" sz="1100" dirty="0" smtClean="0"/>
+                        <a:t>Race won</a:t>
+                      </a:r>
+                      <a:endParaRPr lang="en-CA" sz="1100" dirty="0"/>
+                    </a:p>
+                  </a:txBody>
+                  <a:tcPr/>
+                </a:tc>
+                <a:tc>
+                  <a:txBody>
+                    <a:bodyPr/>
+                    <a:lstStyle/>
+                    <a:p>
+                      <a:endParaRPr lang="en-CA" sz="1100"/>
+                    </a:p>
+                  </a:txBody>
+                  <a:tcPr/>
+                </a:tc>
+                <a:tc>
+                  <a:txBody>
+                    <a:bodyPr/>
+                    <a:lstStyle/>
+                    <a:p>
+                      <a:endParaRPr lang="en-CA" sz="1100"/>
+                    </a:p>
+                  </a:txBody>
+                  <a:tcPr/>
+                </a:tc>
+                <a:tc>
+                  <a:txBody>
+                    <a:bodyPr/>
+                    <a:lstStyle/>
+                    <a:p>
+                      <a:endParaRPr lang="en-CA" sz="1100"/>
+                    </a:p>
+                  </a:txBody>
+                  <a:tcPr/>
+                </a:tc>
+                <a:tc>
+                  <a:txBody>
+                    <a:bodyPr/>
+                    <a:lstStyle/>
+                    <a:p>
+                      <a:endParaRPr lang="en-CA" sz="1100"/>
+                    </a:p>
+                  </a:txBody>
+                  <a:tcPr/>
+                </a:tc>
+                <a:tc>
+                  <a:txBody>
+                    <a:bodyPr/>
+                    <a:lstStyle/>
+                    <a:p>
+                      <a:endParaRPr lang="en-CA" sz="1100"/>
+                    </a:p>
+                  </a:txBody>
+                  <a:tcPr/>
+                </a:tc>
+                <a:tc>
+                  <a:txBody>
+                    <a:bodyPr/>
+                    <a:lstStyle/>
+                    <a:p>
+                      <a:endParaRPr lang="en-CA" sz="1100"/>
+                    </a:p>
+                  </a:txBody>
+                  <a:tcPr/>
+                </a:tc>
+                <a:tc>
+                  <a:txBody>
+                    <a:bodyPr/>
+                    <a:lstStyle/>
+                    <a:p>
+                      <a:endParaRPr lang="en-CA" sz="1100"/>
+                    </a:p>
+                  </a:txBody>
+                  <a:tcPr/>
+                </a:tc>
+                <a:tc>
+                  <a:txBody>
+                    <a:bodyPr/>
+                    <a:lstStyle/>
+                    <a:p>
+                      <a:endParaRPr lang="en-CA" sz="1100"/>
+                    </a:p>
+                  </a:txBody>
+                  <a:tcPr/>
+                </a:tc>
+                <a:tc>
+                  <a:txBody>
+                    <a:bodyPr/>
+                    <a:lstStyle/>
+                    <a:p>
+                      <a:endParaRPr lang="en-CA" sz="1100"/>
+                    </a:p>
+                  </a:txBody>
+                  <a:tcPr/>
+                </a:tc>
+              </a:tr>
+              <a:tr h="370840">
+                <a:tc>
+                  <a:txBody>
+                    <a:bodyPr/>
+                    <a:lstStyle/>
+                    <a:p>
+                      <a:endParaRPr lang="en-CA" sz="1100" dirty="0"/>
+                    </a:p>
+                  </a:txBody>
+                  <a:tcPr/>
+                </a:tc>
+                <a:tc>
+                  <a:txBody>
+                    <a:bodyPr/>
+                    <a:lstStyle/>
+                    <a:p>
+                      <a:endParaRPr lang="en-CA" sz="1100"/>
+                    </a:p>
+                  </a:txBody>
+                  <a:tcPr/>
+                </a:tc>
+                <a:tc>
+                  <a:txBody>
+                    <a:bodyPr/>
+                    <a:lstStyle/>
+                    <a:p>
+                      <a:endParaRPr lang="en-CA" sz="1100" dirty="0"/>
+                    </a:p>
+                  </a:txBody>
+                  <a:tcPr/>
+                </a:tc>
+                <a:tc>
+                  <a:txBody>
+                    <a:bodyPr/>
+                    <a:lstStyle/>
+                    <a:p>
+                      <a:endParaRPr lang="en-CA" sz="1100" dirty="0"/>
+                    </a:p>
+                  </a:txBody>
+                  <a:tcPr/>
+                </a:tc>
+                <a:tc>
+                  <a:txBody>
+                    <a:bodyPr/>
+                    <a:lstStyle/>
+                    <a:p>
+                      <a:endParaRPr lang="en-CA" sz="1100" dirty="0"/>
+                    </a:p>
+                  </a:txBody>
+                  <a:tcPr/>
+                </a:tc>
+                <a:tc>
+                  <a:txBody>
+                    <a:bodyPr/>
+                    <a:lstStyle/>
+                    <a:p>
+                      <a:endParaRPr lang="en-CA" sz="1100" dirty="0"/>
+                    </a:p>
+                  </a:txBody>
+                  <a:tcPr/>
+                </a:tc>
+                <a:tc>
+                  <a:txBody>
+                    <a:bodyPr/>
+                    <a:lstStyle/>
+                    <a:p>
+                      <a:endParaRPr lang="en-CA" sz="1100" dirty="0"/>
+                    </a:p>
+                  </a:txBody>
+                  <a:tcPr/>
+                </a:tc>
+                <a:tc>
+                  <a:txBody>
+                    <a:bodyPr/>
+                    <a:lstStyle/>
+                    <a:p>
+                      <a:endParaRPr lang="en-CA" sz="1100" dirty="0"/>
+                    </a:p>
+                  </a:txBody>
+                  <a:tcPr/>
+                </a:tc>
+                <a:tc>
+                  <a:txBody>
+                    <a:bodyPr/>
+                    <a:lstStyle/>
+                    <a:p>
+                      <a:endParaRPr lang="en-CA" sz="1100" dirty="0"/>
+                    </a:p>
+                  </a:txBody>
+                  <a:tcPr/>
+                </a:tc>
+                <a:tc>
+                  <a:txBody>
+                    <a:bodyPr/>
+                    <a:lstStyle/>
+                    <a:p>
+                      <a:endParaRPr lang="en-CA" sz="1100" dirty="0"/>
+                    </a:p>
+                  </a:txBody>
+                  <a:tcPr/>
+                </a:tc>
+              </a:tr>
+            </a:tbl>
+          </a:graphicData>
+        </a:graphic>
+      </p:graphicFrame>
+      <p:sp>
+        <p:nvSpPr>
+          <p:cNvPr id="4" name="Espace réservé du pied de page 3"/>
+          <p:cNvSpPr>
+            <a:spLocks noGrp="1"/>
+          </p:cNvSpPr>
+          <p:nvPr>
+            <p:ph type="ftr" sz="quarter" idx="11"/>
+          </p:nvPr>
+        </p:nvSpPr>
+        <p:spPr/>
+        <p:txBody>
+          <a:bodyPr/>
+          <a:lstStyle/>
+          <a:p>
+            <a:r>
+              <a:rPr lang="en-CA" smtClean="0"/>
+              <a:t>Copyright 2017 Regis Geoffrion</a:t>
+            </a:r>
+            <a:endParaRPr lang="en-CA"/>
+          </a:p>
+        </p:txBody>
+      </p:sp>
+    </p:spTree>
+    <p:extLst>
+      <p:ext uri="{BB962C8B-B14F-4D97-AF65-F5344CB8AC3E}">
+        <p14:creationId xmlns:p14="http://schemas.microsoft.com/office/powerpoint/2010/main" val="4065585357"/>
+      </p:ext>
+    </p:extLst>
+  </p:cSld>
+  <p:clrMapOvr>
+    <a:masterClrMapping/>
+  </p:clrMapOvr>
 </p:sld>
 </file>
 
